--- a/Orientation/Orientation_PostBac.pptx
+++ b/Orientation/Orientation_PostBac.pptx
@@ -6,19 +6,15 @@
   </p:sldMasterIdLst>
   <p:sldIdLst>
     <p:sldId id="256" r:id="rId2"/>
-    <p:sldId id="269" r:id="rId3"/>
-    <p:sldId id="265" r:id="rId4"/>
-    <p:sldId id="261" r:id="rId5"/>
-    <p:sldId id="257" r:id="rId6"/>
-    <p:sldId id="258" r:id="rId7"/>
-    <p:sldId id="262" r:id="rId8"/>
-    <p:sldId id="259" r:id="rId9"/>
-    <p:sldId id="260" r:id="rId10"/>
-    <p:sldId id="263" r:id="rId11"/>
-    <p:sldId id="264" r:id="rId12"/>
-    <p:sldId id="266" r:id="rId13"/>
-    <p:sldId id="267" r:id="rId14"/>
-    <p:sldId id="268" r:id="rId15"/>
+    <p:sldId id="257" r:id="rId3"/>
+    <p:sldId id="258" r:id="rId4"/>
+    <p:sldId id="265" r:id="rId5"/>
+    <p:sldId id="259" r:id="rId6"/>
+    <p:sldId id="261" r:id="rId7"/>
+    <p:sldId id="263" r:id="rId8"/>
+    <p:sldId id="262" r:id="rId9"/>
+    <p:sldId id="264" r:id="rId10"/>
+    <p:sldId id="260" r:id="rId11"/>
   </p:sldIdLst>
   <p:sldSz cx="12192000" cy="6858000"/>
   <p:notesSz cx="6858000" cy="9144000"/>
@@ -119,18 +115,7 @@
   </p:defaultTextStyle>
   <p:extLst>
     <p:ext uri="{EFAFB233-063F-42B5-8137-9DF3F51BA10A}">
-      <p15:sldGuideLst xmlns:p15="http://schemas.microsoft.com/office/powerpoint/2012/main">
-        <p15:guide id="1" orient="horz" pos="2160" userDrawn="1">
-          <p15:clr>
-            <a:srgbClr val="A4A3A4"/>
-          </p15:clr>
-        </p15:guide>
-        <p15:guide id="2" pos="3840" userDrawn="1">
-          <p15:clr>
-            <a:srgbClr val="A4A3A4"/>
-          </p15:clr>
-        </p15:guide>
-      </p15:sldGuideLst>
+      <p15:sldGuideLst xmlns:p15="http://schemas.microsoft.com/office/powerpoint/2012/main"/>
     </p:ext>
   </p:extLst>
 </p:presentation>
@@ -155,13 +140,7 @@
       </p:grpSpPr>
       <p:sp>
         <p:nvSpPr>
-          <p:cNvPr id="2" name="Titre 1">
-            <a:extLst>
-              <a:ext uri="{FF2B5EF4-FFF2-40B4-BE49-F238E27FC236}">
-                <a16:creationId xmlns:a16="http://schemas.microsoft.com/office/drawing/2014/main" id="{216EF69B-82DD-4D9F-B886-6E25C4BEE68D}"/>
-              </a:ext>
-            </a:extLst>
-          </p:cNvPr>
+          <p:cNvPr id="2" name="Titre 1"/>
           <p:cNvSpPr>
             <a:spLocks noGrp="1"/>
           </p:cNvSpPr>
@@ -179,12 +158,15 @@
           <a:bodyPr anchor="b"/>
           <a:lstStyle>
             <a:lvl1pPr algn="ctr">
-              <a:defRPr sz="6000"/>
+              <a:defRPr sz="6000">
+                <a:latin typeface="Segoe UI Semibold" panose="020B0702040204020203" pitchFamily="34" charset="0"/>
+                <a:cs typeface="Segoe UI Semibold" panose="020B0702040204020203" pitchFamily="34" charset="0"/>
+              </a:defRPr>
             </a:lvl1pPr>
           </a:lstStyle>
           <a:p>
             <a:r>
-              <a:rPr lang="fr-FR"/>
+              <a:rPr lang="fr-FR" dirty="0"/>
               <a:t>Modifiez le style du titre</a:t>
             </a:r>
           </a:p>
@@ -192,13 +174,7 @@
       </p:sp>
       <p:sp>
         <p:nvSpPr>
-          <p:cNvPr id="3" name="Sous-titre 2">
-            <a:extLst>
-              <a:ext uri="{FF2B5EF4-FFF2-40B4-BE49-F238E27FC236}">
-                <a16:creationId xmlns:a16="http://schemas.microsoft.com/office/drawing/2014/main" id="{EB5A4F70-FA51-4272-9573-2AB8FA8DC0E2}"/>
-              </a:ext>
-            </a:extLst>
-          </p:cNvPr>
+          <p:cNvPr id="3" name="Sous-titre 2"/>
           <p:cNvSpPr>
             <a:spLocks noGrp="1"/>
           </p:cNvSpPr>
@@ -255,20 +231,14 @@
           <a:p>
             <a:r>
               <a:rPr lang="fr-FR"/>
-              <a:t>Modifiez le style des sous-titres du masque</a:t>
-            </a:r>
-          </a:p>
-        </p:txBody>
-      </p:sp>
-      <p:sp>
-        <p:nvSpPr>
-          <p:cNvPr id="4" name="Espace réservé de la date 3">
-            <a:extLst>
-              <a:ext uri="{FF2B5EF4-FFF2-40B4-BE49-F238E27FC236}">
-                <a16:creationId xmlns:a16="http://schemas.microsoft.com/office/drawing/2014/main" id="{16676A89-BB65-442B-B200-2BCFBA55438C}"/>
-              </a:ext>
-            </a:extLst>
-          </p:cNvPr>
+              <a:t>Modifier le style des sous-titres du masque</a:t>
+            </a:r>
+          </a:p>
+        </p:txBody>
+      </p:sp>
+      <p:sp>
+        <p:nvSpPr>
+          <p:cNvPr id="4" name="Espace réservé de la date 3"/>
           <p:cNvSpPr>
             <a:spLocks noGrp="1"/>
           </p:cNvSpPr>
@@ -281,7 +251,7 @@
           <a:bodyPr/>
           <a:lstStyle/>
           <a:p>
-            <a:fld id="{63E5757E-6921-4F41-BFA9-C08DD9ADED9D}" type="datetimeFigureOut">
+            <a:fld id="{1A3D9B3B-1EC8-4BC4-B783-7630517B3190}" type="datetimeFigureOut">
               <a:rPr lang="fr-FR" smtClean="0"/>
               <a:t>15/03/2022</a:t>
             </a:fld>
@@ -291,13 +261,7 @@
       </p:sp>
       <p:sp>
         <p:nvSpPr>
-          <p:cNvPr id="5" name="Espace réservé du pied de page 4">
-            <a:extLst>
-              <a:ext uri="{FF2B5EF4-FFF2-40B4-BE49-F238E27FC236}">
-                <a16:creationId xmlns:a16="http://schemas.microsoft.com/office/drawing/2014/main" id="{2CFDE68F-1B0D-459B-BB25-0790D4510329}"/>
-              </a:ext>
-            </a:extLst>
-          </p:cNvPr>
+          <p:cNvPr id="5" name="Espace réservé du pied de page 4"/>
           <p:cNvSpPr>
             <a:spLocks noGrp="1"/>
           </p:cNvSpPr>
@@ -316,13 +280,7 @@
       </p:sp>
       <p:sp>
         <p:nvSpPr>
-          <p:cNvPr id="6" name="Espace réservé du numéro de diapositive 5">
-            <a:extLst>
-              <a:ext uri="{FF2B5EF4-FFF2-40B4-BE49-F238E27FC236}">
-                <a16:creationId xmlns:a16="http://schemas.microsoft.com/office/drawing/2014/main" id="{9124A080-5BE0-4979-8C44-537C62D94D84}"/>
-              </a:ext>
-            </a:extLst>
-          </p:cNvPr>
+          <p:cNvPr id="6" name="Espace réservé du numéro de diapositive 5"/>
           <p:cNvSpPr>
             <a:spLocks noGrp="1"/>
           </p:cNvSpPr>
@@ -330,12 +288,20 @@
             <p:ph type="sldNum" sz="quarter" idx="12"/>
           </p:nvPr>
         </p:nvSpPr>
-        <p:spPr/>
+        <p:spPr>
+          <a:xfrm>
+            <a:off x="9216569" y="6390141"/>
+            <a:ext cx="2743200" cy="365125"/>
+          </a:xfrm>
+          <a:prstGeom prst="rect">
+            <a:avLst/>
+          </a:prstGeom>
+        </p:spPr>
         <p:txBody>
           <a:bodyPr/>
           <a:lstStyle/>
           <a:p>
-            <a:fld id="{D53C2DDD-64DE-4F88-ADE6-0158AC9011BE}" type="slidenum">
+            <a:fld id="{02196018-509E-4570-898D-D0D576E6803E}" type="slidenum">
               <a:rPr lang="fr-FR" smtClean="0"/>
               <a:t>‹N°›</a:t>
             </a:fld>
@@ -346,7 +312,7 @@
     </p:spTree>
     <p:extLst>
       <p:ext uri="{BB962C8B-B14F-4D97-AF65-F5344CB8AC3E}">
-        <p14:creationId xmlns:p14="http://schemas.microsoft.com/office/powerpoint/2010/main" val="2692006832"/>
+        <p14:creationId xmlns:p14="http://schemas.microsoft.com/office/powerpoint/2010/main" val="4126274728"/>
       </p:ext>
     </p:extLst>
   </p:cSld>
@@ -357,6 +323,239 @@
 </file>
 
 <file path=ppt/slideLayouts/slideLayout10.xml><?xml version="1.0" encoding="utf-8"?>
+<p:sldLayout xmlns:a="http://schemas.openxmlformats.org/drawingml/2006/main" xmlns:r="http://schemas.openxmlformats.org/officeDocument/2006/relationships" xmlns:p="http://schemas.openxmlformats.org/presentationml/2006/main" type="picTx" preserve="1">
+  <p:cSld name="Titre de section XP">
+    <p:spTree>
+      <p:nvGrpSpPr>
+        <p:cNvPr id="1" name=""/>
+        <p:cNvGrpSpPr/>
+        <p:nvPr/>
+      </p:nvGrpSpPr>
+      <p:grpSpPr>
+        <a:xfrm>
+          <a:off x="0" y="0"/>
+          <a:ext cx="0" cy="0"/>
+          <a:chOff x="0" y="0"/>
+          <a:chExt cx="0" cy="0"/>
+        </a:xfrm>
+      </p:grpSpPr>
+      <p:sp>
+        <p:nvSpPr>
+          <p:cNvPr id="2" name="Titre 1"/>
+          <p:cNvSpPr>
+            <a:spLocks noGrp="1"/>
+          </p:cNvSpPr>
+          <p:nvPr>
+            <p:ph type="title"/>
+          </p:nvPr>
+        </p:nvSpPr>
+        <p:spPr>
+          <a:xfrm>
+            <a:off x="5760000" y="0"/>
+            <a:ext cx="6037553" cy="1600200"/>
+          </a:xfrm>
+        </p:spPr>
+        <p:txBody>
+          <a:bodyPr anchor="ctr" anchorCtr="0"/>
+          <a:lstStyle>
+            <a:lvl1pPr>
+              <a:defRPr sz="3200"/>
+            </a:lvl1pPr>
+          </a:lstStyle>
+          <a:p>
+            <a:r>
+              <a:rPr lang="fr-FR" dirty="0"/>
+              <a:t>Modifiez le style du titre</a:t>
+            </a:r>
+          </a:p>
+        </p:txBody>
+      </p:sp>
+      <p:sp>
+        <p:nvSpPr>
+          <p:cNvPr id="3" name="Espace réservé pour une image  2"/>
+          <p:cNvSpPr>
+            <a:spLocks noGrp="1"/>
+          </p:cNvSpPr>
+          <p:nvPr>
+            <p:ph type="pic" idx="1"/>
+          </p:nvPr>
+        </p:nvSpPr>
+        <p:spPr>
+          <a:xfrm>
+            <a:off x="0" y="0"/>
+            <a:ext cx="5760000" cy="6858000"/>
+          </a:xfrm>
+        </p:spPr>
+        <p:txBody>
+          <a:bodyPr/>
+          <a:lstStyle>
+            <a:lvl1pPr marL="0" indent="0">
+              <a:buNone/>
+              <a:defRPr sz="3200"/>
+            </a:lvl1pPr>
+            <a:lvl2pPr marL="457200" indent="0">
+              <a:buNone/>
+              <a:defRPr sz="2800"/>
+            </a:lvl2pPr>
+            <a:lvl3pPr marL="914400" indent="0">
+              <a:buNone/>
+              <a:defRPr sz="2400"/>
+            </a:lvl3pPr>
+            <a:lvl4pPr marL="1371600" indent="0">
+              <a:buNone/>
+              <a:defRPr sz="2000"/>
+            </a:lvl4pPr>
+            <a:lvl5pPr marL="1828800" indent="0">
+              <a:buNone/>
+              <a:defRPr sz="2000"/>
+            </a:lvl5pPr>
+            <a:lvl6pPr marL="2286000" indent="0">
+              <a:buNone/>
+              <a:defRPr sz="2000"/>
+            </a:lvl6pPr>
+            <a:lvl7pPr marL="2743200" indent="0">
+              <a:buNone/>
+              <a:defRPr sz="2000"/>
+            </a:lvl7pPr>
+            <a:lvl8pPr marL="3200400" indent="0">
+              <a:buNone/>
+              <a:defRPr sz="2000"/>
+            </a:lvl8pPr>
+            <a:lvl9pPr marL="3657600" indent="0">
+              <a:buNone/>
+              <a:defRPr sz="2000"/>
+            </a:lvl9pPr>
+          </a:lstStyle>
+          <a:p>
+            <a:endParaRPr lang="fr-FR"/>
+          </a:p>
+        </p:txBody>
+      </p:sp>
+      <p:sp>
+        <p:nvSpPr>
+          <p:cNvPr id="4" name="Espace réservé du texte 3"/>
+          <p:cNvSpPr>
+            <a:spLocks noGrp="1"/>
+          </p:cNvSpPr>
+          <p:nvPr>
+            <p:ph type="body" sz="half" idx="2"/>
+          </p:nvPr>
+        </p:nvSpPr>
+        <p:spPr>
+          <a:xfrm>
+            <a:off x="5800874" y="1885278"/>
+            <a:ext cx="5996679" cy="4972722"/>
+          </a:xfrm>
+        </p:spPr>
+        <p:txBody>
+          <a:bodyPr/>
+          <a:lstStyle>
+            <a:lvl1pPr marL="0" indent="0">
+              <a:buNone/>
+              <a:defRPr sz="1600"/>
+            </a:lvl1pPr>
+            <a:lvl2pPr marL="457200" indent="0">
+              <a:buNone/>
+              <a:defRPr sz="1400"/>
+            </a:lvl2pPr>
+            <a:lvl3pPr marL="914400" indent="0">
+              <a:buNone/>
+              <a:defRPr sz="1200"/>
+            </a:lvl3pPr>
+            <a:lvl4pPr marL="1371600" indent="0">
+              <a:buNone/>
+              <a:defRPr sz="1000"/>
+            </a:lvl4pPr>
+            <a:lvl5pPr marL="1828800" indent="0">
+              <a:buNone/>
+              <a:defRPr sz="1000"/>
+            </a:lvl5pPr>
+            <a:lvl6pPr marL="2286000" indent="0">
+              <a:buNone/>
+              <a:defRPr sz="1000"/>
+            </a:lvl6pPr>
+            <a:lvl7pPr marL="2743200" indent="0">
+              <a:buNone/>
+              <a:defRPr sz="1000"/>
+            </a:lvl7pPr>
+            <a:lvl8pPr marL="3200400" indent="0">
+              <a:buNone/>
+              <a:defRPr sz="1000"/>
+            </a:lvl8pPr>
+            <a:lvl9pPr marL="3657600" indent="0">
+              <a:buNone/>
+              <a:defRPr sz="1000"/>
+            </a:lvl9pPr>
+          </a:lstStyle>
+          <a:p>
+            <a:pPr lvl="0"/>
+            <a:r>
+              <a:rPr lang="fr-FR"/>
+              <a:t>Modifier les styles du texte du masque</a:t>
+            </a:r>
+          </a:p>
+        </p:txBody>
+      </p:sp>
+      <p:sp>
+        <p:nvSpPr>
+          <p:cNvPr id="8" name="Rectangle 7"/>
+          <p:cNvSpPr/>
+          <p:nvPr userDrawn="1"/>
+        </p:nvSpPr>
+        <p:spPr>
+          <a:xfrm>
+            <a:off x="7895753" y="1564341"/>
+            <a:ext cx="1766047" cy="71718"/>
+          </a:xfrm>
+          <a:prstGeom prst="rect">
+            <a:avLst/>
+          </a:prstGeom>
+          <a:solidFill>
+            <a:srgbClr val="7C8390"/>
+          </a:solidFill>
+          <a:ln>
+            <a:noFill/>
+          </a:ln>
+        </p:spPr>
+        <p:style>
+          <a:lnRef idx="2">
+            <a:schemeClr val="accent1">
+              <a:shade val="50000"/>
+            </a:schemeClr>
+          </a:lnRef>
+          <a:fillRef idx="1">
+            <a:schemeClr val="accent1"/>
+          </a:fillRef>
+          <a:effectRef idx="0">
+            <a:schemeClr val="accent1"/>
+          </a:effectRef>
+          <a:fontRef idx="minor">
+            <a:schemeClr val="lt1"/>
+          </a:fontRef>
+        </p:style>
+        <p:txBody>
+          <a:bodyPr rtlCol="0" anchor="ctr"/>
+          <a:lstStyle/>
+          <a:p>
+            <a:pPr algn="ctr"/>
+            <a:endParaRPr lang="fr-FR"/>
+          </a:p>
+        </p:txBody>
+      </p:sp>
+    </p:spTree>
+    <p:extLst>
+      <p:ext uri="{BB962C8B-B14F-4D97-AF65-F5344CB8AC3E}">
+        <p14:creationId xmlns:p14="http://schemas.microsoft.com/office/powerpoint/2010/main" val="2233188253"/>
+      </p:ext>
+    </p:extLst>
+  </p:cSld>
+  <p:clrMapOvr>
+    <a:masterClrMapping/>
+  </p:clrMapOvr>
+</p:sldLayout>
+</file>
+
+<file path=ppt/slideLayouts/slideLayout11.xml><?xml version="1.0" encoding="utf-8"?>
 <p:sldLayout xmlns:a="http://schemas.openxmlformats.org/drawingml/2006/main" xmlns:r="http://schemas.openxmlformats.org/officeDocument/2006/relationships" xmlns:p="http://schemas.openxmlformats.org/presentationml/2006/main" type="vertTx" preserve="1">
   <p:cSld name="Titre et texte vertical">
     <p:spTree>
@@ -375,13 +574,7 @@
       </p:grpSpPr>
       <p:sp>
         <p:nvSpPr>
-          <p:cNvPr id="2" name="Titre 1">
-            <a:extLst>
-              <a:ext uri="{FF2B5EF4-FFF2-40B4-BE49-F238E27FC236}">
-                <a16:creationId xmlns:a16="http://schemas.microsoft.com/office/drawing/2014/main" id="{1787C8AC-7E15-405D-9AF8-7826C2CF0070}"/>
-              </a:ext>
-            </a:extLst>
-          </p:cNvPr>
+          <p:cNvPr id="2" name="Titre 1"/>
           <p:cNvSpPr>
             <a:spLocks noGrp="1"/>
           </p:cNvSpPr>
@@ -403,13 +596,7 @@
       </p:sp>
       <p:sp>
         <p:nvSpPr>
-          <p:cNvPr id="3" name="Espace réservé du texte vertical 2">
-            <a:extLst>
-              <a:ext uri="{FF2B5EF4-FFF2-40B4-BE49-F238E27FC236}">
-                <a16:creationId xmlns:a16="http://schemas.microsoft.com/office/drawing/2014/main" id="{7182EFAE-820C-4CAE-AFBE-73414BB4F67A}"/>
-              </a:ext>
-            </a:extLst>
-          </p:cNvPr>
+          <p:cNvPr id="3" name="Espace réservé du texte vertical 2"/>
           <p:cNvSpPr>
             <a:spLocks noGrp="1"/>
           </p:cNvSpPr>
@@ -425,7 +612,7 @@
             <a:pPr lvl="0"/>
             <a:r>
               <a:rPr lang="fr-FR"/>
-              <a:t>Cliquez pour modifier les styles du texte du masque</a:t>
+              <a:t>Modifier les styles du texte du masque</a:t>
             </a:r>
           </a:p>
           <a:p>
@@ -460,13 +647,7 @@
       </p:sp>
       <p:sp>
         <p:nvSpPr>
-          <p:cNvPr id="4" name="Espace réservé de la date 3">
-            <a:extLst>
-              <a:ext uri="{FF2B5EF4-FFF2-40B4-BE49-F238E27FC236}">
-                <a16:creationId xmlns:a16="http://schemas.microsoft.com/office/drawing/2014/main" id="{24EE204A-1AA5-4020-8897-005BF20845E6}"/>
-              </a:ext>
-            </a:extLst>
-          </p:cNvPr>
+          <p:cNvPr id="4" name="Espace réservé de la date 3"/>
           <p:cNvSpPr>
             <a:spLocks noGrp="1"/>
           </p:cNvSpPr>
@@ -479,7 +660,7 @@
           <a:bodyPr/>
           <a:lstStyle/>
           <a:p>
-            <a:fld id="{63E5757E-6921-4F41-BFA9-C08DD9ADED9D}" type="datetimeFigureOut">
+            <a:fld id="{1A3D9B3B-1EC8-4BC4-B783-7630517B3190}" type="datetimeFigureOut">
               <a:rPr lang="fr-FR" smtClean="0"/>
               <a:t>15/03/2022</a:t>
             </a:fld>
@@ -489,13 +670,7 @@
       </p:sp>
       <p:sp>
         <p:nvSpPr>
-          <p:cNvPr id="5" name="Espace réservé du pied de page 4">
-            <a:extLst>
-              <a:ext uri="{FF2B5EF4-FFF2-40B4-BE49-F238E27FC236}">
-                <a16:creationId xmlns:a16="http://schemas.microsoft.com/office/drawing/2014/main" id="{FC6309E5-7853-4733-A7A4-58F3A6B0EAA8}"/>
-              </a:ext>
-            </a:extLst>
-          </p:cNvPr>
+          <p:cNvPr id="5" name="Espace réservé du pied de page 4"/>
           <p:cNvSpPr>
             <a:spLocks noGrp="1"/>
           </p:cNvSpPr>
@@ -514,13 +689,7 @@
       </p:sp>
       <p:sp>
         <p:nvSpPr>
-          <p:cNvPr id="6" name="Espace réservé du numéro de diapositive 5">
-            <a:extLst>
-              <a:ext uri="{FF2B5EF4-FFF2-40B4-BE49-F238E27FC236}">
-                <a16:creationId xmlns:a16="http://schemas.microsoft.com/office/drawing/2014/main" id="{1E7D49C1-15AE-4108-A775-E41E900691E6}"/>
-              </a:ext>
-            </a:extLst>
-          </p:cNvPr>
+          <p:cNvPr id="6" name="Espace réservé du numéro de diapositive 5"/>
           <p:cNvSpPr>
             <a:spLocks noGrp="1"/>
           </p:cNvSpPr>
@@ -528,12 +697,20 @@
             <p:ph type="sldNum" sz="quarter" idx="12"/>
           </p:nvPr>
         </p:nvSpPr>
-        <p:spPr/>
+        <p:spPr>
+          <a:xfrm>
+            <a:off x="9216569" y="6390141"/>
+            <a:ext cx="2743200" cy="365125"/>
+          </a:xfrm>
+          <a:prstGeom prst="rect">
+            <a:avLst/>
+          </a:prstGeom>
+        </p:spPr>
         <p:txBody>
           <a:bodyPr/>
           <a:lstStyle/>
           <a:p>
-            <a:fld id="{D53C2DDD-64DE-4F88-ADE6-0158AC9011BE}" type="slidenum">
+            <a:fld id="{02196018-509E-4570-898D-D0D576E6803E}" type="slidenum">
               <a:rPr lang="fr-FR" smtClean="0"/>
               <a:t>‹N°›</a:t>
             </a:fld>
@@ -544,7 +721,7 @@
     </p:spTree>
     <p:extLst>
       <p:ext uri="{BB962C8B-B14F-4D97-AF65-F5344CB8AC3E}">
-        <p14:creationId xmlns:p14="http://schemas.microsoft.com/office/powerpoint/2010/main" val="1864428000"/>
+        <p14:creationId xmlns:p14="http://schemas.microsoft.com/office/powerpoint/2010/main" val="2571073775"/>
       </p:ext>
     </p:extLst>
   </p:cSld>
@@ -554,7 +731,7 @@
 </p:sldLayout>
 </file>
 
-<file path=ppt/slideLayouts/slideLayout11.xml><?xml version="1.0" encoding="utf-8"?>
+<file path=ppt/slideLayouts/slideLayout12.xml><?xml version="1.0" encoding="utf-8"?>
 <p:sldLayout xmlns:a="http://schemas.openxmlformats.org/drawingml/2006/main" xmlns:r="http://schemas.openxmlformats.org/officeDocument/2006/relationships" xmlns:p="http://schemas.openxmlformats.org/presentationml/2006/main" type="vertTitleAndTx" preserve="1">
   <p:cSld name="Titre vertical et texte">
     <p:spTree>
@@ -573,13 +750,7 @@
       </p:grpSpPr>
       <p:sp>
         <p:nvSpPr>
-          <p:cNvPr id="2" name="Titre vertical 1">
-            <a:extLst>
-              <a:ext uri="{FF2B5EF4-FFF2-40B4-BE49-F238E27FC236}">
-                <a16:creationId xmlns:a16="http://schemas.microsoft.com/office/drawing/2014/main" id="{4EED7C5E-A9B6-44E5-943F-E8C075EC5186}"/>
-              </a:ext>
-            </a:extLst>
-          </p:cNvPr>
+          <p:cNvPr id="2" name="Titre vertical 1"/>
           <p:cNvSpPr>
             <a:spLocks noGrp="1"/>
           </p:cNvSpPr>
@@ -606,13 +777,7 @@
       </p:sp>
       <p:sp>
         <p:nvSpPr>
-          <p:cNvPr id="3" name="Espace réservé du texte vertical 2">
-            <a:extLst>
-              <a:ext uri="{FF2B5EF4-FFF2-40B4-BE49-F238E27FC236}">
-                <a16:creationId xmlns:a16="http://schemas.microsoft.com/office/drawing/2014/main" id="{32160F77-91C3-4029-AA8B-96F13F4B7C87}"/>
-              </a:ext>
-            </a:extLst>
-          </p:cNvPr>
+          <p:cNvPr id="3" name="Espace réservé du texte vertical 2"/>
           <p:cNvSpPr>
             <a:spLocks noGrp="1"/>
           </p:cNvSpPr>
@@ -633,7 +798,7 @@
             <a:pPr lvl="0"/>
             <a:r>
               <a:rPr lang="fr-FR"/>
-              <a:t>Cliquez pour modifier les styles du texte du masque</a:t>
+              <a:t>Modifier les styles du texte du masque</a:t>
             </a:r>
           </a:p>
           <a:p>
@@ -668,13 +833,7 @@
       </p:sp>
       <p:sp>
         <p:nvSpPr>
-          <p:cNvPr id="4" name="Espace réservé de la date 3">
-            <a:extLst>
-              <a:ext uri="{FF2B5EF4-FFF2-40B4-BE49-F238E27FC236}">
-                <a16:creationId xmlns:a16="http://schemas.microsoft.com/office/drawing/2014/main" id="{6332400B-E124-4056-BD5B-FAEB6F91AE7E}"/>
-              </a:ext>
-            </a:extLst>
-          </p:cNvPr>
+          <p:cNvPr id="4" name="Espace réservé de la date 3"/>
           <p:cNvSpPr>
             <a:spLocks noGrp="1"/>
           </p:cNvSpPr>
@@ -687,7 +846,7 @@
           <a:bodyPr/>
           <a:lstStyle/>
           <a:p>
-            <a:fld id="{63E5757E-6921-4F41-BFA9-C08DD9ADED9D}" type="datetimeFigureOut">
+            <a:fld id="{1A3D9B3B-1EC8-4BC4-B783-7630517B3190}" type="datetimeFigureOut">
               <a:rPr lang="fr-FR" smtClean="0"/>
               <a:t>15/03/2022</a:t>
             </a:fld>
@@ -697,13 +856,7 @@
       </p:sp>
       <p:sp>
         <p:nvSpPr>
-          <p:cNvPr id="5" name="Espace réservé du pied de page 4">
-            <a:extLst>
-              <a:ext uri="{FF2B5EF4-FFF2-40B4-BE49-F238E27FC236}">
-                <a16:creationId xmlns:a16="http://schemas.microsoft.com/office/drawing/2014/main" id="{AAE3D02F-A637-4D8E-A8B9-AAB34CE91B88}"/>
-              </a:ext>
-            </a:extLst>
-          </p:cNvPr>
+          <p:cNvPr id="5" name="Espace réservé du pied de page 4"/>
           <p:cNvSpPr>
             <a:spLocks noGrp="1"/>
           </p:cNvSpPr>
@@ -722,13 +875,7 @@
       </p:sp>
       <p:sp>
         <p:nvSpPr>
-          <p:cNvPr id="6" name="Espace réservé du numéro de diapositive 5">
-            <a:extLst>
-              <a:ext uri="{FF2B5EF4-FFF2-40B4-BE49-F238E27FC236}">
-                <a16:creationId xmlns:a16="http://schemas.microsoft.com/office/drawing/2014/main" id="{596B32E5-3DBD-4AD5-B037-83F047D542FF}"/>
-              </a:ext>
-            </a:extLst>
-          </p:cNvPr>
+          <p:cNvPr id="6" name="Espace réservé du numéro de diapositive 5"/>
           <p:cNvSpPr>
             <a:spLocks noGrp="1"/>
           </p:cNvSpPr>
@@ -736,12 +883,20 @@
             <p:ph type="sldNum" sz="quarter" idx="12"/>
           </p:nvPr>
         </p:nvSpPr>
-        <p:spPr/>
+        <p:spPr>
+          <a:xfrm>
+            <a:off x="9216569" y="6390141"/>
+            <a:ext cx="2743200" cy="365125"/>
+          </a:xfrm>
+          <a:prstGeom prst="rect">
+            <a:avLst/>
+          </a:prstGeom>
+        </p:spPr>
         <p:txBody>
           <a:bodyPr/>
           <a:lstStyle/>
           <a:p>
-            <a:fld id="{D53C2DDD-64DE-4F88-ADE6-0158AC9011BE}" type="slidenum">
+            <a:fld id="{02196018-509E-4570-898D-D0D576E6803E}" type="slidenum">
               <a:rPr lang="fr-FR" smtClean="0"/>
               <a:t>‹N°›</a:t>
             </a:fld>
@@ -752,7 +907,7 @@
     </p:spTree>
     <p:extLst>
       <p:ext uri="{BB962C8B-B14F-4D97-AF65-F5344CB8AC3E}">
-        <p14:creationId xmlns:p14="http://schemas.microsoft.com/office/powerpoint/2010/main" val="2074159351"/>
+        <p14:creationId xmlns:p14="http://schemas.microsoft.com/office/powerpoint/2010/main" val="1149263762"/>
       </p:ext>
     </p:extLst>
   </p:cSld>
@@ -781,13 +936,7 @@
       </p:grpSpPr>
       <p:sp>
         <p:nvSpPr>
-          <p:cNvPr id="2" name="Titre 1">
-            <a:extLst>
-              <a:ext uri="{FF2B5EF4-FFF2-40B4-BE49-F238E27FC236}">
-                <a16:creationId xmlns:a16="http://schemas.microsoft.com/office/drawing/2014/main" id="{E53D6274-B295-4A76-AEAF-E0550EF0178C}"/>
-              </a:ext>
-            </a:extLst>
-          </p:cNvPr>
+          <p:cNvPr id="2" name="Titre 1"/>
           <p:cNvSpPr>
             <a:spLocks noGrp="1"/>
           </p:cNvSpPr>
@@ -809,13 +958,7 @@
       </p:sp>
       <p:sp>
         <p:nvSpPr>
-          <p:cNvPr id="3" name="Espace réservé du contenu 2">
-            <a:extLst>
-              <a:ext uri="{FF2B5EF4-FFF2-40B4-BE49-F238E27FC236}">
-                <a16:creationId xmlns:a16="http://schemas.microsoft.com/office/drawing/2014/main" id="{E46685AB-A066-4946-9EFD-BD152F5AC2C7}"/>
-              </a:ext>
-            </a:extLst>
-          </p:cNvPr>
+          <p:cNvPr id="3" name="Espace réservé du contenu 2"/>
           <p:cNvSpPr>
             <a:spLocks noGrp="1"/>
           </p:cNvSpPr>
@@ -831,7 +974,7 @@
             <a:pPr lvl="0"/>
             <a:r>
               <a:rPr lang="fr-FR"/>
-              <a:t>Cliquez pour modifier les styles du texte du masque</a:t>
+              <a:t>Modifier les styles du texte du masque</a:t>
             </a:r>
           </a:p>
           <a:p>
@@ -866,13 +1009,7 @@
       </p:sp>
       <p:sp>
         <p:nvSpPr>
-          <p:cNvPr id="4" name="Espace réservé de la date 3">
-            <a:extLst>
-              <a:ext uri="{FF2B5EF4-FFF2-40B4-BE49-F238E27FC236}">
-                <a16:creationId xmlns:a16="http://schemas.microsoft.com/office/drawing/2014/main" id="{EF919773-A6E9-48A5-99F1-7068A415490E}"/>
-              </a:ext>
-            </a:extLst>
-          </p:cNvPr>
+          <p:cNvPr id="4" name="Espace réservé de la date 3"/>
           <p:cNvSpPr>
             <a:spLocks noGrp="1"/>
           </p:cNvSpPr>
@@ -885,7 +1022,7 @@
           <a:bodyPr/>
           <a:lstStyle/>
           <a:p>
-            <a:fld id="{63E5757E-6921-4F41-BFA9-C08DD9ADED9D}" type="datetimeFigureOut">
+            <a:fld id="{1A3D9B3B-1EC8-4BC4-B783-7630517B3190}" type="datetimeFigureOut">
               <a:rPr lang="fr-FR" smtClean="0"/>
               <a:t>15/03/2022</a:t>
             </a:fld>
@@ -895,13 +1032,7 @@
       </p:sp>
       <p:sp>
         <p:nvSpPr>
-          <p:cNvPr id="5" name="Espace réservé du pied de page 4">
-            <a:extLst>
-              <a:ext uri="{FF2B5EF4-FFF2-40B4-BE49-F238E27FC236}">
-                <a16:creationId xmlns:a16="http://schemas.microsoft.com/office/drawing/2014/main" id="{57257760-5CBF-49D6-AC74-F6530AF8C48C}"/>
-              </a:ext>
-            </a:extLst>
-          </p:cNvPr>
+          <p:cNvPr id="5" name="Espace réservé du pied de page 4"/>
           <p:cNvSpPr>
             <a:spLocks noGrp="1"/>
           </p:cNvSpPr>
@@ -920,13 +1051,7 @@
       </p:sp>
       <p:sp>
         <p:nvSpPr>
-          <p:cNvPr id="6" name="Espace réservé du numéro de diapositive 5">
-            <a:extLst>
-              <a:ext uri="{FF2B5EF4-FFF2-40B4-BE49-F238E27FC236}">
-                <a16:creationId xmlns:a16="http://schemas.microsoft.com/office/drawing/2014/main" id="{55E866B1-6C6F-4BA6-A1ED-50369E2AE0FD}"/>
-              </a:ext>
-            </a:extLst>
-          </p:cNvPr>
+          <p:cNvPr id="6" name="Espace réservé du numéro de diapositive 5"/>
           <p:cNvSpPr>
             <a:spLocks noGrp="1"/>
           </p:cNvSpPr>
@@ -934,12 +1059,20 @@
             <p:ph type="sldNum" sz="quarter" idx="12"/>
           </p:nvPr>
         </p:nvSpPr>
-        <p:spPr/>
+        <p:spPr>
+          <a:xfrm>
+            <a:off x="9216569" y="6390141"/>
+            <a:ext cx="2743200" cy="365125"/>
+          </a:xfrm>
+          <a:prstGeom prst="rect">
+            <a:avLst/>
+          </a:prstGeom>
+        </p:spPr>
         <p:txBody>
           <a:bodyPr/>
           <a:lstStyle/>
           <a:p>
-            <a:fld id="{D53C2DDD-64DE-4F88-ADE6-0158AC9011BE}" type="slidenum">
+            <a:fld id="{02196018-509E-4570-898D-D0D576E6803E}" type="slidenum">
               <a:rPr lang="fr-FR" smtClean="0"/>
               <a:t>‹N°›</a:t>
             </a:fld>
@@ -947,10 +1080,108 @@
           </a:p>
         </p:txBody>
       </p:sp>
+      <p:sp>
+        <p:nvSpPr>
+          <p:cNvPr id="7" name="Rectangle 6"/>
+          <p:cNvSpPr/>
+          <p:nvPr userDrawn="1"/>
+        </p:nvSpPr>
+        <p:spPr>
+          <a:xfrm>
+            <a:off x="5212976" y="995083"/>
+            <a:ext cx="1766047" cy="71718"/>
+          </a:xfrm>
+          <a:prstGeom prst="rect">
+            <a:avLst/>
+          </a:prstGeom>
+          <a:solidFill>
+            <a:srgbClr val="7C8390"/>
+          </a:solidFill>
+          <a:ln>
+            <a:noFill/>
+          </a:ln>
+        </p:spPr>
+        <p:style>
+          <a:lnRef idx="2">
+            <a:schemeClr val="accent1">
+              <a:shade val="50000"/>
+            </a:schemeClr>
+          </a:lnRef>
+          <a:fillRef idx="1">
+            <a:schemeClr val="accent1"/>
+          </a:fillRef>
+          <a:effectRef idx="0">
+            <a:schemeClr val="accent1"/>
+          </a:effectRef>
+          <a:fontRef idx="minor">
+            <a:schemeClr val="lt1"/>
+          </a:fontRef>
+        </p:style>
+        <p:txBody>
+          <a:bodyPr rtlCol="0" anchor="ctr"/>
+          <a:lstStyle/>
+          <a:p>
+            <a:pPr algn="ctr"/>
+            <a:endParaRPr lang="fr-FR"/>
+          </a:p>
+        </p:txBody>
+      </p:sp>
+      <p:sp>
+        <p:nvSpPr>
+          <p:cNvPr id="8" name="Rectangle 7">
+            <a:extLst>
+              <a:ext uri="{FF2B5EF4-FFF2-40B4-BE49-F238E27FC236}">
+                <a16:creationId xmlns:a16="http://schemas.microsoft.com/office/drawing/2014/main" id="{8878B4D8-0AF6-4333-9EA0-1AECAE022804}"/>
+              </a:ext>
+            </a:extLst>
+          </p:cNvPr>
+          <p:cNvSpPr/>
+          <p:nvPr userDrawn="1"/>
+        </p:nvSpPr>
+        <p:spPr>
+          <a:xfrm>
+            <a:off x="5212976" y="6343170"/>
+            <a:ext cx="1766047" cy="71718"/>
+          </a:xfrm>
+          <a:prstGeom prst="rect">
+            <a:avLst/>
+          </a:prstGeom>
+          <a:solidFill>
+            <a:srgbClr val="7C8390"/>
+          </a:solidFill>
+          <a:ln>
+            <a:noFill/>
+          </a:ln>
+        </p:spPr>
+        <p:style>
+          <a:lnRef idx="2">
+            <a:schemeClr val="accent1">
+              <a:shade val="50000"/>
+            </a:schemeClr>
+          </a:lnRef>
+          <a:fillRef idx="1">
+            <a:schemeClr val="accent1"/>
+          </a:fillRef>
+          <a:effectRef idx="0">
+            <a:schemeClr val="accent1"/>
+          </a:effectRef>
+          <a:fontRef idx="minor">
+            <a:schemeClr val="lt1"/>
+          </a:fontRef>
+        </p:style>
+        <p:txBody>
+          <a:bodyPr rtlCol="0" anchor="ctr"/>
+          <a:lstStyle/>
+          <a:p>
+            <a:pPr algn="ctr"/>
+            <a:endParaRPr lang="fr-FR"/>
+          </a:p>
+        </p:txBody>
+      </p:sp>
     </p:spTree>
     <p:extLst>
       <p:ext uri="{BB962C8B-B14F-4D97-AF65-F5344CB8AC3E}">
-        <p14:creationId xmlns:p14="http://schemas.microsoft.com/office/powerpoint/2010/main" val="1372397846"/>
+        <p14:creationId xmlns:p14="http://schemas.microsoft.com/office/powerpoint/2010/main" val="511762762"/>
       </p:ext>
     </p:extLst>
   </p:cSld>
@@ -979,13 +1210,7 @@
       </p:grpSpPr>
       <p:sp>
         <p:nvSpPr>
-          <p:cNvPr id="2" name="Titre 1">
-            <a:extLst>
-              <a:ext uri="{FF2B5EF4-FFF2-40B4-BE49-F238E27FC236}">
-                <a16:creationId xmlns:a16="http://schemas.microsoft.com/office/drawing/2014/main" id="{6CDC6C83-77FA-4929-AB81-8C04D7EEED40}"/>
-              </a:ext>
-            </a:extLst>
-          </p:cNvPr>
+          <p:cNvPr id="2" name="Titre 1"/>
           <p:cNvSpPr>
             <a:spLocks noGrp="1"/>
           </p:cNvSpPr>
@@ -1016,13 +1241,7 @@
       </p:sp>
       <p:sp>
         <p:nvSpPr>
-          <p:cNvPr id="3" name="Espace réservé du texte 2">
-            <a:extLst>
-              <a:ext uri="{FF2B5EF4-FFF2-40B4-BE49-F238E27FC236}">
-                <a16:creationId xmlns:a16="http://schemas.microsoft.com/office/drawing/2014/main" id="{F366800D-F3FA-42F1-B3E1-85B6E4B7DC8C}"/>
-              </a:ext>
-            </a:extLst>
-          </p:cNvPr>
+          <p:cNvPr id="3" name="Espace réservé du texte 2"/>
           <p:cNvSpPr>
             <a:spLocks noGrp="1"/>
           </p:cNvSpPr>
@@ -1134,20 +1353,14 @@
             <a:pPr lvl="0"/>
             <a:r>
               <a:rPr lang="fr-FR"/>
-              <a:t>Cliquez pour modifier les styles du texte du masque</a:t>
-            </a:r>
-          </a:p>
-        </p:txBody>
-      </p:sp>
-      <p:sp>
-        <p:nvSpPr>
-          <p:cNvPr id="4" name="Espace réservé de la date 3">
-            <a:extLst>
-              <a:ext uri="{FF2B5EF4-FFF2-40B4-BE49-F238E27FC236}">
-                <a16:creationId xmlns:a16="http://schemas.microsoft.com/office/drawing/2014/main" id="{6F0A8E38-8436-4424-B26F-11FA8EA54541}"/>
-              </a:ext>
-            </a:extLst>
-          </p:cNvPr>
+              <a:t>Modifier les styles du texte du masque</a:t>
+            </a:r>
+          </a:p>
+        </p:txBody>
+      </p:sp>
+      <p:sp>
+        <p:nvSpPr>
+          <p:cNvPr id="4" name="Espace réservé de la date 3"/>
           <p:cNvSpPr>
             <a:spLocks noGrp="1"/>
           </p:cNvSpPr>
@@ -1160,7 +1373,7 @@
           <a:bodyPr/>
           <a:lstStyle/>
           <a:p>
-            <a:fld id="{63E5757E-6921-4F41-BFA9-C08DD9ADED9D}" type="datetimeFigureOut">
+            <a:fld id="{1A3D9B3B-1EC8-4BC4-B783-7630517B3190}" type="datetimeFigureOut">
               <a:rPr lang="fr-FR" smtClean="0"/>
               <a:t>15/03/2022</a:t>
             </a:fld>
@@ -1170,13 +1383,7 @@
       </p:sp>
       <p:sp>
         <p:nvSpPr>
-          <p:cNvPr id="5" name="Espace réservé du pied de page 4">
-            <a:extLst>
-              <a:ext uri="{FF2B5EF4-FFF2-40B4-BE49-F238E27FC236}">
-                <a16:creationId xmlns:a16="http://schemas.microsoft.com/office/drawing/2014/main" id="{68233436-1A56-4116-8517-27385D020438}"/>
-              </a:ext>
-            </a:extLst>
-          </p:cNvPr>
+          <p:cNvPr id="5" name="Espace réservé du pied de page 4"/>
           <p:cNvSpPr>
             <a:spLocks noGrp="1"/>
           </p:cNvSpPr>
@@ -1195,13 +1402,7 @@
       </p:sp>
       <p:sp>
         <p:nvSpPr>
-          <p:cNvPr id="6" name="Espace réservé du numéro de diapositive 5">
-            <a:extLst>
-              <a:ext uri="{FF2B5EF4-FFF2-40B4-BE49-F238E27FC236}">
-                <a16:creationId xmlns:a16="http://schemas.microsoft.com/office/drawing/2014/main" id="{8BE89CED-7684-42A4-8AA7-3EE9FAEADDD2}"/>
-              </a:ext>
-            </a:extLst>
-          </p:cNvPr>
+          <p:cNvPr id="6" name="Espace réservé du numéro de diapositive 5"/>
           <p:cNvSpPr>
             <a:spLocks noGrp="1"/>
           </p:cNvSpPr>
@@ -1209,12 +1410,20 @@
             <p:ph type="sldNum" sz="quarter" idx="12"/>
           </p:nvPr>
         </p:nvSpPr>
-        <p:spPr/>
+        <p:spPr>
+          <a:xfrm>
+            <a:off x="9216569" y="6390141"/>
+            <a:ext cx="2743200" cy="365125"/>
+          </a:xfrm>
+          <a:prstGeom prst="rect">
+            <a:avLst/>
+          </a:prstGeom>
+        </p:spPr>
         <p:txBody>
           <a:bodyPr/>
           <a:lstStyle/>
           <a:p>
-            <a:fld id="{D53C2DDD-64DE-4F88-ADE6-0158AC9011BE}" type="slidenum">
+            <a:fld id="{02196018-509E-4570-898D-D0D576E6803E}" type="slidenum">
               <a:rPr lang="fr-FR" smtClean="0"/>
               <a:t>‹N°›</a:t>
             </a:fld>
@@ -1225,7 +1434,7 @@
     </p:spTree>
     <p:extLst>
       <p:ext uri="{BB962C8B-B14F-4D97-AF65-F5344CB8AC3E}">
-        <p14:creationId xmlns:p14="http://schemas.microsoft.com/office/powerpoint/2010/main" val="1906912955"/>
+        <p14:creationId xmlns:p14="http://schemas.microsoft.com/office/powerpoint/2010/main" val="1867529929"/>
       </p:ext>
     </p:extLst>
   </p:cSld>
@@ -1254,13 +1463,7 @@
       </p:grpSpPr>
       <p:sp>
         <p:nvSpPr>
-          <p:cNvPr id="2" name="Titre 1">
-            <a:extLst>
-              <a:ext uri="{FF2B5EF4-FFF2-40B4-BE49-F238E27FC236}">
-                <a16:creationId xmlns:a16="http://schemas.microsoft.com/office/drawing/2014/main" id="{99E301E4-9541-4AB5-9846-66F95864AF22}"/>
-              </a:ext>
-            </a:extLst>
-          </p:cNvPr>
+          <p:cNvPr id="2" name="Titre 1"/>
           <p:cNvSpPr>
             <a:spLocks noGrp="1"/>
           </p:cNvSpPr>
@@ -1282,13 +1485,7 @@
       </p:sp>
       <p:sp>
         <p:nvSpPr>
-          <p:cNvPr id="3" name="Espace réservé du contenu 2">
-            <a:extLst>
-              <a:ext uri="{FF2B5EF4-FFF2-40B4-BE49-F238E27FC236}">
-                <a16:creationId xmlns:a16="http://schemas.microsoft.com/office/drawing/2014/main" id="{028694B9-2074-4E8B-A09A-81F74C44DC6C}"/>
-              </a:ext>
-            </a:extLst>
-          </p:cNvPr>
+          <p:cNvPr id="3" name="Espace réservé du contenu 2"/>
           <p:cNvSpPr>
             <a:spLocks noGrp="1"/>
           </p:cNvSpPr>
@@ -1309,7 +1506,7 @@
             <a:pPr lvl="0"/>
             <a:r>
               <a:rPr lang="fr-FR"/>
-              <a:t>Cliquez pour modifier les styles du texte du masque</a:t>
+              <a:t>Modifier les styles du texte du masque</a:t>
             </a:r>
           </a:p>
           <a:p>
@@ -1344,13 +1541,7 @@
       </p:sp>
       <p:sp>
         <p:nvSpPr>
-          <p:cNvPr id="4" name="Espace réservé du contenu 3">
-            <a:extLst>
-              <a:ext uri="{FF2B5EF4-FFF2-40B4-BE49-F238E27FC236}">
-                <a16:creationId xmlns:a16="http://schemas.microsoft.com/office/drawing/2014/main" id="{22A97829-0F2A-4E5D-B5A4-6FF2F385B930}"/>
-              </a:ext>
-            </a:extLst>
-          </p:cNvPr>
+          <p:cNvPr id="4" name="Espace réservé du contenu 3"/>
           <p:cNvSpPr>
             <a:spLocks noGrp="1"/>
           </p:cNvSpPr>
@@ -1371,7 +1562,7 @@
             <a:pPr lvl="0"/>
             <a:r>
               <a:rPr lang="fr-FR"/>
-              <a:t>Cliquez pour modifier les styles du texte du masque</a:t>
+              <a:t>Modifier les styles du texte du masque</a:t>
             </a:r>
           </a:p>
           <a:p>
@@ -1406,13 +1597,7 @@
       </p:sp>
       <p:sp>
         <p:nvSpPr>
-          <p:cNvPr id="5" name="Espace réservé de la date 4">
-            <a:extLst>
-              <a:ext uri="{FF2B5EF4-FFF2-40B4-BE49-F238E27FC236}">
-                <a16:creationId xmlns:a16="http://schemas.microsoft.com/office/drawing/2014/main" id="{E9819493-0A80-4493-9987-52861A24E9F1}"/>
-              </a:ext>
-            </a:extLst>
-          </p:cNvPr>
+          <p:cNvPr id="5" name="Espace réservé de la date 4"/>
           <p:cNvSpPr>
             <a:spLocks noGrp="1"/>
           </p:cNvSpPr>
@@ -1425,7 +1610,7 @@
           <a:bodyPr/>
           <a:lstStyle/>
           <a:p>
-            <a:fld id="{63E5757E-6921-4F41-BFA9-C08DD9ADED9D}" type="datetimeFigureOut">
+            <a:fld id="{1A3D9B3B-1EC8-4BC4-B783-7630517B3190}" type="datetimeFigureOut">
               <a:rPr lang="fr-FR" smtClean="0"/>
               <a:t>15/03/2022</a:t>
             </a:fld>
@@ -1435,13 +1620,7 @@
       </p:sp>
       <p:sp>
         <p:nvSpPr>
-          <p:cNvPr id="6" name="Espace réservé du pied de page 5">
-            <a:extLst>
-              <a:ext uri="{FF2B5EF4-FFF2-40B4-BE49-F238E27FC236}">
-                <a16:creationId xmlns:a16="http://schemas.microsoft.com/office/drawing/2014/main" id="{3B462021-D183-4995-879E-A319D24A1CAB}"/>
-              </a:ext>
-            </a:extLst>
-          </p:cNvPr>
+          <p:cNvPr id="6" name="Espace réservé du pied de page 5"/>
           <p:cNvSpPr>
             <a:spLocks noGrp="1"/>
           </p:cNvSpPr>
@@ -1460,13 +1639,7 @@
       </p:sp>
       <p:sp>
         <p:nvSpPr>
-          <p:cNvPr id="7" name="Espace réservé du numéro de diapositive 6">
-            <a:extLst>
-              <a:ext uri="{FF2B5EF4-FFF2-40B4-BE49-F238E27FC236}">
-                <a16:creationId xmlns:a16="http://schemas.microsoft.com/office/drawing/2014/main" id="{1AB81429-4AFA-4FD7-B9DC-38CBC2F821BF}"/>
-              </a:ext>
-            </a:extLst>
-          </p:cNvPr>
+          <p:cNvPr id="7" name="Espace réservé du numéro de diapositive 6"/>
           <p:cNvSpPr>
             <a:spLocks noGrp="1"/>
           </p:cNvSpPr>
@@ -1474,12 +1647,20 @@
             <p:ph type="sldNum" sz="quarter" idx="12"/>
           </p:nvPr>
         </p:nvSpPr>
-        <p:spPr/>
+        <p:spPr>
+          <a:xfrm>
+            <a:off x="9216569" y="6390141"/>
+            <a:ext cx="2743200" cy="365125"/>
+          </a:xfrm>
+          <a:prstGeom prst="rect">
+            <a:avLst/>
+          </a:prstGeom>
+        </p:spPr>
         <p:txBody>
           <a:bodyPr/>
           <a:lstStyle/>
           <a:p>
-            <a:fld id="{D53C2DDD-64DE-4F88-ADE6-0158AC9011BE}" type="slidenum">
+            <a:fld id="{02196018-509E-4570-898D-D0D576E6803E}" type="slidenum">
               <a:rPr lang="fr-FR" smtClean="0"/>
               <a:t>‹N°›</a:t>
             </a:fld>
@@ -1487,10 +1668,108 @@
           </a:p>
         </p:txBody>
       </p:sp>
+      <p:sp>
+        <p:nvSpPr>
+          <p:cNvPr id="8" name="Rectangle 7"/>
+          <p:cNvSpPr/>
+          <p:nvPr userDrawn="1"/>
+        </p:nvSpPr>
+        <p:spPr>
+          <a:xfrm>
+            <a:off x="5212976" y="995083"/>
+            <a:ext cx="1766047" cy="71718"/>
+          </a:xfrm>
+          <a:prstGeom prst="rect">
+            <a:avLst/>
+          </a:prstGeom>
+          <a:solidFill>
+            <a:srgbClr val="7C8390"/>
+          </a:solidFill>
+          <a:ln>
+            <a:noFill/>
+          </a:ln>
+        </p:spPr>
+        <p:style>
+          <a:lnRef idx="2">
+            <a:schemeClr val="accent1">
+              <a:shade val="50000"/>
+            </a:schemeClr>
+          </a:lnRef>
+          <a:fillRef idx="1">
+            <a:schemeClr val="accent1"/>
+          </a:fillRef>
+          <a:effectRef idx="0">
+            <a:schemeClr val="accent1"/>
+          </a:effectRef>
+          <a:fontRef idx="minor">
+            <a:schemeClr val="lt1"/>
+          </a:fontRef>
+        </p:style>
+        <p:txBody>
+          <a:bodyPr rtlCol="0" anchor="ctr"/>
+          <a:lstStyle/>
+          <a:p>
+            <a:pPr algn="ctr"/>
+            <a:endParaRPr lang="fr-FR"/>
+          </a:p>
+        </p:txBody>
+      </p:sp>
+      <p:sp>
+        <p:nvSpPr>
+          <p:cNvPr id="9" name="Rectangle 8">
+            <a:extLst>
+              <a:ext uri="{FF2B5EF4-FFF2-40B4-BE49-F238E27FC236}">
+                <a16:creationId xmlns:a16="http://schemas.microsoft.com/office/drawing/2014/main" id="{BC2C988A-86D5-4929-883E-AA87E0B5469F}"/>
+              </a:ext>
+            </a:extLst>
+          </p:cNvPr>
+          <p:cNvSpPr/>
+          <p:nvPr userDrawn="1"/>
+        </p:nvSpPr>
+        <p:spPr>
+          <a:xfrm>
+            <a:off x="5212976" y="6343170"/>
+            <a:ext cx="1766047" cy="71718"/>
+          </a:xfrm>
+          <a:prstGeom prst="rect">
+            <a:avLst/>
+          </a:prstGeom>
+          <a:solidFill>
+            <a:srgbClr val="7C8390"/>
+          </a:solidFill>
+          <a:ln>
+            <a:noFill/>
+          </a:ln>
+        </p:spPr>
+        <p:style>
+          <a:lnRef idx="2">
+            <a:schemeClr val="accent1">
+              <a:shade val="50000"/>
+            </a:schemeClr>
+          </a:lnRef>
+          <a:fillRef idx="1">
+            <a:schemeClr val="accent1"/>
+          </a:fillRef>
+          <a:effectRef idx="0">
+            <a:schemeClr val="accent1"/>
+          </a:effectRef>
+          <a:fontRef idx="minor">
+            <a:schemeClr val="lt1"/>
+          </a:fontRef>
+        </p:style>
+        <p:txBody>
+          <a:bodyPr rtlCol="0" anchor="ctr"/>
+          <a:lstStyle/>
+          <a:p>
+            <a:pPr algn="ctr"/>
+            <a:endParaRPr lang="fr-FR"/>
+          </a:p>
+        </p:txBody>
+      </p:sp>
     </p:spTree>
     <p:extLst>
       <p:ext uri="{BB962C8B-B14F-4D97-AF65-F5344CB8AC3E}">
-        <p14:creationId xmlns:p14="http://schemas.microsoft.com/office/powerpoint/2010/main" val="391591302"/>
+        <p14:creationId xmlns:p14="http://schemas.microsoft.com/office/powerpoint/2010/main" val="3956721002"/>
       </p:ext>
     </p:extLst>
   </p:cSld>
@@ -1519,13 +1798,7 @@
       </p:grpSpPr>
       <p:sp>
         <p:nvSpPr>
-          <p:cNvPr id="2" name="Titre 1">
-            <a:extLst>
-              <a:ext uri="{FF2B5EF4-FFF2-40B4-BE49-F238E27FC236}">
-                <a16:creationId xmlns:a16="http://schemas.microsoft.com/office/drawing/2014/main" id="{D91A3AB3-CD2B-411F-80EA-63AF63D4F7BA}"/>
-              </a:ext>
-            </a:extLst>
-          </p:cNvPr>
+          <p:cNvPr id="2" name="Titre 1"/>
           <p:cNvSpPr>
             <a:spLocks noGrp="1"/>
           </p:cNvSpPr>
@@ -1552,13 +1825,7 @@
       </p:sp>
       <p:sp>
         <p:nvSpPr>
-          <p:cNvPr id="3" name="Espace réservé du texte 2">
-            <a:extLst>
-              <a:ext uri="{FF2B5EF4-FFF2-40B4-BE49-F238E27FC236}">
-                <a16:creationId xmlns:a16="http://schemas.microsoft.com/office/drawing/2014/main" id="{8459482F-E0F2-4B2E-BE9C-DAD939D38808}"/>
-              </a:ext>
-            </a:extLst>
-          </p:cNvPr>
+          <p:cNvPr id="3" name="Espace réservé du texte 2"/>
           <p:cNvSpPr>
             <a:spLocks noGrp="1"/>
           </p:cNvSpPr>
@@ -1616,20 +1883,14 @@
             <a:pPr lvl="0"/>
             <a:r>
               <a:rPr lang="fr-FR"/>
-              <a:t>Cliquez pour modifier les styles du texte du masque</a:t>
-            </a:r>
-          </a:p>
-        </p:txBody>
-      </p:sp>
-      <p:sp>
-        <p:nvSpPr>
-          <p:cNvPr id="4" name="Espace réservé du contenu 3">
-            <a:extLst>
-              <a:ext uri="{FF2B5EF4-FFF2-40B4-BE49-F238E27FC236}">
-                <a16:creationId xmlns:a16="http://schemas.microsoft.com/office/drawing/2014/main" id="{F48BC5CC-7928-4B7A-AF9C-39A382D5301E}"/>
-              </a:ext>
-            </a:extLst>
-          </p:cNvPr>
+              <a:t>Modifier les styles du texte du masque</a:t>
+            </a:r>
+          </a:p>
+        </p:txBody>
+      </p:sp>
+      <p:sp>
+        <p:nvSpPr>
+          <p:cNvPr id="4" name="Espace réservé du contenu 3"/>
           <p:cNvSpPr>
             <a:spLocks noGrp="1"/>
           </p:cNvSpPr>
@@ -1650,7 +1911,7 @@
             <a:pPr lvl="0"/>
             <a:r>
               <a:rPr lang="fr-FR"/>
-              <a:t>Cliquez pour modifier les styles du texte du masque</a:t>
+              <a:t>Modifier les styles du texte du masque</a:t>
             </a:r>
           </a:p>
           <a:p>
@@ -1685,13 +1946,7 @@
       </p:sp>
       <p:sp>
         <p:nvSpPr>
-          <p:cNvPr id="5" name="Espace réservé du texte 4">
-            <a:extLst>
-              <a:ext uri="{FF2B5EF4-FFF2-40B4-BE49-F238E27FC236}">
-                <a16:creationId xmlns:a16="http://schemas.microsoft.com/office/drawing/2014/main" id="{D848C4DE-585B-4472-A03E-7F0A2AFB2333}"/>
-              </a:ext>
-            </a:extLst>
-          </p:cNvPr>
+          <p:cNvPr id="5" name="Espace réservé du texte 4"/>
           <p:cNvSpPr>
             <a:spLocks noGrp="1"/>
           </p:cNvSpPr>
@@ -1749,20 +2004,14 @@
             <a:pPr lvl="0"/>
             <a:r>
               <a:rPr lang="fr-FR"/>
-              <a:t>Cliquez pour modifier les styles du texte du masque</a:t>
-            </a:r>
-          </a:p>
-        </p:txBody>
-      </p:sp>
-      <p:sp>
-        <p:nvSpPr>
-          <p:cNvPr id="6" name="Espace réservé du contenu 5">
-            <a:extLst>
-              <a:ext uri="{FF2B5EF4-FFF2-40B4-BE49-F238E27FC236}">
-                <a16:creationId xmlns:a16="http://schemas.microsoft.com/office/drawing/2014/main" id="{C5F0904F-D279-4738-9866-D325810C9382}"/>
-              </a:ext>
-            </a:extLst>
-          </p:cNvPr>
+              <a:t>Modifier les styles du texte du masque</a:t>
+            </a:r>
+          </a:p>
+        </p:txBody>
+      </p:sp>
+      <p:sp>
+        <p:nvSpPr>
+          <p:cNvPr id="6" name="Espace réservé du contenu 5"/>
           <p:cNvSpPr>
             <a:spLocks noGrp="1"/>
           </p:cNvSpPr>
@@ -1783,7 +2032,7 @@
             <a:pPr lvl="0"/>
             <a:r>
               <a:rPr lang="fr-FR"/>
-              <a:t>Cliquez pour modifier les styles du texte du masque</a:t>
+              <a:t>Modifier les styles du texte du masque</a:t>
             </a:r>
           </a:p>
           <a:p>
@@ -1818,13 +2067,7 @@
       </p:sp>
       <p:sp>
         <p:nvSpPr>
-          <p:cNvPr id="7" name="Espace réservé de la date 6">
-            <a:extLst>
-              <a:ext uri="{FF2B5EF4-FFF2-40B4-BE49-F238E27FC236}">
-                <a16:creationId xmlns:a16="http://schemas.microsoft.com/office/drawing/2014/main" id="{32A81E80-32A9-446D-8CB9-6AA308E90540}"/>
-              </a:ext>
-            </a:extLst>
-          </p:cNvPr>
+          <p:cNvPr id="7" name="Espace réservé de la date 6"/>
           <p:cNvSpPr>
             <a:spLocks noGrp="1"/>
           </p:cNvSpPr>
@@ -1837,7 +2080,7 @@
           <a:bodyPr/>
           <a:lstStyle/>
           <a:p>
-            <a:fld id="{63E5757E-6921-4F41-BFA9-C08DD9ADED9D}" type="datetimeFigureOut">
+            <a:fld id="{1A3D9B3B-1EC8-4BC4-B783-7630517B3190}" type="datetimeFigureOut">
               <a:rPr lang="fr-FR" smtClean="0"/>
               <a:t>15/03/2022</a:t>
             </a:fld>
@@ -1847,13 +2090,7 @@
       </p:sp>
       <p:sp>
         <p:nvSpPr>
-          <p:cNvPr id="8" name="Espace réservé du pied de page 7">
-            <a:extLst>
-              <a:ext uri="{FF2B5EF4-FFF2-40B4-BE49-F238E27FC236}">
-                <a16:creationId xmlns:a16="http://schemas.microsoft.com/office/drawing/2014/main" id="{F7CF5FD3-A1F4-4F5A-9078-76DC56E3BA1A}"/>
-              </a:ext>
-            </a:extLst>
-          </p:cNvPr>
+          <p:cNvPr id="8" name="Espace réservé du pied de page 7"/>
           <p:cNvSpPr>
             <a:spLocks noGrp="1"/>
           </p:cNvSpPr>
@@ -1872,13 +2109,7 @@
       </p:sp>
       <p:sp>
         <p:nvSpPr>
-          <p:cNvPr id="9" name="Espace réservé du numéro de diapositive 8">
-            <a:extLst>
-              <a:ext uri="{FF2B5EF4-FFF2-40B4-BE49-F238E27FC236}">
-                <a16:creationId xmlns:a16="http://schemas.microsoft.com/office/drawing/2014/main" id="{23147495-5D1B-44B7-B201-CDEC336D64F4}"/>
-              </a:ext>
-            </a:extLst>
-          </p:cNvPr>
+          <p:cNvPr id="9" name="Espace réservé du numéro de diapositive 8"/>
           <p:cNvSpPr>
             <a:spLocks noGrp="1"/>
           </p:cNvSpPr>
@@ -1886,12 +2117,20 @@
             <p:ph type="sldNum" sz="quarter" idx="12"/>
           </p:nvPr>
         </p:nvSpPr>
-        <p:spPr/>
+        <p:spPr>
+          <a:xfrm>
+            <a:off x="9216569" y="6390141"/>
+            <a:ext cx="2743200" cy="365125"/>
+          </a:xfrm>
+          <a:prstGeom prst="rect">
+            <a:avLst/>
+          </a:prstGeom>
+        </p:spPr>
         <p:txBody>
           <a:bodyPr/>
           <a:lstStyle/>
           <a:p>
-            <a:fld id="{D53C2DDD-64DE-4F88-ADE6-0158AC9011BE}" type="slidenum">
+            <a:fld id="{02196018-509E-4570-898D-D0D576E6803E}" type="slidenum">
               <a:rPr lang="fr-FR" smtClean="0"/>
               <a:t>‹N°›</a:t>
             </a:fld>
@@ -1899,10 +2138,62 @@
           </a:p>
         </p:txBody>
       </p:sp>
+      <p:sp>
+        <p:nvSpPr>
+          <p:cNvPr id="10" name="Rectangle 9">
+            <a:extLst>
+              <a:ext uri="{FF2B5EF4-FFF2-40B4-BE49-F238E27FC236}">
+                <a16:creationId xmlns:a16="http://schemas.microsoft.com/office/drawing/2014/main" id="{5C9499D1-B137-4EF3-AEF5-391B484E80BC}"/>
+              </a:ext>
+            </a:extLst>
+          </p:cNvPr>
+          <p:cNvSpPr/>
+          <p:nvPr userDrawn="1"/>
+        </p:nvSpPr>
+        <p:spPr>
+          <a:xfrm>
+            <a:off x="5212976" y="6343170"/>
+            <a:ext cx="1766047" cy="71718"/>
+          </a:xfrm>
+          <a:prstGeom prst="rect">
+            <a:avLst/>
+          </a:prstGeom>
+          <a:solidFill>
+            <a:srgbClr val="7C8390"/>
+          </a:solidFill>
+          <a:ln>
+            <a:noFill/>
+          </a:ln>
+        </p:spPr>
+        <p:style>
+          <a:lnRef idx="2">
+            <a:schemeClr val="accent1">
+              <a:shade val="50000"/>
+            </a:schemeClr>
+          </a:lnRef>
+          <a:fillRef idx="1">
+            <a:schemeClr val="accent1"/>
+          </a:fillRef>
+          <a:effectRef idx="0">
+            <a:schemeClr val="accent1"/>
+          </a:effectRef>
+          <a:fontRef idx="minor">
+            <a:schemeClr val="lt1"/>
+          </a:fontRef>
+        </p:style>
+        <p:txBody>
+          <a:bodyPr rtlCol="0" anchor="ctr"/>
+          <a:lstStyle/>
+          <a:p>
+            <a:pPr algn="ctr"/>
+            <a:endParaRPr lang="fr-FR"/>
+          </a:p>
+        </p:txBody>
+      </p:sp>
     </p:spTree>
     <p:extLst>
       <p:ext uri="{BB962C8B-B14F-4D97-AF65-F5344CB8AC3E}">
-        <p14:creationId xmlns:p14="http://schemas.microsoft.com/office/powerpoint/2010/main" val="3307836108"/>
+        <p14:creationId xmlns:p14="http://schemas.microsoft.com/office/powerpoint/2010/main" val="1065524623"/>
       </p:ext>
     </p:extLst>
   </p:cSld>
@@ -1931,13 +2222,7 @@
       </p:grpSpPr>
       <p:sp>
         <p:nvSpPr>
-          <p:cNvPr id="2" name="Titre 1">
-            <a:extLst>
-              <a:ext uri="{FF2B5EF4-FFF2-40B4-BE49-F238E27FC236}">
-                <a16:creationId xmlns:a16="http://schemas.microsoft.com/office/drawing/2014/main" id="{6942F322-D89C-459C-98AD-E9B1078CF26E}"/>
-              </a:ext>
-            </a:extLst>
-          </p:cNvPr>
+          <p:cNvPr id="2" name="Titre 1"/>
           <p:cNvSpPr>
             <a:spLocks noGrp="1"/>
           </p:cNvSpPr>
@@ -1959,13 +2244,7 @@
       </p:sp>
       <p:sp>
         <p:nvSpPr>
-          <p:cNvPr id="3" name="Espace réservé de la date 2">
-            <a:extLst>
-              <a:ext uri="{FF2B5EF4-FFF2-40B4-BE49-F238E27FC236}">
-                <a16:creationId xmlns:a16="http://schemas.microsoft.com/office/drawing/2014/main" id="{3FF1FA7D-92A4-49BD-A83C-335780B87F78}"/>
-              </a:ext>
-            </a:extLst>
-          </p:cNvPr>
+          <p:cNvPr id="3" name="Espace réservé de la date 2"/>
           <p:cNvSpPr>
             <a:spLocks noGrp="1"/>
           </p:cNvSpPr>
@@ -1978,7 +2257,7 @@
           <a:bodyPr/>
           <a:lstStyle/>
           <a:p>
-            <a:fld id="{63E5757E-6921-4F41-BFA9-C08DD9ADED9D}" type="datetimeFigureOut">
+            <a:fld id="{1A3D9B3B-1EC8-4BC4-B783-7630517B3190}" type="datetimeFigureOut">
               <a:rPr lang="fr-FR" smtClean="0"/>
               <a:t>15/03/2022</a:t>
             </a:fld>
@@ -1988,13 +2267,7 @@
       </p:sp>
       <p:sp>
         <p:nvSpPr>
-          <p:cNvPr id="4" name="Espace réservé du pied de page 3">
-            <a:extLst>
-              <a:ext uri="{FF2B5EF4-FFF2-40B4-BE49-F238E27FC236}">
-                <a16:creationId xmlns:a16="http://schemas.microsoft.com/office/drawing/2014/main" id="{2AFDA3FC-34D8-45AB-A6C6-179D5C08416E}"/>
-              </a:ext>
-            </a:extLst>
-          </p:cNvPr>
+          <p:cNvPr id="4" name="Espace réservé du pied de page 3"/>
           <p:cNvSpPr>
             <a:spLocks noGrp="1"/>
           </p:cNvSpPr>
@@ -2013,13 +2286,7 @@
       </p:sp>
       <p:sp>
         <p:nvSpPr>
-          <p:cNvPr id="5" name="Espace réservé du numéro de diapositive 4">
-            <a:extLst>
-              <a:ext uri="{FF2B5EF4-FFF2-40B4-BE49-F238E27FC236}">
-                <a16:creationId xmlns:a16="http://schemas.microsoft.com/office/drawing/2014/main" id="{C3A5ED9A-7C4F-4E64-AB14-F8298947A56E}"/>
-              </a:ext>
-            </a:extLst>
-          </p:cNvPr>
+          <p:cNvPr id="5" name="Espace réservé du numéro de diapositive 4"/>
           <p:cNvSpPr>
             <a:spLocks noGrp="1"/>
           </p:cNvSpPr>
@@ -2027,12 +2294,20 @@
             <p:ph type="sldNum" sz="quarter" idx="12"/>
           </p:nvPr>
         </p:nvSpPr>
-        <p:spPr/>
+        <p:spPr>
+          <a:xfrm>
+            <a:off x="9216569" y="6390141"/>
+            <a:ext cx="2743200" cy="365125"/>
+          </a:xfrm>
+          <a:prstGeom prst="rect">
+            <a:avLst/>
+          </a:prstGeom>
+        </p:spPr>
         <p:txBody>
           <a:bodyPr/>
           <a:lstStyle/>
           <a:p>
-            <a:fld id="{D53C2DDD-64DE-4F88-ADE6-0158AC9011BE}" type="slidenum">
+            <a:fld id="{02196018-509E-4570-898D-D0D576E6803E}" type="slidenum">
               <a:rPr lang="fr-FR" smtClean="0"/>
               <a:t>‹N°›</a:t>
             </a:fld>
@@ -2040,10 +2315,108 @@
           </a:p>
         </p:txBody>
       </p:sp>
+      <p:sp>
+        <p:nvSpPr>
+          <p:cNvPr id="6" name="Rectangle 5"/>
+          <p:cNvSpPr/>
+          <p:nvPr userDrawn="1"/>
+        </p:nvSpPr>
+        <p:spPr>
+          <a:xfrm>
+            <a:off x="5212976" y="995083"/>
+            <a:ext cx="1766047" cy="71718"/>
+          </a:xfrm>
+          <a:prstGeom prst="rect">
+            <a:avLst/>
+          </a:prstGeom>
+          <a:solidFill>
+            <a:srgbClr val="7C8390"/>
+          </a:solidFill>
+          <a:ln>
+            <a:noFill/>
+          </a:ln>
+        </p:spPr>
+        <p:style>
+          <a:lnRef idx="2">
+            <a:schemeClr val="accent1">
+              <a:shade val="50000"/>
+            </a:schemeClr>
+          </a:lnRef>
+          <a:fillRef idx="1">
+            <a:schemeClr val="accent1"/>
+          </a:fillRef>
+          <a:effectRef idx="0">
+            <a:schemeClr val="accent1"/>
+          </a:effectRef>
+          <a:fontRef idx="minor">
+            <a:schemeClr val="lt1"/>
+          </a:fontRef>
+        </p:style>
+        <p:txBody>
+          <a:bodyPr rtlCol="0" anchor="ctr"/>
+          <a:lstStyle/>
+          <a:p>
+            <a:pPr algn="ctr"/>
+            <a:endParaRPr lang="fr-FR"/>
+          </a:p>
+        </p:txBody>
+      </p:sp>
+      <p:sp>
+        <p:nvSpPr>
+          <p:cNvPr id="7" name="Rectangle 6">
+            <a:extLst>
+              <a:ext uri="{FF2B5EF4-FFF2-40B4-BE49-F238E27FC236}">
+                <a16:creationId xmlns:a16="http://schemas.microsoft.com/office/drawing/2014/main" id="{4CB73E03-3F8D-4EE2-9E67-8E6C0F72509A}"/>
+              </a:ext>
+            </a:extLst>
+          </p:cNvPr>
+          <p:cNvSpPr/>
+          <p:nvPr userDrawn="1"/>
+        </p:nvSpPr>
+        <p:spPr>
+          <a:xfrm>
+            <a:off x="5212976" y="6343170"/>
+            <a:ext cx="1766047" cy="71718"/>
+          </a:xfrm>
+          <a:prstGeom prst="rect">
+            <a:avLst/>
+          </a:prstGeom>
+          <a:solidFill>
+            <a:srgbClr val="7C8390"/>
+          </a:solidFill>
+          <a:ln>
+            <a:noFill/>
+          </a:ln>
+        </p:spPr>
+        <p:style>
+          <a:lnRef idx="2">
+            <a:schemeClr val="accent1">
+              <a:shade val="50000"/>
+            </a:schemeClr>
+          </a:lnRef>
+          <a:fillRef idx="1">
+            <a:schemeClr val="accent1"/>
+          </a:fillRef>
+          <a:effectRef idx="0">
+            <a:schemeClr val="accent1"/>
+          </a:effectRef>
+          <a:fontRef idx="minor">
+            <a:schemeClr val="lt1"/>
+          </a:fontRef>
+        </p:style>
+        <p:txBody>
+          <a:bodyPr rtlCol="0" anchor="ctr"/>
+          <a:lstStyle/>
+          <a:p>
+            <a:pPr algn="ctr"/>
+            <a:endParaRPr lang="fr-FR"/>
+          </a:p>
+        </p:txBody>
+      </p:sp>
     </p:spTree>
     <p:extLst>
       <p:ext uri="{BB962C8B-B14F-4D97-AF65-F5344CB8AC3E}">
-        <p14:creationId xmlns:p14="http://schemas.microsoft.com/office/powerpoint/2010/main" val="639132593"/>
+        <p14:creationId xmlns:p14="http://schemas.microsoft.com/office/powerpoint/2010/main" val="384841449"/>
       </p:ext>
     </p:extLst>
   </p:cSld>
@@ -2072,13 +2445,7 @@
       </p:grpSpPr>
       <p:sp>
         <p:nvSpPr>
-          <p:cNvPr id="2" name="Espace réservé de la date 1">
-            <a:extLst>
-              <a:ext uri="{FF2B5EF4-FFF2-40B4-BE49-F238E27FC236}">
-                <a16:creationId xmlns:a16="http://schemas.microsoft.com/office/drawing/2014/main" id="{7D0D8518-86B5-42C5-ABD6-A4DE417EC43F}"/>
-              </a:ext>
-            </a:extLst>
-          </p:cNvPr>
+          <p:cNvPr id="2" name="Espace réservé de la date 1"/>
           <p:cNvSpPr>
             <a:spLocks noGrp="1"/>
           </p:cNvSpPr>
@@ -2091,7 +2458,7 @@
           <a:bodyPr/>
           <a:lstStyle/>
           <a:p>
-            <a:fld id="{63E5757E-6921-4F41-BFA9-C08DD9ADED9D}" type="datetimeFigureOut">
+            <a:fld id="{1A3D9B3B-1EC8-4BC4-B783-7630517B3190}" type="datetimeFigureOut">
               <a:rPr lang="fr-FR" smtClean="0"/>
               <a:t>15/03/2022</a:t>
             </a:fld>
@@ -2101,13 +2468,7 @@
       </p:sp>
       <p:sp>
         <p:nvSpPr>
-          <p:cNvPr id="3" name="Espace réservé du pied de page 2">
-            <a:extLst>
-              <a:ext uri="{FF2B5EF4-FFF2-40B4-BE49-F238E27FC236}">
-                <a16:creationId xmlns:a16="http://schemas.microsoft.com/office/drawing/2014/main" id="{531336A4-A470-4708-BD15-9CC315A7E399}"/>
-              </a:ext>
-            </a:extLst>
-          </p:cNvPr>
+          <p:cNvPr id="3" name="Espace réservé du pied de page 2"/>
           <p:cNvSpPr>
             <a:spLocks noGrp="1"/>
           </p:cNvSpPr>
@@ -2126,13 +2487,7 @@
       </p:sp>
       <p:sp>
         <p:nvSpPr>
-          <p:cNvPr id="4" name="Espace réservé du numéro de diapositive 3">
-            <a:extLst>
-              <a:ext uri="{FF2B5EF4-FFF2-40B4-BE49-F238E27FC236}">
-                <a16:creationId xmlns:a16="http://schemas.microsoft.com/office/drawing/2014/main" id="{EC356B8E-F32E-4C2E-8A58-211DD3696076}"/>
-              </a:ext>
-            </a:extLst>
-          </p:cNvPr>
+          <p:cNvPr id="4" name="Espace réservé du numéro de diapositive 3"/>
           <p:cNvSpPr>
             <a:spLocks noGrp="1"/>
           </p:cNvSpPr>
@@ -2140,12 +2495,20 @@
             <p:ph type="sldNum" sz="quarter" idx="12"/>
           </p:nvPr>
         </p:nvSpPr>
-        <p:spPr/>
+        <p:spPr>
+          <a:xfrm>
+            <a:off x="9216569" y="6390141"/>
+            <a:ext cx="2743200" cy="365125"/>
+          </a:xfrm>
+          <a:prstGeom prst="rect">
+            <a:avLst/>
+          </a:prstGeom>
+        </p:spPr>
         <p:txBody>
           <a:bodyPr/>
           <a:lstStyle/>
           <a:p>
-            <a:fld id="{D53C2DDD-64DE-4F88-ADE6-0158AC9011BE}" type="slidenum">
+            <a:fld id="{02196018-509E-4570-898D-D0D576E6803E}" type="slidenum">
               <a:rPr lang="fr-FR" smtClean="0"/>
               <a:t>‹N°›</a:t>
             </a:fld>
@@ -2156,7 +2519,7 @@
     </p:spTree>
     <p:extLst>
       <p:ext uri="{BB962C8B-B14F-4D97-AF65-F5344CB8AC3E}">
-        <p14:creationId xmlns:p14="http://schemas.microsoft.com/office/powerpoint/2010/main" val="2391443998"/>
+        <p14:creationId xmlns:p14="http://schemas.microsoft.com/office/powerpoint/2010/main" val="4276163451"/>
       </p:ext>
     </p:extLst>
   </p:cSld>
@@ -2185,13 +2548,7 @@
       </p:grpSpPr>
       <p:sp>
         <p:nvSpPr>
-          <p:cNvPr id="2" name="Titre 1">
-            <a:extLst>
-              <a:ext uri="{FF2B5EF4-FFF2-40B4-BE49-F238E27FC236}">
-                <a16:creationId xmlns:a16="http://schemas.microsoft.com/office/drawing/2014/main" id="{2BD8F4E3-61A9-4702-AF35-37DAE2DB7952}"/>
-              </a:ext>
-            </a:extLst>
-          </p:cNvPr>
+          <p:cNvPr id="2" name="Titre 1"/>
           <p:cNvSpPr>
             <a:spLocks noGrp="1"/>
           </p:cNvSpPr>
@@ -2222,13 +2579,7 @@
       </p:sp>
       <p:sp>
         <p:nvSpPr>
-          <p:cNvPr id="3" name="Espace réservé du contenu 2">
-            <a:extLst>
-              <a:ext uri="{FF2B5EF4-FFF2-40B4-BE49-F238E27FC236}">
-                <a16:creationId xmlns:a16="http://schemas.microsoft.com/office/drawing/2014/main" id="{1F83F5D0-2D12-4DBD-B5D5-9AE23EFE06B0}"/>
-              </a:ext>
-            </a:extLst>
-          </p:cNvPr>
+          <p:cNvPr id="3" name="Espace réservé du contenu 2"/>
           <p:cNvSpPr>
             <a:spLocks noGrp="1"/>
           </p:cNvSpPr>
@@ -2277,7 +2628,7 @@
             <a:pPr lvl="0"/>
             <a:r>
               <a:rPr lang="fr-FR"/>
-              <a:t>Cliquez pour modifier les styles du texte du masque</a:t>
+              <a:t>Modifier les styles du texte du masque</a:t>
             </a:r>
           </a:p>
           <a:p>
@@ -2312,13 +2663,7 @@
       </p:sp>
       <p:sp>
         <p:nvSpPr>
-          <p:cNvPr id="4" name="Espace réservé du texte 3">
-            <a:extLst>
-              <a:ext uri="{FF2B5EF4-FFF2-40B4-BE49-F238E27FC236}">
-                <a16:creationId xmlns:a16="http://schemas.microsoft.com/office/drawing/2014/main" id="{E97CF76C-53A0-47BB-9C9A-3EF423DE40B8}"/>
-              </a:ext>
-            </a:extLst>
-          </p:cNvPr>
+          <p:cNvPr id="4" name="Espace réservé du texte 3"/>
           <p:cNvSpPr>
             <a:spLocks noGrp="1"/>
           </p:cNvSpPr>
@@ -2376,20 +2721,14 @@
             <a:pPr lvl="0"/>
             <a:r>
               <a:rPr lang="fr-FR"/>
-              <a:t>Cliquez pour modifier les styles du texte du masque</a:t>
-            </a:r>
-          </a:p>
-        </p:txBody>
-      </p:sp>
-      <p:sp>
-        <p:nvSpPr>
-          <p:cNvPr id="5" name="Espace réservé de la date 4">
-            <a:extLst>
-              <a:ext uri="{FF2B5EF4-FFF2-40B4-BE49-F238E27FC236}">
-                <a16:creationId xmlns:a16="http://schemas.microsoft.com/office/drawing/2014/main" id="{B6582CF3-8516-4058-A372-E4EF2164FE99}"/>
-              </a:ext>
-            </a:extLst>
-          </p:cNvPr>
+              <a:t>Modifier les styles du texte du masque</a:t>
+            </a:r>
+          </a:p>
+        </p:txBody>
+      </p:sp>
+      <p:sp>
+        <p:nvSpPr>
+          <p:cNvPr id="5" name="Espace réservé de la date 4"/>
           <p:cNvSpPr>
             <a:spLocks noGrp="1"/>
           </p:cNvSpPr>
@@ -2402,7 +2741,7 @@
           <a:bodyPr/>
           <a:lstStyle/>
           <a:p>
-            <a:fld id="{63E5757E-6921-4F41-BFA9-C08DD9ADED9D}" type="datetimeFigureOut">
+            <a:fld id="{1A3D9B3B-1EC8-4BC4-B783-7630517B3190}" type="datetimeFigureOut">
               <a:rPr lang="fr-FR" smtClean="0"/>
               <a:t>15/03/2022</a:t>
             </a:fld>
@@ -2412,13 +2751,7 @@
       </p:sp>
       <p:sp>
         <p:nvSpPr>
-          <p:cNvPr id="6" name="Espace réservé du pied de page 5">
-            <a:extLst>
-              <a:ext uri="{FF2B5EF4-FFF2-40B4-BE49-F238E27FC236}">
-                <a16:creationId xmlns:a16="http://schemas.microsoft.com/office/drawing/2014/main" id="{ECC5E7EB-D1EC-46E0-82BC-67A52ACEE470}"/>
-              </a:ext>
-            </a:extLst>
-          </p:cNvPr>
+          <p:cNvPr id="6" name="Espace réservé du pied de page 5"/>
           <p:cNvSpPr>
             <a:spLocks noGrp="1"/>
           </p:cNvSpPr>
@@ -2437,13 +2770,7 @@
       </p:sp>
       <p:sp>
         <p:nvSpPr>
-          <p:cNvPr id="7" name="Espace réservé du numéro de diapositive 6">
-            <a:extLst>
-              <a:ext uri="{FF2B5EF4-FFF2-40B4-BE49-F238E27FC236}">
-                <a16:creationId xmlns:a16="http://schemas.microsoft.com/office/drawing/2014/main" id="{DA3EFF32-5560-4F0F-93BF-356CEDD0EF4C}"/>
-              </a:ext>
-            </a:extLst>
-          </p:cNvPr>
+          <p:cNvPr id="7" name="Espace réservé du numéro de diapositive 6"/>
           <p:cNvSpPr>
             <a:spLocks noGrp="1"/>
           </p:cNvSpPr>
@@ -2451,12 +2778,20 @@
             <p:ph type="sldNum" sz="quarter" idx="12"/>
           </p:nvPr>
         </p:nvSpPr>
-        <p:spPr/>
+        <p:spPr>
+          <a:xfrm>
+            <a:off x="9216569" y="6390141"/>
+            <a:ext cx="2743200" cy="365125"/>
+          </a:xfrm>
+          <a:prstGeom prst="rect">
+            <a:avLst/>
+          </a:prstGeom>
+        </p:spPr>
         <p:txBody>
           <a:bodyPr/>
           <a:lstStyle/>
           <a:p>
-            <a:fld id="{D53C2DDD-64DE-4F88-ADE6-0158AC9011BE}" type="slidenum">
+            <a:fld id="{02196018-509E-4570-898D-D0D576E6803E}" type="slidenum">
               <a:rPr lang="fr-FR" smtClean="0"/>
               <a:t>‹N°›</a:t>
             </a:fld>
@@ -2467,7 +2802,7 @@
     </p:spTree>
     <p:extLst>
       <p:ext uri="{BB962C8B-B14F-4D97-AF65-F5344CB8AC3E}">
-        <p14:creationId xmlns:p14="http://schemas.microsoft.com/office/powerpoint/2010/main" val="3551879388"/>
+        <p14:creationId xmlns:p14="http://schemas.microsoft.com/office/powerpoint/2010/main" val="2488390962"/>
       </p:ext>
     </p:extLst>
   </p:cSld>
@@ -2496,13 +2831,7 @@
       </p:grpSpPr>
       <p:sp>
         <p:nvSpPr>
-          <p:cNvPr id="2" name="Titre 1">
-            <a:extLst>
-              <a:ext uri="{FF2B5EF4-FFF2-40B4-BE49-F238E27FC236}">
-                <a16:creationId xmlns:a16="http://schemas.microsoft.com/office/drawing/2014/main" id="{5AB0DF33-504B-4E43-BA78-A28B645274A6}"/>
-              </a:ext>
-            </a:extLst>
-          </p:cNvPr>
+          <p:cNvPr id="2" name="Titre 1"/>
           <p:cNvSpPr>
             <a:spLocks noGrp="1"/>
           </p:cNvSpPr>
@@ -2533,13 +2862,7 @@
       </p:sp>
       <p:sp>
         <p:nvSpPr>
-          <p:cNvPr id="3" name="Espace réservé pour une image  2">
-            <a:extLst>
-              <a:ext uri="{FF2B5EF4-FFF2-40B4-BE49-F238E27FC236}">
-                <a16:creationId xmlns:a16="http://schemas.microsoft.com/office/drawing/2014/main" id="{EA78B13B-133C-43E8-A8FE-3F4668947EB2}"/>
-              </a:ext>
-            </a:extLst>
-          </p:cNvPr>
+          <p:cNvPr id="3" name="Espace réservé pour une image  2"/>
           <p:cNvSpPr>
             <a:spLocks noGrp="1"/>
           </p:cNvSpPr>
@@ -2600,13 +2923,7 @@
       </p:sp>
       <p:sp>
         <p:nvSpPr>
-          <p:cNvPr id="4" name="Espace réservé du texte 3">
-            <a:extLst>
-              <a:ext uri="{FF2B5EF4-FFF2-40B4-BE49-F238E27FC236}">
-                <a16:creationId xmlns:a16="http://schemas.microsoft.com/office/drawing/2014/main" id="{4E8ADE70-05FF-4804-AA7D-30B8A951953F}"/>
-              </a:ext>
-            </a:extLst>
-          </p:cNvPr>
+          <p:cNvPr id="4" name="Espace réservé du texte 3"/>
           <p:cNvSpPr>
             <a:spLocks noGrp="1"/>
           </p:cNvSpPr>
@@ -2664,20 +2981,14 @@
             <a:pPr lvl="0"/>
             <a:r>
               <a:rPr lang="fr-FR"/>
-              <a:t>Cliquez pour modifier les styles du texte du masque</a:t>
-            </a:r>
-          </a:p>
-        </p:txBody>
-      </p:sp>
-      <p:sp>
-        <p:nvSpPr>
-          <p:cNvPr id="5" name="Espace réservé de la date 4">
-            <a:extLst>
-              <a:ext uri="{FF2B5EF4-FFF2-40B4-BE49-F238E27FC236}">
-                <a16:creationId xmlns:a16="http://schemas.microsoft.com/office/drawing/2014/main" id="{DB913564-6A86-41C5-9EBB-1452D0872ED9}"/>
-              </a:ext>
-            </a:extLst>
-          </p:cNvPr>
+              <a:t>Modifier les styles du texte du masque</a:t>
+            </a:r>
+          </a:p>
+        </p:txBody>
+      </p:sp>
+      <p:sp>
+        <p:nvSpPr>
+          <p:cNvPr id="5" name="Espace réservé de la date 4"/>
           <p:cNvSpPr>
             <a:spLocks noGrp="1"/>
           </p:cNvSpPr>
@@ -2690,7 +3001,7 @@
           <a:bodyPr/>
           <a:lstStyle/>
           <a:p>
-            <a:fld id="{63E5757E-6921-4F41-BFA9-C08DD9ADED9D}" type="datetimeFigureOut">
+            <a:fld id="{1A3D9B3B-1EC8-4BC4-B783-7630517B3190}" type="datetimeFigureOut">
               <a:rPr lang="fr-FR" smtClean="0"/>
               <a:t>15/03/2022</a:t>
             </a:fld>
@@ -2700,13 +3011,7 @@
       </p:sp>
       <p:sp>
         <p:nvSpPr>
-          <p:cNvPr id="6" name="Espace réservé du pied de page 5">
-            <a:extLst>
-              <a:ext uri="{FF2B5EF4-FFF2-40B4-BE49-F238E27FC236}">
-                <a16:creationId xmlns:a16="http://schemas.microsoft.com/office/drawing/2014/main" id="{9314D20D-2D4E-448C-A3AB-0C1A19FB4B80}"/>
-              </a:ext>
-            </a:extLst>
-          </p:cNvPr>
+          <p:cNvPr id="6" name="Espace réservé du pied de page 5"/>
           <p:cNvSpPr>
             <a:spLocks noGrp="1"/>
           </p:cNvSpPr>
@@ -2725,13 +3030,7 @@
       </p:sp>
       <p:sp>
         <p:nvSpPr>
-          <p:cNvPr id="7" name="Espace réservé du numéro de diapositive 6">
-            <a:extLst>
-              <a:ext uri="{FF2B5EF4-FFF2-40B4-BE49-F238E27FC236}">
-                <a16:creationId xmlns:a16="http://schemas.microsoft.com/office/drawing/2014/main" id="{83607923-7F78-4423-A28D-3DFA3FEC1CE5}"/>
-              </a:ext>
-            </a:extLst>
-          </p:cNvPr>
+          <p:cNvPr id="7" name="Espace réservé du numéro de diapositive 6"/>
           <p:cNvSpPr>
             <a:spLocks noGrp="1"/>
           </p:cNvSpPr>
@@ -2739,12 +3038,20 @@
             <p:ph type="sldNum" sz="quarter" idx="12"/>
           </p:nvPr>
         </p:nvSpPr>
-        <p:spPr/>
+        <p:spPr>
+          <a:xfrm>
+            <a:off x="9216569" y="6390141"/>
+            <a:ext cx="2743200" cy="365125"/>
+          </a:xfrm>
+          <a:prstGeom prst="rect">
+            <a:avLst/>
+          </a:prstGeom>
+        </p:spPr>
         <p:txBody>
           <a:bodyPr/>
           <a:lstStyle/>
           <a:p>
-            <a:fld id="{D53C2DDD-64DE-4F88-ADE6-0158AC9011BE}" type="slidenum">
+            <a:fld id="{02196018-509E-4570-898D-D0D576E6803E}" type="slidenum">
               <a:rPr lang="fr-FR" smtClean="0"/>
               <a:t>‹N°›</a:t>
             </a:fld>
@@ -2755,7 +3062,7 @@
     </p:spTree>
     <p:extLst>
       <p:ext uri="{BB962C8B-B14F-4D97-AF65-F5344CB8AC3E}">
-        <p14:creationId xmlns:p14="http://schemas.microsoft.com/office/powerpoint/2010/main" val="1486248475"/>
+        <p14:creationId xmlns:p14="http://schemas.microsoft.com/office/powerpoint/2010/main" val="2174532538"/>
       </p:ext>
     </p:extLst>
   </p:cSld>
@@ -2789,13 +3096,7 @@
       </p:grpSpPr>
       <p:sp>
         <p:nvSpPr>
-          <p:cNvPr id="2" name="Espace réservé du titre 1">
-            <a:extLst>
-              <a:ext uri="{FF2B5EF4-FFF2-40B4-BE49-F238E27FC236}">
-                <a16:creationId xmlns:a16="http://schemas.microsoft.com/office/drawing/2014/main" id="{1037DF78-F2A4-4857-AD92-4A6CDC630F9F}"/>
-              </a:ext>
-            </a:extLst>
-          </p:cNvPr>
+          <p:cNvPr id="2" name="Espace réservé du titre 1"/>
           <p:cNvSpPr>
             <a:spLocks noGrp="1"/>
           </p:cNvSpPr>
@@ -2805,8 +3106,8 @@
         </p:nvSpPr>
         <p:spPr>
           <a:xfrm>
-            <a:off x="838200" y="365125"/>
-            <a:ext cx="10515600" cy="1325563"/>
+            <a:off x="396258" y="1"/>
+            <a:ext cx="11399484" cy="1021976"/>
           </a:xfrm>
           <a:prstGeom prst="rect">
             <a:avLst/>
@@ -2819,7 +3120,7 @@
           <a:lstStyle/>
           <a:p>
             <a:r>
-              <a:rPr lang="fr-FR"/>
+              <a:rPr lang="fr-FR" dirty="0"/>
               <a:t>Modifiez le style du titre</a:t>
             </a:r>
           </a:p>
@@ -2827,13 +3128,7 @@
       </p:sp>
       <p:sp>
         <p:nvSpPr>
-          <p:cNvPr id="3" name="Espace réservé du texte 2">
-            <a:extLst>
-              <a:ext uri="{FF2B5EF4-FFF2-40B4-BE49-F238E27FC236}">
-                <a16:creationId xmlns:a16="http://schemas.microsoft.com/office/drawing/2014/main" id="{B88E0ED6-6424-41F2-9F61-F7C87BD162CB}"/>
-              </a:ext>
-            </a:extLst>
-          </p:cNvPr>
+          <p:cNvPr id="3" name="Espace réservé du texte 2"/>
           <p:cNvSpPr>
             <a:spLocks noGrp="1"/>
           </p:cNvSpPr>
@@ -2843,8 +3138,8 @@
         </p:nvSpPr>
         <p:spPr>
           <a:xfrm>
-            <a:off x="838200" y="1825625"/>
-            <a:ext cx="10515600" cy="4351338"/>
+            <a:off x="232229" y="1248228"/>
+            <a:ext cx="11727542" cy="5110161"/>
           </a:xfrm>
           <a:prstGeom prst="rect">
             <a:avLst/>
@@ -2858,35 +3153,35 @@
           <a:p>
             <a:pPr lvl="0"/>
             <a:r>
-              <a:rPr lang="fr-FR"/>
-              <a:t>Cliquez pour modifier les styles du texte du masque</a:t>
+              <a:rPr lang="fr-FR" dirty="0"/>
+              <a:t>Modifier les styles du texte du masque</a:t>
             </a:r>
           </a:p>
           <a:p>
             <a:pPr lvl="1"/>
             <a:r>
-              <a:rPr lang="fr-FR"/>
+              <a:rPr lang="fr-FR" dirty="0"/>
               <a:t>Deuxième niveau</a:t>
             </a:r>
           </a:p>
           <a:p>
             <a:pPr lvl="2"/>
             <a:r>
-              <a:rPr lang="fr-FR"/>
+              <a:rPr lang="fr-FR" dirty="0"/>
               <a:t>Troisième niveau</a:t>
             </a:r>
           </a:p>
           <a:p>
             <a:pPr lvl="3"/>
             <a:r>
-              <a:rPr lang="fr-FR"/>
+              <a:rPr lang="fr-FR" dirty="0"/>
               <a:t>Quatrième niveau</a:t>
             </a:r>
           </a:p>
           <a:p>
             <a:pPr lvl="4"/>
             <a:r>
-              <a:rPr lang="fr-FR"/>
+              <a:rPr lang="fr-FR" dirty="0"/>
               <a:t>Cinquième niveau</a:t>
             </a:r>
           </a:p>
@@ -2894,13 +3189,7 @@
       </p:sp>
       <p:sp>
         <p:nvSpPr>
-          <p:cNvPr id="4" name="Espace réservé de la date 3">
-            <a:extLst>
-              <a:ext uri="{FF2B5EF4-FFF2-40B4-BE49-F238E27FC236}">
-                <a16:creationId xmlns:a16="http://schemas.microsoft.com/office/drawing/2014/main" id="{906BC9C7-9B71-4612-ACD2-D869DEE8DD37}"/>
-              </a:ext>
-            </a:extLst>
-          </p:cNvPr>
+          <p:cNvPr id="4" name="Espace réservé de la date 3"/>
           <p:cNvSpPr>
             <a:spLocks noGrp="1"/>
           </p:cNvSpPr>
@@ -2910,7 +3199,7 @@
         </p:nvSpPr>
         <p:spPr>
           <a:xfrm>
-            <a:off x="838200" y="6356350"/>
+            <a:off x="232229" y="6403215"/>
             <a:ext cx="2743200" cy="365125"/>
           </a:xfrm>
           <a:prstGeom prst="rect">
@@ -2921,18 +3210,19 @@
           <a:bodyPr vert="horz" lIns="91440" tIns="45720" rIns="91440" bIns="45720" rtlCol="0" anchor="ctr"/>
           <a:lstStyle>
             <a:lvl1pPr algn="l">
-              <a:defRPr sz="1200">
+              <a:defRPr sz="1050">
                 <a:solidFill>
-                  <a:schemeClr val="tx1">
-                    <a:tint val="75000"/>
-                  </a:schemeClr>
+                  <a:srgbClr val="D1E5E2"/>
                 </a:solidFill>
+                <a:latin typeface="Adobe Gothic Std B" panose="020B0800000000000000" pitchFamily="34" charset="-128"/>
+                <a:ea typeface="Adobe Gothic Std B" panose="020B0800000000000000" pitchFamily="34" charset="-128"/>
               </a:defRPr>
             </a:lvl1pPr>
           </a:lstStyle>
           <a:p>
-            <a:fld id="{63E5757E-6921-4F41-BFA9-C08DD9ADED9D}" type="datetimeFigureOut">
+            <a:fld id="{1A3D9B3B-1EC8-4BC4-B783-7630517B3190}" type="datetimeFigureOut">
               <a:rPr lang="fr-FR" smtClean="0"/>
+              <a:pPr/>
               <a:t>15/03/2022</a:t>
             </a:fld>
             <a:endParaRPr lang="fr-FR"/>
@@ -2941,13 +3231,7 @@
       </p:sp>
       <p:sp>
         <p:nvSpPr>
-          <p:cNvPr id="5" name="Espace réservé du pied de page 4">
-            <a:extLst>
-              <a:ext uri="{FF2B5EF4-FFF2-40B4-BE49-F238E27FC236}">
-                <a16:creationId xmlns:a16="http://schemas.microsoft.com/office/drawing/2014/main" id="{8380CBB1-3786-4958-ABEA-2A9CEC116BEC}"/>
-              </a:ext>
-            </a:extLst>
-          </p:cNvPr>
+          <p:cNvPr id="5" name="Espace réservé du pied de page 4"/>
           <p:cNvSpPr>
             <a:spLocks noGrp="1"/>
           </p:cNvSpPr>
@@ -2957,7 +3241,7 @@
         </p:nvSpPr>
         <p:spPr>
           <a:xfrm>
-            <a:off x="4038600" y="6356350"/>
+            <a:off x="4038599" y="6403214"/>
             <a:ext cx="4114800" cy="365125"/>
           </a:xfrm>
           <a:prstGeom prst="rect">
@@ -2968,71 +3252,83 @@
           <a:bodyPr vert="horz" lIns="91440" tIns="45720" rIns="91440" bIns="45720" rtlCol="0" anchor="ctr"/>
           <a:lstStyle>
             <a:lvl1pPr algn="ctr">
-              <a:defRPr sz="1200">
+              <a:defRPr sz="1050">
                 <a:solidFill>
-                  <a:schemeClr val="tx1">
-                    <a:tint val="75000"/>
-                  </a:schemeClr>
+                  <a:srgbClr val="CCE4DF"/>
                 </a:solidFill>
+                <a:latin typeface="Adobe Gothic Std B" panose="020B0800000000000000" pitchFamily="34" charset="-128"/>
+                <a:ea typeface="Adobe Gothic Std B" panose="020B0800000000000000" pitchFamily="34" charset="-128"/>
               </a:defRPr>
             </a:lvl1pPr>
           </a:lstStyle>
           <a:p>
-            <a:endParaRPr lang="fr-FR"/>
-          </a:p>
-        </p:txBody>
-      </p:sp>
-      <p:sp>
-        <p:nvSpPr>
-          <p:cNvPr id="6" name="Espace réservé du numéro de diapositive 5">
-            <a:extLst>
-              <a:ext uri="{FF2B5EF4-FFF2-40B4-BE49-F238E27FC236}">
-                <a16:creationId xmlns:a16="http://schemas.microsoft.com/office/drawing/2014/main" id="{5DA483B6-A99A-4470-9A90-79E6F7EB0089}"/>
-              </a:ext>
-            </a:extLst>
-          </p:cNvPr>
-          <p:cNvSpPr>
-            <a:spLocks noGrp="1"/>
-          </p:cNvSpPr>
-          <p:nvPr>
-            <p:ph type="sldNum" sz="quarter" idx="4"/>
-          </p:nvPr>
-        </p:nvSpPr>
-        <p:spPr>
-          <a:xfrm>
-            <a:off x="8610600" y="6356350"/>
-            <a:ext cx="2743200" cy="365125"/>
-          </a:xfrm>
-          <a:prstGeom prst="rect">
+            <a:endParaRPr lang="fr-FR" dirty="0"/>
+          </a:p>
+        </p:txBody>
+      </p:sp>
+      <p:sp>
+        <p:nvSpPr>
+          <p:cNvPr id="11" name="Ellipse 10"/>
+          <p:cNvSpPr/>
+          <p:nvPr userDrawn="1"/>
+        </p:nvSpPr>
+        <p:spPr>
+          <a:xfrm>
+            <a:off x="11795742" y="35861"/>
+            <a:ext cx="360398" cy="360398"/>
+          </a:xfrm>
+          <a:prstGeom prst="ellipse">
             <a:avLst/>
           </a:prstGeom>
-        </p:spPr>
-        <p:txBody>
-          <a:bodyPr vert="horz" lIns="91440" tIns="45720" rIns="91440" bIns="45720" rtlCol="0" anchor="ctr"/>
-          <a:lstStyle>
-            <a:lvl1pPr algn="r">
-              <a:defRPr sz="1200">
-                <a:solidFill>
-                  <a:schemeClr val="tx1">
-                    <a:tint val="75000"/>
-                  </a:schemeClr>
-                </a:solidFill>
-              </a:defRPr>
-            </a:lvl1pPr>
-          </a:lstStyle>
-          <a:p>
-            <a:fld id="{D53C2DDD-64DE-4F88-ADE6-0158AC9011BE}" type="slidenum">
-              <a:rPr lang="fr-FR" smtClean="0"/>
+          <a:solidFill>
+            <a:srgbClr val="1DAE97"/>
+          </a:solidFill>
+          <a:ln>
+            <a:noFill/>
+          </a:ln>
+        </p:spPr>
+        <p:style>
+          <a:lnRef idx="2">
+            <a:schemeClr val="accent1">
+              <a:shade val="50000"/>
+            </a:schemeClr>
+          </a:lnRef>
+          <a:fillRef idx="1">
+            <a:schemeClr val="accent1"/>
+          </a:fillRef>
+          <a:effectRef idx="0">
+            <a:schemeClr val="accent1"/>
+          </a:effectRef>
+          <a:fontRef idx="minor">
+            <a:schemeClr val="lt1"/>
+          </a:fontRef>
+        </p:style>
+        <p:txBody>
+          <a:bodyPr wrap="none" lIns="0" tIns="0" rIns="0" bIns="0" rtlCol="0" anchor="ctr"/>
+          <a:lstStyle/>
+          <a:p>
+            <a:pPr algn="ctr"/>
+            <a:fld id="{02196018-509E-4570-898D-D0D576E6803E}" type="slidenum">
+              <a:rPr lang="fr-FR" sz="1100" smtClean="0">
+                <a:latin typeface="Segoe UI Semibold" panose="020B0702040204020203" pitchFamily="34" charset="0"/>
+                <a:ea typeface="Adobe Gothic Std B" panose="020B0800000000000000" pitchFamily="34" charset="-128"/>
+                <a:cs typeface="Segoe UI Semibold" panose="020B0702040204020203" pitchFamily="34" charset="0"/>
+              </a:rPr>
+              <a:pPr/>
               <a:t>‹N°›</a:t>
             </a:fld>
-            <a:endParaRPr lang="fr-FR"/>
+            <a:endParaRPr lang="fr-FR" sz="1100" dirty="0">
+              <a:latin typeface="Segoe UI Semibold" panose="020B0702040204020203" pitchFamily="34" charset="0"/>
+              <a:ea typeface="Adobe Gothic Std B" panose="020B0800000000000000" pitchFamily="34" charset="-128"/>
+              <a:cs typeface="Segoe UI Semibold" panose="020B0702040204020203" pitchFamily="34" charset="0"/>
+            </a:endParaRPr>
           </a:p>
         </p:txBody>
       </p:sp>
     </p:spTree>
     <p:extLst>
       <p:ext uri="{BB962C8B-B14F-4D97-AF65-F5344CB8AC3E}">
-        <p14:creationId xmlns:p14="http://schemas.microsoft.com/office/powerpoint/2010/main" val="2393881056"/>
+        <p14:creationId xmlns:p14="http://schemas.microsoft.com/office/powerpoint/2010/main" val="3241622679"/>
       </p:ext>
     </p:extLst>
   </p:cSld>
@@ -3047,12 +3343,13 @@
     <p:sldLayoutId id="2147483655" r:id="rId7"/>
     <p:sldLayoutId id="2147483656" r:id="rId8"/>
     <p:sldLayoutId id="2147483657" r:id="rId9"/>
-    <p:sldLayoutId id="2147483658" r:id="rId10"/>
-    <p:sldLayoutId id="2147483659" r:id="rId11"/>
+    <p:sldLayoutId id="2147483660" r:id="rId10"/>
+    <p:sldLayoutId id="2147483658" r:id="rId11"/>
+    <p:sldLayoutId id="2147483659" r:id="rId12"/>
   </p:sldLayoutIdLst>
   <p:txStyles>
     <p:titleStyle>
-      <a:lvl1pPr algn="l" defTabSz="914400" rtl="0" eaLnBrk="1" latinLnBrk="0" hangingPunct="1">
+      <a:lvl1pPr algn="ctr" defTabSz="914400" rtl="0" eaLnBrk="1" latinLnBrk="0" hangingPunct="1">
         <a:lnSpc>
           <a:spcPct val="90000"/>
         </a:lnSpc>
@@ -3060,13 +3357,13 @@
           <a:spcPct val="0"/>
         </a:spcBef>
         <a:buNone/>
-        <a:defRPr sz="4400" kern="1200">
+        <a:defRPr sz="3200" b="0" kern="1200">
           <a:solidFill>
-            <a:schemeClr val="tx1"/>
+            <a:srgbClr val="455368"/>
           </a:solidFill>
-          <a:latin typeface="+mj-lt"/>
-          <a:ea typeface="+mj-ea"/>
-          <a:cs typeface="+mj-cs"/>
+          <a:latin typeface="Segoe UI Semibold" panose="020B0702040204020203" pitchFamily="34" charset="0"/>
+          <a:ea typeface="Adobe Gothic Std B" panose="020B0800000000000000" pitchFamily="34" charset="-128"/>
+          <a:cs typeface="Segoe UI Semibold" panose="020B0702040204020203" pitchFamily="34" charset="0"/>
         </a:defRPr>
       </a:lvl1pPr>
     </p:titleStyle>
@@ -3352,13 +3649,7 @@
       </p:grpSpPr>
       <p:sp>
         <p:nvSpPr>
-          <p:cNvPr id="2" name="Titre 1">
-            <a:extLst>
-              <a:ext uri="{FF2B5EF4-FFF2-40B4-BE49-F238E27FC236}">
-                <a16:creationId xmlns:a16="http://schemas.microsoft.com/office/drawing/2014/main" id="{50883FA3-539A-4B74-9C9B-851C74DBB624}"/>
-              </a:ext>
-            </a:extLst>
-          </p:cNvPr>
+          <p:cNvPr id="2" name="Titre 1"/>
           <p:cNvSpPr>
             <a:spLocks noGrp="1"/>
           </p:cNvSpPr>
@@ -3368,22 +3659,21 @@
         </p:nvSpPr>
         <p:spPr/>
         <p:txBody>
-          <a:bodyPr/>
-          <a:lstStyle/>
-          <a:p>
-            <a:endParaRPr lang="fr-FR"/>
-          </a:p>
-        </p:txBody>
-      </p:sp>
-      <p:sp>
-        <p:nvSpPr>
-          <p:cNvPr id="3" name="Sous-titre 2">
-            <a:extLst>
-              <a:ext uri="{FF2B5EF4-FFF2-40B4-BE49-F238E27FC236}">
-                <a16:creationId xmlns:a16="http://schemas.microsoft.com/office/drawing/2014/main" id="{288E8BDE-E68D-4018-A71B-1101450CEEE2}"/>
-              </a:ext>
-            </a:extLst>
-          </p:cNvPr>
+          <a:bodyPr>
+            <a:normAutofit fontScale="90000"/>
+          </a:bodyPr>
+          <a:lstStyle/>
+          <a:p>
+            <a:r>
+              <a:rPr lang="fr-FR" dirty="0"/>
+              <a:t>Quelques éléments d’orientation suite à la réforme du bac</a:t>
+            </a:r>
+          </a:p>
+        </p:txBody>
+      </p:sp>
+      <p:sp>
+        <p:nvSpPr>
+          <p:cNvPr id="3" name="Sous-titre 2"/>
           <p:cNvSpPr>
             <a:spLocks noGrp="1"/>
           </p:cNvSpPr>
@@ -3396,14 +3686,14 @@
           <a:bodyPr/>
           <a:lstStyle/>
           <a:p>
-            <a:endParaRPr lang="fr-FR"/>
+            <a:endParaRPr lang="fr-FR" dirty="0"/>
           </a:p>
         </p:txBody>
       </p:sp>
     </p:spTree>
     <p:extLst>
       <p:ext uri="{BB962C8B-B14F-4D97-AF65-F5344CB8AC3E}">
-        <p14:creationId xmlns:p14="http://schemas.microsoft.com/office/powerpoint/2010/main" val="2687099012"/>
+        <p14:creationId xmlns:p14="http://schemas.microsoft.com/office/powerpoint/2010/main" val="2118668108"/>
       </p:ext>
     </p:extLst>
   </p:cSld>
@@ -3435,7 +3725,7 @@
           <p:cNvPr id="2" name="Titre 1">
             <a:extLst>
               <a:ext uri="{FF2B5EF4-FFF2-40B4-BE49-F238E27FC236}">
-                <a16:creationId xmlns:a16="http://schemas.microsoft.com/office/drawing/2014/main" id="{F2D45297-5C20-484F-BB5F-F3FA8C03F935}"/>
+                <a16:creationId xmlns:a16="http://schemas.microsoft.com/office/drawing/2014/main" id="{AE268130-CCF1-4345-9868-2B48B65B7959}"/>
               </a:ext>
             </a:extLst>
           </p:cNvPr>
@@ -3451,643 +3741,907 @@
           <a:bodyPr/>
           <a:lstStyle/>
           <a:p>
+            <a:endParaRPr lang="fr-FR"/>
+          </a:p>
+        </p:txBody>
+      </p:sp>
+      <p:sp>
+        <p:nvSpPr>
+          <p:cNvPr id="4" name="Rectangle 3">
+            <a:extLst>
+              <a:ext uri="{FF2B5EF4-FFF2-40B4-BE49-F238E27FC236}">
+                <a16:creationId xmlns:a16="http://schemas.microsoft.com/office/drawing/2014/main" id="{35832D0D-C514-4418-89A2-1F03EDDCB170}"/>
+              </a:ext>
+            </a:extLst>
+          </p:cNvPr>
+          <p:cNvSpPr/>
+          <p:nvPr/>
+        </p:nvSpPr>
+        <p:spPr>
+          <a:xfrm>
+            <a:off x="2695240" y="1861298"/>
+            <a:ext cx="259977" cy="259977"/>
+          </a:xfrm>
+          <a:prstGeom prst="rect">
+            <a:avLst/>
+          </a:prstGeom>
+          <a:solidFill>
+            <a:srgbClr val="118977"/>
+          </a:solidFill>
+          <a:ln>
+            <a:noFill/>
+          </a:ln>
+        </p:spPr>
+        <p:style>
+          <a:lnRef idx="2">
+            <a:schemeClr val="accent1">
+              <a:shade val="50000"/>
+            </a:schemeClr>
+          </a:lnRef>
+          <a:fillRef idx="1">
+            <a:schemeClr val="accent1"/>
+          </a:fillRef>
+          <a:effectRef idx="0">
+            <a:schemeClr val="accent1"/>
+          </a:effectRef>
+          <a:fontRef idx="minor">
+            <a:schemeClr val="lt1"/>
+          </a:fontRef>
+        </p:style>
+        <p:txBody>
+          <a:bodyPr rtlCol="0" anchor="ctr"/>
+          <a:lstStyle/>
+          <a:p>
+            <a:pPr algn="ctr"/>
+            <a:endParaRPr lang="fr-FR">
+              <a:solidFill>
+                <a:srgbClr val="118977"/>
+              </a:solidFill>
+            </a:endParaRPr>
+          </a:p>
+        </p:txBody>
+      </p:sp>
+      <p:sp>
+        <p:nvSpPr>
+          <p:cNvPr id="5" name="Rectangle 4">
+            <a:extLst>
+              <a:ext uri="{FF2B5EF4-FFF2-40B4-BE49-F238E27FC236}">
+                <a16:creationId xmlns:a16="http://schemas.microsoft.com/office/drawing/2014/main" id="{3B306378-2E50-4110-820B-19BA6EAD5315}"/>
+              </a:ext>
+            </a:extLst>
+          </p:cNvPr>
+          <p:cNvSpPr/>
+          <p:nvPr/>
+        </p:nvSpPr>
+        <p:spPr>
+          <a:xfrm>
+            <a:off x="2695240" y="2330452"/>
+            <a:ext cx="259977" cy="259977"/>
+          </a:xfrm>
+          <a:prstGeom prst="rect">
+            <a:avLst/>
+          </a:prstGeom>
+          <a:solidFill>
+            <a:srgbClr val="1CAE97"/>
+          </a:solidFill>
+          <a:ln>
+            <a:noFill/>
+          </a:ln>
+        </p:spPr>
+        <p:style>
+          <a:lnRef idx="2">
+            <a:schemeClr val="accent1">
+              <a:shade val="50000"/>
+            </a:schemeClr>
+          </a:lnRef>
+          <a:fillRef idx="1">
+            <a:schemeClr val="accent1"/>
+          </a:fillRef>
+          <a:effectRef idx="0">
+            <a:schemeClr val="accent1"/>
+          </a:effectRef>
+          <a:fontRef idx="minor">
+            <a:schemeClr val="lt1"/>
+          </a:fontRef>
+        </p:style>
+        <p:txBody>
+          <a:bodyPr rtlCol="0" anchor="ctr"/>
+          <a:lstStyle/>
+          <a:p>
+            <a:pPr algn="ctr"/>
+            <a:endParaRPr lang="fr-FR"/>
+          </a:p>
+        </p:txBody>
+      </p:sp>
+      <p:sp>
+        <p:nvSpPr>
+          <p:cNvPr id="6" name="Rectangle 5">
+            <a:extLst>
+              <a:ext uri="{FF2B5EF4-FFF2-40B4-BE49-F238E27FC236}">
+                <a16:creationId xmlns:a16="http://schemas.microsoft.com/office/drawing/2014/main" id="{B8E44E13-43AE-41F6-A715-2ED5809C2069}"/>
+              </a:ext>
+            </a:extLst>
+          </p:cNvPr>
+          <p:cNvSpPr/>
+          <p:nvPr/>
+        </p:nvSpPr>
+        <p:spPr>
+          <a:xfrm>
+            <a:off x="2695240" y="2705422"/>
+            <a:ext cx="259977" cy="259977"/>
+          </a:xfrm>
+          <a:prstGeom prst="rect">
+            <a:avLst/>
+          </a:prstGeom>
+          <a:solidFill>
+            <a:srgbClr val="CEE3E0"/>
+          </a:solidFill>
+          <a:ln>
+            <a:noFill/>
+          </a:ln>
+        </p:spPr>
+        <p:style>
+          <a:lnRef idx="2">
+            <a:schemeClr val="accent1">
+              <a:shade val="50000"/>
+            </a:schemeClr>
+          </a:lnRef>
+          <a:fillRef idx="1">
+            <a:schemeClr val="accent1"/>
+          </a:fillRef>
+          <a:effectRef idx="0">
+            <a:schemeClr val="accent1"/>
+          </a:effectRef>
+          <a:fontRef idx="minor">
+            <a:schemeClr val="lt1"/>
+          </a:fontRef>
+        </p:style>
+        <p:txBody>
+          <a:bodyPr rtlCol="0" anchor="ctr"/>
+          <a:lstStyle/>
+          <a:p>
+            <a:pPr algn="ctr"/>
+            <a:endParaRPr lang="fr-FR">
+              <a:solidFill>
+                <a:srgbClr val="CEE3E0"/>
+              </a:solidFill>
+            </a:endParaRPr>
+          </a:p>
+        </p:txBody>
+      </p:sp>
+      <p:sp>
+        <p:nvSpPr>
+          <p:cNvPr id="7" name="Rectangle 6">
+            <a:extLst>
+              <a:ext uri="{FF2B5EF4-FFF2-40B4-BE49-F238E27FC236}">
+                <a16:creationId xmlns:a16="http://schemas.microsoft.com/office/drawing/2014/main" id="{9FB765B6-35D5-48D3-B237-7DC4FFC2B291}"/>
+              </a:ext>
+            </a:extLst>
+          </p:cNvPr>
+          <p:cNvSpPr/>
+          <p:nvPr/>
+        </p:nvSpPr>
+        <p:spPr>
+          <a:xfrm>
+            <a:off x="2744496" y="3188278"/>
+            <a:ext cx="259977" cy="259977"/>
+          </a:xfrm>
+          <a:prstGeom prst="rect">
+            <a:avLst/>
+          </a:prstGeom>
+          <a:solidFill>
+            <a:srgbClr val="F6AB32"/>
+          </a:solidFill>
+          <a:ln>
+            <a:noFill/>
+          </a:ln>
+        </p:spPr>
+        <p:style>
+          <a:lnRef idx="2">
+            <a:schemeClr val="accent1">
+              <a:shade val="50000"/>
+            </a:schemeClr>
+          </a:lnRef>
+          <a:fillRef idx="1">
+            <a:schemeClr val="accent1"/>
+          </a:fillRef>
+          <a:effectRef idx="0">
+            <a:schemeClr val="accent1"/>
+          </a:effectRef>
+          <a:fontRef idx="minor">
+            <a:schemeClr val="lt1"/>
+          </a:fontRef>
+        </p:style>
+        <p:txBody>
+          <a:bodyPr rtlCol="0" anchor="ctr"/>
+          <a:lstStyle/>
+          <a:p>
+            <a:pPr algn="ctr"/>
+            <a:endParaRPr lang="fr-FR">
+              <a:solidFill>
+                <a:srgbClr val="F6AB32"/>
+              </a:solidFill>
+            </a:endParaRPr>
+          </a:p>
+        </p:txBody>
+      </p:sp>
+      <p:sp>
+        <p:nvSpPr>
+          <p:cNvPr id="8" name="Rectangle 7">
+            <a:extLst>
+              <a:ext uri="{FF2B5EF4-FFF2-40B4-BE49-F238E27FC236}">
+                <a16:creationId xmlns:a16="http://schemas.microsoft.com/office/drawing/2014/main" id="{54642C07-FFDC-418B-A2EF-CEC74364AA3A}"/>
+              </a:ext>
+            </a:extLst>
+          </p:cNvPr>
+          <p:cNvSpPr/>
+          <p:nvPr/>
+        </p:nvSpPr>
+        <p:spPr>
+          <a:xfrm>
+            <a:off x="2762475" y="3582636"/>
+            <a:ext cx="259977" cy="259977"/>
+          </a:xfrm>
+          <a:prstGeom prst="rect">
+            <a:avLst/>
+          </a:prstGeom>
+          <a:solidFill>
+            <a:srgbClr val="FACE8F"/>
+          </a:solidFill>
+          <a:ln>
+            <a:noFill/>
+          </a:ln>
+        </p:spPr>
+        <p:style>
+          <a:lnRef idx="2">
+            <a:schemeClr val="accent1">
+              <a:shade val="50000"/>
+            </a:schemeClr>
+          </a:lnRef>
+          <a:fillRef idx="1">
+            <a:schemeClr val="accent1"/>
+          </a:fillRef>
+          <a:effectRef idx="0">
+            <a:schemeClr val="accent1"/>
+          </a:effectRef>
+          <a:fontRef idx="minor">
+            <a:schemeClr val="lt1"/>
+          </a:fontRef>
+        </p:style>
+        <p:txBody>
+          <a:bodyPr rtlCol="0" anchor="ctr"/>
+          <a:lstStyle/>
+          <a:p>
+            <a:pPr algn="ctr"/>
+            <a:endParaRPr lang="fr-FR"/>
+          </a:p>
+        </p:txBody>
+      </p:sp>
+      <p:sp>
+        <p:nvSpPr>
+          <p:cNvPr id="9" name="Rectangle 8">
+            <a:extLst>
+              <a:ext uri="{FF2B5EF4-FFF2-40B4-BE49-F238E27FC236}">
+                <a16:creationId xmlns:a16="http://schemas.microsoft.com/office/drawing/2014/main" id="{BF759F5E-BD4A-4094-8D48-43D4FD9C170D}"/>
+              </a:ext>
+            </a:extLst>
+          </p:cNvPr>
+          <p:cNvSpPr/>
+          <p:nvPr/>
+        </p:nvSpPr>
+        <p:spPr>
+          <a:xfrm>
+            <a:off x="2765240" y="3978977"/>
+            <a:ext cx="259977" cy="259977"/>
+          </a:xfrm>
+          <a:prstGeom prst="rect">
+            <a:avLst/>
+          </a:prstGeom>
+          <a:solidFill>
+            <a:srgbClr val="FEEAD4"/>
+          </a:solidFill>
+          <a:ln>
+            <a:noFill/>
+          </a:ln>
+        </p:spPr>
+        <p:style>
+          <a:lnRef idx="2">
+            <a:schemeClr val="accent1">
+              <a:shade val="50000"/>
+            </a:schemeClr>
+          </a:lnRef>
+          <a:fillRef idx="1">
+            <a:schemeClr val="accent1"/>
+          </a:fillRef>
+          <a:effectRef idx="0">
+            <a:schemeClr val="accent1"/>
+          </a:effectRef>
+          <a:fontRef idx="minor">
+            <a:schemeClr val="lt1"/>
+          </a:fontRef>
+        </p:style>
+        <p:txBody>
+          <a:bodyPr rtlCol="0" anchor="ctr"/>
+          <a:lstStyle/>
+          <a:p>
+            <a:pPr algn="ctr"/>
+            <a:endParaRPr lang="fr-FR"/>
+          </a:p>
+        </p:txBody>
+      </p:sp>
+      <p:sp>
+        <p:nvSpPr>
+          <p:cNvPr id="10" name="Rectangle 9">
+            <a:extLst>
+              <a:ext uri="{FF2B5EF4-FFF2-40B4-BE49-F238E27FC236}">
+                <a16:creationId xmlns:a16="http://schemas.microsoft.com/office/drawing/2014/main" id="{BEF5B552-F823-4FD4-811F-B963323D5677}"/>
+              </a:ext>
+            </a:extLst>
+          </p:cNvPr>
+          <p:cNvSpPr/>
+          <p:nvPr/>
+        </p:nvSpPr>
+        <p:spPr>
+          <a:xfrm>
+            <a:off x="2762475" y="4358142"/>
+            <a:ext cx="259977" cy="259977"/>
+          </a:xfrm>
+          <a:prstGeom prst="rect">
+            <a:avLst/>
+          </a:prstGeom>
+          <a:solidFill>
+            <a:srgbClr val="CB4E3D"/>
+          </a:solidFill>
+          <a:ln>
+            <a:noFill/>
+          </a:ln>
+        </p:spPr>
+        <p:style>
+          <a:lnRef idx="2">
+            <a:schemeClr val="accent1">
+              <a:shade val="50000"/>
+            </a:schemeClr>
+          </a:lnRef>
+          <a:fillRef idx="1">
+            <a:schemeClr val="accent1"/>
+          </a:fillRef>
+          <a:effectRef idx="0">
+            <a:schemeClr val="accent1"/>
+          </a:effectRef>
+          <a:fontRef idx="minor">
+            <a:schemeClr val="lt1"/>
+          </a:fontRef>
+        </p:style>
+        <p:txBody>
+          <a:bodyPr rtlCol="0" anchor="ctr"/>
+          <a:lstStyle/>
+          <a:p>
+            <a:pPr algn="ctr"/>
+            <a:endParaRPr lang="fr-FR"/>
+          </a:p>
+        </p:txBody>
+      </p:sp>
+      <p:sp>
+        <p:nvSpPr>
+          <p:cNvPr id="11" name="Rectangle 10">
+            <a:extLst>
+              <a:ext uri="{FF2B5EF4-FFF2-40B4-BE49-F238E27FC236}">
+                <a16:creationId xmlns:a16="http://schemas.microsoft.com/office/drawing/2014/main" id="{9CEC6BE6-A040-4F7D-9F07-C866157B3B83}"/>
+              </a:ext>
+            </a:extLst>
+          </p:cNvPr>
+          <p:cNvSpPr/>
+          <p:nvPr/>
+        </p:nvSpPr>
+        <p:spPr>
+          <a:xfrm>
+            <a:off x="2792237" y="4862926"/>
+            <a:ext cx="259977" cy="259977"/>
+          </a:xfrm>
+          <a:prstGeom prst="rect">
+            <a:avLst/>
+          </a:prstGeom>
+          <a:solidFill>
+            <a:srgbClr val="E7968E"/>
+          </a:solidFill>
+          <a:ln>
+            <a:noFill/>
+          </a:ln>
+        </p:spPr>
+        <p:style>
+          <a:lnRef idx="2">
+            <a:schemeClr val="accent1">
+              <a:shade val="50000"/>
+            </a:schemeClr>
+          </a:lnRef>
+          <a:fillRef idx="1">
+            <a:schemeClr val="accent1"/>
+          </a:fillRef>
+          <a:effectRef idx="0">
+            <a:schemeClr val="accent1"/>
+          </a:effectRef>
+          <a:fontRef idx="minor">
+            <a:schemeClr val="lt1"/>
+          </a:fontRef>
+        </p:style>
+        <p:txBody>
+          <a:bodyPr rtlCol="0" anchor="ctr"/>
+          <a:lstStyle/>
+          <a:p>
+            <a:pPr algn="ctr"/>
+            <a:endParaRPr lang="fr-FR"/>
+          </a:p>
+        </p:txBody>
+      </p:sp>
+      <p:sp>
+        <p:nvSpPr>
+          <p:cNvPr id="12" name="Rectangle 11">
+            <a:extLst>
+              <a:ext uri="{FF2B5EF4-FFF2-40B4-BE49-F238E27FC236}">
+                <a16:creationId xmlns:a16="http://schemas.microsoft.com/office/drawing/2014/main" id="{70A5E313-C57E-4F23-9092-D2B33DFF6489}"/>
+              </a:ext>
+            </a:extLst>
+          </p:cNvPr>
+          <p:cNvSpPr/>
+          <p:nvPr/>
+        </p:nvSpPr>
+        <p:spPr>
+          <a:xfrm>
+            <a:off x="2825004" y="5298230"/>
+            <a:ext cx="259977" cy="259977"/>
+          </a:xfrm>
+          <a:prstGeom prst="rect">
+            <a:avLst/>
+          </a:prstGeom>
+          <a:solidFill>
+            <a:srgbClr val="F3D6D3"/>
+          </a:solidFill>
+          <a:ln>
+            <a:noFill/>
+          </a:ln>
+        </p:spPr>
+        <p:style>
+          <a:lnRef idx="2">
+            <a:schemeClr val="accent1">
+              <a:shade val="50000"/>
+            </a:schemeClr>
+          </a:lnRef>
+          <a:fillRef idx="1">
+            <a:schemeClr val="accent1"/>
+          </a:fillRef>
+          <a:effectRef idx="0">
+            <a:schemeClr val="accent1"/>
+          </a:effectRef>
+          <a:fontRef idx="minor">
+            <a:schemeClr val="lt1"/>
+          </a:fontRef>
+        </p:style>
+        <p:txBody>
+          <a:bodyPr rtlCol="0" anchor="ctr"/>
+          <a:lstStyle/>
+          <a:p>
+            <a:pPr algn="ctr"/>
+            <a:endParaRPr lang="fr-FR"/>
+          </a:p>
+        </p:txBody>
+      </p:sp>
+      <p:sp>
+        <p:nvSpPr>
+          <p:cNvPr id="13" name="Rectangle 12">
+            <a:extLst>
+              <a:ext uri="{FF2B5EF4-FFF2-40B4-BE49-F238E27FC236}">
+                <a16:creationId xmlns:a16="http://schemas.microsoft.com/office/drawing/2014/main" id="{30D69A4F-C742-474C-B0BC-CC55B7C9D7D0}"/>
+              </a:ext>
+            </a:extLst>
+          </p:cNvPr>
+          <p:cNvSpPr/>
+          <p:nvPr/>
+        </p:nvSpPr>
+        <p:spPr>
+          <a:xfrm>
+            <a:off x="2788785" y="5774290"/>
+            <a:ext cx="259977" cy="259977"/>
+          </a:xfrm>
+          <a:prstGeom prst="rect">
+            <a:avLst/>
+          </a:prstGeom>
+          <a:solidFill>
+            <a:srgbClr val="55687C"/>
+          </a:solidFill>
+          <a:ln>
+            <a:noFill/>
+          </a:ln>
+        </p:spPr>
+        <p:style>
+          <a:lnRef idx="2">
+            <a:schemeClr val="accent1">
+              <a:shade val="50000"/>
+            </a:schemeClr>
+          </a:lnRef>
+          <a:fillRef idx="1">
+            <a:schemeClr val="accent1"/>
+          </a:fillRef>
+          <a:effectRef idx="0">
+            <a:schemeClr val="accent1"/>
+          </a:effectRef>
+          <a:fontRef idx="minor">
+            <a:schemeClr val="lt1"/>
+          </a:fontRef>
+        </p:style>
+        <p:txBody>
+          <a:bodyPr rtlCol="0" anchor="ctr"/>
+          <a:lstStyle/>
+          <a:p>
+            <a:pPr algn="ctr"/>
+            <a:endParaRPr lang="fr-FR">
+              <a:solidFill>
+                <a:srgbClr val="55687C"/>
+              </a:solidFill>
+            </a:endParaRPr>
+          </a:p>
+        </p:txBody>
+      </p:sp>
+      <p:sp>
+        <p:nvSpPr>
+          <p:cNvPr id="14" name="Rectangle 13">
+            <a:extLst>
+              <a:ext uri="{FF2B5EF4-FFF2-40B4-BE49-F238E27FC236}">
+                <a16:creationId xmlns:a16="http://schemas.microsoft.com/office/drawing/2014/main" id="{8C12AD9F-1317-41AB-9C85-2951A81F6EB8}"/>
+              </a:ext>
+            </a:extLst>
+          </p:cNvPr>
+          <p:cNvSpPr/>
+          <p:nvPr/>
+        </p:nvSpPr>
+        <p:spPr>
+          <a:xfrm>
+            <a:off x="2760760" y="6120361"/>
+            <a:ext cx="259977" cy="259977"/>
+          </a:xfrm>
+          <a:prstGeom prst="rect">
+            <a:avLst/>
+          </a:prstGeom>
+          <a:solidFill>
+            <a:srgbClr val="BBC7D4"/>
+          </a:solidFill>
+          <a:ln>
+            <a:noFill/>
+          </a:ln>
+        </p:spPr>
+        <p:style>
+          <a:lnRef idx="2">
+            <a:schemeClr val="accent1">
+              <a:shade val="50000"/>
+            </a:schemeClr>
+          </a:lnRef>
+          <a:fillRef idx="1">
+            <a:schemeClr val="accent1"/>
+          </a:fillRef>
+          <a:effectRef idx="0">
+            <a:schemeClr val="accent1"/>
+          </a:effectRef>
+          <a:fontRef idx="minor">
+            <a:schemeClr val="lt1"/>
+          </a:fontRef>
+        </p:style>
+        <p:txBody>
+          <a:bodyPr rtlCol="0" anchor="ctr"/>
+          <a:lstStyle/>
+          <a:p>
+            <a:pPr algn="ctr"/>
+            <a:endParaRPr lang="fr-FR">
+              <a:solidFill>
+                <a:srgbClr val="BBC7D4"/>
+              </a:solidFill>
+            </a:endParaRPr>
+          </a:p>
+        </p:txBody>
+      </p:sp>
+      <p:sp>
+        <p:nvSpPr>
+          <p:cNvPr id="15" name="Rectangle 14">
+            <a:extLst>
+              <a:ext uri="{FF2B5EF4-FFF2-40B4-BE49-F238E27FC236}">
+                <a16:creationId xmlns:a16="http://schemas.microsoft.com/office/drawing/2014/main" id="{10CA4C09-42D3-4B67-8435-6CA58F9085E2}"/>
+              </a:ext>
+            </a:extLst>
+          </p:cNvPr>
+          <p:cNvSpPr/>
+          <p:nvPr/>
+        </p:nvSpPr>
+        <p:spPr>
+          <a:xfrm>
+            <a:off x="2695240" y="1553795"/>
+            <a:ext cx="259977" cy="259977"/>
+          </a:xfrm>
+          <a:prstGeom prst="rect">
+            <a:avLst/>
+          </a:prstGeom>
+          <a:solidFill>
+            <a:srgbClr val="455368"/>
+          </a:solidFill>
+          <a:ln>
+            <a:noFill/>
+          </a:ln>
+        </p:spPr>
+        <p:style>
+          <a:lnRef idx="2">
+            <a:schemeClr val="accent1">
+              <a:shade val="50000"/>
+            </a:schemeClr>
+          </a:lnRef>
+          <a:fillRef idx="1">
+            <a:schemeClr val="accent1"/>
+          </a:fillRef>
+          <a:effectRef idx="0">
+            <a:schemeClr val="accent1"/>
+          </a:effectRef>
+          <a:fontRef idx="minor">
+            <a:schemeClr val="lt1"/>
+          </a:fontRef>
+        </p:style>
+        <p:txBody>
+          <a:bodyPr rtlCol="0" anchor="ctr"/>
+          <a:lstStyle/>
+          <a:p>
+            <a:pPr algn="ctr"/>
+            <a:endParaRPr lang="fr-FR"/>
+          </a:p>
+        </p:txBody>
+      </p:sp>
+      <p:sp>
+        <p:nvSpPr>
+          <p:cNvPr id="16" name="ZoneTexte 15">
+            <a:extLst>
+              <a:ext uri="{FF2B5EF4-FFF2-40B4-BE49-F238E27FC236}">
+                <a16:creationId xmlns:a16="http://schemas.microsoft.com/office/drawing/2014/main" id="{AE85583B-C23A-43D0-A564-1B210A3200FD}"/>
+              </a:ext>
+            </a:extLst>
+          </p:cNvPr>
+          <p:cNvSpPr txBox="1"/>
+          <p:nvPr/>
+        </p:nvSpPr>
+        <p:spPr>
+          <a:xfrm>
+            <a:off x="2955217" y="1820561"/>
+            <a:ext cx="1732990" cy="369332"/>
+          </a:xfrm>
+          <a:prstGeom prst="rect">
+            <a:avLst/>
+          </a:prstGeom>
+          <a:noFill/>
+        </p:spPr>
+        <p:txBody>
+          <a:bodyPr wrap="square">
+            <a:spAutoFit/>
+          </a:bodyPr>
+          <a:lstStyle/>
+          <a:p>
             <a:r>
               <a:rPr lang="fr-FR" dirty="0"/>
-              <a:t>IUT</a:t>
-            </a:r>
-          </a:p>
-        </p:txBody>
-      </p:sp>
-      <p:sp>
-        <p:nvSpPr>
-          <p:cNvPr id="3" name="Espace réservé du contenu 2">
-            <a:extLst>
-              <a:ext uri="{FF2B5EF4-FFF2-40B4-BE49-F238E27FC236}">
-                <a16:creationId xmlns:a16="http://schemas.microsoft.com/office/drawing/2014/main" id="{BB267475-F653-4F60-AB86-5995FF6D4728}"/>
-              </a:ext>
-            </a:extLst>
-          </p:cNvPr>
-          <p:cNvSpPr>
-            <a:spLocks noGrp="1"/>
-          </p:cNvSpPr>
-          <p:nvPr>
-            <p:ph idx="1"/>
-          </p:nvPr>
-        </p:nvSpPr>
-        <p:spPr/>
-        <p:txBody>
-          <a:bodyPr>
-            <a:normAutofit lnSpcReduction="10000"/>
+              <a:t>#118977</a:t>
+            </a:r>
+          </a:p>
+        </p:txBody>
+      </p:sp>
+      <p:sp>
+        <p:nvSpPr>
+          <p:cNvPr id="17" name="ZoneTexte 16">
+            <a:extLst>
+              <a:ext uri="{FF2B5EF4-FFF2-40B4-BE49-F238E27FC236}">
+                <a16:creationId xmlns:a16="http://schemas.microsoft.com/office/drawing/2014/main" id="{CBB36DFA-90BC-46A0-A9DA-2E4FDBA1FE77}"/>
+              </a:ext>
+            </a:extLst>
+          </p:cNvPr>
+          <p:cNvSpPr txBox="1"/>
+          <p:nvPr/>
+        </p:nvSpPr>
+        <p:spPr>
+          <a:xfrm>
+            <a:off x="3020737" y="2227686"/>
+            <a:ext cx="6094948" cy="369332"/>
+          </a:xfrm>
+          <a:prstGeom prst="rect">
+            <a:avLst/>
+          </a:prstGeom>
+          <a:noFill/>
+        </p:spPr>
+        <p:txBody>
+          <a:bodyPr wrap="square">
+            <a:spAutoFit/>
           </a:bodyPr>
           <a:lstStyle/>
           <a:p>
             <a:r>
               <a:rPr lang="fr-FR" dirty="0"/>
-              <a:t>Image de l’IUT : trop dur, beaucoup de travail, cours en </a:t>
-            </a:r>
-            <a:r>
-              <a:rPr lang="fr-FR" dirty="0" err="1"/>
-              <a:t>amphi,cours</a:t>
-            </a:r>
+              <a:t>#1CAE97</a:t>
+            </a:r>
+          </a:p>
+        </p:txBody>
+      </p:sp>
+      <p:sp>
+        <p:nvSpPr>
+          <p:cNvPr id="18" name="ZoneTexte 17">
+            <a:extLst>
+              <a:ext uri="{FF2B5EF4-FFF2-40B4-BE49-F238E27FC236}">
+                <a16:creationId xmlns:a16="http://schemas.microsoft.com/office/drawing/2014/main" id="{42F7FAFB-80F7-4F18-BA65-A3787DF6F942}"/>
+              </a:ext>
+            </a:extLst>
+          </p:cNvPr>
+          <p:cNvSpPr txBox="1"/>
+          <p:nvPr/>
+        </p:nvSpPr>
+        <p:spPr>
+          <a:xfrm>
+            <a:off x="3020737" y="2599990"/>
+            <a:ext cx="6094948" cy="369332"/>
+          </a:xfrm>
+          <a:prstGeom prst="rect">
+            <a:avLst/>
+          </a:prstGeom>
+          <a:noFill/>
+        </p:spPr>
+        <p:txBody>
+          <a:bodyPr wrap="square">
+            <a:spAutoFit/>
+          </a:bodyPr>
+          <a:lstStyle/>
+          <a:p>
             <a:r>
               <a:rPr lang="fr-FR" dirty="0"/>
-              <a:t> dans la masse, certains élèves reviennent en BTS à la Toussaint, les STI2D sont dépréciés, c’est pour les bacs en généraux, élèves pas appréciés par les maitres de conf, partiels, assiduité est évaluée strictement, cours à la carte, département inconnus (= frein à l’orientation)</a:t>
-            </a:r>
-          </a:p>
-          <a:p>
-            <a:pPr lvl="1"/>
+              <a:t>#CEE3E0</a:t>
+            </a:r>
+          </a:p>
+        </p:txBody>
+      </p:sp>
+      <p:sp>
+        <p:nvSpPr>
+          <p:cNvPr id="19" name="ZoneTexte 18">
+            <a:extLst>
+              <a:ext uri="{FF2B5EF4-FFF2-40B4-BE49-F238E27FC236}">
+                <a16:creationId xmlns:a16="http://schemas.microsoft.com/office/drawing/2014/main" id="{40967DEF-7FD0-47F5-A22D-F3E178ABEFBB}"/>
+              </a:ext>
+            </a:extLst>
+          </p:cNvPr>
+          <p:cNvSpPr txBox="1"/>
+          <p:nvPr/>
+        </p:nvSpPr>
+        <p:spPr>
+          <a:xfrm>
+            <a:off x="2955217" y="1464806"/>
+            <a:ext cx="6094476" cy="369332"/>
+          </a:xfrm>
+          <a:prstGeom prst="rect">
+            <a:avLst/>
+          </a:prstGeom>
+          <a:noFill/>
+        </p:spPr>
+        <p:txBody>
+          <a:bodyPr wrap="square">
+            <a:spAutoFit/>
+          </a:bodyPr>
+          <a:lstStyle/>
+          <a:p>
             <a:r>
               <a:rPr lang="fr-FR" dirty="0"/>
-              <a:t>Evolutions : il y a eu des évolutions sur la pédagogie, contrôle continu, plus d’accent sur la pratique, pédagogie par projets, il y a un suivi des élèves et de l’assiduité</a:t>
-            </a:r>
-          </a:p>
+              <a:t>#455368</a:t>
+            </a:r>
+          </a:p>
+        </p:txBody>
+      </p:sp>
+      <p:sp>
+        <p:nvSpPr>
+          <p:cNvPr id="20" name="ZoneTexte 19">
+            <a:extLst>
+              <a:ext uri="{FF2B5EF4-FFF2-40B4-BE49-F238E27FC236}">
+                <a16:creationId xmlns:a16="http://schemas.microsoft.com/office/drawing/2014/main" id="{8D02C061-8CF8-4BB9-81C4-317AB8FA5652}"/>
+              </a:ext>
+            </a:extLst>
+          </p:cNvPr>
+          <p:cNvSpPr txBox="1"/>
+          <p:nvPr/>
+        </p:nvSpPr>
+        <p:spPr>
+          <a:xfrm>
+            <a:off x="3048762" y="3157281"/>
+            <a:ext cx="6094476" cy="369332"/>
+          </a:xfrm>
+          <a:prstGeom prst="rect">
+            <a:avLst/>
+          </a:prstGeom>
+          <a:noFill/>
+        </p:spPr>
+        <p:txBody>
+          <a:bodyPr wrap="square">
+            <a:spAutoFit/>
+          </a:bodyPr>
+          <a:lstStyle/>
+          <a:p>
+            <a:r>
+              <a:rPr lang="fr-FR" dirty="0">
+                <a:solidFill>
+                  <a:srgbClr val="CB4E3D"/>
+                </a:solidFill>
+              </a:rPr>
+              <a:t>#F6AB32</a:t>
+            </a:r>
+          </a:p>
+        </p:txBody>
+      </p:sp>
+      <p:sp>
+        <p:nvSpPr>
+          <p:cNvPr id="21" name="ZoneTexte 20">
+            <a:extLst>
+              <a:ext uri="{FF2B5EF4-FFF2-40B4-BE49-F238E27FC236}">
+                <a16:creationId xmlns:a16="http://schemas.microsoft.com/office/drawing/2014/main" id="{221E0FDE-18EA-4C97-B98D-93631F3E0004}"/>
+              </a:ext>
+            </a:extLst>
+          </p:cNvPr>
+          <p:cNvSpPr txBox="1"/>
+          <p:nvPr/>
+        </p:nvSpPr>
+        <p:spPr>
+          <a:xfrm>
+            <a:off x="3084981" y="4341209"/>
+            <a:ext cx="6094476" cy="369332"/>
+          </a:xfrm>
+          <a:prstGeom prst="rect">
+            <a:avLst/>
+          </a:prstGeom>
+          <a:noFill/>
+        </p:spPr>
+        <p:txBody>
+          <a:bodyPr wrap="square">
+            <a:spAutoFit/>
+          </a:bodyPr>
+          <a:lstStyle/>
           <a:p>
             <a:r>
               <a:rPr lang="fr-FR" dirty="0"/>
-              <a:t>Quelle vision peut-on avoir des élèves d’IUT : meilleurs élèves gardés en BTS, et plus mauvais en IUT, </a:t>
-            </a:r>
-          </a:p>
-          <a:p>
-            <a:pPr lvl="1"/>
+              <a:t>#CB4E3D</a:t>
+            </a:r>
+          </a:p>
+        </p:txBody>
+      </p:sp>
+      <p:sp>
+        <p:nvSpPr>
+          <p:cNvPr id="22" name="ZoneTexte 21">
+            <a:extLst>
+              <a:ext uri="{FF2B5EF4-FFF2-40B4-BE49-F238E27FC236}">
+                <a16:creationId xmlns:a16="http://schemas.microsoft.com/office/drawing/2014/main" id="{E0476C91-B27C-4097-8890-D6A8E597E81E}"/>
+              </a:ext>
+            </a:extLst>
+          </p:cNvPr>
+          <p:cNvSpPr txBox="1"/>
+          <p:nvPr/>
+        </p:nvSpPr>
+        <p:spPr>
+          <a:xfrm>
+            <a:off x="3084981" y="5808349"/>
+            <a:ext cx="6094476" cy="369332"/>
+          </a:xfrm>
+          <a:prstGeom prst="rect">
+            <a:avLst/>
+          </a:prstGeom>
+          <a:noFill/>
+        </p:spPr>
+        <p:txBody>
+          <a:bodyPr wrap="square">
+            <a:spAutoFit/>
+          </a:bodyPr>
+          <a:lstStyle/>
+          <a:p>
             <a:r>
               <a:rPr lang="fr-FR" dirty="0"/>
-              <a:t>Évolution : l’IUT va être une voie privilégiée en IUT</a:t>
-            </a:r>
-          </a:p>
-          <a:p>
-            <a:pPr lvl="1"/>
-            <a:endParaRPr lang="fr-FR" dirty="0"/>
-          </a:p>
-          <a:p>
-            <a:pPr lvl="1"/>
-            <a:endParaRPr lang="fr-FR" dirty="0"/>
-          </a:p>
-          <a:p>
-            <a:endParaRPr lang="fr-FR" dirty="0"/>
-          </a:p>
-          <a:p>
-            <a:endParaRPr lang="fr-FR" dirty="0"/>
+              <a:t>#55687C</a:t>
+            </a:r>
           </a:p>
         </p:txBody>
       </p:sp>
     </p:spTree>
     <p:extLst>
       <p:ext uri="{BB962C8B-B14F-4D97-AF65-F5344CB8AC3E}">
-        <p14:creationId xmlns:p14="http://schemas.microsoft.com/office/powerpoint/2010/main" val="2370288309"/>
-      </p:ext>
-    </p:extLst>
-  </p:cSld>
-  <p:clrMapOvr>
-    <a:masterClrMapping/>
-  </p:clrMapOvr>
-</p:sld>
-</file>
-
-<file path=ppt/slides/slide11.xml><?xml version="1.0" encoding="utf-8"?>
-<p:sld xmlns:a="http://schemas.openxmlformats.org/drawingml/2006/main" xmlns:r="http://schemas.openxmlformats.org/officeDocument/2006/relationships" xmlns:p="http://schemas.openxmlformats.org/presentationml/2006/main">
-  <p:cSld>
-    <p:spTree>
-      <p:nvGrpSpPr>
-        <p:cNvPr id="1" name=""/>
-        <p:cNvGrpSpPr/>
-        <p:nvPr/>
-      </p:nvGrpSpPr>
-      <p:grpSpPr>
-        <a:xfrm>
-          <a:off x="0" y="0"/>
-          <a:ext cx="0" cy="0"/>
-          <a:chOff x="0" y="0"/>
-          <a:chExt cx="0" cy="0"/>
-        </a:xfrm>
-      </p:grpSpPr>
-      <p:sp>
-        <p:nvSpPr>
-          <p:cNvPr id="2" name="Titre 1">
-            <a:extLst>
-              <a:ext uri="{FF2B5EF4-FFF2-40B4-BE49-F238E27FC236}">
-                <a16:creationId xmlns:a16="http://schemas.microsoft.com/office/drawing/2014/main" id="{064D511A-14C0-4E29-A584-1C5EA0918782}"/>
-              </a:ext>
-            </a:extLst>
-          </p:cNvPr>
-          <p:cNvSpPr>
-            <a:spLocks noGrp="1"/>
-          </p:cNvSpPr>
-          <p:nvPr>
-            <p:ph type="title"/>
-          </p:nvPr>
-        </p:nvSpPr>
-        <p:spPr/>
-        <p:txBody>
-          <a:bodyPr/>
-          <a:lstStyle/>
-          <a:p>
-            <a:r>
-              <a:rPr lang="fr-FR" dirty="0"/>
-              <a:t>IUT</a:t>
-            </a:r>
-          </a:p>
-        </p:txBody>
-      </p:sp>
-      <p:sp>
-        <p:nvSpPr>
-          <p:cNvPr id="3" name="Espace réservé du contenu 2">
-            <a:extLst>
-              <a:ext uri="{FF2B5EF4-FFF2-40B4-BE49-F238E27FC236}">
-                <a16:creationId xmlns:a16="http://schemas.microsoft.com/office/drawing/2014/main" id="{650927CE-228F-4609-8092-8A2678CD985B}"/>
-              </a:ext>
-            </a:extLst>
-          </p:cNvPr>
-          <p:cNvSpPr>
-            <a:spLocks noGrp="1"/>
-          </p:cNvSpPr>
-          <p:nvPr>
-            <p:ph idx="1"/>
-          </p:nvPr>
-        </p:nvSpPr>
-        <p:spPr/>
-        <p:txBody>
-          <a:bodyPr>
-            <a:normAutofit fontScale="92500" lnSpcReduction="10000"/>
-          </a:bodyPr>
-          <a:lstStyle/>
-          <a:p>
-            <a:r>
-              <a:rPr lang="fr-FR" dirty="0"/>
-              <a:t>Taux d’abandon en IUT ? En poursuite d’étude ?</a:t>
-            </a:r>
-          </a:p>
-          <a:p>
-            <a:pPr lvl="1"/>
-            <a:r>
-              <a:rPr lang="fr-FR" dirty="0"/>
-              <a:t>Érosion souvent liée à la capacité des formations</a:t>
-            </a:r>
-          </a:p>
-          <a:p>
-            <a:pPr lvl="1"/>
-            <a:endParaRPr lang="fr-FR" dirty="0"/>
-          </a:p>
-          <a:p>
-            <a:pPr lvl="1"/>
-            <a:endParaRPr lang="fr-FR" dirty="0"/>
-          </a:p>
-          <a:p>
-            <a:r>
-              <a:rPr lang="fr-FR" dirty="0"/>
-              <a:t>Recrutement</a:t>
-            </a:r>
-          </a:p>
-          <a:p>
-            <a:pPr lvl="1"/>
-            <a:r>
-              <a:rPr lang="fr-FR" dirty="0"/>
-              <a:t>Sur parcours sup : classement bac techno plus classement pour les autres</a:t>
-            </a:r>
-          </a:p>
-          <a:p>
-            <a:pPr lvl="1"/>
-            <a:r>
-              <a:rPr lang="fr-FR" dirty="0"/>
-              <a:t>Sélectivité dépend du département d’enseignement </a:t>
-            </a:r>
-          </a:p>
-          <a:p>
-            <a:pPr lvl="1"/>
-            <a:endParaRPr lang="fr-FR" dirty="0"/>
-          </a:p>
-          <a:p>
-            <a:pPr lvl="1"/>
-            <a:r>
-              <a:rPr lang="fr-FR" dirty="0"/>
-              <a:t>Faire une fiche avec les Département ? Dans quelle filière il y a un déficit de STI2D par rapport aux finalités de la filière ?</a:t>
-            </a:r>
-          </a:p>
-          <a:p>
-            <a:pPr lvl="1"/>
-            <a:endParaRPr lang="fr-FR" dirty="0"/>
-          </a:p>
-          <a:p>
-            <a:pPr lvl="1"/>
-            <a:r>
-              <a:rPr lang="fr-FR" dirty="0"/>
-              <a:t>PORTE</a:t>
-            </a:r>
-          </a:p>
-        </p:txBody>
-      </p:sp>
-    </p:spTree>
-    <p:extLst>
-      <p:ext uri="{BB962C8B-B14F-4D97-AF65-F5344CB8AC3E}">
-        <p14:creationId xmlns:p14="http://schemas.microsoft.com/office/powerpoint/2010/main" val="485203157"/>
-      </p:ext>
-    </p:extLst>
-  </p:cSld>
-  <p:clrMapOvr>
-    <a:masterClrMapping/>
-  </p:clrMapOvr>
-</p:sld>
-</file>
-
-<file path=ppt/slides/slide12.xml><?xml version="1.0" encoding="utf-8"?>
-<p:sld xmlns:a="http://schemas.openxmlformats.org/drawingml/2006/main" xmlns:r="http://schemas.openxmlformats.org/officeDocument/2006/relationships" xmlns:p="http://schemas.openxmlformats.org/presentationml/2006/main">
-  <p:cSld>
-    <p:spTree>
-      <p:nvGrpSpPr>
-        <p:cNvPr id="1" name=""/>
-        <p:cNvGrpSpPr/>
-        <p:nvPr/>
-      </p:nvGrpSpPr>
-      <p:grpSpPr>
-        <a:xfrm>
-          <a:off x="0" y="0"/>
-          <a:ext cx="0" cy="0"/>
-          <a:chOff x="0" y="0"/>
-          <a:chExt cx="0" cy="0"/>
-        </a:xfrm>
-      </p:grpSpPr>
-      <p:sp>
-        <p:nvSpPr>
-          <p:cNvPr id="2" name="Titre 1">
-            <a:extLst>
-              <a:ext uri="{FF2B5EF4-FFF2-40B4-BE49-F238E27FC236}">
-                <a16:creationId xmlns:a16="http://schemas.microsoft.com/office/drawing/2014/main" id="{4EF2D846-FE4C-40AA-8BDC-3CF0D0FA6885}"/>
-              </a:ext>
-            </a:extLst>
-          </p:cNvPr>
-          <p:cNvSpPr>
-            <a:spLocks noGrp="1"/>
-          </p:cNvSpPr>
-          <p:nvPr>
-            <p:ph type="title"/>
-          </p:nvPr>
-        </p:nvSpPr>
-        <p:spPr/>
-        <p:txBody>
-          <a:bodyPr/>
-          <a:lstStyle/>
-          <a:p>
-            <a:r>
-              <a:rPr lang="fr-FR" dirty="0"/>
-              <a:t>Synthèse entrée par l’élève ?</a:t>
-            </a:r>
-          </a:p>
-        </p:txBody>
-      </p:sp>
-      <p:sp>
-        <p:nvSpPr>
-          <p:cNvPr id="3" name="Espace réservé du contenu 2">
-            <a:extLst>
-              <a:ext uri="{FF2B5EF4-FFF2-40B4-BE49-F238E27FC236}">
-                <a16:creationId xmlns:a16="http://schemas.microsoft.com/office/drawing/2014/main" id="{150BBE8A-E0BA-47BD-B1F8-11D7377E53C1}"/>
-              </a:ext>
-            </a:extLst>
-          </p:cNvPr>
-          <p:cNvSpPr>
-            <a:spLocks noGrp="1"/>
-          </p:cNvSpPr>
-          <p:nvPr>
-            <p:ph idx="1"/>
-          </p:nvPr>
-        </p:nvSpPr>
-        <p:spPr/>
-        <p:txBody>
-          <a:bodyPr>
-            <a:normAutofit fontScale="70000" lnSpcReduction="20000"/>
-          </a:bodyPr>
-          <a:lstStyle/>
-          <a:p>
-            <a:r>
-              <a:rPr lang="fr-FR" dirty="0"/>
-              <a:t>Les questions à se poser </a:t>
-            </a:r>
-          </a:p>
-          <a:p>
-            <a:pPr lvl="1"/>
-            <a:r>
-              <a:rPr lang="fr-FR" dirty="0"/>
-              <a:t>Appétences des élèves (approche pragmatique, par le concret ou par la « théorie ».</a:t>
-            </a:r>
-          </a:p>
-          <a:p>
-            <a:pPr lvl="1"/>
-            <a:r>
-              <a:rPr lang="fr-FR" dirty="0"/>
-              <a:t>Aspiration des élèves ? Choix de mode d’apprentissage</a:t>
-            </a:r>
-          </a:p>
-          <a:p>
-            <a:pPr lvl="1"/>
-            <a:r>
-              <a:rPr lang="fr-FR" dirty="0"/>
-              <a:t>Notion d’autonomie ? Élève plus ou moins scolaire </a:t>
-            </a:r>
-          </a:p>
-          <a:p>
-            <a:pPr lvl="1"/>
-            <a:r>
-              <a:rPr lang="fr-FR" dirty="0"/>
-              <a:t>Choix d’étude courte ou d’étude longue ?</a:t>
-            </a:r>
-          </a:p>
-          <a:p>
-            <a:pPr lvl="1"/>
-            <a:r>
-              <a:rPr lang="fr-FR" dirty="0"/>
-              <a:t>A quel moment je veux m’insérer professionnellement ?</a:t>
-            </a:r>
-          </a:p>
-          <a:p>
-            <a:pPr lvl="1"/>
-            <a:r>
-              <a:rPr lang="fr-FR" dirty="0"/>
-              <a:t>Format de formation (apprentissage ou non) ?</a:t>
-            </a:r>
-          </a:p>
-          <a:p>
-            <a:pPr lvl="1"/>
-            <a:endParaRPr lang="fr-FR" dirty="0"/>
-          </a:p>
-          <a:p>
-            <a:pPr lvl="1"/>
-            <a:r>
-              <a:rPr lang="fr-FR" dirty="0"/>
-              <a:t>Mais il y a des passerelles… </a:t>
-            </a:r>
-          </a:p>
-          <a:p>
-            <a:pPr lvl="1"/>
-            <a:endParaRPr lang="fr-FR" dirty="0"/>
-          </a:p>
-          <a:p>
-            <a:pPr lvl="1"/>
-            <a:r>
-              <a:rPr lang="fr-FR" dirty="0"/>
-              <a:t>Les questions en suspens (passerelle avec l’évolution des BUT (à bac +2 ? À bac +3 ?) vers un bac+2 ? Bac +3) ?</a:t>
-            </a:r>
-          </a:p>
-          <a:p>
-            <a:pPr lvl="1"/>
-            <a:endParaRPr lang="fr-FR" dirty="0"/>
-          </a:p>
-          <a:p>
-            <a:pPr lvl="1"/>
-            <a:r>
-              <a:rPr lang="fr-FR" dirty="0"/>
-              <a:t>Attention aux idées préconçues sur nos propositions aux élèves (peu de corrélation entre les niveaux bac+0 et bac+2), restons ouverts et informons ?</a:t>
-            </a:r>
-          </a:p>
-          <a:p>
-            <a:pPr lvl="1"/>
-            <a:endParaRPr lang="fr-FR" dirty="0"/>
-          </a:p>
-          <a:p>
-            <a:pPr lvl="1"/>
-            <a:endParaRPr lang="fr-FR" dirty="0"/>
-          </a:p>
-          <a:p>
-            <a:pPr lvl="1"/>
-            <a:r>
-              <a:rPr lang="fr-FR" dirty="0"/>
-              <a:t>Il faut commencer à orienter DES la seconde à sensibiliser vers la </a:t>
-            </a:r>
-            <a:r>
-              <a:rPr lang="fr-FR" dirty="0" err="1"/>
-              <a:t>SII</a:t>
-            </a:r>
-            <a:r>
-              <a:rPr lang="fr-FR" dirty="0"/>
-              <a:t>. LA </a:t>
-            </a:r>
-            <a:r>
-              <a:rPr lang="fr-FR" dirty="0" err="1"/>
-              <a:t>SII</a:t>
-            </a:r>
-            <a:r>
-              <a:rPr lang="fr-FR" dirty="0"/>
-              <a:t> Peut être un atout pour aller en </a:t>
-            </a:r>
-            <a:r>
-              <a:rPr lang="fr-FR"/>
-              <a:t>prépa o</a:t>
-            </a:r>
-            <a:endParaRPr lang="fr-FR" dirty="0"/>
-          </a:p>
-          <a:p>
-            <a:pPr lvl="1"/>
-            <a:endParaRPr lang="fr-FR" dirty="0"/>
-          </a:p>
-        </p:txBody>
-      </p:sp>
-    </p:spTree>
-    <p:extLst>
-      <p:ext uri="{BB962C8B-B14F-4D97-AF65-F5344CB8AC3E}">
-        <p14:creationId xmlns:p14="http://schemas.microsoft.com/office/powerpoint/2010/main" val="1256191937"/>
-      </p:ext>
-    </p:extLst>
-  </p:cSld>
-  <p:clrMapOvr>
-    <a:masterClrMapping/>
-  </p:clrMapOvr>
-</p:sld>
-</file>
-
-<file path=ppt/slides/slide13.xml><?xml version="1.0" encoding="utf-8"?>
-<p:sld xmlns:a="http://schemas.openxmlformats.org/drawingml/2006/main" xmlns:r="http://schemas.openxmlformats.org/officeDocument/2006/relationships" xmlns:p="http://schemas.openxmlformats.org/presentationml/2006/main">
-  <p:cSld>
-    <p:spTree>
-      <p:nvGrpSpPr>
-        <p:cNvPr id="1" name=""/>
-        <p:cNvGrpSpPr/>
-        <p:nvPr/>
-      </p:nvGrpSpPr>
-      <p:grpSpPr>
-        <a:xfrm>
-          <a:off x="0" y="0"/>
-          <a:ext cx="0" cy="0"/>
-          <a:chOff x="0" y="0"/>
-          <a:chExt cx="0" cy="0"/>
-        </a:xfrm>
-      </p:grpSpPr>
-      <p:sp>
-        <p:nvSpPr>
-          <p:cNvPr id="2" name="Titre 1">
-            <a:extLst>
-              <a:ext uri="{FF2B5EF4-FFF2-40B4-BE49-F238E27FC236}">
-                <a16:creationId xmlns:a16="http://schemas.microsoft.com/office/drawing/2014/main" id="{78DF4683-90F3-4414-9524-A0AEA79B9264}"/>
-              </a:ext>
-            </a:extLst>
-          </p:cNvPr>
-          <p:cNvSpPr>
-            <a:spLocks noGrp="1"/>
-          </p:cNvSpPr>
-          <p:nvPr>
-            <p:ph type="title"/>
-          </p:nvPr>
-        </p:nvSpPr>
-        <p:spPr/>
-        <p:txBody>
-          <a:bodyPr/>
-          <a:lstStyle/>
-          <a:p>
-            <a:endParaRPr lang="fr-FR"/>
-          </a:p>
-        </p:txBody>
-      </p:sp>
-      <p:sp>
-        <p:nvSpPr>
-          <p:cNvPr id="3" name="Espace réservé du contenu 2">
-            <a:extLst>
-              <a:ext uri="{FF2B5EF4-FFF2-40B4-BE49-F238E27FC236}">
-                <a16:creationId xmlns:a16="http://schemas.microsoft.com/office/drawing/2014/main" id="{2A588926-9EBE-4480-9F54-09547BA2CA2F}"/>
-              </a:ext>
-            </a:extLst>
-          </p:cNvPr>
-          <p:cNvSpPr>
-            <a:spLocks noGrp="1"/>
-          </p:cNvSpPr>
-          <p:nvPr>
-            <p:ph idx="1"/>
-          </p:nvPr>
-        </p:nvSpPr>
-        <p:spPr/>
-        <p:txBody>
-          <a:bodyPr/>
-          <a:lstStyle/>
-          <a:p>
-            <a:r>
-              <a:rPr lang="fr-FR" dirty="0"/>
-              <a:t>CPGE 4/1 FILIERES (ou 1)</a:t>
-            </a:r>
-          </a:p>
-          <a:p>
-            <a:r>
-              <a:rPr lang="fr-FR" dirty="0"/>
-              <a:t>IUT 24 filières</a:t>
-            </a:r>
-          </a:p>
-          <a:p>
-            <a:r>
-              <a:rPr lang="fr-FR" dirty="0"/>
-              <a:t>BTS : 125 spécialités</a:t>
-            </a:r>
-          </a:p>
-        </p:txBody>
-      </p:sp>
-    </p:spTree>
-    <p:extLst>
-      <p:ext uri="{BB962C8B-B14F-4D97-AF65-F5344CB8AC3E}">
-        <p14:creationId xmlns:p14="http://schemas.microsoft.com/office/powerpoint/2010/main" val="2391430405"/>
-      </p:ext>
-    </p:extLst>
-  </p:cSld>
-  <p:clrMapOvr>
-    <a:masterClrMapping/>
-  </p:clrMapOvr>
-</p:sld>
-</file>
-
-<file path=ppt/slides/slide14.xml><?xml version="1.0" encoding="utf-8"?>
-<p:sld xmlns:a="http://schemas.openxmlformats.org/drawingml/2006/main" xmlns:r="http://schemas.openxmlformats.org/officeDocument/2006/relationships" xmlns:p="http://schemas.openxmlformats.org/presentationml/2006/main">
-  <p:cSld>
-    <p:spTree>
-      <p:nvGrpSpPr>
-        <p:cNvPr id="1" name=""/>
-        <p:cNvGrpSpPr/>
-        <p:nvPr/>
-      </p:nvGrpSpPr>
-      <p:grpSpPr>
-        <a:xfrm>
-          <a:off x="0" y="0"/>
-          <a:ext cx="0" cy="0"/>
-          <a:chOff x="0" y="0"/>
-          <a:chExt cx="0" cy="0"/>
-        </a:xfrm>
-      </p:grpSpPr>
-      <p:sp>
-        <p:nvSpPr>
-          <p:cNvPr id="2" name="Titre 1">
-            <a:extLst>
-              <a:ext uri="{FF2B5EF4-FFF2-40B4-BE49-F238E27FC236}">
-                <a16:creationId xmlns:a16="http://schemas.microsoft.com/office/drawing/2014/main" id="{2758C067-EA1B-4B42-A5AE-E4FC3DDF1E92}"/>
-              </a:ext>
-            </a:extLst>
-          </p:cNvPr>
-          <p:cNvSpPr>
-            <a:spLocks noGrp="1"/>
-          </p:cNvSpPr>
-          <p:nvPr>
-            <p:ph type="title"/>
-          </p:nvPr>
-        </p:nvSpPr>
-        <p:spPr/>
-        <p:txBody>
-          <a:bodyPr/>
-          <a:lstStyle/>
-          <a:p>
-            <a:endParaRPr lang="fr-FR" dirty="0"/>
-          </a:p>
-        </p:txBody>
-      </p:sp>
-      <p:sp>
-        <p:nvSpPr>
-          <p:cNvPr id="3" name="Espace réservé du contenu 2">
-            <a:extLst>
-              <a:ext uri="{FF2B5EF4-FFF2-40B4-BE49-F238E27FC236}">
-                <a16:creationId xmlns:a16="http://schemas.microsoft.com/office/drawing/2014/main" id="{5BDBF2D1-248A-498B-A4E7-7B82F0355596}"/>
-              </a:ext>
-            </a:extLst>
-          </p:cNvPr>
-          <p:cNvSpPr>
-            <a:spLocks noGrp="1"/>
-          </p:cNvSpPr>
-          <p:nvPr>
-            <p:ph idx="1"/>
-          </p:nvPr>
-        </p:nvSpPr>
-        <p:spPr/>
-        <p:txBody>
-          <a:bodyPr/>
-          <a:lstStyle/>
-          <a:p>
-            <a:r>
-              <a:rPr lang="fr-FR" dirty="0"/>
-              <a:t>Aide à l’orientation</a:t>
-            </a:r>
-          </a:p>
-          <a:p>
-            <a:pPr lvl="1"/>
-            <a:r>
-              <a:rPr lang="fr-FR" dirty="0"/>
-              <a:t>Approche par le projet</a:t>
-            </a:r>
-          </a:p>
-          <a:p>
-            <a:pPr lvl="1"/>
-            <a:r>
-              <a:rPr lang="fr-FR" dirty="0"/>
-              <a:t>Approche par les métiers</a:t>
-            </a:r>
-          </a:p>
-          <a:p>
-            <a:pPr lvl="1"/>
-            <a:r>
-              <a:rPr lang="fr-FR" dirty="0"/>
-              <a:t>Approche par les élèves</a:t>
-            </a:r>
-          </a:p>
-          <a:p>
-            <a:pPr lvl="1"/>
-            <a:r>
-              <a:rPr lang="fr-FR" dirty="0"/>
-              <a:t>Approche par les filières</a:t>
-            </a:r>
-          </a:p>
-        </p:txBody>
-      </p:sp>
-    </p:spTree>
-    <p:extLst>
-      <p:ext uri="{BB962C8B-B14F-4D97-AF65-F5344CB8AC3E}">
-        <p14:creationId xmlns:p14="http://schemas.microsoft.com/office/powerpoint/2010/main" val="2178810703"/>
+        <p14:creationId xmlns:p14="http://schemas.microsoft.com/office/powerpoint/2010/main" val="2752552962"/>
       </p:ext>
     </p:extLst>
   </p:cSld>
@@ -4119,7 +4673,7 @@
           <p:cNvPr id="2" name="Titre 1">
             <a:extLst>
               <a:ext uri="{FF2B5EF4-FFF2-40B4-BE49-F238E27FC236}">
-                <a16:creationId xmlns:a16="http://schemas.microsoft.com/office/drawing/2014/main" id="{17708E2B-02CC-468E-8907-215079E197F8}"/>
+                <a16:creationId xmlns:a16="http://schemas.microsoft.com/office/drawing/2014/main" id="{9A98F80B-942B-4BCF-A60A-363DBF18066C}"/>
               </a:ext>
             </a:extLst>
           </p:cNvPr>
@@ -4135,7 +4689,10 @@
           <a:bodyPr/>
           <a:lstStyle/>
           <a:p>
-            <a:endParaRPr lang="fr-FR"/>
+            <a:r>
+              <a:rPr lang="fr-FR" dirty="0"/>
+              <a:t>Pourquoi parler d’orientation ?</a:t>
+            </a:r>
           </a:p>
         </p:txBody>
       </p:sp>
@@ -4144,7 +4701,7 @@
           <p:cNvPr id="3" name="Espace réservé du contenu 2">
             <a:extLst>
               <a:ext uri="{FF2B5EF4-FFF2-40B4-BE49-F238E27FC236}">
-                <a16:creationId xmlns:a16="http://schemas.microsoft.com/office/drawing/2014/main" id="{C5E0AAD2-EE5D-44F6-A019-475616C24965}"/>
+                <a16:creationId xmlns:a16="http://schemas.microsoft.com/office/drawing/2014/main" id="{7A1AEBFF-93D0-4CCE-A74C-B4A83DDC6185}"/>
               </a:ext>
             </a:extLst>
           </p:cNvPr>
@@ -4162,15 +4719,44 @@
           <a:p>
             <a:r>
               <a:rPr lang="fr-FR" dirty="0"/>
-              <a:t>Les bacs  </a:t>
-            </a:r>
+              <a:t>Montrer au plus tôt aux élèves (ou aux parents) que </a:t>
+            </a:r>
+          </a:p>
+          <a:p>
+            <a:pPr lvl="1"/>
+            <a:r>
+              <a:rPr lang="fr-FR" dirty="0"/>
+              <a:t>conserver la spécialité SI n’est pas un frein à l’orientation. </a:t>
+            </a:r>
+          </a:p>
+          <a:p>
+            <a:pPr lvl="1"/>
+            <a:r>
+              <a:rPr lang="fr-FR" dirty="0"/>
+              <a:t>S’orienter en STI2D ouvre la porte aux études supérieures.</a:t>
+            </a:r>
+          </a:p>
+          <a:p>
+            <a:r>
+              <a:rPr lang="fr-FR" dirty="0"/>
+              <a:t>Montrer au plus tôt aux élèves (ou aux parents) que s’orienter vers la STI2D </a:t>
+            </a:r>
+          </a:p>
+          <a:p>
+            <a:r>
+              <a:rPr lang="fr-FR" dirty="0"/>
+              <a:t>Ne pas orienter les élèves, mais les aider à s’orienter</a:t>
+            </a:r>
+          </a:p>
+          <a:p>
+            <a:endParaRPr lang="fr-FR" dirty="0"/>
           </a:p>
         </p:txBody>
       </p:sp>
     </p:spTree>
     <p:extLst>
       <p:ext uri="{BB962C8B-B14F-4D97-AF65-F5344CB8AC3E}">
-        <p14:creationId xmlns:p14="http://schemas.microsoft.com/office/powerpoint/2010/main" val="166491055"/>
+        <p14:creationId xmlns:p14="http://schemas.microsoft.com/office/powerpoint/2010/main" val="429468635"/>
       </p:ext>
     </p:extLst>
   </p:cSld>
@@ -4202,7 +4788,7 @@
           <p:cNvPr id="2" name="Titre 1">
             <a:extLst>
               <a:ext uri="{FF2B5EF4-FFF2-40B4-BE49-F238E27FC236}">
-                <a16:creationId xmlns:a16="http://schemas.microsoft.com/office/drawing/2014/main" id="{5EBD0A7B-7C8C-4B38-AA4C-84DBB2AB6B3A}"/>
+                <a16:creationId xmlns:a16="http://schemas.microsoft.com/office/drawing/2014/main" id="{F695E4B1-342C-4A70-966D-1F117689580B}"/>
               </a:ext>
             </a:extLst>
           </p:cNvPr>
@@ -4218,7 +4804,10 @@
           <a:bodyPr/>
           <a:lstStyle/>
           <a:p>
-            <a:endParaRPr lang="fr-FR"/>
+            <a:r>
+              <a:rPr lang="fr-FR" dirty="0"/>
+              <a:t>Comment aider les élèves dans l’orientation ?</a:t>
+            </a:r>
           </a:p>
         </p:txBody>
       </p:sp>
@@ -4227,7 +4816,7 @@
           <p:cNvPr id="3" name="Espace réservé du contenu 2">
             <a:extLst>
               <a:ext uri="{FF2B5EF4-FFF2-40B4-BE49-F238E27FC236}">
-                <a16:creationId xmlns:a16="http://schemas.microsoft.com/office/drawing/2014/main" id="{C8767A59-2F53-412C-AF5C-71F1F341550E}"/>
+                <a16:creationId xmlns:a16="http://schemas.microsoft.com/office/drawing/2014/main" id="{A701EE1E-6F16-47A8-8E5B-CE330298CA03}"/>
               </a:ext>
             </a:extLst>
           </p:cNvPr>
@@ -4245,19 +4834,27 @@
           <a:p>
             <a:r>
               <a:rPr lang="fr-FR" dirty="0"/>
-              <a:t>CPGE entrée par le recrutement</a:t>
-            </a:r>
-          </a:p>
-          <a:p>
-            <a:pPr lvl="1"/>
-            <a:endParaRPr lang="fr-FR" dirty="0"/>
+              <a:t>Point de vue métier</a:t>
+            </a:r>
+          </a:p>
+          <a:p>
+            <a:r>
+              <a:rPr lang="fr-FR" dirty="0"/>
+              <a:t>Point de vue projet</a:t>
+            </a:r>
+          </a:p>
+          <a:p>
+            <a:r>
+              <a:rPr lang="fr-FR" dirty="0"/>
+              <a:t>Point de vue élève</a:t>
+            </a:r>
           </a:p>
         </p:txBody>
       </p:sp>
     </p:spTree>
     <p:extLst>
       <p:ext uri="{BB962C8B-B14F-4D97-AF65-F5344CB8AC3E}">
-        <p14:creationId xmlns:p14="http://schemas.microsoft.com/office/powerpoint/2010/main" val="2461379565"/>
+        <p14:creationId xmlns:p14="http://schemas.microsoft.com/office/powerpoint/2010/main" val="430597059"/>
       </p:ext>
     </p:extLst>
   </p:cSld>
@@ -4289,7 +4886,7 @@
           <p:cNvPr id="2" name="Titre 1">
             <a:extLst>
               <a:ext uri="{FF2B5EF4-FFF2-40B4-BE49-F238E27FC236}">
-                <a16:creationId xmlns:a16="http://schemas.microsoft.com/office/drawing/2014/main" id="{6AC08DEA-E2ED-4910-BD01-517AF8244FA4}"/>
+                <a16:creationId xmlns:a16="http://schemas.microsoft.com/office/drawing/2014/main" id="{3E3297E0-7FCA-4396-AF7E-D2E930C35149}"/>
               </a:ext>
             </a:extLst>
           </p:cNvPr>
@@ -4305,7 +4902,7 @@
           <a:bodyPr/>
           <a:lstStyle/>
           <a:p>
-            <a:endParaRPr lang="fr-FR" dirty="0"/>
+            <a:endParaRPr lang="fr-FR"/>
           </a:p>
         </p:txBody>
       </p:sp>
@@ -4314,7 +4911,7 @@
           <p:cNvPr id="3" name="Espace réservé du contenu 2">
             <a:extLst>
               <a:ext uri="{FF2B5EF4-FFF2-40B4-BE49-F238E27FC236}">
-                <a16:creationId xmlns:a16="http://schemas.microsoft.com/office/drawing/2014/main" id="{EFD804D9-49FF-4EAC-8FE1-E529C5DC9B92}"/>
+                <a16:creationId xmlns:a16="http://schemas.microsoft.com/office/drawing/2014/main" id="{5707579D-D841-4541-A58B-8324453959C9}"/>
               </a:ext>
             </a:extLst>
           </p:cNvPr>
@@ -4327,75 +4924,511 @@
         </p:nvSpPr>
         <p:spPr/>
         <p:txBody>
-          <a:bodyPr>
-            <a:normAutofit fontScale="92500" lnSpcReduction="10000"/>
-          </a:bodyPr>
-          <a:lstStyle/>
-          <a:p>
+          <a:bodyPr/>
+          <a:lstStyle/>
+          <a:p>
+            <a:endParaRPr lang="fr-FR" dirty="0"/>
+          </a:p>
+        </p:txBody>
+      </p:sp>
+      <p:sp>
+        <p:nvSpPr>
+          <p:cNvPr id="5" name="Rectangle : coins arrondis 4">
+            <a:extLst>
+              <a:ext uri="{FF2B5EF4-FFF2-40B4-BE49-F238E27FC236}">
+                <a16:creationId xmlns:a16="http://schemas.microsoft.com/office/drawing/2014/main" id="{D119273D-D596-4FF3-8FAC-26EE9B7D464C}"/>
+              </a:ext>
+            </a:extLst>
+          </p:cNvPr>
+          <p:cNvSpPr/>
+          <p:nvPr/>
+        </p:nvSpPr>
+        <p:spPr>
+          <a:xfrm>
+            <a:off x="325120" y="1336273"/>
+            <a:ext cx="11511282" cy="655087"/>
+          </a:xfrm>
+          <a:prstGeom prst="roundRect">
+            <a:avLst>
+              <a:gd name="adj" fmla="val 6667"/>
+            </a:avLst>
+          </a:prstGeom>
+          <a:solidFill>
+            <a:schemeClr val="tx1">
+              <a:lumMod val="40000"/>
+              <a:lumOff val="60000"/>
+            </a:schemeClr>
+          </a:solidFill>
+          <a:ln w="28575">
+            <a:solidFill>
+              <a:schemeClr val="tx1"/>
+            </a:solidFill>
+          </a:ln>
+        </p:spPr>
+        <p:style>
+          <a:lnRef idx="2">
+            <a:schemeClr val="accent1">
+              <a:shade val="50000"/>
+            </a:schemeClr>
+          </a:lnRef>
+          <a:fillRef idx="1">
+            <a:schemeClr val="accent1"/>
+          </a:fillRef>
+          <a:effectRef idx="0">
+            <a:schemeClr val="accent1"/>
+          </a:effectRef>
+          <a:fontRef idx="minor">
+            <a:schemeClr val="lt1"/>
+          </a:fontRef>
+        </p:style>
+        <p:txBody>
+          <a:bodyPr rtlCol="0" anchor="ctr"/>
+          <a:lstStyle/>
+          <a:p>
+            <a:pPr algn="ctr"/>
             <a:r>
               <a:rPr lang="fr-FR" dirty="0"/>
-              <a:t>Enjeux : conserver la </a:t>
-            </a:r>
-            <a:r>
-              <a:rPr lang="fr-FR" dirty="0" err="1"/>
-              <a:t>SII</a:t>
-            </a:r>
+              <a:t>Baccalauréat Général &amp; Technologique</a:t>
+            </a:r>
+          </a:p>
+        </p:txBody>
+      </p:sp>
+      <p:sp>
+        <p:nvSpPr>
+          <p:cNvPr id="6" name="Rectangle : coins arrondis 5">
+            <a:extLst>
+              <a:ext uri="{FF2B5EF4-FFF2-40B4-BE49-F238E27FC236}">
+                <a16:creationId xmlns:a16="http://schemas.microsoft.com/office/drawing/2014/main" id="{B7DBB6BC-560A-4162-B362-C47BEDB539C9}"/>
+              </a:ext>
+            </a:extLst>
+          </p:cNvPr>
+          <p:cNvSpPr/>
+          <p:nvPr/>
+        </p:nvSpPr>
+        <p:spPr>
+          <a:xfrm>
+            <a:off x="396258" y="2372360"/>
+            <a:ext cx="3535662" cy="1422400"/>
+          </a:xfrm>
+          <a:prstGeom prst="roundRect">
+            <a:avLst>
+              <a:gd name="adj" fmla="val 6667"/>
+            </a:avLst>
+          </a:prstGeom>
+          <a:solidFill>
+            <a:schemeClr val="tx1">
+              <a:lumMod val="40000"/>
+              <a:lumOff val="60000"/>
+            </a:schemeClr>
+          </a:solidFill>
+          <a:ln w="28575">
+            <a:solidFill>
+              <a:schemeClr val="tx1"/>
+            </a:solidFill>
+          </a:ln>
+        </p:spPr>
+        <p:style>
+          <a:lnRef idx="2">
+            <a:schemeClr val="accent1">
+              <a:shade val="50000"/>
+            </a:schemeClr>
+          </a:lnRef>
+          <a:fillRef idx="1">
+            <a:schemeClr val="accent1"/>
+          </a:fillRef>
+          <a:effectRef idx="0">
+            <a:schemeClr val="accent1"/>
+          </a:effectRef>
+          <a:fontRef idx="minor">
+            <a:schemeClr val="lt1"/>
+          </a:fontRef>
+        </p:style>
+        <p:txBody>
+          <a:bodyPr rtlCol="0" anchor="ctr"/>
+          <a:lstStyle/>
+          <a:p>
+            <a:pPr algn="ctr"/>
             <a:r>
               <a:rPr lang="fr-FR" dirty="0"/>
-              <a:t> n’est pas un frein à l’orientation</a:t>
-            </a:r>
-          </a:p>
-          <a:p>
-            <a:pPr lvl="1"/>
+              <a:t>CPGE</a:t>
+            </a:r>
+          </a:p>
+          <a:p>
+            <a:pPr algn="ctr"/>
             <a:r>
               <a:rPr lang="fr-FR" dirty="0"/>
-              <a:t>Ce n’est pas tant un choix de spécialité qu’un niveau dans la spécialité</a:t>
-            </a:r>
-          </a:p>
-          <a:p>
-            <a:pPr lvl="1"/>
+              <a:t>4 voies en bac G</a:t>
+            </a:r>
+          </a:p>
+          <a:p>
+            <a:pPr algn="ctr"/>
             <a:r>
               <a:rPr lang="fr-FR" dirty="0"/>
-              <a:t>Le rang est un des critères de sélection il vaut mieux être bien classé en SI qu’en physique il faut choisir un enseignement ou on est le meilleur</a:t>
-            </a:r>
-          </a:p>
-          <a:p>
-            <a:pPr lvl="1"/>
-            <a:endParaRPr lang="fr-FR" dirty="0"/>
-          </a:p>
-          <a:p>
-            <a:endParaRPr lang="fr-FR" dirty="0"/>
-          </a:p>
-          <a:p>
+              <a:t>1 voie en bac T</a:t>
+            </a:r>
+          </a:p>
+        </p:txBody>
+      </p:sp>
+      <p:sp>
+        <p:nvSpPr>
+          <p:cNvPr id="7" name="Rectangle : coins arrondis 6">
+            <a:extLst>
+              <a:ext uri="{FF2B5EF4-FFF2-40B4-BE49-F238E27FC236}">
+                <a16:creationId xmlns:a16="http://schemas.microsoft.com/office/drawing/2014/main" id="{D14DE325-DA9C-4D3B-A078-EB8AA91AC87A}"/>
+              </a:ext>
+            </a:extLst>
+          </p:cNvPr>
+          <p:cNvSpPr/>
+          <p:nvPr/>
+        </p:nvSpPr>
+        <p:spPr>
+          <a:xfrm>
+            <a:off x="4271574" y="2372360"/>
+            <a:ext cx="3618373" cy="2143761"/>
+          </a:xfrm>
+          <a:prstGeom prst="roundRect">
+            <a:avLst>
+              <a:gd name="adj" fmla="val 6667"/>
+            </a:avLst>
+          </a:prstGeom>
+          <a:solidFill>
+            <a:schemeClr val="tx1">
+              <a:lumMod val="40000"/>
+              <a:lumOff val="60000"/>
+            </a:schemeClr>
+          </a:solidFill>
+          <a:ln w="28575">
+            <a:solidFill>
+              <a:schemeClr val="tx1"/>
+            </a:solidFill>
+          </a:ln>
+        </p:spPr>
+        <p:style>
+          <a:lnRef idx="2">
+            <a:schemeClr val="accent1">
+              <a:shade val="50000"/>
+            </a:schemeClr>
+          </a:lnRef>
+          <a:fillRef idx="1">
+            <a:schemeClr val="accent1"/>
+          </a:fillRef>
+          <a:effectRef idx="0">
+            <a:schemeClr val="accent1"/>
+          </a:effectRef>
+          <a:fontRef idx="minor">
+            <a:schemeClr val="lt1"/>
+          </a:fontRef>
+        </p:style>
+        <p:txBody>
+          <a:bodyPr rtlCol="0" anchor="ctr"/>
+          <a:lstStyle/>
+          <a:p>
+            <a:pPr algn="ctr"/>
             <a:r>
               <a:rPr lang="fr-FR" dirty="0"/>
-              <a:t>CPGE – 4 voies</a:t>
-            </a:r>
-          </a:p>
-          <a:p>
+              <a:t>IUT</a:t>
+            </a:r>
+          </a:p>
+          <a:p>
+            <a:pPr algn="ctr"/>
             <a:r>
               <a:rPr lang="fr-FR" dirty="0"/>
-              <a:t>IUT – 24 spécialités (dont certaines ne sont pas forcément en phase avec les STI2D)</a:t>
-            </a:r>
-          </a:p>
-          <a:p>
-            <a:endParaRPr lang="fr-FR" dirty="0"/>
-          </a:p>
-          <a:p>
+              <a:t>24 BUT (?? axées profils SI/STI2D)</a:t>
+            </a:r>
+          </a:p>
+        </p:txBody>
+      </p:sp>
+      <p:sp>
+        <p:nvSpPr>
+          <p:cNvPr id="8" name="Rectangle : coins arrondis 7">
+            <a:extLst>
+              <a:ext uri="{FF2B5EF4-FFF2-40B4-BE49-F238E27FC236}">
+                <a16:creationId xmlns:a16="http://schemas.microsoft.com/office/drawing/2014/main" id="{5443167C-43D4-4B0A-A578-D7D991EDB5AE}"/>
+              </a:ext>
+            </a:extLst>
+          </p:cNvPr>
+          <p:cNvSpPr/>
+          <p:nvPr/>
+        </p:nvSpPr>
+        <p:spPr>
+          <a:xfrm>
+            <a:off x="8260080" y="2372360"/>
+            <a:ext cx="3535662" cy="1422400"/>
+          </a:xfrm>
+          <a:prstGeom prst="roundRect">
+            <a:avLst>
+              <a:gd name="adj" fmla="val 6667"/>
+            </a:avLst>
+          </a:prstGeom>
+          <a:solidFill>
+            <a:schemeClr val="tx1">
+              <a:lumMod val="40000"/>
+              <a:lumOff val="60000"/>
+            </a:schemeClr>
+          </a:solidFill>
+          <a:ln w="28575">
+            <a:solidFill>
+              <a:schemeClr val="tx1"/>
+            </a:solidFill>
+          </a:ln>
+        </p:spPr>
+        <p:style>
+          <a:lnRef idx="2">
+            <a:schemeClr val="accent1">
+              <a:shade val="50000"/>
+            </a:schemeClr>
+          </a:lnRef>
+          <a:fillRef idx="1">
+            <a:schemeClr val="accent1"/>
+          </a:fillRef>
+          <a:effectRef idx="0">
+            <a:schemeClr val="accent1"/>
+          </a:effectRef>
+          <a:fontRef idx="minor">
+            <a:schemeClr val="lt1"/>
+          </a:fontRef>
+        </p:style>
+        <p:txBody>
+          <a:bodyPr rtlCol="0" anchor="ctr"/>
+          <a:lstStyle/>
+          <a:p>
+            <a:pPr algn="ctr"/>
             <a:r>
               <a:rPr lang="fr-FR" dirty="0"/>
-              <a:t>Attention aux formations privées</a:t>
-            </a:r>
-          </a:p>
-          <a:p>
-            <a:endParaRPr lang="fr-FR" dirty="0"/>
+              <a:t>BTS</a:t>
+            </a:r>
+          </a:p>
+          <a:p>
+            <a:pPr algn="ctr"/>
+            <a:r>
+              <a:rPr lang="fr-FR" dirty="0"/>
+              <a:t>125 spécialités</a:t>
+            </a:r>
+          </a:p>
+        </p:txBody>
+      </p:sp>
+      <p:sp>
+        <p:nvSpPr>
+          <p:cNvPr id="9" name="Rectangle : coins arrondis 8">
+            <a:extLst>
+              <a:ext uri="{FF2B5EF4-FFF2-40B4-BE49-F238E27FC236}">
+                <a16:creationId xmlns:a16="http://schemas.microsoft.com/office/drawing/2014/main" id="{506CEE17-0DDE-404A-BC18-4EFDCD6B0267}"/>
+              </a:ext>
+            </a:extLst>
+          </p:cNvPr>
+          <p:cNvSpPr/>
+          <p:nvPr/>
+        </p:nvSpPr>
+        <p:spPr>
+          <a:xfrm>
+            <a:off x="396258" y="4302673"/>
+            <a:ext cx="3535662" cy="2143761"/>
+          </a:xfrm>
+          <a:prstGeom prst="roundRect">
+            <a:avLst>
+              <a:gd name="adj" fmla="val 6667"/>
+            </a:avLst>
+          </a:prstGeom>
+          <a:solidFill>
+            <a:schemeClr val="tx1">
+              <a:lumMod val="40000"/>
+              <a:lumOff val="60000"/>
+            </a:schemeClr>
+          </a:solidFill>
+          <a:ln w="28575">
+            <a:solidFill>
+              <a:schemeClr val="tx1"/>
+            </a:solidFill>
+          </a:ln>
+        </p:spPr>
+        <p:style>
+          <a:lnRef idx="2">
+            <a:schemeClr val="accent1">
+              <a:shade val="50000"/>
+            </a:schemeClr>
+          </a:lnRef>
+          <a:fillRef idx="1">
+            <a:schemeClr val="accent1"/>
+          </a:fillRef>
+          <a:effectRef idx="0">
+            <a:schemeClr val="accent1"/>
+          </a:effectRef>
+          <a:fontRef idx="minor">
+            <a:schemeClr val="lt1"/>
+          </a:fontRef>
+        </p:style>
+        <p:txBody>
+          <a:bodyPr rtlCol="0" anchor="ctr"/>
+          <a:lstStyle/>
+          <a:p>
+            <a:pPr algn="ctr"/>
+            <a:r>
+              <a:rPr lang="fr-FR" dirty="0"/>
+              <a:t>Ecoles d’ingénieurs</a:t>
+            </a:r>
+          </a:p>
+        </p:txBody>
+      </p:sp>
+      <p:sp>
+        <p:nvSpPr>
+          <p:cNvPr id="10" name="Flèche : droite 9">
+            <a:extLst>
+              <a:ext uri="{FF2B5EF4-FFF2-40B4-BE49-F238E27FC236}">
+                <a16:creationId xmlns:a16="http://schemas.microsoft.com/office/drawing/2014/main" id="{7F82D566-4E52-480E-B876-401CCDE846FD}"/>
+              </a:ext>
+            </a:extLst>
+          </p:cNvPr>
+          <p:cNvSpPr/>
+          <p:nvPr/>
+        </p:nvSpPr>
+        <p:spPr>
+          <a:xfrm rot="5400000">
+            <a:off x="6639211" y="3150272"/>
+            <a:ext cx="1650999" cy="685798"/>
+          </a:xfrm>
+          <a:prstGeom prst="rightArrow">
+            <a:avLst>
+              <a:gd name="adj1" fmla="val 50000"/>
+              <a:gd name="adj2" fmla="val 48980"/>
+            </a:avLst>
+          </a:prstGeom>
+          <a:noFill/>
+          <a:ln w="28575"/>
+        </p:spPr>
+        <p:style>
+          <a:lnRef idx="2">
+            <a:schemeClr val="accent3"/>
+          </a:lnRef>
+          <a:fillRef idx="1">
+            <a:schemeClr val="lt1"/>
+          </a:fillRef>
+          <a:effectRef idx="0">
+            <a:schemeClr val="accent3"/>
+          </a:effectRef>
+          <a:fontRef idx="minor">
+            <a:schemeClr val="dk1"/>
+          </a:fontRef>
+        </p:style>
+        <p:txBody>
+          <a:bodyPr rtlCol="0" anchor="ctr"/>
+          <a:lstStyle/>
+          <a:p>
+            <a:pPr algn="ctr"/>
+            <a:r>
+              <a:rPr lang="fr-FR" sz="1400"/>
+              <a:t>Apprentissage</a:t>
+            </a:r>
+          </a:p>
+        </p:txBody>
+      </p:sp>
+      <p:sp>
+        <p:nvSpPr>
+          <p:cNvPr id="11" name="Flèche : droite 10">
+            <a:extLst>
+              <a:ext uri="{FF2B5EF4-FFF2-40B4-BE49-F238E27FC236}">
+                <a16:creationId xmlns:a16="http://schemas.microsoft.com/office/drawing/2014/main" id="{1C34C46D-B929-4732-BB3D-961B2AA7A5BD}"/>
+              </a:ext>
+            </a:extLst>
+          </p:cNvPr>
+          <p:cNvSpPr/>
+          <p:nvPr/>
+        </p:nvSpPr>
+        <p:spPr>
+          <a:xfrm rot="5400000">
+            <a:off x="2590449" y="5031654"/>
+            <a:ext cx="1650999" cy="685798"/>
+          </a:xfrm>
+          <a:prstGeom prst="rightArrow">
+            <a:avLst>
+              <a:gd name="adj1" fmla="val 50000"/>
+              <a:gd name="adj2" fmla="val 48980"/>
+            </a:avLst>
+          </a:prstGeom>
+          <a:noFill/>
+          <a:ln w="28575"/>
+        </p:spPr>
+        <p:style>
+          <a:lnRef idx="2">
+            <a:schemeClr val="accent3"/>
+          </a:lnRef>
+          <a:fillRef idx="1">
+            <a:schemeClr val="lt1"/>
+          </a:fillRef>
+          <a:effectRef idx="0">
+            <a:schemeClr val="accent3"/>
+          </a:effectRef>
+          <a:fontRef idx="minor">
+            <a:schemeClr val="dk1"/>
+          </a:fontRef>
+        </p:style>
+        <p:txBody>
+          <a:bodyPr rtlCol="0" anchor="ctr"/>
+          <a:lstStyle/>
+          <a:p>
+            <a:pPr algn="ctr"/>
+            <a:r>
+              <a:rPr lang="fr-FR" sz="1400"/>
+              <a:t>Apprentissage</a:t>
+            </a:r>
+          </a:p>
+        </p:txBody>
+      </p:sp>
+      <p:sp>
+        <p:nvSpPr>
+          <p:cNvPr id="12" name="Flèche : droite 11">
+            <a:extLst>
+              <a:ext uri="{FF2B5EF4-FFF2-40B4-BE49-F238E27FC236}">
+                <a16:creationId xmlns:a16="http://schemas.microsoft.com/office/drawing/2014/main" id="{171AC8D5-D113-4788-807E-AA0D8EE0B1A6}"/>
+              </a:ext>
+            </a:extLst>
+          </p:cNvPr>
+          <p:cNvSpPr/>
+          <p:nvPr/>
+        </p:nvSpPr>
+        <p:spPr>
+          <a:xfrm rot="5400000">
+            <a:off x="10478780" y="2930276"/>
+            <a:ext cx="1650999" cy="685798"/>
+          </a:xfrm>
+          <a:prstGeom prst="rightArrow">
+            <a:avLst>
+              <a:gd name="adj1" fmla="val 50000"/>
+              <a:gd name="adj2" fmla="val 48980"/>
+            </a:avLst>
+          </a:prstGeom>
+          <a:noFill/>
+          <a:ln w="28575"/>
+        </p:spPr>
+        <p:style>
+          <a:lnRef idx="2">
+            <a:schemeClr val="accent3"/>
+          </a:lnRef>
+          <a:fillRef idx="1">
+            <a:schemeClr val="lt1"/>
+          </a:fillRef>
+          <a:effectRef idx="0">
+            <a:schemeClr val="accent3"/>
+          </a:effectRef>
+          <a:fontRef idx="minor">
+            <a:schemeClr val="dk1"/>
+          </a:fontRef>
+        </p:style>
+        <p:txBody>
+          <a:bodyPr rtlCol="0" anchor="ctr"/>
+          <a:lstStyle/>
+          <a:p>
+            <a:pPr algn="ctr"/>
+            <a:r>
+              <a:rPr lang="fr-FR" sz="1400"/>
+              <a:t>Apprentissage</a:t>
+            </a:r>
           </a:p>
         </p:txBody>
       </p:sp>
     </p:spTree>
     <p:extLst>
       <p:ext uri="{BB962C8B-B14F-4D97-AF65-F5344CB8AC3E}">
-        <p14:creationId xmlns:p14="http://schemas.microsoft.com/office/powerpoint/2010/main" val="3062160585"/>
+        <p14:creationId xmlns:p14="http://schemas.microsoft.com/office/powerpoint/2010/main" val="1411449959"/>
       </p:ext>
     </p:extLst>
   </p:cSld>
@@ -4427,7 +5460,7 @@
           <p:cNvPr id="2" name="Titre 1">
             <a:extLst>
               <a:ext uri="{FF2B5EF4-FFF2-40B4-BE49-F238E27FC236}">
-                <a16:creationId xmlns:a16="http://schemas.microsoft.com/office/drawing/2014/main" id="{385C5854-B005-4A81-B28A-E81F3919E034}"/>
+                <a16:creationId xmlns:a16="http://schemas.microsoft.com/office/drawing/2014/main" id="{B64290D9-94AE-4651-886B-E27B7D8E5F61}"/>
               </a:ext>
             </a:extLst>
           </p:cNvPr>
@@ -4443,7 +5476,17 @@
           <a:bodyPr/>
           <a:lstStyle/>
           <a:p>
-            <a:endParaRPr lang="fr-FR" dirty="0"/>
+            <a:r>
+              <a:rPr lang="fr-FR" dirty="0"/>
+              <a:t>Les Classes Préparatoires aux Grandes Ecoles </a:t>
+            </a:r>
+            <a:br>
+              <a:rPr lang="fr-FR" dirty="0"/>
+            </a:br>
+            <a:r>
+              <a:rPr lang="fr-FR" dirty="0"/>
+              <a:t>(CPGE, classe prépa…)</a:t>
+            </a:r>
           </a:p>
         </p:txBody>
       </p:sp>
@@ -4452,7 +5495,7 @@
           <p:cNvPr id="3" name="Espace réservé du contenu 2">
             <a:extLst>
               <a:ext uri="{FF2B5EF4-FFF2-40B4-BE49-F238E27FC236}">
-                <a16:creationId xmlns:a16="http://schemas.microsoft.com/office/drawing/2014/main" id="{9FE600EA-C083-4A90-997B-BBAFBA1539E0}"/>
+                <a16:creationId xmlns:a16="http://schemas.microsoft.com/office/drawing/2014/main" id="{646D6687-40B5-402E-B2BE-7FFEEA999D12}"/>
               </a:ext>
             </a:extLst>
           </p:cNvPr>
@@ -4463,16 +5506,9 @@
             <p:ph idx="1"/>
           </p:nvPr>
         </p:nvSpPr>
-        <p:spPr>
-          <a:xfrm>
-            <a:off x="838200" y="1825625"/>
-            <a:ext cx="10515600" cy="388765"/>
-          </a:xfrm>
-        </p:spPr>
-        <p:txBody>
-          <a:bodyPr>
-            <a:normAutofit fontScale="92500" lnSpcReduction="20000"/>
-          </a:bodyPr>
+        <p:spPr/>
+        <p:txBody>
+          <a:bodyPr/>
           <a:lstStyle/>
           <a:p>
             <a:endParaRPr lang="fr-FR" dirty="0"/>
@@ -4481,10 +5517,10 @@
       </p:sp>
       <p:sp>
         <p:nvSpPr>
-          <p:cNvPr id="4" name="Rectangle : coins arrondis 3">
-            <a:extLst>
-              <a:ext uri="{FF2B5EF4-FFF2-40B4-BE49-F238E27FC236}">
-                <a16:creationId xmlns:a16="http://schemas.microsoft.com/office/drawing/2014/main" id="{DA1CF73D-985B-4FDC-B221-C5F4066F2F71}"/>
+          <p:cNvPr id="6" name="Rectangle : coins arrondis 5">
+            <a:extLst>
+              <a:ext uri="{FF2B5EF4-FFF2-40B4-BE49-F238E27FC236}">
+                <a16:creationId xmlns:a16="http://schemas.microsoft.com/office/drawing/2014/main" id="{1D516B39-5611-4CE8-A99C-F8DE52567047}"/>
               </a:ext>
             </a:extLst>
           </p:cNvPr>
@@ -4493,12 +5529,25 @@
         </p:nvSpPr>
         <p:spPr>
           <a:xfrm>
-            <a:off x="1139328" y="2599981"/>
-            <a:ext cx="4655544" cy="829019"/>
+            <a:off x="325120" y="1369776"/>
+            <a:ext cx="5394960" cy="992424"/>
           </a:xfrm>
           <a:prstGeom prst="roundRect">
-            <a:avLst/>
-          </a:prstGeom>
+            <a:avLst>
+              <a:gd name="adj" fmla="val 6667"/>
+            </a:avLst>
+          </a:prstGeom>
+          <a:solidFill>
+            <a:schemeClr val="tx1">
+              <a:lumMod val="40000"/>
+              <a:lumOff val="60000"/>
+            </a:schemeClr>
+          </a:solidFill>
+          <a:ln w="28575">
+            <a:solidFill>
+              <a:schemeClr val="tx1"/>
+            </a:solidFill>
+          </a:ln>
         </p:spPr>
         <p:style>
           <a:lnRef idx="2">
@@ -4523,17 +5572,35 @@
             <a:pPr algn="ctr"/>
             <a:r>
               <a:rPr lang="fr-FR" dirty="0"/>
-              <a:t>Terminale Générale</a:t>
-            </a:r>
-          </a:p>
-        </p:txBody>
-      </p:sp>
-      <p:sp>
-        <p:nvSpPr>
-          <p:cNvPr id="5" name="Rectangle : coins arrondis 4">
-            <a:extLst>
-              <a:ext uri="{FF2B5EF4-FFF2-40B4-BE49-F238E27FC236}">
-                <a16:creationId xmlns:a16="http://schemas.microsoft.com/office/drawing/2014/main" id="{A4D8B3D1-EA5F-445B-BC21-1FF6BC344315}"/>
+              <a:t>Baccalauréat Général</a:t>
+            </a:r>
+          </a:p>
+          <a:p>
+            <a:pPr algn="ctr"/>
+            <a:r>
+              <a:rPr lang="fr-FR" dirty="0"/>
+              <a:t>Spécialité MATHS </a:t>
+            </a:r>
+          </a:p>
+          <a:p>
+            <a:pPr algn="ctr"/>
+            <a:r>
+              <a:rPr lang="fr-FR" dirty="0"/>
+              <a:t>+ Autre Spécialité scientifique </a:t>
+            </a:r>
+            <a:r>
+              <a:rPr lang="fr-FR" b="1" dirty="0"/>
+              <a:t>(DONT SI)</a:t>
+            </a:r>
+          </a:p>
+        </p:txBody>
+      </p:sp>
+      <p:sp>
+        <p:nvSpPr>
+          <p:cNvPr id="8" name="Rectangle : coins arrondis 7">
+            <a:extLst>
+              <a:ext uri="{FF2B5EF4-FFF2-40B4-BE49-F238E27FC236}">
+                <a16:creationId xmlns:a16="http://schemas.microsoft.com/office/drawing/2014/main" id="{21DDEA4A-DDA7-4967-A446-97E05E97FE8B}"/>
               </a:ext>
             </a:extLst>
           </p:cNvPr>
@@ -4542,12 +5609,25 @@
         </p:nvSpPr>
         <p:spPr>
           <a:xfrm>
-            <a:off x="6397128" y="2599980"/>
-            <a:ext cx="4655544" cy="829019"/>
+            <a:off x="6441442" y="1336273"/>
+            <a:ext cx="5394960" cy="1025927"/>
           </a:xfrm>
           <a:prstGeom prst="roundRect">
-            <a:avLst/>
-          </a:prstGeom>
+            <a:avLst>
+              <a:gd name="adj" fmla="val 6667"/>
+            </a:avLst>
+          </a:prstGeom>
+          <a:solidFill>
+            <a:schemeClr val="tx1">
+              <a:lumMod val="40000"/>
+              <a:lumOff val="60000"/>
+            </a:schemeClr>
+          </a:solidFill>
+          <a:ln w="28575">
+            <a:solidFill>
+              <a:schemeClr val="tx1"/>
+            </a:solidFill>
+          </a:ln>
         </p:spPr>
         <p:style>
           <a:lnRef idx="2">
@@ -4572,17 +5652,17 @@
             <a:pPr algn="ctr"/>
             <a:r>
               <a:rPr lang="fr-FR" dirty="0"/>
-              <a:t>Terminale Technologique</a:t>
-            </a:r>
-          </a:p>
-        </p:txBody>
-      </p:sp>
-      <p:sp>
-        <p:nvSpPr>
-          <p:cNvPr id="6" name="Rectangle : coins arrondis 5">
-            <a:extLst>
-              <a:ext uri="{FF2B5EF4-FFF2-40B4-BE49-F238E27FC236}">
-                <a16:creationId xmlns:a16="http://schemas.microsoft.com/office/drawing/2014/main" id="{627533CB-8D9D-46DB-A4A9-F65D7A874958}"/>
+              <a:t>Baccalauréat Technologique</a:t>
+            </a:r>
+          </a:p>
+        </p:txBody>
+      </p:sp>
+      <p:sp>
+        <p:nvSpPr>
+          <p:cNvPr id="9" name="Rectangle : coins arrondis 8">
+            <a:extLst>
+              <a:ext uri="{FF2B5EF4-FFF2-40B4-BE49-F238E27FC236}">
+                <a16:creationId xmlns:a16="http://schemas.microsoft.com/office/drawing/2014/main" id="{8AA6C3EC-FA23-4225-8EE6-A2DF81E3A5E1}"/>
               </a:ext>
             </a:extLst>
           </p:cNvPr>
@@ -4591,12 +5671,25 @@
         </p:nvSpPr>
         <p:spPr>
           <a:xfrm>
-            <a:off x="1139328" y="4689056"/>
-            <a:ext cx="1872867" cy="829019"/>
+            <a:off x="325120" y="3108597"/>
+            <a:ext cx="1260000" cy="720000"/>
           </a:xfrm>
           <a:prstGeom prst="roundRect">
-            <a:avLst/>
-          </a:prstGeom>
+            <a:avLst>
+              <a:gd name="adj" fmla="val 6667"/>
+            </a:avLst>
+          </a:prstGeom>
+          <a:solidFill>
+            <a:schemeClr val="tx1">
+              <a:lumMod val="40000"/>
+              <a:lumOff val="60000"/>
+            </a:schemeClr>
+          </a:solidFill>
+          <a:ln w="28575">
+            <a:solidFill>
+              <a:schemeClr val="tx1"/>
+            </a:solidFill>
+          </a:ln>
         </p:spPr>
         <p:style>
           <a:lnRef idx="2">
@@ -4620,18 +5713,18 @@
           <a:p>
             <a:pPr algn="ctr"/>
             <a:r>
-              <a:rPr lang="fr-FR" b="1" dirty="0"/>
-              <a:t>CPGE</a:t>
-            </a:r>
-          </a:p>
-        </p:txBody>
-      </p:sp>
-      <p:sp>
-        <p:nvSpPr>
-          <p:cNvPr id="7" name="Rectangle : coins arrondis 6">
-            <a:extLst>
-              <a:ext uri="{FF2B5EF4-FFF2-40B4-BE49-F238E27FC236}">
-                <a16:creationId xmlns:a16="http://schemas.microsoft.com/office/drawing/2014/main" id="{4402C47E-DB1D-4A43-AF39-E29284D419FF}"/>
+              <a:rPr lang="fr-FR" dirty="0"/>
+              <a:t>MP2I</a:t>
+            </a:r>
+          </a:p>
+        </p:txBody>
+      </p:sp>
+      <p:sp>
+        <p:nvSpPr>
+          <p:cNvPr id="12" name="Rectangle : coins arrondis 11">
+            <a:extLst>
+              <a:ext uri="{FF2B5EF4-FFF2-40B4-BE49-F238E27FC236}">
+                <a16:creationId xmlns:a16="http://schemas.microsoft.com/office/drawing/2014/main" id="{EE9EE051-87D8-47E7-B85D-5C4513CD8FC6}"/>
               </a:ext>
             </a:extLst>
           </p:cNvPr>
@@ -4640,12 +5733,25 @@
         </p:nvSpPr>
         <p:spPr>
           <a:xfrm>
-            <a:off x="7590163" y="4649119"/>
-            <a:ext cx="1872867" cy="829019"/>
+            <a:off x="1703440" y="3108597"/>
+            <a:ext cx="1260000" cy="720000"/>
           </a:xfrm>
           <a:prstGeom prst="roundRect">
-            <a:avLst/>
-          </a:prstGeom>
+            <a:avLst>
+              <a:gd name="adj" fmla="val 6667"/>
+            </a:avLst>
+          </a:prstGeom>
+          <a:solidFill>
+            <a:schemeClr val="tx1">
+              <a:lumMod val="40000"/>
+              <a:lumOff val="60000"/>
+            </a:schemeClr>
+          </a:solidFill>
+          <a:ln w="28575">
+            <a:solidFill>
+              <a:schemeClr val="tx1"/>
+            </a:solidFill>
+          </a:ln>
         </p:spPr>
         <p:style>
           <a:lnRef idx="2">
@@ -4669,18 +5775,18 @@
           <a:p>
             <a:pPr algn="ctr"/>
             <a:r>
-              <a:rPr lang="fr-FR" b="1" dirty="0"/>
-              <a:t>BTS</a:t>
-            </a:r>
-          </a:p>
-        </p:txBody>
-      </p:sp>
-      <p:sp>
-        <p:nvSpPr>
-          <p:cNvPr id="8" name="Rectangle : coins arrondis 7">
-            <a:extLst>
-              <a:ext uri="{FF2B5EF4-FFF2-40B4-BE49-F238E27FC236}">
-                <a16:creationId xmlns:a16="http://schemas.microsoft.com/office/drawing/2014/main" id="{7F427125-1FF8-49B5-9AE2-BB08DE0ADB73}"/>
+              <a:rPr lang="fr-FR" dirty="0"/>
+              <a:t>MPSI</a:t>
+            </a:r>
+          </a:p>
+        </p:txBody>
+      </p:sp>
+      <p:sp>
+        <p:nvSpPr>
+          <p:cNvPr id="13" name="Rectangle : coins arrondis 12">
+            <a:extLst>
+              <a:ext uri="{FF2B5EF4-FFF2-40B4-BE49-F238E27FC236}">
+                <a16:creationId xmlns:a16="http://schemas.microsoft.com/office/drawing/2014/main" id="{3DD50792-7822-4CAC-A30F-8D3A0D90F113}"/>
               </a:ext>
             </a:extLst>
           </p:cNvPr>
@@ -4689,12 +5795,25 @@
         </p:nvSpPr>
         <p:spPr>
           <a:xfrm>
-            <a:off x="3665404" y="4613314"/>
-            <a:ext cx="3109969" cy="1751684"/>
+            <a:off x="3081760" y="3108597"/>
+            <a:ext cx="1260000" cy="720000"/>
           </a:xfrm>
           <a:prstGeom prst="roundRect">
-            <a:avLst/>
-          </a:prstGeom>
+            <a:avLst>
+              <a:gd name="adj" fmla="val 6667"/>
+            </a:avLst>
+          </a:prstGeom>
+          <a:solidFill>
+            <a:schemeClr val="tx1">
+              <a:lumMod val="40000"/>
+              <a:lumOff val="60000"/>
+            </a:schemeClr>
+          </a:solidFill>
+          <a:ln w="28575">
+            <a:solidFill>
+              <a:schemeClr val="tx1"/>
+            </a:solidFill>
+          </a:ln>
         </p:spPr>
         <p:style>
           <a:lnRef idx="2">
@@ -4718,58 +5837,18 @@
           <a:p>
             <a:pPr algn="ctr"/>
             <a:r>
-              <a:rPr lang="fr-FR" b="1" dirty="0"/>
-              <a:t>IUT – BUT </a:t>
-            </a:r>
-          </a:p>
-          <a:p>
-            <a:pPr algn="ctr"/>
-            <a:r>
               <a:rPr lang="fr-FR" dirty="0"/>
-              <a:t>Objectif 50% bac technologique (à faire réussir)</a:t>
-            </a:r>
-          </a:p>
-          <a:p>
-            <a:pPr algn="ctr"/>
-            <a:r>
-              <a:rPr lang="fr-FR" b="1" dirty="0"/>
-              <a:t>IUT GC (~49% de bac techno)</a:t>
-            </a:r>
-          </a:p>
-          <a:p>
-            <a:pPr algn="ctr"/>
-            <a:r>
-              <a:rPr lang="fr-FR" b="1" dirty="0" err="1"/>
-              <a:t>GEI</a:t>
-            </a:r>
-            <a:r>
-              <a:rPr lang="fr-FR" b="1" dirty="0"/>
-              <a:t> 30%</a:t>
-            </a:r>
-          </a:p>
-          <a:p>
-            <a:pPr algn="ctr"/>
-            <a:r>
-              <a:rPr lang="fr-FR" b="1" dirty="0" err="1"/>
-              <a:t>GMP</a:t>
-            </a:r>
-            <a:r>
-              <a:rPr lang="fr-FR" b="1" dirty="0"/>
-              <a:t> 40%</a:t>
-            </a:r>
-          </a:p>
-          <a:p>
-            <a:pPr algn="ctr"/>
-            <a:endParaRPr lang="fr-FR" b="1" dirty="0"/>
-          </a:p>
-        </p:txBody>
-      </p:sp>
-      <p:sp>
-        <p:nvSpPr>
-          <p:cNvPr id="9" name="Rectangle : coins arrondis 8">
-            <a:extLst>
-              <a:ext uri="{FF2B5EF4-FFF2-40B4-BE49-F238E27FC236}">
-                <a16:creationId xmlns:a16="http://schemas.microsoft.com/office/drawing/2014/main" id="{E490E287-119E-4CB6-8975-4238610E269D}"/>
+              <a:t>PCSI</a:t>
+            </a:r>
+          </a:p>
+        </p:txBody>
+      </p:sp>
+      <p:sp>
+        <p:nvSpPr>
+          <p:cNvPr id="14" name="Rectangle : coins arrondis 13">
+            <a:extLst>
+              <a:ext uri="{FF2B5EF4-FFF2-40B4-BE49-F238E27FC236}">
+                <a16:creationId xmlns:a16="http://schemas.microsoft.com/office/drawing/2014/main" id="{8926099C-0968-47F7-92BB-B4CDA120C595}"/>
               </a:ext>
             </a:extLst>
           </p:cNvPr>
@@ -4778,12 +5857,25 @@
         </p:nvSpPr>
         <p:spPr>
           <a:xfrm>
-            <a:off x="9698057" y="4689056"/>
-            <a:ext cx="1872867" cy="829019"/>
+            <a:off x="4460080" y="3108597"/>
+            <a:ext cx="1260000" cy="720000"/>
           </a:xfrm>
           <a:prstGeom prst="roundRect">
-            <a:avLst/>
-          </a:prstGeom>
+            <a:avLst>
+              <a:gd name="adj" fmla="val 6667"/>
+            </a:avLst>
+          </a:prstGeom>
+          <a:solidFill>
+            <a:schemeClr val="tx1">
+              <a:lumMod val="40000"/>
+              <a:lumOff val="60000"/>
+            </a:schemeClr>
+          </a:solidFill>
+          <a:ln w="28575">
+            <a:solidFill>
+              <a:schemeClr val="tx1"/>
+            </a:solidFill>
+          </a:ln>
         </p:spPr>
         <p:style>
           <a:lnRef idx="2">
@@ -4807,16 +5899,1769 @@
           <a:p>
             <a:pPr algn="ctr"/>
             <a:r>
+              <a:rPr lang="fr-FR" dirty="0"/>
+              <a:t>PTSI</a:t>
+            </a:r>
+          </a:p>
+        </p:txBody>
+      </p:sp>
+      <p:sp>
+        <p:nvSpPr>
+          <p:cNvPr id="16" name="Rectangle : coins arrondis 15">
+            <a:extLst>
+              <a:ext uri="{FF2B5EF4-FFF2-40B4-BE49-F238E27FC236}">
+                <a16:creationId xmlns:a16="http://schemas.microsoft.com/office/drawing/2014/main" id="{3C731962-8281-4A18-B1C2-2BD0A83D9FFB}"/>
+              </a:ext>
+            </a:extLst>
+          </p:cNvPr>
+          <p:cNvSpPr/>
+          <p:nvPr/>
+        </p:nvSpPr>
+        <p:spPr>
+          <a:xfrm>
+            <a:off x="6441442" y="3115194"/>
+            <a:ext cx="5394960" cy="720000"/>
+          </a:xfrm>
+          <a:prstGeom prst="roundRect">
+            <a:avLst>
+              <a:gd name="adj" fmla="val 6667"/>
+            </a:avLst>
+          </a:prstGeom>
+          <a:solidFill>
+            <a:schemeClr val="tx1">
+              <a:lumMod val="40000"/>
+              <a:lumOff val="60000"/>
+            </a:schemeClr>
+          </a:solidFill>
+          <a:ln w="28575">
+            <a:solidFill>
+              <a:schemeClr val="tx1"/>
+            </a:solidFill>
+          </a:ln>
+        </p:spPr>
+        <p:style>
+          <a:lnRef idx="2">
+            <a:schemeClr val="accent1">
+              <a:shade val="50000"/>
+            </a:schemeClr>
+          </a:lnRef>
+          <a:fillRef idx="1">
+            <a:schemeClr val="accent1"/>
+          </a:fillRef>
+          <a:effectRef idx="0">
+            <a:schemeClr val="accent1"/>
+          </a:effectRef>
+          <a:fontRef idx="minor">
+            <a:schemeClr val="lt1"/>
+          </a:fontRef>
+        </p:style>
+        <p:txBody>
+          <a:bodyPr rtlCol="0" anchor="ctr"/>
+          <a:lstStyle/>
+          <a:p>
+            <a:pPr algn="ctr"/>
+            <a:r>
+              <a:rPr lang="fr-FR" dirty="0" err="1"/>
+              <a:t>TSI</a:t>
+            </a:r>
+            <a:r>
+              <a:rPr lang="fr-FR" dirty="0"/>
+              <a:t> 1</a:t>
+            </a:r>
+          </a:p>
+        </p:txBody>
+      </p:sp>
+      <p:sp>
+        <p:nvSpPr>
+          <p:cNvPr id="17" name="Rectangle : coins arrondis 16">
+            <a:extLst>
+              <a:ext uri="{FF2B5EF4-FFF2-40B4-BE49-F238E27FC236}">
+                <a16:creationId xmlns:a16="http://schemas.microsoft.com/office/drawing/2014/main" id="{AF624456-EBFB-4030-A2C3-0B7DCE7A13D5}"/>
+              </a:ext>
+            </a:extLst>
+          </p:cNvPr>
+          <p:cNvSpPr/>
+          <p:nvPr/>
+        </p:nvSpPr>
+        <p:spPr>
+          <a:xfrm>
+            <a:off x="335280" y="4513193"/>
+            <a:ext cx="900000" cy="720000"/>
+          </a:xfrm>
+          <a:prstGeom prst="roundRect">
+            <a:avLst>
+              <a:gd name="adj" fmla="val 6667"/>
+            </a:avLst>
+          </a:prstGeom>
+          <a:solidFill>
+            <a:schemeClr val="tx1">
+              <a:lumMod val="40000"/>
+              <a:lumOff val="60000"/>
+            </a:schemeClr>
+          </a:solidFill>
+          <a:ln w="28575">
+            <a:solidFill>
+              <a:schemeClr val="tx1"/>
+            </a:solidFill>
+          </a:ln>
+        </p:spPr>
+        <p:style>
+          <a:lnRef idx="2">
+            <a:schemeClr val="accent1">
+              <a:shade val="50000"/>
+            </a:schemeClr>
+          </a:lnRef>
+          <a:fillRef idx="1">
+            <a:schemeClr val="accent1"/>
+          </a:fillRef>
+          <a:effectRef idx="0">
+            <a:schemeClr val="accent1"/>
+          </a:effectRef>
+          <a:fontRef idx="minor">
+            <a:schemeClr val="lt1"/>
+          </a:fontRef>
+        </p:style>
+        <p:txBody>
+          <a:bodyPr rtlCol="0" anchor="ctr"/>
+          <a:lstStyle/>
+          <a:p>
+            <a:pPr algn="ctr"/>
+            <a:r>
+              <a:rPr lang="fr-FR" dirty="0"/>
+              <a:t>MPI</a:t>
+            </a:r>
+          </a:p>
+        </p:txBody>
+      </p:sp>
+      <p:sp>
+        <p:nvSpPr>
+          <p:cNvPr id="18" name="Rectangle : coins arrondis 17">
+            <a:extLst>
+              <a:ext uri="{FF2B5EF4-FFF2-40B4-BE49-F238E27FC236}">
+                <a16:creationId xmlns:a16="http://schemas.microsoft.com/office/drawing/2014/main" id="{62CA9264-6571-4D71-82B8-D67FF02D97F4}"/>
+              </a:ext>
+            </a:extLst>
+          </p:cNvPr>
+          <p:cNvSpPr/>
+          <p:nvPr/>
+        </p:nvSpPr>
+        <p:spPr>
+          <a:xfrm>
+            <a:off x="1456480" y="4513193"/>
+            <a:ext cx="900000" cy="720000"/>
+          </a:xfrm>
+          <a:prstGeom prst="roundRect">
+            <a:avLst>
+              <a:gd name="adj" fmla="val 6667"/>
+            </a:avLst>
+          </a:prstGeom>
+          <a:solidFill>
+            <a:schemeClr val="tx1">
+              <a:lumMod val="40000"/>
+              <a:lumOff val="60000"/>
+            </a:schemeClr>
+          </a:solidFill>
+          <a:ln w="28575">
+            <a:solidFill>
+              <a:schemeClr val="tx1"/>
+            </a:solidFill>
+          </a:ln>
+        </p:spPr>
+        <p:style>
+          <a:lnRef idx="2">
+            <a:schemeClr val="accent1">
+              <a:shade val="50000"/>
+            </a:schemeClr>
+          </a:lnRef>
+          <a:fillRef idx="1">
+            <a:schemeClr val="accent1"/>
+          </a:fillRef>
+          <a:effectRef idx="0">
+            <a:schemeClr val="accent1"/>
+          </a:effectRef>
+          <a:fontRef idx="minor">
+            <a:schemeClr val="lt1"/>
+          </a:fontRef>
+        </p:style>
+        <p:txBody>
+          <a:bodyPr rtlCol="0" anchor="ctr"/>
+          <a:lstStyle/>
+          <a:p>
+            <a:pPr algn="ctr"/>
+            <a:r>
+              <a:rPr lang="fr-FR" dirty="0"/>
+              <a:t>MP</a:t>
+            </a:r>
+          </a:p>
+          <a:p>
+            <a:pPr algn="ctr"/>
+            <a:r>
+              <a:rPr lang="fr-FR" sz="1100" dirty="0"/>
+              <a:t>8992 – 56%</a:t>
+            </a:r>
+          </a:p>
+        </p:txBody>
+      </p:sp>
+      <p:sp>
+        <p:nvSpPr>
+          <p:cNvPr id="19" name="Rectangle : coins arrondis 18">
+            <a:extLst>
+              <a:ext uri="{FF2B5EF4-FFF2-40B4-BE49-F238E27FC236}">
+                <a16:creationId xmlns:a16="http://schemas.microsoft.com/office/drawing/2014/main" id="{8AF14F9A-B7C4-4566-914E-BAE9E39DA306}"/>
+              </a:ext>
+            </a:extLst>
+          </p:cNvPr>
+          <p:cNvSpPr/>
+          <p:nvPr/>
+        </p:nvSpPr>
+        <p:spPr>
+          <a:xfrm>
+            <a:off x="2577680" y="4513193"/>
+            <a:ext cx="900000" cy="720000"/>
+          </a:xfrm>
+          <a:prstGeom prst="roundRect">
+            <a:avLst>
+              <a:gd name="adj" fmla="val 6667"/>
+            </a:avLst>
+          </a:prstGeom>
+          <a:solidFill>
+            <a:schemeClr val="tx1">
+              <a:lumMod val="40000"/>
+              <a:lumOff val="60000"/>
+            </a:schemeClr>
+          </a:solidFill>
+          <a:ln w="28575">
+            <a:solidFill>
+              <a:schemeClr val="tx1"/>
+            </a:solidFill>
+          </a:ln>
+        </p:spPr>
+        <p:style>
+          <a:lnRef idx="2">
+            <a:schemeClr val="accent1">
+              <a:shade val="50000"/>
+            </a:schemeClr>
+          </a:lnRef>
+          <a:fillRef idx="1">
+            <a:schemeClr val="accent1"/>
+          </a:fillRef>
+          <a:effectRef idx="0">
+            <a:schemeClr val="accent1"/>
+          </a:effectRef>
+          <a:fontRef idx="minor">
+            <a:schemeClr val="lt1"/>
+          </a:fontRef>
+        </p:style>
+        <p:txBody>
+          <a:bodyPr rtlCol="0" anchor="ctr"/>
+          <a:lstStyle/>
+          <a:p>
+            <a:pPr algn="ctr"/>
+            <a:r>
+              <a:rPr lang="fr-FR" dirty="0"/>
+              <a:t>PSI</a:t>
+            </a:r>
+          </a:p>
+          <a:p>
+            <a:pPr algn="ctr"/>
+            <a:r>
+              <a:rPr lang="fr-FR" sz="1100" dirty="0"/>
+              <a:t>5742 – 67%</a:t>
+            </a:r>
+          </a:p>
+        </p:txBody>
+      </p:sp>
+      <p:sp>
+        <p:nvSpPr>
+          <p:cNvPr id="20" name="Rectangle : coins arrondis 19">
+            <a:extLst>
+              <a:ext uri="{FF2B5EF4-FFF2-40B4-BE49-F238E27FC236}">
+                <a16:creationId xmlns:a16="http://schemas.microsoft.com/office/drawing/2014/main" id="{EF895CE3-8DB1-441C-999E-415F2C9D342E}"/>
+              </a:ext>
+            </a:extLst>
+          </p:cNvPr>
+          <p:cNvSpPr/>
+          <p:nvPr/>
+        </p:nvSpPr>
+        <p:spPr>
+          <a:xfrm>
+            <a:off x="3698880" y="4513193"/>
+            <a:ext cx="900000" cy="720000"/>
+          </a:xfrm>
+          <a:prstGeom prst="roundRect">
+            <a:avLst>
+              <a:gd name="adj" fmla="val 6667"/>
+            </a:avLst>
+          </a:prstGeom>
+          <a:solidFill>
+            <a:schemeClr val="tx1">
+              <a:lumMod val="40000"/>
+              <a:lumOff val="60000"/>
+            </a:schemeClr>
+          </a:solidFill>
+          <a:ln w="28575">
+            <a:solidFill>
+              <a:schemeClr val="tx1"/>
+            </a:solidFill>
+          </a:ln>
+        </p:spPr>
+        <p:style>
+          <a:lnRef idx="2">
+            <a:schemeClr val="accent1">
+              <a:shade val="50000"/>
+            </a:schemeClr>
+          </a:lnRef>
+          <a:fillRef idx="1">
+            <a:schemeClr val="accent1"/>
+          </a:fillRef>
+          <a:effectRef idx="0">
+            <a:schemeClr val="accent1"/>
+          </a:effectRef>
+          <a:fontRef idx="minor">
+            <a:schemeClr val="lt1"/>
+          </a:fontRef>
+        </p:style>
+        <p:txBody>
+          <a:bodyPr rtlCol="0" anchor="ctr"/>
+          <a:lstStyle/>
+          <a:p>
+            <a:pPr algn="ctr"/>
+            <a:r>
+              <a:rPr lang="fr-FR" dirty="0"/>
+              <a:t>PC</a:t>
+            </a:r>
+          </a:p>
+          <a:p>
+            <a:pPr algn="ctr"/>
+            <a:r>
+              <a:rPr lang="fr-FR" sz="1100" dirty="0"/>
+              <a:t>5157 – 69%</a:t>
+            </a:r>
+          </a:p>
+        </p:txBody>
+      </p:sp>
+      <p:sp>
+        <p:nvSpPr>
+          <p:cNvPr id="21" name="Rectangle : coins arrondis 20">
+            <a:extLst>
+              <a:ext uri="{FF2B5EF4-FFF2-40B4-BE49-F238E27FC236}">
+                <a16:creationId xmlns:a16="http://schemas.microsoft.com/office/drawing/2014/main" id="{3FC2384F-8087-4B97-A494-DB7673A969E1}"/>
+              </a:ext>
+            </a:extLst>
+          </p:cNvPr>
+          <p:cNvSpPr/>
+          <p:nvPr/>
+        </p:nvSpPr>
+        <p:spPr>
+          <a:xfrm>
+            <a:off x="4820080" y="4513193"/>
+            <a:ext cx="900000" cy="720000"/>
+          </a:xfrm>
+          <a:prstGeom prst="roundRect">
+            <a:avLst>
+              <a:gd name="adj" fmla="val 6667"/>
+            </a:avLst>
+          </a:prstGeom>
+          <a:solidFill>
+            <a:schemeClr val="tx1">
+              <a:lumMod val="40000"/>
+              <a:lumOff val="60000"/>
+            </a:schemeClr>
+          </a:solidFill>
+          <a:ln w="28575">
+            <a:solidFill>
+              <a:schemeClr val="tx1"/>
+            </a:solidFill>
+          </a:ln>
+        </p:spPr>
+        <p:style>
+          <a:lnRef idx="2">
+            <a:schemeClr val="accent1">
+              <a:shade val="50000"/>
+            </a:schemeClr>
+          </a:lnRef>
+          <a:fillRef idx="1">
+            <a:schemeClr val="accent1"/>
+          </a:fillRef>
+          <a:effectRef idx="0">
+            <a:schemeClr val="accent1"/>
+          </a:effectRef>
+          <a:fontRef idx="minor">
+            <a:schemeClr val="lt1"/>
+          </a:fontRef>
+        </p:style>
+        <p:txBody>
+          <a:bodyPr rtlCol="0" anchor="ctr"/>
+          <a:lstStyle/>
+          <a:p>
+            <a:pPr algn="ctr"/>
+            <a:r>
+              <a:rPr lang="fr-FR" dirty="0"/>
+              <a:t>PT</a:t>
+            </a:r>
+          </a:p>
+          <a:p>
+            <a:pPr algn="ctr"/>
+            <a:r>
+              <a:rPr lang="fr-FR" sz="1100" dirty="0"/>
+              <a:t>2565 – 80%</a:t>
+            </a:r>
+          </a:p>
+        </p:txBody>
+      </p:sp>
+      <p:cxnSp>
+        <p:nvCxnSpPr>
+          <p:cNvPr id="23" name="Connecteur droit avec flèche 22">
+            <a:extLst>
+              <a:ext uri="{FF2B5EF4-FFF2-40B4-BE49-F238E27FC236}">
+                <a16:creationId xmlns:a16="http://schemas.microsoft.com/office/drawing/2014/main" id="{EDEE7908-6F1A-4FD1-B708-EC520083C173}"/>
+              </a:ext>
+            </a:extLst>
+          </p:cNvPr>
+          <p:cNvCxnSpPr>
+            <a:cxnSpLocks/>
+            <a:endCxn id="17" idx="0"/>
+          </p:cNvCxnSpPr>
+          <p:nvPr/>
+        </p:nvCxnSpPr>
+        <p:spPr>
+          <a:xfrm>
+            <a:off x="785280" y="3835194"/>
+            <a:ext cx="0" cy="677999"/>
+          </a:xfrm>
+          <a:prstGeom prst="straightConnector1">
+            <a:avLst/>
+          </a:prstGeom>
+          <a:ln w="57150">
+            <a:solidFill>
+              <a:schemeClr val="tx1"/>
+            </a:solidFill>
+            <a:tailEnd type="stealth" w="med" len="lg"/>
+          </a:ln>
+        </p:spPr>
+        <p:style>
+          <a:lnRef idx="1">
+            <a:schemeClr val="accent1"/>
+          </a:lnRef>
+          <a:fillRef idx="0">
+            <a:schemeClr val="accent1"/>
+          </a:fillRef>
+          <a:effectRef idx="0">
+            <a:schemeClr val="accent1"/>
+          </a:effectRef>
+          <a:fontRef idx="minor">
+            <a:schemeClr val="tx1"/>
+          </a:fontRef>
+        </p:style>
+      </p:cxnSp>
+      <p:cxnSp>
+        <p:nvCxnSpPr>
+          <p:cNvPr id="24" name="Connecteur droit avec flèche 23">
+            <a:extLst>
+              <a:ext uri="{FF2B5EF4-FFF2-40B4-BE49-F238E27FC236}">
+                <a16:creationId xmlns:a16="http://schemas.microsoft.com/office/drawing/2014/main" id="{DDE52A2B-7154-4700-95A2-340DBA357777}"/>
+              </a:ext>
+            </a:extLst>
+          </p:cNvPr>
+          <p:cNvCxnSpPr>
+            <a:cxnSpLocks/>
+            <a:endCxn id="18" idx="0"/>
+          </p:cNvCxnSpPr>
+          <p:nvPr/>
+        </p:nvCxnSpPr>
+        <p:spPr>
+          <a:xfrm>
+            <a:off x="1906480" y="3828597"/>
+            <a:ext cx="0" cy="684596"/>
+          </a:xfrm>
+          <a:prstGeom prst="straightConnector1">
+            <a:avLst/>
+          </a:prstGeom>
+          <a:ln w="57150">
+            <a:solidFill>
+              <a:schemeClr val="tx1"/>
+            </a:solidFill>
+            <a:tailEnd type="stealth" w="med" len="lg"/>
+          </a:ln>
+        </p:spPr>
+        <p:style>
+          <a:lnRef idx="1">
+            <a:schemeClr val="accent1"/>
+          </a:lnRef>
+          <a:fillRef idx="0">
+            <a:schemeClr val="accent1"/>
+          </a:fillRef>
+          <a:effectRef idx="0">
+            <a:schemeClr val="accent1"/>
+          </a:effectRef>
+          <a:fontRef idx="minor">
+            <a:schemeClr val="tx1"/>
+          </a:fontRef>
+        </p:style>
+      </p:cxnSp>
+      <p:cxnSp>
+        <p:nvCxnSpPr>
+          <p:cNvPr id="32" name="Connecteur droit avec flèche 31">
+            <a:extLst>
+              <a:ext uri="{FF2B5EF4-FFF2-40B4-BE49-F238E27FC236}">
+                <a16:creationId xmlns:a16="http://schemas.microsoft.com/office/drawing/2014/main" id="{7BB53A41-BCA2-4347-8D5E-15E842B949F7}"/>
+              </a:ext>
+            </a:extLst>
+          </p:cNvPr>
+          <p:cNvCxnSpPr>
+            <a:cxnSpLocks/>
+            <a:endCxn id="20" idx="0"/>
+          </p:cNvCxnSpPr>
+          <p:nvPr/>
+        </p:nvCxnSpPr>
+        <p:spPr>
+          <a:xfrm>
+            <a:off x="4148880" y="3828597"/>
+            <a:ext cx="0" cy="684596"/>
+          </a:xfrm>
+          <a:prstGeom prst="straightConnector1">
+            <a:avLst/>
+          </a:prstGeom>
+          <a:ln w="57150">
+            <a:solidFill>
+              <a:schemeClr val="tx1"/>
+            </a:solidFill>
+            <a:tailEnd type="stealth" w="med" len="lg"/>
+          </a:ln>
+        </p:spPr>
+        <p:style>
+          <a:lnRef idx="1">
+            <a:schemeClr val="accent1"/>
+          </a:lnRef>
+          <a:fillRef idx="0">
+            <a:schemeClr val="accent1"/>
+          </a:fillRef>
+          <a:effectRef idx="0">
+            <a:schemeClr val="accent1"/>
+          </a:effectRef>
+          <a:fontRef idx="minor">
+            <a:schemeClr val="tx1"/>
+          </a:fontRef>
+        </p:style>
+      </p:cxnSp>
+      <p:cxnSp>
+        <p:nvCxnSpPr>
+          <p:cNvPr id="36" name="Connecteur droit avec flèche 35">
+            <a:extLst>
+              <a:ext uri="{FF2B5EF4-FFF2-40B4-BE49-F238E27FC236}">
+                <a16:creationId xmlns:a16="http://schemas.microsoft.com/office/drawing/2014/main" id="{1D817B2D-19AB-4C96-A1BA-3F2C1483DE8B}"/>
+              </a:ext>
+            </a:extLst>
+          </p:cNvPr>
+          <p:cNvCxnSpPr>
+            <a:cxnSpLocks/>
+            <a:endCxn id="21" idx="0"/>
+          </p:cNvCxnSpPr>
+          <p:nvPr/>
+        </p:nvCxnSpPr>
+        <p:spPr>
+          <a:xfrm>
+            <a:off x="5270080" y="3835194"/>
+            <a:ext cx="0" cy="677999"/>
+          </a:xfrm>
+          <a:prstGeom prst="straightConnector1">
+            <a:avLst/>
+          </a:prstGeom>
+          <a:ln w="57150">
+            <a:solidFill>
+              <a:schemeClr val="tx1"/>
+            </a:solidFill>
+            <a:tailEnd type="stealth" w="med" len="lg"/>
+          </a:ln>
+        </p:spPr>
+        <p:style>
+          <a:lnRef idx="1">
+            <a:schemeClr val="accent1"/>
+          </a:lnRef>
+          <a:fillRef idx="0">
+            <a:schemeClr val="accent1"/>
+          </a:fillRef>
+          <a:effectRef idx="0">
+            <a:schemeClr val="accent1"/>
+          </a:effectRef>
+          <a:fontRef idx="minor">
+            <a:schemeClr val="tx1"/>
+          </a:fontRef>
+        </p:style>
+      </p:cxnSp>
+      <p:cxnSp>
+        <p:nvCxnSpPr>
+          <p:cNvPr id="39" name="Connecteur droit avec flèche 38">
+            <a:extLst>
+              <a:ext uri="{FF2B5EF4-FFF2-40B4-BE49-F238E27FC236}">
+                <a16:creationId xmlns:a16="http://schemas.microsoft.com/office/drawing/2014/main" id="{3EF93453-5588-4B88-9056-A6BE8650FB98}"/>
+              </a:ext>
+            </a:extLst>
+          </p:cNvPr>
+          <p:cNvCxnSpPr>
+            <a:cxnSpLocks/>
+          </p:cNvCxnSpPr>
+          <p:nvPr/>
+        </p:nvCxnSpPr>
+        <p:spPr>
+          <a:xfrm>
+            <a:off x="2773632" y="3835194"/>
+            <a:ext cx="0" cy="684596"/>
+          </a:xfrm>
+          <a:prstGeom prst="straightConnector1">
+            <a:avLst/>
+          </a:prstGeom>
+          <a:ln w="57150">
+            <a:solidFill>
+              <a:schemeClr val="tx1"/>
+            </a:solidFill>
+            <a:tailEnd type="stealth" w="med" len="lg"/>
+          </a:ln>
+        </p:spPr>
+        <p:style>
+          <a:lnRef idx="1">
+            <a:schemeClr val="accent1"/>
+          </a:lnRef>
+          <a:fillRef idx="0">
+            <a:schemeClr val="accent1"/>
+          </a:fillRef>
+          <a:effectRef idx="0">
+            <a:schemeClr val="accent1"/>
+          </a:effectRef>
+          <a:fontRef idx="minor">
+            <a:schemeClr val="tx1"/>
+          </a:fontRef>
+        </p:style>
+      </p:cxnSp>
+      <p:cxnSp>
+        <p:nvCxnSpPr>
+          <p:cNvPr id="40" name="Connecteur droit avec flèche 39">
+            <a:extLst>
+              <a:ext uri="{FF2B5EF4-FFF2-40B4-BE49-F238E27FC236}">
+                <a16:creationId xmlns:a16="http://schemas.microsoft.com/office/drawing/2014/main" id="{900244CD-96F9-4E38-B163-23A5FDC57D94}"/>
+              </a:ext>
+            </a:extLst>
+          </p:cNvPr>
+          <p:cNvCxnSpPr>
+            <a:cxnSpLocks/>
+          </p:cNvCxnSpPr>
+          <p:nvPr/>
+        </p:nvCxnSpPr>
+        <p:spPr>
+          <a:xfrm>
+            <a:off x="3314963" y="3835194"/>
+            <a:ext cx="0" cy="684596"/>
+          </a:xfrm>
+          <a:prstGeom prst="straightConnector1">
+            <a:avLst/>
+          </a:prstGeom>
+          <a:ln w="57150">
+            <a:solidFill>
+              <a:schemeClr val="tx1"/>
+            </a:solidFill>
+            <a:tailEnd type="stealth" w="med" len="lg"/>
+          </a:ln>
+        </p:spPr>
+        <p:style>
+          <a:lnRef idx="1">
+            <a:schemeClr val="accent1"/>
+          </a:lnRef>
+          <a:fillRef idx="0">
+            <a:schemeClr val="accent1"/>
+          </a:fillRef>
+          <a:effectRef idx="0">
+            <a:schemeClr val="accent1"/>
+          </a:effectRef>
+          <a:fontRef idx="minor">
+            <a:schemeClr val="tx1"/>
+          </a:fontRef>
+        </p:style>
+      </p:cxnSp>
+      <p:cxnSp>
+        <p:nvCxnSpPr>
+          <p:cNvPr id="52" name="Connecteur droit avec flèche 51">
+            <a:extLst>
+              <a:ext uri="{FF2B5EF4-FFF2-40B4-BE49-F238E27FC236}">
+                <a16:creationId xmlns:a16="http://schemas.microsoft.com/office/drawing/2014/main" id="{7AA62266-DC07-41B0-8A42-92E6744955E2}"/>
+              </a:ext>
+            </a:extLst>
+          </p:cNvPr>
+          <p:cNvCxnSpPr>
+            <a:cxnSpLocks/>
+            <a:endCxn id="19" idx="0"/>
+          </p:cNvCxnSpPr>
+          <p:nvPr/>
+        </p:nvCxnSpPr>
+        <p:spPr>
+          <a:xfrm>
+            <a:off x="3027680" y="4170895"/>
+            <a:ext cx="0" cy="342298"/>
+          </a:xfrm>
+          <a:prstGeom prst="straightConnector1">
+            <a:avLst/>
+          </a:prstGeom>
+          <a:ln w="19050">
+            <a:solidFill>
+              <a:schemeClr val="tx1"/>
+            </a:solidFill>
+            <a:tailEnd type="stealth" w="med" len="lg"/>
+          </a:ln>
+        </p:spPr>
+        <p:style>
+          <a:lnRef idx="1">
+            <a:schemeClr val="accent1"/>
+          </a:lnRef>
+          <a:fillRef idx="0">
+            <a:schemeClr val="accent1"/>
+          </a:fillRef>
+          <a:effectRef idx="0">
+            <a:schemeClr val="accent1"/>
+          </a:effectRef>
+          <a:fontRef idx="minor">
+            <a:schemeClr val="tx1"/>
+          </a:fontRef>
+        </p:style>
+      </p:cxnSp>
+      <p:cxnSp>
+        <p:nvCxnSpPr>
+          <p:cNvPr id="56" name="Connecteur droit avec flèche 55">
+            <a:extLst>
+              <a:ext uri="{FF2B5EF4-FFF2-40B4-BE49-F238E27FC236}">
+                <a16:creationId xmlns:a16="http://schemas.microsoft.com/office/drawing/2014/main" id="{6FAB8D6C-2F8D-4898-9D7C-4891A0EC8400}"/>
+              </a:ext>
+            </a:extLst>
+          </p:cNvPr>
+          <p:cNvCxnSpPr>
+            <a:cxnSpLocks/>
+          </p:cNvCxnSpPr>
+          <p:nvPr/>
+        </p:nvCxnSpPr>
+        <p:spPr>
+          <a:xfrm flipH="1">
+            <a:off x="1235280" y="4170895"/>
+            <a:ext cx="3584800" cy="6597"/>
+          </a:xfrm>
+          <a:prstGeom prst="straightConnector1">
+            <a:avLst/>
+          </a:prstGeom>
+          <a:ln w="19050">
+            <a:solidFill>
+              <a:schemeClr val="tx1"/>
+            </a:solidFill>
+            <a:tailEnd type="none" w="med" len="lg"/>
+          </a:ln>
+        </p:spPr>
+        <p:style>
+          <a:lnRef idx="1">
+            <a:schemeClr val="accent1"/>
+          </a:lnRef>
+          <a:fillRef idx="0">
+            <a:schemeClr val="accent1"/>
+          </a:fillRef>
+          <a:effectRef idx="0">
+            <a:schemeClr val="accent1"/>
+          </a:effectRef>
+          <a:fontRef idx="minor">
+            <a:schemeClr val="tx1"/>
+          </a:fontRef>
+        </p:style>
+      </p:cxnSp>
+      <p:cxnSp>
+        <p:nvCxnSpPr>
+          <p:cNvPr id="59" name="Connecteur droit avec flèche 58">
+            <a:extLst>
+              <a:ext uri="{FF2B5EF4-FFF2-40B4-BE49-F238E27FC236}">
+                <a16:creationId xmlns:a16="http://schemas.microsoft.com/office/drawing/2014/main" id="{613578DE-552B-46F6-83FE-D78CDDD52989}"/>
+              </a:ext>
+            </a:extLst>
+          </p:cNvPr>
+          <p:cNvCxnSpPr>
+            <a:cxnSpLocks/>
+          </p:cNvCxnSpPr>
+          <p:nvPr/>
+        </p:nvCxnSpPr>
+        <p:spPr>
+          <a:xfrm>
+            <a:off x="1235280" y="3835194"/>
+            <a:ext cx="0" cy="350104"/>
+          </a:xfrm>
+          <a:prstGeom prst="straightConnector1">
+            <a:avLst/>
+          </a:prstGeom>
+          <a:ln w="19050">
+            <a:solidFill>
+              <a:schemeClr val="tx1"/>
+            </a:solidFill>
+            <a:tailEnd type="none" w="med" len="lg"/>
+          </a:ln>
+        </p:spPr>
+        <p:style>
+          <a:lnRef idx="1">
+            <a:schemeClr val="accent1"/>
+          </a:lnRef>
+          <a:fillRef idx="0">
+            <a:schemeClr val="accent1"/>
+          </a:fillRef>
+          <a:effectRef idx="0">
+            <a:schemeClr val="accent1"/>
+          </a:effectRef>
+          <a:fontRef idx="minor">
+            <a:schemeClr val="tx1"/>
+          </a:fontRef>
+        </p:style>
+      </p:cxnSp>
+      <p:cxnSp>
+        <p:nvCxnSpPr>
+          <p:cNvPr id="62" name="Connecteur droit avec flèche 61">
+            <a:extLst>
+              <a:ext uri="{FF2B5EF4-FFF2-40B4-BE49-F238E27FC236}">
+                <a16:creationId xmlns:a16="http://schemas.microsoft.com/office/drawing/2014/main" id="{3B326DEB-4734-4F7A-8429-E4CF1AFB34AF}"/>
+              </a:ext>
+            </a:extLst>
+          </p:cNvPr>
+          <p:cNvCxnSpPr>
+            <a:cxnSpLocks/>
+          </p:cNvCxnSpPr>
+          <p:nvPr/>
+        </p:nvCxnSpPr>
+        <p:spPr>
+          <a:xfrm>
+            <a:off x="4830905" y="3820791"/>
+            <a:ext cx="0" cy="350104"/>
+          </a:xfrm>
+          <a:prstGeom prst="straightConnector1">
+            <a:avLst/>
+          </a:prstGeom>
+          <a:ln w="19050">
+            <a:solidFill>
+              <a:schemeClr val="tx1"/>
+            </a:solidFill>
+            <a:tailEnd type="none" w="med" len="lg"/>
+          </a:ln>
+        </p:spPr>
+        <p:style>
+          <a:lnRef idx="1">
+            <a:schemeClr val="accent1"/>
+          </a:lnRef>
+          <a:fillRef idx="0">
+            <a:schemeClr val="accent1"/>
+          </a:fillRef>
+          <a:effectRef idx="0">
+            <a:schemeClr val="accent1"/>
+          </a:effectRef>
+          <a:fontRef idx="minor">
+            <a:schemeClr val="tx1"/>
+          </a:fontRef>
+        </p:style>
+      </p:cxnSp>
+      <p:cxnSp>
+        <p:nvCxnSpPr>
+          <p:cNvPr id="63" name="Connecteur droit avec flèche 62">
+            <a:extLst>
+              <a:ext uri="{FF2B5EF4-FFF2-40B4-BE49-F238E27FC236}">
+                <a16:creationId xmlns:a16="http://schemas.microsoft.com/office/drawing/2014/main" id="{CA6F06D8-4709-4033-89BB-21AA2DDDEAE3}"/>
+              </a:ext>
+            </a:extLst>
+          </p:cNvPr>
+          <p:cNvCxnSpPr>
+            <a:cxnSpLocks/>
+            <a:endCxn id="9" idx="0"/>
+          </p:cNvCxnSpPr>
+          <p:nvPr/>
+        </p:nvCxnSpPr>
+        <p:spPr>
+          <a:xfrm>
+            <a:off x="955120" y="2388597"/>
+            <a:ext cx="0" cy="720000"/>
+          </a:xfrm>
+          <a:prstGeom prst="straightConnector1">
+            <a:avLst/>
+          </a:prstGeom>
+          <a:ln w="57150">
+            <a:solidFill>
+              <a:schemeClr val="tx1"/>
+            </a:solidFill>
+            <a:tailEnd type="stealth" w="med" len="lg"/>
+          </a:ln>
+        </p:spPr>
+        <p:style>
+          <a:lnRef idx="1">
+            <a:schemeClr val="accent1"/>
+          </a:lnRef>
+          <a:fillRef idx="0">
+            <a:schemeClr val="accent1"/>
+          </a:fillRef>
+          <a:effectRef idx="0">
+            <a:schemeClr val="accent1"/>
+          </a:effectRef>
+          <a:fontRef idx="minor">
+            <a:schemeClr val="tx1"/>
+          </a:fontRef>
+        </p:style>
+      </p:cxnSp>
+      <p:cxnSp>
+        <p:nvCxnSpPr>
+          <p:cNvPr id="66" name="Connecteur droit avec flèche 65">
+            <a:extLst>
+              <a:ext uri="{FF2B5EF4-FFF2-40B4-BE49-F238E27FC236}">
+                <a16:creationId xmlns:a16="http://schemas.microsoft.com/office/drawing/2014/main" id="{96FAD84B-2AF8-4C6B-A1D3-BADEE31A5BF6}"/>
+              </a:ext>
+            </a:extLst>
+          </p:cNvPr>
+          <p:cNvCxnSpPr>
+            <a:cxnSpLocks/>
+          </p:cNvCxnSpPr>
+          <p:nvPr/>
+        </p:nvCxnSpPr>
+        <p:spPr>
+          <a:xfrm>
+            <a:off x="2356480" y="2388597"/>
+            <a:ext cx="0" cy="710203"/>
+          </a:xfrm>
+          <a:prstGeom prst="straightConnector1">
+            <a:avLst/>
+          </a:prstGeom>
+          <a:ln w="57150">
+            <a:solidFill>
+              <a:schemeClr val="tx1"/>
+            </a:solidFill>
+            <a:tailEnd type="stealth" w="med" len="lg"/>
+          </a:ln>
+        </p:spPr>
+        <p:style>
+          <a:lnRef idx="1">
+            <a:schemeClr val="accent1"/>
+          </a:lnRef>
+          <a:fillRef idx="0">
+            <a:schemeClr val="accent1"/>
+          </a:fillRef>
+          <a:effectRef idx="0">
+            <a:schemeClr val="accent1"/>
+          </a:effectRef>
+          <a:fontRef idx="minor">
+            <a:schemeClr val="tx1"/>
+          </a:fontRef>
+        </p:style>
+      </p:cxnSp>
+      <p:cxnSp>
+        <p:nvCxnSpPr>
+          <p:cNvPr id="69" name="Connecteur droit avec flèche 68">
+            <a:extLst>
+              <a:ext uri="{FF2B5EF4-FFF2-40B4-BE49-F238E27FC236}">
+                <a16:creationId xmlns:a16="http://schemas.microsoft.com/office/drawing/2014/main" id="{FF0CC6D5-D1F7-408F-B643-69510BA2BFC7}"/>
+              </a:ext>
+            </a:extLst>
+          </p:cNvPr>
+          <p:cNvCxnSpPr>
+            <a:cxnSpLocks/>
+            <a:endCxn id="13" idx="0"/>
+          </p:cNvCxnSpPr>
+          <p:nvPr/>
+        </p:nvCxnSpPr>
+        <p:spPr>
+          <a:xfrm>
+            <a:off x="3711760" y="2362200"/>
+            <a:ext cx="0" cy="746397"/>
+          </a:xfrm>
+          <a:prstGeom prst="straightConnector1">
+            <a:avLst/>
+          </a:prstGeom>
+          <a:ln w="57150">
+            <a:solidFill>
+              <a:schemeClr val="tx1"/>
+            </a:solidFill>
+            <a:tailEnd type="stealth" w="med" len="lg"/>
+          </a:ln>
+        </p:spPr>
+        <p:style>
+          <a:lnRef idx="1">
+            <a:schemeClr val="accent1"/>
+          </a:lnRef>
+          <a:fillRef idx="0">
+            <a:schemeClr val="accent1"/>
+          </a:fillRef>
+          <a:effectRef idx="0">
+            <a:schemeClr val="accent1"/>
+          </a:effectRef>
+          <a:fontRef idx="minor">
+            <a:schemeClr val="tx1"/>
+          </a:fontRef>
+        </p:style>
+      </p:cxnSp>
+      <p:cxnSp>
+        <p:nvCxnSpPr>
+          <p:cNvPr id="72" name="Connecteur droit avec flèche 71">
+            <a:extLst>
+              <a:ext uri="{FF2B5EF4-FFF2-40B4-BE49-F238E27FC236}">
+                <a16:creationId xmlns:a16="http://schemas.microsoft.com/office/drawing/2014/main" id="{88CE00DD-46C9-49A4-AA39-AAF150D28413}"/>
+              </a:ext>
+            </a:extLst>
+          </p:cNvPr>
+          <p:cNvCxnSpPr>
+            <a:cxnSpLocks/>
+            <a:endCxn id="14" idx="0"/>
+          </p:cNvCxnSpPr>
+          <p:nvPr/>
+        </p:nvCxnSpPr>
+        <p:spPr>
+          <a:xfrm>
+            <a:off x="5090080" y="2362200"/>
+            <a:ext cx="0" cy="746397"/>
+          </a:xfrm>
+          <a:prstGeom prst="straightConnector1">
+            <a:avLst/>
+          </a:prstGeom>
+          <a:ln w="57150">
+            <a:solidFill>
+              <a:schemeClr val="tx1"/>
+            </a:solidFill>
+            <a:tailEnd type="stealth" w="med" len="lg"/>
+          </a:ln>
+        </p:spPr>
+        <p:style>
+          <a:lnRef idx="1">
+            <a:schemeClr val="accent1"/>
+          </a:lnRef>
+          <a:fillRef idx="0">
+            <a:schemeClr val="accent1"/>
+          </a:fillRef>
+          <a:effectRef idx="0">
+            <a:schemeClr val="accent1"/>
+          </a:effectRef>
+          <a:fontRef idx="minor">
+            <a:schemeClr val="tx1"/>
+          </a:fontRef>
+        </p:style>
+      </p:cxnSp>
+      <p:sp>
+        <p:nvSpPr>
+          <p:cNvPr id="75" name="Étoile : 5 branches 74">
+            <a:extLst>
+              <a:ext uri="{FF2B5EF4-FFF2-40B4-BE49-F238E27FC236}">
+                <a16:creationId xmlns:a16="http://schemas.microsoft.com/office/drawing/2014/main" id="{3E828756-1137-4A6F-BDD5-7AE92481EF08}"/>
+              </a:ext>
+            </a:extLst>
+          </p:cNvPr>
+          <p:cNvSpPr/>
+          <p:nvPr/>
+        </p:nvSpPr>
+        <p:spPr>
+          <a:xfrm>
+            <a:off x="2430537" y="2588451"/>
+            <a:ext cx="294285" cy="268695"/>
+          </a:xfrm>
+          <a:prstGeom prst="star5">
+            <a:avLst>
+              <a:gd name="adj" fmla="val 26817"/>
+              <a:gd name="hf" fmla="val 105146"/>
+              <a:gd name="vf" fmla="val 110557"/>
+            </a:avLst>
+          </a:prstGeom>
+          <a:solidFill>
+            <a:schemeClr val="accent2"/>
+          </a:solidFill>
+          <a:ln w="28575">
+            <a:solidFill>
+              <a:schemeClr val="accent3"/>
+            </a:solidFill>
+          </a:ln>
+        </p:spPr>
+        <p:style>
+          <a:lnRef idx="2">
+            <a:schemeClr val="accent1">
+              <a:shade val="50000"/>
+            </a:schemeClr>
+          </a:lnRef>
+          <a:fillRef idx="1">
+            <a:schemeClr val="accent1"/>
+          </a:fillRef>
+          <a:effectRef idx="0">
+            <a:schemeClr val="accent1"/>
+          </a:effectRef>
+          <a:fontRef idx="minor">
+            <a:schemeClr val="lt1"/>
+          </a:fontRef>
+        </p:style>
+        <p:txBody>
+          <a:bodyPr rtlCol="0" anchor="ctr"/>
+          <a:lstStyle/>
+          <a:p>
+            <a:pPr algn="ctr"/>
+            <a:endParaRPr lang="fr-FR"/>
+          </a:p>
+        </p:txBody>
+      </p:sp>
+      <p:sp>
+        <p:nvSpPr>
+          <p:cNvPr id="76" name="Étoile : 5 branches 75">
+            <a:extLst>
+              <a:ext uri="{FF2B5EF4-FFF2-40B4-BE49-F238E27FC236}">
+                <a16:creationId xmlns:a16="http://schemas.microsoft.com/office/drawing/2014/main" id="{E47F54B5-0F05-48B7-BA76-B8C5B6B73FEB}"/>
+              </a:ext>
+            </a:extLst>
+          </p:cNvPr>
+          <p:cNvSpPr/>
+          <p:nvPr/>
+        </p:nvSpPr>
+        <p:spPr>
+          <a:xfrm>
+            <a:off x="3757840" y="2588451"/>
+            <a:ext cx="294285" cy="268695"/>
+          </a:xfrm>
+          <a:prstGeom prst="star5">
+            <a:avLst>
+              <a:gd name="adj" fmla="val 26817"/>
+              <a:gd name="hf" fmla="val 105146"/>
+              <a:gd name="vf" fmla="val 110557"/>
+            </a:avLst>
+          </a:prstGeom>
+          <a:solidFill>
+            <a:schemeClr val="accent2"/>
+          </a:solidFill>
+          <a:ln w="28575">
+            <a:solidFill>
+              <a:schemeClr val="accent3"/>
+            </a:solidFill>
+          </a:ln>
+        </p:spPr>
+        <p:style>
+          <a:lnRef idx="2">
+            <a:schemeClr val="accent1">
+              <a:shade val="50000"/>
+            </a:schemeClr>
+          </a:lnRef>
+          <a:fillRef idx="1">
+            <a:schemeClr val="accent1"/>
+          </a:fillRef>
+          <a:effectRef idx="0">
+            <a:schemeClr val="accent1"/>
+          </a:effectRef>
+          <a:fontRef idx="minor">
+            <a:schemeClr val="lt1"/>
+          </a:fontRef>
+        </p:style>
+        <p:txBody>
+          <a:bodyPr rtlCol="0" anchor="ctr"/>
+          <a:lstStyle/>
+          <a:p>
+            <a:pPr algn="ctr"/>
+            <a:endParaRPr lang="fr-FR"/>
+          </a:p>
+        </p:txBody>
+      </p:sp>
+      <p:sp>
+        <p:nvSpPr>
+          <p:cNvPr id="77" name="Étoile : 5 branches 76">
+            <a:extLst>
+              <a:ext uri="{FF2B5EF4-FFF2-40B4-BE49-F238E27FC236}">
+                <a16:creationId xmlns:a16="http://schemas.microsoft.com/office/drawing/2014/main" id="{F889346A-54BC-4D15-B807-46CAE1FC832D}"/>
+              </a:ext>
+            </a:extLst>
+          </p:cNvPr>
+          <p:cNvSpPr/>
+          <p:nvPr/>
+        </p:nvSpPr>
+        <p:spPr>
+          <a:xfrm>
+            <a:off x="5136159" y="2570150"/>
+            <a:ext cx="294285" cy="268695"/>
+          </a:xfrm>
+          <a:prstGeom prst="star5">
+            <a:avLst>
+              <a:gd name="adj" fmla="val 26817"/>
+              <a:gd name="hf" fmla="val 105146"/>
+              <a:gd name="vf" fmla="val 110557"/>
+            </a:avLst>
+          </a:prstGeom>
+          <a:solidFill>
+            <a:schemeClr val="accent2"/>
+          </a:solidFill>
+          <a:ln w="28575">
+            <a:solidFill>
+              <a:schemeClr val="accent3"/>
+            </a:solidFill>
+          </a:ln>
+        </p:spPr>
+        <p:style>
+          <a:lnRef idx="2">
+            <a:schemeClr val="accent1">
+              <a:shade val="50000"/>
+            </a:schemeClr>
+          </a:lnRef>
+          <a:fillRef idx="1">
+            <a:schemeClr val="accent1"/>
+          </a:fillRef>
+          <a:effectRef idx="0">
+            <a:schemeClr val="accent1"/>
+          </a:effectRef>
+          <a:fontRef idx="minor">
+            <a:schemeClr val="lt1"/>
+          </a:fontRef>
+        </p:style>
+        <p:txBody>
+          <a:bodyPr rtlCol="0" anchor="ctr"/>
+          <a:lstStyle/>
+          <a:p>
+            <a:pPr algn="ctr"/>
+            <a:endParaRPr lang="fr-FR"/>
+          </a:p>
+        </p:txBody>
+      </p:sp>
+      <p:sp>
+        <p:nvSpPr>
+          <p:cNvPr id="78" name="Étoile : 5 branches 77">
+            <a:extLst>
+              <a:ext uri="{FF2B5EF4-FFF2-40B4-BE49-F238E27FC236}">
+                <a16:creationId xmlns:a16="http://schemas.microsoft.com/office/drawing/2014/main" id="{3AD857E4-21C7-4CC6-B1CA-3C1F28EA372A}"/>
+              </a:ext>
+            </a:extLst>
+          </p:cNvPr>
+          <p:cNvSpPr/>
+          <p:nvPr/>
+        </p:nvSpPr>
+        <p:spPr>
+          <a:xfrm>
+            <a:off x="2441077" y="3868697"/>
+            <a:ext cx="294285" cy="268695"/>
+          </a:xfrm>
+          <a:prstGeom prst="star5">
+            <a:avLst>
+              <a:gd name="adj" fmla="val 26817"/>
+              <a:gd name="hf" fmla="val 105146"/>
+              <a:gd name="vf" fmla="val 110557"/>
+            </a:avLst>
+          </a:prstGeom>
+          <a:solidFill>
+            <a:schemeClr val="accent2"/>
+          </a:solidFill>
+          <a:ln w="28575">
+            <a:solidFill>
+              <a:schemeClr val="accent3"/>
+            </a:solidFill>
+          </a:ln>
+        </p:spPr>
+        <p:style>
+          <a:lnRef idx="2">
+            <a:schemeClr val="accent1">
+              <a:shade val="50000"/>
+            </a:schemeClr>
+          </a:lnRef>
+          <a:fillRef idx="1">
+            <a:schemeClr val="accent1"/>
+          </a:fillRef>
+          <a:effectRef idx="0">
+            <a:schemeClr val="accent1"/>
+          </a:effectRef>
+          <a:fontRef idx="minor">
+            <a:schemeClr val="lt1"/>
+          </a:fontRef>
+        </p:style>
+        <p:txBody>
+          <a:bodyPr rtlCol="0" anchor="ctr"/>
+          <a:lstStyle/>
+          <a:p>
+            <a:pPr algn="ctr"/>
+            <a:endParaRPr lang="fr-FR"/>
+          </a:p>
+        </p:txBody>
+      </p:sp>
+      <p:sp>
+        <p:nvSpPr>
+          <p:cNvPr id="79" name="Étoile : 5 branches 78">
+            <a:extLst>
+              <a:ext uri="{FF2B5EF4-FFF2-40B4-BE49-F238E27FC236}">
+                <a16:creationId xmlns:a16="http://schemas.microsoft.com/office/drawing/2014/main" id="{2A792295-5505-4A14-9792-13753116B40C}"/>
+              </a:ext>
+            </a:extLst>
+          </p:cNvPr>
+          <p:cNvSpPr/>
+          <p:nvPr/>
+        </p:nvSpPr>
+        <p:spPr>
+          <a:xfrm>
+            <a:off x="3346499" y="3861495"/>
+            <a:ext cx="294285" cy="268695"/>
+          </a:xfrm>
+          <a:prstGeom prst="star5">
+            <a:avLst>
+              <a:gd name="adj" fmla="val 26817"/>
+              <a:gd name="hf" fmla="val 105146"/>
+              <a:gd name="vf" fmla="val 110557"/>
+            </a:avLst>
+          </a:prstGeom>
+          <a:solidFill>
+            <a:schemeClr val="accent2"/>
+          </a:solidFill>
+          <a:ln w="28575">
+            <a:solidFill>
+              <a:schemeClr val="accent3"/>
+            </a:solidFill>
+          </a:ln>
+        </p:spPr>
+        <p:style>
+          <a:lnRef idx="2">
+            <a:schemeClr val="accent1">
+              <a:shade val="50000"/>
+            </a:schemeClr>
+          </a:lnRef>
+          <a:fillRef idx="1">
+            <a:schemeClr val="accent1"/>
+          </a:fillRef>
+          <a:effectRef idx="0">
+            <a:schemeClr val="accent1"/>
+          </a:effectRef>
+          <a:fontRef idx="minor">
+            <a:schemeClr val="lt1"/>
+          </a:fontRef>
+        </p:style>
+        <p:txBody>
+          <a:bodyPr rtlCol="0" anchor="ctr"/>
+          <a:lstStyle/>
+          <a:p>
+            <a:pPr algn="ctr"/>
+            <a:endParaRPr lang="fr-FR"/>
+          </a:p>
+        </p:txBody>
+      </p:sp>
+      <p:sp>
+        <p:nvSpPr>
+          <p:cNvPr id="80" name="Rectangle : coins arrondis 79">
+            <a:extLst>
+              <a:ext uri="{FF2B5EF4-FFF2-40B4-BE49-F238E27FC236}">
+                <a16:creationId xmlns:a16="http://schemas.microsoft.com/office/drawing/2014/main" id="{A8843657-AB14-4C3F-A2E0-1BB9C87BA292}"/>
+              </a:ext>
+            </a:extLst>
+          </p:cNvPr>
+          <p:cNvSpPr/>
+          <p:nvPr/>
+        </p:nvSpPr>
+        <p:spPr>
+          <a:xfrm>
+            <a:off x="6441442" y="4513193"/>
+            <a:ext cx="5394960" cy="720000"/>
+          </a:xfrm>
+          <a:prstGeom prst="roundRect">
+            <a:avLst>
+              <a:gd name="adj" fmla="val 6667"/>
+            </a:avLst>
+          </a:prstGeom>
+          <a:solidFill>
+            <a:schemeClr val="tx1">
+              <a:lumMod val="40000"/>
+              <a:lumOff val="60000"/>
+            </a:schemeClr>
+          </a:solidFill>
+          <a:ln w="28575">
+            <a:solidFill>
+              <a:schemeClr val="tx1"/>
+            </a:solidFill>
+          </a:ln>
+        </p:spPr>
+        <p:style>
+          <a:lnRef idx="2">
+            <a:schemeClr val="accent1">
+              <a:shade val="50000"/>
+            </a:schemeClr>
+          </a:lnRef>
+          <a:fillRef idx="1">
+            <a:schemeClr val="accent1"/>
+          </a:fillRef>
+          <a:effectRef idx="0">
+            <a:schemeClr val="accent1"/>
+          </a:effectRef>
+          <a:fontRef idx="minor">
+            <a:schemeClr val="lt1"/>
+          </a:fontRef>
+        </p:style>
+        <p:txBody>
+          <a:bodyPr rtlCol="0" anchor="ctr"/>
+          <a:lstStyle/>
+          <a:p>
+            <a:pPr algn="ctr"/>
+            <a:r>
+              <a:rPr lang="fr-FR" dirty="0" err="1"/>
+              <a:t>TSI</a:t>
+            </a:r>
+            <a:r>
+              <a:rPr lang="fr-FR" dirty="0"/>
+              <a:t> 2</a:t>
+            </a:r>
+          </a:p>
+          <a:p>
+            <a:pPr algn="ctr"/>
+            <a:r>
+              <a:rPr lang="fr-FR" sz="1100" dirty="0"/>
+              <a:t>1381 – 52%</a:t>
+            </a:r>
+            <a:r>
+              <a:rPr lang="fr-FR" dirty="0"/>
+              <a:t> </a:t>
+            </a:r>
+          </a:p>
+        </p:txBody>
+      </p:sp>
+      <p:cxnSp>
+        <p:nvCxnSpPr>
+          <p:cNvPr id="81" name="Connecteur droit avec flèche 80">
+            <a:extLst>
+              <a:ext uri="{FF2B5EF4-FFF2-40B4-BE49-F238E27FC236}">
+                <a16:creationId xmlns:a16="http://schemas.microsoft.com/office/drawing/2014/main" id="{74466AC0-DB6C-4443-8422-5566ADBCC7EC}"/>
+              </a:ext>
+            </a:extLst>
+          </p:cNvPr>
+          <p:cNvCxnSpPr>
+            <a:cxnSpLocks/>
+            <a:stCxn id="16" idx="2"/>
+            <a:endCxn id="80" idx="0"/>
+          </p:cNvCxnSpPr>
+          <p:nvPr/>
+        </p:nvCxnSpPr>
+        <p:spPr>
+          <a:xfrm>
+            <a:off x="9138922" y="3835194"/>
+            <a:ext cx="0" cy="677999"/>
+          </a:xfrm>
+          <a:prstGeom prst="straightConnector1">
+            <a:avLst/>
+          </a:prstGeom>
+          <a:ln w="57150">
+            <a:solidFill>
+              <a:schemeClr val="tx1"/>
+            </a:solidFill>
+            <a:tailEnd type="stealth" w="med" len="lg"/>
+          </a:ln>
+        </p:spPr>
+        <p:style>
+          <a:lnRef idx="1">
+            <a:schemeClr val="accent1"/>
+          </a:lnRef>
+          <a:fillRef idx="0">
+            <a:schemeClr val="accent1"/>
+          </a:fillRef>
+          <a:effectRef idx="0">
+            <a:schemeClr val="accent1"/>
+          </a:effectRef>
+          <a:fontRef idx="minor">
+            <a:schemeClr val="tx1"/>
+          </a:fontRef>
+        </p:style>
+      </p:cxnSp>
+      <p:sp>
+        <p:nvSpPr>
+          <p:cNvPr id="85" name="ZoneTexte 84">
+            <a:extLst>
+              <a:ext uri="{FF2B5EF4-FFF2-40B4-BE49-F238E27FC236}">
+                <a16:creationId xmlns:a16="http://schemas.microsoft.com/office/drawing/2014/main" id="{E12D1A95-6B1D-474A-B76D-6FEF91710A9B}"/>
+              </a:ext>
+            </a:extLst>
+          </p:cNvPr>
+          <p:cNvSpPr txBox="1"/>
+          <p:nvPr/>
+        </p:nvSpPr>
+        <p:spPr>
+          <a:xfrm>
+            <a:off x="181989" y="97689"/>
+            <a:ext cx="1724492" cy="1015663"/>
+          </a:xfrm>
+          <a:prstGeom prst="rect">
+            <a:avLst/>
+          </a:prstGeom>
+          <a:noFill/>
+        </p:spPr>
+        <p:txBody>
+          <a:bodyPr wrap="square" rtlCol="0">
+            <a:spAutoFit/>
+          </a:bodyPr>
+          <a:lstStyle/>
+          <a:p>
+            <a:r>
+              <a:rPr lang="fr-FR" sz="1000" dirty="0"/>
+              <a:t>M : Mathématiques</a:t>
+            </a:r>
+          </a:p>
+          <a:p>
+            <a:r>
+              <a:rPr lang="fr-FR" sz="1000" dirty="0"/>
+              <a:t>P : Physique</a:t>
+            </a:r>
+          </a:p>
+          <a:p>
+            <a:r>
+              <a:rPr lang="fr-FR" sz="1000" dirty="0"/>
+              <a:t>C : Chimie</a:t>
+            </a:r>
+          </a:p>
+          <a:p>
+            <a:r>
+              <a:rPr lang="fr-FR" sz="1000" dirty="0"/>
+              <a:t>SI : Sciences de l’ingénieur</a:t>
+            </a:r>
+          </a:p>
+          <a:p>
+            <a:r>
+              <a:rPr lang="fr-FR" sz="1000" dirty="0"/>
+              <a:t>T : Technologie</a:t>
+            </a:r>
+          </a:p>
+          <a:p>
+            <a:r>
+              <a:rPr lang="fr-FR" sz="1000" dirty="0"/>
+              <a:t>I : Informatique</a:t>
+            </a:r>
+          </a:p>
+        </p:txBody>
+      </p:sp>
+      <p:sp>
+        <p:nvSpPr>
+          <p:cNvPr id="86" name="Rectangle : coins arrondis 85">
+            <a:extLst>
+              <a:ext uri="{FF2B5EF4-FFF2-40B4-BE49-F238E27FC236}">
+                <a16:creationId xmlns:a16="http://schemas.microsoft.com/office/drawing/2014/main" id="{1EAB233A-E98D-4925-A97F-8A56AD3FC24F}"/>
+              </a:ext>
+            </a:extLst>
+          </p:cNvPr>
+          <p:cNvSpPr/>
+          <p:nvPr/>
+        </p:nvSpPr>
+        <p:spPr>
+          <a:xfrm>
+            <a:off x="335280" y="5568894"/>
+            <a:ext cx="6802120" cy="720000"/>
+          </a:xfrm>
+          <a:prstGeom prst="roundRect">
+            <a:avLst>
+              <a:gd name="adj" fmla="val 6667"/>
+            </a:avLst>
+          </a:prstGeom>
+          <a:solidFill>
+            <a:schemeClr val="tx1">
+              <a:lumMod val="40000"/>
+              <a:lumOff val="60000"/>
+            </a:schemeClr>
+          </a:solidFill>
+          <a:ln w="28575">
+            <a:solidFill>
+              <a:schemeClr val="tx1"/>
+            </a:solidFill>
+          </a:ln>
+        </p:spPr>
+        <p:style>
+          <a:lnRef idx="2">
+            <a:schemeClr val="accent1">
+              <a:shade val="50000"/>
+            </a:schemeClr>
+          </a:lnRef>
+          <a:fillRef idx="1">
+            <a:schemeClr val="accent1"/>
+          </a:fillRef>
+          <a:effectRef idx="0">
+            <a:schemeClr val="accent1"/>
+          </a:effectRef>
+          <a:fontRef idx="minor">
+            <a:schemeClr val="lt1"/>
+          </a:fontRef>
+        </p:style>
+        <p:txBody>
+          <a:bodyPr rtlCol="0" anchor="ctr"/>
+          <a:lstStyle/>
+          <a:p>
+            <a:pPr algn="ctr"/>
+            <a:r>
               <a:rPr lang="fr-FR" b="1" dirty="0"/>
-              <a:t>BTS</a:t>
-            </a:r>
-          </a:p>
-        </p:txBody>
-      </p:sp>
+              <a:t>A PEU PRES TOUTES LES MEMES ECOLES d’INGENIEURS SUR CONCOURS</a:t>
+            </a:r>
+          </a:p>
+          <a:p>
+            <a:pPr algn="ctr"/>
+            <a:r>
+              <a:rPr lang="fr-FR" sz="1200" b="1" dirty="0"/>
+              <a:t>(Polytechnique, groupe Centrale, groupe Mines, groupe </a:t>
+            </a:r>
+            <a:r>
+              <a:rPr lang="fr-FR" sz="1200" b="1" dirty="0" err="1"/>
+              <a:t>CCINP</a:t>
+            </a:r>
+            <a:r>
+              <a:rPr lang="fr-FR" sz="1200" b="1" dirty="0"/>
+              <a:t>, …)</a:t>
+            </a:r>
+          </a:p>
+        </p:txBody>
+      </p:sp>
+      <p:sp>
+        <p:nvSpPr>
+          <p:cNvPr id="87" name="Rectangle : coins arrondis 86">
+            <a:extLst>
+              <a:ext uri="{FF2B5EF4-FFF2-40B4-BE49-F238E27FC236}">
+                <a16:creationId xmlns:a16="http://schemas.microsoft.com/office/drawing/2014/main" id="{CDD1973E-3383-411E-B4F5-62986227458F}"/>
+              </a:ext>
+            </a:extLst>
+          </p:cNvPr>
+          <p:cNvSpPr/>
+          <p:nvPr/>
+        </p:nvSpPr>
+        <p:spPr>
+          <a:xfrm>
+            <a:off x="7524922" y="5568894"/>
+            <a:ext cx="1928951" cy="720000"/>
+          </a:xfrm>
+          <a:prstGeom prst="roundRect">
+            <a:avLst>
+              <a:gd name="adj" fmla="val 6667"/>
+            </a:avLst>
+          </a:prstGeom>
+          <a:solidFill>
+            <a:schemeClr val="tx1">
+              <a:lumMod val="40000"/>
+              <a:lumOff val="60000"/>
+            </a:schemeClr>
+          </a:solidFill>
+          <a:ln w="28575">
+            <a:solidFill>
+              <a:schemeClr val="tx1"/>
+            </a:solidFill>
+          </a:ln>
+        </p:spPr>
+        <p:style>
+          <a:lnRef idx="2">
+            <a:schemeClr val="accent1">
+              <a:shade val="50000"/>
+            </a:schemeClr>
+          </a:lnRef>
+          <a:fillRef idx="1">
+            <a:schemeClr val="accent1"/>
+          </a:fillRef>
+          <a:effectRef idx="0">
+            <a:schemeClr val="accent1"/>
+          </a:effectRef>
+          <a:fontRef idx="minor">
+            <a:schemeClr val="lt1"/>
+          </a:fontRef>
+        </p:style>
+        <p:txBody>
+          <a:bodyPr rtlCol="0" anchor="ctr"/>
+          <a:lstStyle/>
+          <a:p>
+            <a:pPr algn="ctr"/>
+            <a:r>
+              <a:rPr lang="fr-FR" b="1" dirty="0"/>
+              <a:t>Autres écoles d’ingénieur</a:t>
+            </a:r>
+          </a:p>
+        </p:txBody>
+      </p:sp>
+      <p:sp>
+        <p:nvSpPr>
+          <p:cNvPr id="88" name="Rectangle : coins arrondis 87">
+            <a:extLst>
+              <a:ext uri="{FF2B5EF4-FFF2-40B4-BE49-F238E27FC236}">
+                <a16:creationId xmlns:a16="http://schemas.microsoft.com/office/drawing/2014/main" id="{7E05BF79-CA6A-483E-A2B7-5839596DFBB5}"/>
+              </a:ext>
+            </a:extLst>
+          </p:cNvPr>
+          <p:cNvSpPr/>
+          <p:nvPr/>
+        </p:nvSpPr>
+        <p:spPr>
+          <a:xfrm>
+            <a:off x="9866791" y="5568894"/>
+            <a:ext cx="1928951" cy="720000"/>
+          </a:xfrm>
+          <a:prstGeom prst="roundRect">
+            <a:avLst>
+              <a:gd name="adj" fmla="val 6667"/>
+            </a:avLst>
+          </a:prstGeom>
+          <a:solidFill>
+            <a:schemeClr val="tx1">
+              <a:lumMod val="40000"/>
+              <a:lumOff val="60000"/>
+            </a:schemeClr>
+          </a:solidFill>
+          <a:ln w="28575">
+            <a:solidFill>
+              <a:schemeClr val="tx1"/>
+            </a:solidFill>
+          </a:ln>
+        </p:spPr>
+        <p:style>
+          <a:lnRef idx="2">
+            <a:schemeClr val="accent1">
+              <a:shade val="50000"/>
+            </a:schemeClr>
+          </a:lnRef>
+          <a:fillRef idx="1">
+            <a:schemeClr val="accent1"/>
+          </a:fillRef>
+          <a:effectRef idx="0">
+            <a:schemeClr val="accent1"/>
+          </a:effectRef>
+          <a:fontRef idx="minor">
+            <a:schemeClr val="lt1"/>
+          </a:fontRef>
+        </p:style>
+        <p:txBody>
+          <a:bodyPr rtlCol="0" anchor="ctr"/>
+          <a:lstStyle/>
+          <a:p>
+            <a:pPr algn="ctr"/>
+            <a:r>
+              <a:rPr lang="fr-FR" b="1" dirty="0"/>
+              <a:t>Université</a:t>
+            </a:r>
+          </a:p>
+        </p:txBody>
+      </p:sp>
+      <p:cxnSp>
+        <p:nvCxnSpPr>
+          <p:cNvPr id="89" name="Connecteur droit avec flèche 88">
+            <a:extLst>
+              <a:ext uri="{FF2B5EF4-FFF2-40B4-BE49-F238E27FC236}">
+                <a16:creationId xmlns:a16="http://schemas.microsoft.com/office/drawing/2014/main" id="{5DE3EEFA-BFB1-493C-9C26-21574D06AD8E}"/>
+              </a:ext>
+            </a:extLst>
+          </p:cNvPr>
+          <p:cNvCxnSpPr>
+            <a:cxnSpLocks/>
+            <a:stCxn id="8" idx="2"/>
+            <a:endCxn id="16" idx="0"/>
+          </p:cNvCxnSpPr>
+          <p:nvPr/>
+        </p:nvCxnSpPr>
+        <p:spPr>
+          <a:xfrm>
+            <a:off x="9138922" y="2362200"/>
+            <a:ext cx="0" cy="752994"/>
+          </a:xfrm>
+          <a:prstGeom prst="straightConnector1">
+            <a:avLst/>
+          </a:prstGeom>
+          <a:ln w="57150">
+            <a:solidFill>
+              <a:schemeClr val="tx1"/>
+            </a:solidFill>
+            <a:tailEnd type="stealth" w="med" len="lg"/>
+          </a:ln>
+        </p:spPr>
+        <p:style>
+          <a:lnRef idx="1">
+            <a:schemeClr val="accent1"/>
+          </a:lnRef>
+          <a:fillRef idx="0">
+            <a:schemeClr val="accent1"/>
+          </a:fillRef>
+          <a:effectRef idx="0">
+            <a:schemeClr val="accent1"/>
+          </a:effectRef>
+          <a:fontRef idx="minor">
+            <a:schemeClr val="tx1"/>
+          </a:fontRef>
+        </p:style>
+      </p:cxnSp>
     </p:spTree>
     <p:extLst>
       <p:ext uri="{BB962C8B-B14F-4D97-AF65-F5344CB8AC3E}">
-        <p14:creationId xmlns:p14="http://schemas.microsoft.com/office/powerpoint/2010/main" val="2132559500"/>
+        <p14:creationId xmlns:p14="http://schemas.microsoft.com/office/powerpoint/2010/main" val="300813597"/>
       </p:ext>
     </p:extLst>
   </p:cSld>
@@ -4848,7 +7693,7 @@
           <p:cNvPr id="2" name="Titre 1">
             <a:extLst>
               <a:ext uri="{FF2B5EF4-FFF2-40B4-BE49-F238E27FC236}">
-                <a16:creationId xmlns:a16="http://schemas.microsoft.com/office/drawing/2014/main" id="{58979790-F3CB-4213-8FCB-60B4A77C5F94}"/>
+                <a16:creationId xmlns:a16="http://schemas.microsoft.com/office/drawing/2014/main" id="{F48CD2D6-DADB-4BD4-B8C7-A60E67BA0F8E}"/>
               </a:ext>
             </a:extLst>
           </p:cNvPr>
@@ -4866,506 +7711,153 @@
           <a:p>
             <a:r>
               <a:rPr lang="fr-FR" dirty="0"/>
-              <a:t>CPGE</a:t>
-            </a:r>
-          </a:p>
-        </p:txBody>
-      </p:sp>
-      <p:sp>
-        <p:nvSpPr>
-          <p:cNvPr id="3" name="Espace réservé du contenu 2">
-            <a:extLst>
-              <a:ext uri="{FF2B5EF4-FFF2-40B4-BE49-F238E27FC236}">
-                <a16:creationId xmlns:a16="http://schemas.microsoft.com/office/drawing/2014/main" id="{61FDCBF2-EF26-4F85-ADC3-915164AB4676}"/>
-              </a:ext>
-            </a:extLst>
-          </p:cNvPr>
-          <p:cNvSpPr>
-            <a:spLocks noGrp="1"/>
-          </p:cNvSpPr>
+              <a:t>Déconstruction </a:t>
+            </a:r>
+            <a:r>
+              <a:rPr lang="fr-FR" dirty="0">
+                <a:sym typeface="Wingdings" panose="05000000000000000000" pitchFamily="2" charset="2"/>
+              </a:rPr>
+              <a:t> </a:t>
+            </a:r>
+            <a:endParaRPr lang="fr-FR" dirty="0"/>
+          </a:p>
+        </p:txBody>
+      </p:sp>
+      <p:pic>
+        <p:nvPicPr>
+          <p:cNvPr id="7" name="Espace réservé du contenu 6">
+            <a:extLst>
+              <a:ext uri="{FF2B5EF4-FFF2-40B4-BE49-F238E27FC236}">
+                <a16:creationId xmlns:a16="http://schemas.microsoft.com/office/drawing/2014/main" id="{83D5AA49-C166-41F6-BDB6-9BB200772029}"/>
+              </a:ext>
+            </a:extLst>
+          </p:cNvPr>
+          <p:cNvPicPr>
+            <a:picLocks noGrp="1" noChangeAspect="1"/>
+          </p:cNvPicPr>
           <p:nvPr>
             <p:ph idx="1"/>
           </p:nvPr>
-        </p:nvSpPr>
-        <p:spPr>
-          <a:xfrm>
-            <a:off x="838199" y="1524000"/>
-            <a:ext cx="9394371" cy="4855029"/>
-          </a:xfrm>
-        </p:spPr>
-        <p:txBody>
-          <a:bodyPr>
-            <a:normAutofit fontScale="32500" lnSpcReduction="20000"/>
-          </a:bodyPr>
-          <a:lstStyle/>
-          <a:p>
-            <a:r>
-              <a:rPr lang="fr-FR" dirty="0"/>
-              <a:t>Évolutions :</a:t>
-            </a:r>
-          </a:p>
-          <a:p>
-            <a:pPr lvl="1"/>
-            <a:r>
-              <a:rPr lang="fr-FR" dirty="0"/>
-              <a:t>Qu’est ce qu’une prépa (par nuage de mots) &gt;&gt; utiliser peut être une application pour faire ça</a:t>
-            </a:r>
-          </a:p>
-          <a:p>
-            <a:pPr lvl="2"/>
-            <a:r>
-              <a:rPr lang="fr-FR" dirty="0"/>
-              <a:t>Représentation de la formation ou du contenu (MATHS-PHYSIQUE très théorique, très académique (cours très descendant), esprit concours, esprit concurrentiel, bizutage, difficulté, pas de diplôme, pas de vie, dur et sans issue, environnement cloisonné, no life, pas de weekend, solitude, dépression, monde à part)</a:t>
-            </a:r>
-          </a:p>
-          <a:p>
-            <a:pPr lvl="2"/>
-            <a:r>
-              <a:rPr lang="fr-FR" dirty="0"/>
-              <a:t>Représentation du public (premiers de la classe, pas de candidat idéal, asocial, intello, à lunettes, bien éduqué, </a:t>
-            </a:r>
-            <a:r>
-              <a:rPr lang="fr-FR" dirty="0" err="1"/>
-              <a:t>csp</a:t>
-            </a:r>
-            <a:r>
-              <a:rPr lang="fr-FR" dirty="0"/>
-              <a:t>++, fils de profs, fils de patron, déterminisme social)</a:t>
-            </a:r>
-          </a:p>
-          <a:p>
-            <a:pPr lvl="2"/>
-            <a:endParaRPr lang="fr-FR" dirty="0"/>
-          </a:p>
-          <a:p>
-            <a:pPr lvl="1"/>
-            <a:r>
-              <a:rPr lang="fr-FR" dirty="0"/>
-              <a:t>Quelle prépa pour quel type d’élèves (comment choisir entre les prépas, comment choisir une filière ? MPSI ? PCSI ? PTSI ? MP2I ?)</a:t>
-            </a:r>
-          </a:p>
-          <a:p>
-            <a:r>
-              <a:rPr lang="fr-FR" dirty="0"/>
-              <a:t>Profil des élèves recrutés (Prendre le cas d’un élève moyen)</a:t>
-            </a:r>
-          </a:p>
-          <a:p>
-            <a:pPr lvl="1"/>
-            <a:r>
-              <a:rPr lang="fr-FR" dirty="0"/>
-              <a:t>Au Parc </a:t>
-            </a:r>
-          </a:p>
-          <a:p>
-            <a:pPr lvl="2"/>
-            <a:r>
-              <a:rPr lang="fr-FR" dirty="0"/>
-              <a:t>MPSI</a:t>
-            </a:r>
-          </a:p>
-          <a:p>
-            <a:pPr lvl="2"/>
-            <a:r>
-              <a:rPr lang="fr-FR" dirty="0"/>
-              <a:t>PTSI</a:t>
-            </a:r>
-          </a:p>
-          <a:p>
-            <a:pPr lvl="2"/>
-            <a:r>
-              <a:rPr lang="fr-FR" dirty="0"/>
-              <a:t>PCSI</a:t>
-            </a:r>
-          </a:p>
-          <a:p>
-            <a:pPr lvl="1"/>
-            <a:r>
-              <a:rPr lang="fr-FR" dirty="0"/>
-              <a:t>A La Martinière </a:t>
-            </a:r>
-          </a:p>
-          <a:p>
-            <a:pPr lvl="2"/>
-            <a:r>
-              <a:rPr lang="fr-FR" dirty="0"/>
-              <a:t>MPSI</a:t>
-            </a:r>
-          </a:p>
-          <a:p>
-            <a:pPr lvl="2"/>
-            <a:r>
-              <a:rPr lang="fr-FR" dirty="0"/>
-              <a:t>PCSI</a:t>
-            </a:r>
-          </a:p>
-          <a:p>
-            <a:pPr lvl="2"/>
-            <a:r>
-              <a:rPr lang="fr-FR" dirty="0"/>
-              <a:t>PTSI</a:t>
-            </a:r>
-          </a:p>
-          <a:p>
-            <a:pPr lvl="1"/>
-            <a:r>
-              <a:rPr lang="fr-FR" dirty="0"/>
-              <a:t>A Fauriel </a:t>
-            </a:r>
-          </a:p>
-          <a:p>
-            <a:pPr lvl="1"/>
-            <a:r>
-              <a:rPr lang="fr-FR" dirty="0"/>
-              <a:t>A </a:t>
-            </a:r>
-            <a:r>
-              <a:rPr lang="fr-FR" dirty="0" err="1"/>
-              <a:t>Mimard</a:t>
-            </a:r>
-            <a:endParaRPr lang="fr-FR" dirty="0"/>
-          </a:p>
-          <a:p>
-            <a:r>
-              <a:rPr lang="fr-FR" dirty="0"/>
-              <a:t>Comment sont-ils recrutés ?</a:t>
-            </a:r>
-          </a:p>
-          <a:p>
-            <a:r>
-              <a:rPr lang="fr-FR" dirty="0"/>
-              <a:t>Quelques chiffres</a:t>
-            </a:r>
-          </a:p>
-          <a:p>
-            <a:r>
-              <a:rPr lang="fr-FR" dirty="0"/>
-              <a:t>Un classe – Un prof </a:t>
-            </a:r>
-          </a:p>
-          <a:p>
-            <a:pPr lvl="1"/>
-            <a:endParaRPr lang="fr-FR" dirty="0"/>
-          </a:p>
-          <a:p>
-            <a:r>
-              <a:rPr lang="fr-FR" dirty="0"/>
-              <a:t>Les prépas sont pas pleine (mais il faut être ouvert dans le choix des lycées).</a:t>
-            </a:r>
-          </a:p>
-          <a:p>
-            <a:r>
-              <a:rPr lang="fr-FR" dirty="0"/>
-              <a:t>Points d’attractivités</a:t>
-            </a:r>
-          </a:p>
-          <a:p>
-            <a:pPr lvl="1"/>
-            <a:r>
-              <a:rPr lang="fr-FR" dirty="0"/>
-              <a:t>Accompagnement personnalisé (par les profs, les colles)</a:t>
-            </a:r>
-          </a:p>
-          <a:p>
-            <a:pPr lvl="1"/>
-            <a:r>
-              <a:rPr lang="fr-FR" dirty="0"/>
-              <a:t>Taux de réussite, parcours</a:t>
-            </a:r>
-          </a:p>
-          <a:p>
-            <a:pPr lvl="1"/>
-            <a:r>
-              <a:rPr lang="fr-FR" dirty="0"/>
-              <a:t>Sécurisation par la fac</a:t>
-            </a:r>
-          </a:p>
-          <a:p>
-            <a:pPr lvl="1"/>
-            <a:r>
-              <a:rPr lang="fr-FR" dirty="0"/>
-              <a:t>Sécurisation par la réussite en prépa</a:t>
-            </a:r>
-          </a:p>
-        </p:txBody>
-      </p:sp>
-      <p:sp>
-        <p:nvSpPr>
-          <p:cNvPr id="4" name="Espace réservé du contenu 2">
-            <a:extLst>
-              <a:ext uri="{FF2B5EF4-FFF2-40B4-BE49-F238E27FC236}">
-                <a16:creationId xmlns:a16="http://schemas.microsoft.com/office/drawing/2014/main" id="{6DACFB61-F580-48DC-9751-4C73539A7E1F}"/>
-              </a:ext>
-            </a:extLst>
-          </p:cNvPr>
-          <p:cNvSpPr txBox="1">
-            <a:spLocks/>
-          </p:cNvSpPr>
+        </p:nvPicPr>
+        <p:blipFill>
+          <a:blip r:embed="rId2"/>
+          <a:stretch>
+            <a:fillRect/>
+          </a:stretch>
+        </p:blipFill>
+        <p:spPr>
+          <a:xfrm>
+            <a:off x="1178456" y="2125003"/>
+            <a:ext cx="4186143" cy="3245644"/>
+          </a:xfrm>
+        </p:spPr>
+      </p:pic>
+      <p:sp>
+        <p:nvSpPr>
+          <p:cNvPr id="8" name="ZoneTexte 7">
+            <a:extLst>
+              <a:ext uri="{FF2B5EF4-FFF2-40B4-BE49-F238E27FC236}">
+                <a16:creationId xmlns:a16="http://schemas.microsoft.com/office/drawing/2014/main" id="{E122CDDE-962B-44BF-B671-C76C85C4B42F}"/>
+              </a:ext>
+            </a:extLst>
+          </p:cNvPr>
+          <p:cNvSpPr txBox="1"/>
           <p:nvPr/>
         </p:nvSpPr>
         <p:spPr>
           <a:xfrm>
-            <a:off x="6422570" y="3026229"/>
-            <a:ext cx="4931229" cy="3436144"/>
+            <a:off x="1005857" y="1298471"/>
+            <a:ext cx="3769344" cy="646331"/>
           </a:xfrm>
           <a:prstGeom prst="rect">
             <a:avLst/>
           </a:prstGeom>
-        </p:spPr>
-        <p:txBody>
-          <a:bodyPr vert="horz" lIns="91440" tIns="45720" rIns="91440" bIns="45720" rtlCol="0">
-            <a:normAutofit fontScale="70000" lnSpcReduction="20000"/>
+          <a:noFill/>
+        </p:spPr>
+        <p:txBody>
+          <a:bodyPr wrap="square" rtlCol="0">
+            <a:spAutoFit/>
           </a:bodyPr>
-          <a:lstStyle>
-            <a:lvl1pPr marL="228600" indent="-228600" algn="l" defTabSz="914400" rtl="0" eaLnBrk="1" latinLnBrk="0" hangingPunct="1">
-              <a:lnSpc>
-                <a:spcPct val="90000"/>
-              </a:lnSpc>
-              <a:spcBef>
-                <a:spcPts val="1000"/>
-              </a:spcBef>
-              <a:buFont typeface="Arial" panose="020B0604020202020204" pitchFamily="34" charset="0"/>
-              <a:buChar char="•"/>
-              <a:defRPr sz="2800" kern="1200">
-                <a:solidFill>
-                  <a:schemeClr val="tx1"/>
-                </a:solidFill>
-                <a:latin typeface="+mn-lt"/>
-                <a:ea typeface="+mn-ea"/>
-                <a:cs typeface="+mn-cs"/>
-              </a:defRPr>
-            </a:lvl1pPr>
-            <a:lvl2pPr marL="685800" indent="-228600" algn="l" defTabSz="914400" rtl="0" eaLnBrk="1" latinLnBrk="0" hangingPunct="1">
-              <a:lnSpc>
-                <a:spcPct val="90000"/>
-              </a:lnSpc>
-              <a:spcBef>
-                <a:spcPts val="500"/>
-              </a:spcBef>
-              <a:buFont typeface="Arial" panose="020B0604020202020204" pitchFamily="34" charset="0"/>
-              <a:buChar char="•"/>
-              <a:defRPr sz="2400" kern="1200">
-                <a:solidFill>
-                  <a:schemeClr val="tx1"/>
-                </a:solidFill>
-                <a:latin typeface="+mn-lt"/>
-                <a:ea typeface="+mn-ea"/>
-                <a:cs typeface="+mn-cs"/>
-              </a:defRPr>
-            </a:lvl2pPr>
-            <a:lvl3pPr marL="1143000" indent="-228600" algn="l" defTabSz="914400" rtl="0" eaLnBrk="1" latinLnBrk="0" hangingPunct="1">
-              <a:lnSpc>
-                <a:spcPct val="90000"/>
-              </a:lnSpc>
-              <a:spcBef>
-                <a:spcPts val="500"/>
-              </a:spcBef>
-              <a:buFont typeface="Arial" panose="020B0604020202020204" pitchFamily="34" charset="0"/>
-              <a:buChar char="•"/>
-              <a:defRPr sz="2000" kern="1200">
-                <a:solidFill>
-                  <a:schemeClr val="tx1"/>
-                </a:solidFill>
-                <a:latin typeface="+mn-lt"/>
-                <a:ea typeface="+mn-ea"/>
-                <a:cs typeface="+mn-cs"/>
-              </a:defRPr>
-            </a:lvl3pPr>
-            <a:lvl4pPr marL="1600200" indent="-228600" algn="l" defTabSz="914400" rtl="0" eaLnBrk="1" latinLnBrk="0" hangingPunct="1">
-              <a:lnSpc>
-                <a:spcPct val="90000"/>
-              </a:lnSpc>
-              <a:spcBef>
-                <a:spcPts val="500"/>
-              </a:spcBef>
-              <a:buFont typeface="Arial" panose="020B0604020202020204" pitchFamily="34" charset="0"/>
-              <a:buChar char="•"/>
-              <a:defRPr sz="1800" kern="1200">
-                <a:solidFill>
-                  <a:schemeClr val="tx1"/>
-                </a:solidFill>
-                <a:latin typeface="+mn-lt"/>
-                <a:ea typeface="+mn-ea"/>
-                <a:cs typeface="+mn-cs"/>
-              </a:defRPr>
-            </a:lvl4pPr>
-            <a:lvl5pPr marL="2057400" indent="-228600" algn="l" defTabSz="914400" rtl="0" eaLnBrk="1" latinLnBrk="0" hangingPunct="1">
-              <a:lnSpc>
-                <a:spcPct val="90000"/>
-              </a:lnSpc>
-              <a:spcBef>
-                <a:spcPts val="500"/>
-              </a:spcBef>
-              <a:buFont typeface="Arial" panose="020B0604020202020204" pitchFamily="34" charset="0"/>
-              <a:buChar char="•"/>
-              <a:defRPr sz="1800" kern="1200">
-                <a:solidFill>
-                  <a:schemeClr val="tx1"/>
-                </a:solidFill>
-                <a:latin typeface="+mn-lt"/>
-                <a:ea typeface="+mn-ea"/>
-                <a:cs typeface="+mn-cs"/>
-              </a:defRPr>
-            </a:lvl5pPr>
-            <a:lvl6pPr marL="2514600" indent="-228600" algn="l" defTabSz="914400" rtl="0" eaLnBrk="1" latinLnBrk="0" hangingPunct="1">
-              <a:lnSpc>
-                <a:spcPct val="90000"/>
-              </a:lnSpc>
-              <a:spcBef>
-                <a:spcPts val="500"/>
-              </a:spcBef>
-              <a:buFont typeface="Arial" panose="020B0604020202020204" pitchFamily="34" charset="0"/>
-              <a:buChar char="•"/>
-              <a:defRPr sz="1800" kern="1200">
-                <a:solidFill>
-                  <a:schemeClr val="tx1"/>
-                </a:solidFill>
-                <a:latin typeface="+mn-lt"/>
-                <a:ea typeface="+mn-ea"/>
-                <a:cs typeface="+mn-cs"/>
-              </a:defRPr>
-            </a:lvl6pPr>
-            <a:lvl7pPr marL="2971800" indent="-228600" algn="l" defTabSz="914400" rtl="0" eaLnBrk="1" latinLnBrk="0" hangingPunct="1">
-              <a:lnSpc>
-                <a:spcPct val="90000"/>
-              </a:lnSpc>
-              <a:spcBef>
-                <a:spcPts val="500"/>
-              </a:spcBef>
-              <a:buFont typeface="Arial" panose="020B0604020202020204" pitchFamily="34" charset="0"/>
-              <a:buChar char="•"/>
-              <a:defRPr sz="1800" kern="1200">
-                <a:solidFill>
-                  <a:schemeClr val="tx1"/>
-                </a:solidFill>
-                <a:latin typeface="+mn-lt"/>
-                <a:ea typeface="+mn-ea"/>
-                <a:cs typeface="+mn-cs"/>
-              </a:defRPr>
-            </a:lvl7pPr>
-            <a:lvl8pPr marL="3429000" indent="-228600" algn="l" defTabSz="914400" rtl="0" eaLnBrk="1" latinLnBrk="0" hangingPunct="1">
-              <a:lnSpc>
-                <a:spcPct val="90000"/>
-              </a:lnSpc>
-              <a:spcBef>
-                <a:spcPts val="500"/>
-              </a:spcBef>
-              <a:buFont typeface="Arial" panose="020B0604020202020204" pitchFamily="34" charset="0"/>
-              <a:buChar char="•"/>
-              <a:defRPr sz="1800" kern="1200">
-                <a:solidFill>
-                  <a:schemeClr val="tx1"/>
-                </a:solidFill>
-                <a:latin typeface="+mn-lt"/>
-                <a:ea typeface="+mn-ea"/>
-                <a:cs typeface="+mn-cs"/>
-              </a:defRPr>
-            </a:lvl8pPr>
-            <a:lvl9pPr marL="3886200" indent="-228600" algn="l" defTabSz="914400" rtl="0" eaLnBrk="1" latinLnBrk="0" hangingPunct="1">
-              <a:lnSpc>
-                <a:spcPct val="90000"/>
-              </a:lnSpc>
-              <a:spcBef>
-                <a:spcPts val="500"/>
-              </a:spcBef>
-              <a:buFont typeface="Arial" panose="020B0604020202020204" pitchFamily="34" charset="0"/>
-              <a:buChar char="•"/>
-              <a:defRPr sz="1800" kern="1200">
-                <a:solidFill>
-                  <a:schemeClr val="tx1"/>
-                </a:solidFill>
-                <a:latin typeface="+mn-lt"/>
-                <a:ea typeface="+mn-ea"/>
-                <a:cs typeface="+mn-cs"/>
-              </a:defRPr>
-            </a:lvl9pPr>
-          </a:lstStyle>
-          <a:p>
+          <a:lstStyle/>
+          <a:p>
+            <a:pPr algn="ctr"/>
             <a:r>
               <a:rPr lang="fr-FR" dirty="0"/>
-              <a:t>Nombre limité d’intervenants</a:t>
-            </a:r>
-          </a:p>
-          <a:p>
+              <a:t>Comment des collègues du secondaire voient la prépa ?</a:t>
+            </a:r>
+          </a:p>
+        </p:txBody>
+      </p:sp>
+      <p:sp>
+        <p:nvSpPr>
+          <p:cNvPr id="9" name="ZoneTexte 8">
+            <a:extLst>
+              <a:ext uri="{FF2B5EF4-FFF2-40B4-BE49-F238E27FC236}">
+                <a16:creationId xmlns:a16="http://schemas.microsoft.com/office/drawing/2014/main" id="{878BC7D5-AEFA-4971-941F-7948A8370C31}"/>
+              </a:ext>
+            </a:extLst>
+          </p:cNvPr>
+          <p:cNvSpPr txBox="1"/>
+          <p:nvPr/>
+        </p:nvSpPr>
+        <p:spPr>
+          <a:xfrm>
+            <a:off x="6807202" y="1298471"/>
+            <a:ext cx="4988543" cy="646331"/>
+          </a:xfrm>
+          <a:prstGeom prst="rect">
+            <a:avLst/>
+          </a:prstGeom>
+          <a:noFill/>
+        </p:spPr>
+        <p:txBody>
+          <a:bodyPr wrap="square" rtlCol="0">
+            <a:spAutoFit/>
+          </a:bodyPr>
+          <a:lstStyle/>
+          <a:p>
+            <a:pPr algn="ctr"/>
             <a:r>
               <a:rPr lang="fr-FR" dirty="0"/>
-              <a:t>La notation</a:t>
-            </a:r>
-          </a:p>
-          <a:p>
-            <a:pPr lvl="1"/>
-            <a:r>
-              <a:rPr lang="fr-FR" dirty="0"/>
-              <a:t>Même le 48</a:t>
-            </a:r>
-            <a:r>
-              <a:rPr lang="fr-FR" baseline="30000" dirty="0"/>
-              <a:t>ème</a:t>
-            </a:r>
-            <a:r>
-              <a:rPr lang="fr-FR" dirty="0"/>
-              <a:t> à une école</a:t>
-            </a:r>
-          </a:p>
-          <a:p>
-            <a:pPr lvl="1"/>
-            <a:endParaRPr lang="fr-FR" dirty="0"/>
-          </a:p>
-          <a:p>
-            <a:r>
-              <a:rPr lang="fr-FR" dirty="0"/>
-              <a:t>Aller vers les écoles</a:t>
-            </a:r>
-          </a:p>
-          <a:p>
-            <a:pPr lvl="1"/>
-            <a:r>
-              <a:rPr lang="fr-FR" dirty="0"/>
-              <a:t>Ne peut être pas se rattacher à une école et donc à un lycée</a:t>
-            </a:r>
-          </a:p>
-          <a:p>
-            <a:r>
-              <a:rPr lang="fr-FR" dirty="0"/>
-              <a:t>Possibilité de faire de l’apprentissage</a:t>
-            </a:r>
-          </a:p>
-          <a:p>
-            <a:r>
-              <a:rPr lang="fr-FR" dirty="0"/>
-              <a:t>Formation scolaire et peut être maternelle</a:t>
-            </a:r>
-          </a:p>
-          <a:p>
-            <a:endParaRPr lang="fr-FR" dirty="0"/>
-          </a:p>
-          <a:p>
-            <a:r>
-              <a:rPr lang="fr-FR" dirty="0"/>
-              <a:t>Environnement étudiant</a:t>
-            </a:r>
-          </a:p>
-          <a:p>
-            <a:endParaRPr lang="fr-FR" dirty="0"/>
-          </a:p>
-          <a:p>
-            <a:endParaRPr lang="fr-FR" dirty="0"/>
-          </a:p>
-          <a:p>
-            <a:endParaRPr lang="fr-FR" dirty="0"/>
-          </a:p>
-          <a:p>
-            <a:pPr marL="457200" lvl="1" indent="0">
-              <a:buNone/>
-            </a:pPr>
-            <a:endParaRPr lang="fr-FR" dirty="0"/>
-          </a:p>
-        </p:txBody>
-      </p:sp>
+              <a:t>Comment des collègues du secondaire voient les élèves de prépa ?</a:t>
+            </a:r>
+          </a:p>
+        </p:txBody>
+      </p:sp>
+      <p:pic>
+        <p:nvPicPr>
+          <p:cNvPr id="11" name="Image 10">
+            <a:extLst>
+              <a:ext uri="{FF2B5EF4-FFF2-40B4-BE49-F238E27FC236}">
+                <a16:creationId xmlns:a16="http://schemas.microsoft.com/office/drawing/2014/main" id="{0EC303E5-353D-4844-B77C-C43C9E3AEC28}"/>
+              </a:ext>
+            </a:extLst>
+          </p:cNvPr>
+          <p:cNvPicPr>
+            <a:picLocks noChangeAspect="1"/>
+          </p:cNvPicPr>
+          <p:nvPr/>
+        </p:nvPicPr>
+        <p:blipFill>
+          <a:blip r:embed="rId3"/>
+          <a:stretch>
+            <a:fillRect/>
+          </a:stretch>
+        </p:blipFill>
+        <p:spPr>
+          <a:xfrm>
+            <a:off x="7755875" y="2221296"/>
+            <a:ext cx="3950967" cy="2524229"/>
+          </a:xfrm>
+          <a:prstGeom prst="rect">
+            <a:avLst/>
+          </a:prstGeom>
+        </p:spPr>
+      </p:pic>
     </p:spTree>
     <p:extLst>
       <p:ext uri="{BB962C8B-B14F-4D97-AF65-F5344CB8AC3E}">
-        <p14:creationId xmlns:p14="http://schemas.microsoft.com/office/powerpoint/2010/main" val="3043148190"/>
+        <p14:creationId xmlns:p14="http://schemas.microsoft.com/office/powerpoint/2010/main" val="3297457393"/>
       </p:ext>
     </p:extLst>
   </p:cSld>
@@ -5397,7 +7889,7 @@
           <p:cNvPr id="2" name="Titre 1">
             <a:extLst>
               <a:ext uri="{FF2B5EF4-FFF2-40B4-BE49-F238E27FC236}">
-                <a16:creationId xmlns:a16="http://schemas.microsoft.com/office/drawing/2014/main" id="{552C5DDD-6F50-4892-B493-97FEB643D9FC}"/>
+                <a16:creationId xmlns:a16="http://schemas.microsoft.com/office/drawing/2014/main" id="{4496AD7F-8F1C-441A-BD99-38C3EE0093A7}"/>
               </a:ext>
             </a:extLst>
           </p:cNvPr>
@@ -5413,7 +7905,17 @@
           <a:bodyPr/>
           <a:lstStyle/>
           <a:p>
-            <a:endParaRPr lang="fr-FR"/>
+            <a:r>
+              <a:rPr lang="fr-FR" dirty="0"/>
+              <a:t>Reconstruction </a:t>
+            </a:r>
+            <a:r>
+              <a:rPr lang="fr-FR" dirty="0">
+                <a:sym typeface="Wingdings" panose="05000000000000000000" pitchFamily="2" charset="2"/>
+              </a:rPr>
+              <a:t></a:t>
+            </a:r>
+            <a:endParaRPr lang="fr-FR" dirty="0"/>
           </a:p>
         </p:txBody>
       </p:sp>
@@ -5422,7 +7924,7 @@
           <p:cNvPr id="3" name="Espace réservé du contenu 2">
             <a:extLst>
               <a:ext uri="{FF2B5EF4-FFF2-40B4-BE49-F238E27FC236}">
-                <a16:creationId xmlns:a16="http://schemas.microsoft.com/office/drawing/2014/main" id="{A22DC0E4-ED98-4798-A9B8-689DE3402063}"/>
+                <a16:creationId xmlns:a16="http://schemas.microsoft.com/office/drawing/2014/main" id="{BE9BBB59-D48F-4949-916C-AD29A03AA1FF}"/>
               </a:ext>
             </a:extLst>
           </p:cNvPr>
@@ -5442,98 +7944,88 @@
           <a:p>
             <a:r>
               <a:rPr lang="fr-FR" dirty="0"/>
-              <a:t>La CPGE </a:t>
-            </a:r>
-            <a:r>
-              <a:rPr lang="fr-FR" dirty="0" err="1"/>
-              <a:t>TSI</a:t>
-            </a:r>
+              <a:t>Parcours sécurisé</a:t>
+            </a:r>
+          </a:p>
+          <a:p>
+            <a:pPr lvl="1"/>
             <a:r>
               <a:rPr lang="fr-FR" dirty="0"/>
-              <a:t> peut être à valoriser pour les bons élèves</a:t>
-            </a:r>
-          </a:p>
-          <a:p>
-            <a:endParaRPr lang="fr-FR" dirty="0"/>
-          </a:p>
-          <a:p>
+              <a:t>Les prépas ne remplissent pas</a:t>
+            </a:r>
+          </a:p>
+          <a:p>
+            <a:pPr lvl="1"/>
             <a:r>
               <a:rPr lang="fr-FR" dirty="0"/>
-              <a:t>Pas de concurrence avec les bacs</a:t>
-            </a:r>
-          </a:p>
-          <a:p>
-            <a:endParaRPr lang="fr-FR" dirty="0"/>
-          </a:p>
-          <a:p>
+              <a:t>Les écoles d’ingénieurs ne remplissent pas</a:t>
+            </a:r>
+          </a:p>
+          <a:p>
+            <a:pPr lvl="1"/>
             <a:r>
               <a:rPr lang="fr-FR" dirty="0"/>
-              <a:t>Liste des prépas de l’académique en fonction de leur sélectivité</a:t>
+              <a:t>Double inscription à l’université</a:t>
             </a:r>
           </a:p>
           <a:p>
             <a:pPr lvl="1"/>
             <a:r>
               <a:rPr lang="fr-FR" dirty="0"/>
-              <a:t>À croiser avec le niveau des élèves</a:t>
+              <a:t>Tous les élèves ont une école</a:t>
+            </a:r>
+          </a:p>
+          <a:p>
+            <a:r>
+              <a:rPr lang="fr-FR" dirty="0"/>
+              <a:t>Encadrement privilégié</a:t>
             </a:r>
           </a:p>
           <a:p>
             <a:pPr lvl="1"/>
-            <a:endParaRPr lang="fr-FR" dirty="0"/>
+            <a:r>
+              <a:rPr lang="fr-FR" dirty="0"/>
+              <a:t>Une classe – Un prof</a:t>
+            </a:r>
           </a:p>
           <a:p>
             <a:pPr lvl="1"/>
             <a:r>
               <a:rPr lang="fr-FR" dirty="0"/>
-              <a:t>Possibilité d’avoir un internat (point positif, notamment pour les boursiers)</a:t>
+              <a:t>Colles</a:t>
             </a:r>
           </a:p>
           <a:p>
             <a:pPr lvl="1"/>
-            <a:endParaRPr lang="fr-FR" dirty="0"/>
-          </a:p>
-          <a:p>
-            <a:pPr lvl="1"/>
             <a:r>
               <a:rPr lang="fr-FR" dirty="0"/>
-              <a:t>Faire un document sur la carte des prépas de l’</a:t>
-            </a:r>
-            <a:r>
-              <a:rPr lang="fr-FR" dirty="0" err="1"/>
-              <a:t>acédmié</a:t>
-            </a:r>
+              <a:t>Evaluations</a:t>
+            </a:r>
+          </a:p>
+          <a:p>
             <a:r>
               <a:rPr lang="fr-FR" dirty="0"/>
-              <a:t> de </a:t>
-            </a:r>
-            <a:r>
-              <a:rPr lang="fr-FR" dirty="0" err="1"/>
-              <a:t>lyon</a:t>
-            </a:r>
+              <a:t>Formation scientifique et scolaire</a:t>
+            </a:r>
+          </a:p>
+          <a:p>
             <a:r>
               <a:rPr lang="fr-FR" dirty="0"/>
-              <a:t> (</a:t>
-            </a:r>
-            <a:r>
-              <a:rPr lang="fr-FR" dirty="0" err="1"/>
-              <a:t>AURa</a:t>
-            </a:r>
+              <a:t>Notation</a:t>
+            </a:r>
+          </a:p>
+          <a:p>
             <a:r>
               <a:rPr lang="fr-FR" dirty="0"/>
-              <a:t>?)</a:t>
-            </a:r>
-          </a:p>
-          <a:p>
-            <a:pPr lvl="1"/>
-            <a:endParaRPr lang="fr-FR" dirty="0"/>
+              <a:t>Environnement étudiant</a:t>
+            </a:r>
           </a:p>
         </p:txBody>
       </p:sp>
     </p:spTree>
     <p:extLst>
       <p:ext uri="{BB962C8B-B14F-4D97-AF65-F5344CB8AC3E}">
-        <p14:creationId xmlns:p14="http://schemas.microsoft.com/office/powerpoint/2010/main" val="467401442"/>
+        <p14:creationId xmlns:p14="http://schemas.microsoft.com/office/powerpoint/2010/main" val="1874675755"/>
       </p:ext>
     </p:extLst>
   </p:cSld>
@@ -5565,7 +8057,7 @@
           <p:cNvPr id="2" name="Titre 1">
             <a:extLst>
               <a:ext uri="{FF2B5EF4-FFF2-40B4-BE49-F238E27FC236}">
-                <a16:creationId xmlns:a16="http://schemas.microsoft.com/office/drawing/2014/main" id="{897DB9A3-89EC-48AA-89D5-4AE530786626}"/>
+                <a16:creationId xmlns:a16="http://schemas.microsoft.com/office/drawing/2014/main" id="{C62DF86F-5C2C-4F12-9E42-B8156F770A72}"/>
               </a:ext>
             </a:extLst>
           </p:cNvPr>
@@ -5583,7 +8075,7 @@
           <a:p>
             <a:r>
               <a:rPr lang="fr-FR" dirty="0"/>
-              <a:t>IUT – BUT </a:t>
+              <a:t>Profils d’élèves</a:t>
             </a:r>
           </a:p>
         </p:txBody>
@@ -5593,7 +8085,7 @@
           <p:cNvPr id="3" name="Espace réservé du contenu 2">
             <a:extLst>
               <a:ext uri="{FF2B5EF4-FFF2-40B4-BE49-F238E27FC236}">
-                <a16:creationId xmlns:a16="http://schemas.microsoft.com/office/drawing/2014/main" id="{B6758822-FF89-4DB7-9140-44CC4F73C7CF}"/>
+                <a16:creationId xmlns:a16="http://schemas.microsoft.com/office/drawing/2014/main" id="{B3378970-7616-40CC-81B0-1EA47F75E37C}"/>
               </a:ext>
             </a:extLst>
           </p:cNvPr>
@@ -5604,96 +8096,117 @@
             <p:ph idx="1"/>
           </p:nvPr>
         </p:nvSpPr>
-        <p:spPr/>
+        <p:spPr>
+          <a:xfrm>
+            <a:off x="396258" y="1258388"/>
+            <a:ext cx="5792651" cy="5110161"/>
+          </a:xfrm>
+        </p:spPr>
         <p:txBody>
           <a:bodyPr>
-            <a:normAutofit fontScale="92500" lnSpcReduction="20000"/>
+            <a:normAutofit/>
           </a:bodyPr>
           <a:lstStyle/>
           <a:p>
-            <a:r>
-              <a:rPr lang="fr-FR" dirty="0"/>
-              <a:t>24 spécialités ?</a:t>
-            </a:r>
-          </a:p>
-          <a:p>
-            <a:endParaRPr lang="fr-FR" dirty="0"/>
-          </a:p>
-          <a:p>
-            <a:r>
-              <a:rPr lang="fr-FR" dirty="0"/>
-              <a:t>Points d’attractivités</a:t>
-            </a:r>
-          </a:p>
-          <a:p>
-            <a:pPr lvl="1"/>
-            <a:r>
-              <a:rPr lang="fr-FR" dirty="0"/>
-              <a:t>Les quota vont permettre l’accroissement du nombre d’élèves provenant de STI2D (Point de vigilance en BTS, moins de bons élèves en BTS). </a:t>
-            </a:r>
-          </a:p>
-          <a:p>
-            <a:pPr lvl="1"/>
-            <a:endParaRPr lang="fr-FR" dirty="0"/>
-          </a:p>
-          <a:p>
-            <a:pPr lvl="1"/>
-            <a:r>
-              <a:rPr lang="fr-FR" dirty="0"/>
-              <a:t>IUT GC : 47% de bac STI2D </a:t>
-            </a:r>
-          </a:p>
-          <a:p>
-            <a:pPr lvl="1"/>
-            <a:r>
-              <a:rPr lang="fr-FR" dirty="0"/>
-              <a:t>IUT </a:t>
-            </a:r>
-            <a:r>
-              <a:rPr lang="fr-FR" dirty="0" err="1"/>
-              <a:t>GEII</a:t>
-            </a:r>
-            <a:r>
-              <a:rPr lang="fr-FR" dirty="0"/>
-              <a:t> : 30% de bac STI2D</a:t>
-            </a:r>
-          </a:p>
-          <a:p>
-            <a:pPr lvl="1"/>
-            <a:endParaRPr lang="fr-FR" dirty="0"/>
-          </a:p>
-          <a:p>
-            <a:pPr lvl="1"/>
-            <a:r>
-              <a:rPr lang="fr-FR" dirty="0"/>
-              <a:t>Parcours sécurisé pour 3 ans</a:t>
-            </a:r>
-          </a:p>
-          <a:p>
-            <a:pPr lvl="1"/>
-            <a:endParaRPr lang="fr-FR" dirty="0"/>
-          </a:p>
-          <a:p>
-            <a:pPr lvl="1"/>
-            <a:r>
-              <a:rPr lang="fr-FR" dirty="0"/>
-              <a:t>Attention à l’ouverture des vœux, (même si pas toujours possible financièrement cela n’est pas toujours possible).</a:t>
-            </a:r>
-          </a:p>
-          <a:p>
-            <a:pPr lvl="1"/>
-            <a:endParaRPr lang="fr-FR" dirty="0"/>
-          </a:p>
-          <a:p>
-            <a:pPr lvl="1"/>
-            <a:endParaRPr lang="fr-FR" dirty="0"/>
+            <a:pPr marL="0" indent="0">
+              <a:buNone/>
+            </a:pPr>
+            <a:r>
+              <a:rPr lang="fr-FR" sz="1800" dirty="0"/>
+              <a:t>La Martinière Monplaisir – MPSI </a:t>
+            </a:r>
+          </a:p>
+          <a:p>
+            <a:r>
+              <a:rPr lang="fr-FR" sz="1800" dirty="0"/>
+              <a:t>Classement </a:t>
+            </a:r>
+            <a:r>
+              <a:rPr lang="fr-FR" sz="1800" dirty="0" err="1"/>
+              <a:t>ParcoursSup</a:t>
+            </a:r>
+            <a:r>
+              <a:rPr lang="fr-FR" sz="1800" dirty="0"/>
+              <a:t> ~600</a:t>
+            </a:r>
+            <a:r>
+              <a:rPr lang="fr-FR" sz="1800" baseline="30000" dirty="0"/>
+              <a:t>ème</a:t>
+            </a:r>
+            <a:r>
+              <a:rPr lang="fr-FR" sz="1800" dirty="0"/>
+              <a:t> /4000</a:t>
+            </a:r>
+          </a:p>
+          <a:p>
+            <a:r>
+              <a:rPr lang="fr-FR" sz="1800" dirty="0"/>
+              <a:t>Maths, Maths Experte, SI, (Ph-</a:t>
+            </a:r>
+            <a:r>
+              <a:rPr lang="fr-FR" sz="1800" dirty="0" err="1"/>
+              <a:t>Ch</a:t>
+            </a:r>
+            <a:r>
+              <a:rPr lang="fr-FR" sz="1800" dirty="0"/>
+              <a:t>)</a:t>
+            </a:r>
+          </a:p>
+          <a:p>
+            <a:r>
+              <a:rPr lang="fr-FR" sz="1800" dirty="0"/>
+              <a:t>1</a:t>
+            </a:r>
+            <a:r>
+              <a:rPr lang="fr-FR" sz="1800" baseline="30000" dirty="0"/>
+              <a:t>er</a:t>
+            </a:r>
+            <a:r>
+              <a:rPr lang="fr-FR" sz="1800" dirty="0"/>
+              <a:t> en Maths (19), 1</a:t>
+            </a:r>
+            <a:r>
+              <a:rPr lang="fr-FR" sz="1800" baseline="30000" dirty="0"/>
+              <a:t>er</a:t>
+            </a:r>
+            <a:r>
+              <a:rPr lang="fr-FR" sz="1800" dirty="0"/>
+              <a:t> en SI (16)</a:t>
+            </a:r>
+          </a:p>
+          <a:p>
+            <a:r>
+              <a:rPr lang="fr-FR" sz="1800" dirty="0"/>
+              <a:t>Français (16 &amp; 16)</a:t>
+            </a:r>
+          </a:p>
+          <a:p>
+            <a:r>
+              <a:rPr lang="fr-FR" sz="1800" dirty="0"/>
+              <a:t>Assez bonne classe</a:t>
+            </a:r>
+          </a:p>
+          <a:p>
+            <a:r>
+              <a:rPr lang="fr-FR" sz="1800" dirty="0"/>
+              <a:t>1 place proposée en MPSI</a:t>
+            </a:r>
+          </a:p>
+          <a:p>
+            <a:r>
+              <a:rPr lang="fr-FR" sz="1800" dirty="0"/>
+              <a:t>N’est pas venu chez nous…</a:t>
+            </a:r>
+          </a:p>
+          <a:p>
+            <a:endParaRPr lang="fr-FR" sz="1800" dirty="0"/>
           </a:p>
         </p:txBody>
       </p:sp>
     </p:spTree>
     <p:extLst>
       <p:ext uri="{BB962C8B-B14F-4D97-AF65-F5344CB8AC3E}">
-        <p14:creationId xmlns:p14="http://schemas.microsoft.com/office/powerpoint/2010/main" val="3350811764"/>
+        <p14:creationId xmlns:p14="http://schemas.microsoft.com/office/powerpoint/2010/main" val="2767239399"/>
       </p:ext>
     </p:extLst>
   </p:cSld>
@@ -5725,7 +8238,7 @@
           <p:cNvPr id="2" name="Titre 1">
             <a:extLst>
               <a:ext uri="{FF2B5EF4-FFF2-40B4-BE49-F238E27FC236}">
-                <a16:creationId xmlns:a16="http://schemas.microsoft.com/office/drawing/2014/main" id="{ABA7DD6A-2A3C-4250-88D7-783713CCF90E}"/>
+                <a16:creationId xmlns:a16="http://schemas.microsoft.com/office/drawing/2014/main" id="{6B4A4E52-3045-4DE7-8AC9-6EA9409B68BF}"/>
               </a:ext>
             </a:extLst>
           </p:cNvPr>
@@ -5743,8 +8256,13 @@
           <a:p>
             <a:r>
               <a:rPr lang="fr-FR" dirty="0"/>
-              <a:t>IUT </a:t>
-            </a:r>
+              <a:t>Quelques conseils pour </a:t>
+            </a:r>
+            <a:r>
+              <a:rPr lang="fr-FR" dirty="0" err="1"/>
+              <a:t>ParcoursSup</a:t>
+            </a:r>
+            <a:endParaRPr lang="fr-FR" dirty="0"/>
           </a:p>
         </p:txBody>
       </p:sp>
@@ -5753,7 +8271,7 @@
           <p:cNvPr id="3" name="Espace réservé du contenu 2">
             <a:extLst>
               <a:ext uri="{FF2B5EF4-FFF2-40B4-BE49-F238E27FC236}">
-                <a16:creationId xmlns:a16="http://schemas.microsoft.com/office/drawing/2014/main" id="{F31EB6E8-492E-4F08-BD28-4AEA298C47BB}"/>
+                <a16:creationId xmlns:a16="http://schemas.microsoft.com/office/drawing/2014/main" id="{B3F029C8-3560-48BE-8295-5E8A135F0296}"/>
               </a:ext>
             </a:extLst>
           </p:cNvPr>
@@ -5771,7 +8289,27 @@
           <a:p>
             <a:r>
               <a:rPr lang="fr-FR" dirty="0"/>
-              <a:t>Porte d’entrée = taux d’échec ?</a:t>
+              <a:t>Diversifier les choix </a:t>
+            </a:r>
+          </a:p>
+          <a:p>
+            <a:pPr lvl="1"/>
+            <a:r>
+              <a:rPr lang="fr-FR" dirty="0"/>
+              <a:t>Diversifier les filières</a:t>
+            </a:r>
+          </a:p>
+          <a:p>
+            <a:pPr lvl="1"/>
+            <a:r>
+              <a:rPr lang="fr-FR" dirty="0"/>
+              <a:t>Diversifier les lycées</a:t>
+            </a:r>
+          </a:p>
+          <a:p>
+            <a:r>
+              <a:rPr lang="fr-FR" dirty="0"/>
+              <a:t>Ne pas s’attacher à un couple Ecole/Lycée</a:t>
             </a:r>
           </a:p>
         </p:txBody>
@@ -5779,7 +8317,7 @@
     </p:spTree>
     <p:extLst>
       <p:ext uri="{BB962C8B-B14F-4D97-AF65-F5344CB8AC3E}">
-        <p14:creationId xmlns:p14="http://schemas.microsoft.com/office/powerpoint/2010/main" val="1411066215"/>
+        <p14:creationId xmlns:p14="http://schemas.microsoft.com/office/powerpoint/2010/main" val="1595378849"/>
       </p:ext>
     </p:extLst>
   </p:cSld>
@@ -5792,33 +8330,33 @@
 <file path=ppt/theme/theme1.xml><?xml version="1.0" encoding="utf-8"?>
 <a:theme xmlns:a="http://schemas.openxmlformats.org/drawingml/2006/main" name="Thème Office">
   <a:themeElements>
-    <a:clrScheme name="Office">
+    <a:clrScheme name="Couleurs XP 2022">
       <a:dk1>
-        <a:sysClr val="windowText" lastClr="000000"/>
+        <a:srgbClr val="455368"/>
       </a:dk1>
       <a:lt1>
-        <a:sysClr val="window" lastClr="FFFFFF"/>
+        <a:srgbClr val="F5F7F9"/>
       </a:lt1>
       <a:dk2>
-        <a:srgbClr val="44546A"/>
+        <a:srgbClr val="55687C"/>
       </a:dk2>
       <a:lt2>
         <a:srgbClr val="E7E6E6"/>
       </a:lt2>
       <a:accent1>
-        <a:srgbClr val="4472C4"/>
+        <a:srgbClr val="118977"/>
       </a:accent1>
       <a:accent2>
-        <a:srgbClr val="ED7D31"/>
+        <a:srgbClr val="F6AB32"/>
       </a:accent2>
       <a:accent3>
-        <a:srgbClr val="A5A5A5"/>
+        <a:srgbClr val="CB4E3D"/>
       </a:accent3>
       <a:accent4>
         <a:srgbClr val="FFC000"/>
       </a:accent4>
       <a:accent5>
-        <a:srgbClr val="5B9BD5"/>
+        <a:srgbClr val="4472C4"/>
       </a:accent5>
       <a:accent6>
         <a:srgbClr val="70AD47"/>
@@ -5865,23 +8403,6 @@
         <a:font script="Viet" typeface="Times New Roman"/>
         <a:font script="Uigh" typeface="Microsoft Uighur"/>
         <a:font script="Geor" typeface="Sylfaen"/>
-        <a:font script="Armn" typeface="Arial"/>
-        <a:font script="Bugi" typeface="Leelawadee UI"/>
-        <a:font script="Bopo" typeface="Microsoft JhengHei"/>
-        <a:font script="Java" typeface="Javanese Text"/>
-        <a:font script="Lisu" typeface="Segoe UI"/>
-        <a:font script="Mymr" typeface="Myanmar Text"/>
-        <a:font script="Nkoo" typeface="Ebrima"/>
-        <a:font script="Olck" typeface="Nirmala UI"/>
-        <a:font script="Osma" typeface="Ebrima"/>
-        <a:font script="Phag" typeface="Phagspa"/>
-        <a:font script="Syrn" typeface="Estrangelo Edessa"/>
-        <a:font script="Syrj" typeface="Estrangelo Edessa"/>
-        <a:font script="Syre" typeface="Estrangelo Edessa"/>
-        <a:font script="Sora" typeface="Nirmala UI"/>
-        <a:font script="Tale" typeface="Microsoft Tai Le"/>
-        <a:font script="Talu" typeface="Microsoft New Tai Lue"/>
-        <a:font script="Tfng" typeface="Ebrima"/>
       </a:majorFont>
       <a:minorFont>
         <a:latin typeface="Calibri" panose="020F0502020204030204"/>
@@ -5917,23 +8438,6 @@
         <a:font script="Viet" typeface="Arial"/>
         <a:font script="Uigh" typeface="Microsoft Uighur"/>
         <a:font script="Geor" typeface="Sylfaen"/>
-        <a:font script="Armn" typeface="Arial"/>
-        <a:font script="Bugi" typeface="Leelawadee UI"/>
-        <a:font script="Bopo" typeface="Microsoft JhengHei"/>
-        <a:font script="Java" typeface="Javanese Text"/>
-        <a:font script="Lisu" typeface="Segoe UI"/>
-        <a:font script="Mymr" typeface="Myanmar Text"/>
-        <a:font script="Nkoo" typeface="Ebrima"/>
-        <a:font script="Olck" typeface="Nirmala UI"/>
-        <a:font script="Osma" typeface="Ebrima"/>
-        <a:font script="Phag" typeface="Phagspa"/>
-        <a:font script="Syrn" typeface="Estrangelo Edessa"/>
-        <a:font script="Syrj" typeface="Estrangelo Edessa"/>
-        <a:font script="Syre" typeface="Estrangelo Edessa"/>
-        <a:font script="Sora" typeface="Nirmala UI"/>
-        <a:font script="Tale" typeface="Microsoft Tai Le"/>
-        <a:font script="Talu" typeface="Microsoft New Tai Lue"/>
-        <a:font script="Tfng" typeface="Ebrima"/>
       </a:minorFont>
     </a:fontScheme>
     <a:fmtScheme name="Office">

--- a/Orientation/Orientation_PostBac.pptx
+++ b/Orientation/Orientation_PostBac.pptx
@@ -253,7 +253,7 @@
           <a:p>
             <a:fld id="{1A3D9B3B-1EC8-4BC4-B783-7630517B3190}" type="datetimeFigureOut">
               <a:rPr lang="fr-FR" smtClean="0"/>
-              <a:t>15/03/2022</a:t>
+              <a:t>16/03/2022</a:t>
             </a:fld>
             <a:endParaRPr lang="fr-FR"/>
           </a:p>
@@ -662,7 +662,7 @@
           <a:p>
             <a:fld id="{1A3D9B3B-1EC8-4BC4-B783-7630517B3190}" type="datetimeFigureOut">
               <a:rPr lang="fr-FR" smtClean="0"/>
-              <a:t>15/03/2022</a:t>
+              <a:t>16/03/2022</a:t>
             </a:fld>
             <a:endParaRPr lang="fr-FR"/>
           </a:p>
@@ -848,7 +848,7 @@
           <a:p>
             <a:fld id="{1A3D9B3B-1EC8-4BC4-B783-7630517B3190}" type="datetimeFigureOut">
               <a:rPr lang="fr-FR" smtClean="0"/>
-              <a:t>15/03/2022</a:t>
+              <a:t>16/03/2022</a:t>
             </a:fld>
             <a:endParaRPr lang="fr-FR"/>
           </a:p>
@@ -1024,7 +1024,7 @@
           <a:p>
             <a:fld id="{1A3D9B3B-1EC8-4BC4-B783-7630517B3190}" type="datetimeFigureOut">
               <a:rPr lang="fr-FR" smtClean="0"/>
-              <a:t>15/03/2022</a:t>
+              <a:t>16/03/2022</a:t>
             </a:fld>
             <a:endParaRPr lang="fr-FR"/>
           </a:p>
@@ -1375,7 +1375,7 @@
           <a:p>
             <a:fld id="{1A3D9B3B-1EC8-4BC4-B783-7630517B3190}" type="datetimeFigureOut">
               <a:rPr lang="fr-FR" smtClean="0"/>
-              <a:t>15/03/2022</a:t>
+              <a:t>16/03/2022</a:t>
             </a:fld>
             <a:endParaRPr lang="fr-FR"/>
           </a:p>
@@ -1612,7 +1612,7 @@
           <a:p>
             <a:fld id="{1A3D9B3B-1EC8-4BC4-B783-7630517B3190}" type="datetimeFigureOut">
               <a:rPr lang="fr-FR" smtClean="0"/>
-              <a:t>15/03/2022</a:t>
+              <a:t>16/03/2022</a:t>
             </a:fld>
             <a:endParaRPr lang="fr-FR"/>
           </a:p>
@@ -2082,7 +2082,7 @@
           <a:p>
             <a:fld id="{1A3D9B3B-1EC8-4BC4-B783-7630517B3190}" type="datetimeFigureOut">
               <a:rPr lang="fr-FR" smtClean="0"/>
-              <a:t>15/03/2022</a:t>
+              <a:t>16/03/2022</a:t>
             </a:fld>
             <a:endParaRPr lang="fr-FR"/>
           </a:p>
@@ -2259,7 +2259,7 @@
           <a:p>
             <a:fld id="{1A3D9B3B-1EC8-4BC4-B783-7630517B3190}" type="datetimeFigureOut">
               <a:rPr lang="fr-FR" smtClean="0"/>
-              <a:t>15/03/2022</a:t>
+              <a:t>16/03/2022</a:t>
             </a:fld>
             <a:endParaRPr lang="fr-FR"/>
           </a:p>
@@ -2460,7 +2460,7 @@
           <a:p>
             <a:fld id="{1A3D9B3B-1EC8-4BC4-B783-7630517B3190}" type="datetimeFigureOut">
               <a:rPr lang="fr-FR" smtClean="0"/>
-              <a:t>15/03/2022</a:t>
+              <a:t>16/03/2022</a:t>
             </a:fld>
             <a:endParaRPr lang="fr-FR"/>
           </a:p>
@@ -2743,7 +2743,7 @@
           <a:p>
             <a:fld id="{1A3D9B3B-1EC8-4BC4-B783-7630517B3190}" type="datetimeFigureOut">
               <a:rPr lang="fr-FR" smtClean="0"/>
-              <a:t>15/03/2022</a:t>
+              <a:t>16/03/2022</a:t>
             </a:fld>
             <a:endParaRPr lang="fr-FR"/>
           </a:p>
@@ -3003,7 +3003,7 @@
           <a:p>
             <a:fld id="{1A3D9B3B-1EC8-4BC4-B783-7630517B3190}" type="datetimeFigureOut">
               <a:rPr lang="fr-FR" smtClean="0"/>
-              <a:t>15/03/2022</a:t>
+              <a:t>16/03/2022</a:t>
             </a:fld>
             <a:endParaRPr lang="fr-FR"/>
           </a:p>
@@ -3223,7 +3223,7 @@
             <a:fld id="{1A3D9B3B-1EC8-4BC4-B783-7630517B3190}" type="datetimeFigureOut">
               <a:rPr lang="fr-FR" smtClean="0"/>
               <a:pPr/>
-              <a:t>15/03/2022</a:t>
+              <a:t>16/03/2022</a:t>
             </a:fld>
             <a:endParaRPr lang="fr-FR"/>
           </a:p>
@@ -4738,14 +4738,12 @@
           </a:p>
           <a:p>
             <a:r>
+              <a:rPr lang="fr-FR" dirty="0" smtClean="0"/>
+              <a:t>Ne </a:t>
+            </a:r>
+            <a:r>
               <a:rPr lang="fr-FR" dirty="0"/>
-              <a:t>Montrer au plus tôt aux élèves (ou aux parents) que s’orienter vers la STI2D </a:t>
-            </a:r>
-          </a:p>
-          <a:p>
-            <a:r>
-              <a:rPr lang="fr-FR" dirty="0"/>
-              <a:t>Ne pas orienter les élèves, mais les aider à s’orienter</a:t>
+              <a:t>pas orienter les élèves, mais les aider à s’orienter</a:t>
             </a:r>
           </a:p>
           <a:p>
@@ -4988,8 +4986,20 @@
             <a:pPr algn="ctr"/>
             <a:r>
               <a:rPr lang="fr-FR" dirty="0"/>
-              <a:t>Baccalauréat Général &amp; Technologique</a:t>
-            </a:r>
+              <a:t>Baccalauréat Général &amp; </a:t>
+            </a:r>
+            <a:r>
+              <a:rPr lang="fr-FR" dirty="0" smtClean="0"/>
+              <a:t>Technologique</a:t>
+            </a:r>
+          </a:p>
+          <a:p>
+            <a:pPr algn="ctr"/>
+            <a:r>
+              <a:rPr lang="fr-FR" dirty="0" smtClean="0"/>
+              <a:t>385 000 en bac G – 142 000 en bac T</a:t>
+            </a:r>
+            <a:endParaRPr lang="fr-FR" dirty="0"/>
           </a:p>
         </p:txBody>
       </p:sp>
@@ -5064,8 +5074,20 @@
             <a:pPr algn="ctr"/>
             <a:r>
               <a:rPr lang="fr-FR" dirty="0"/>
-              <a:t>1 voie en bac T</a:t>
-            </a:r>
+              <a:t>1 voie en bac </a:t>
+            </a:r>
+            <a:r>
+              <a:rPr lang="fr-FR" dirty="0" smtClean="0"/>
+              <a:t>T</a:t>
+            </a:r>
+          </a:p>
+          <a:p>
+            <a:pPr algn="ctr"/>
+            <a:r>
+              <a:rPr lang="fr-FR" dirty="0" smtClean="0"/>
+              <a:t>~25000 étudiants en 1CPGE Scientifiques </a:t>
+            </a:r>
+            <a:endParaRPr lang="fr-FR" dirty="0"/>
           </a:p>
         </p:txBody>
       </p:sp>
@@ -5133,8 +5155,20 @@
             <a:pPr algn="ctr"/>
             <a:r>
               <a:rPr lang="fr-FR" dirty="0"/>
-              <a:t>24 BUT (?? axées profils SI/STI2D)</a:t>
-            </a:r>
+              <a:t>24 BUT (?? axées profils SI/STI2D</a:t>
+            </a:r>
+            <a:r>
+              <a:rPr lang="fr-FR" dirty="0" smtClean="0"/>
+              <a:t>)</a:t>
+            </a:r>
+          </a:p>
+          <a:p>
+            <a:pPr algn="ctr"/>
+            <a:r>
+              <a:rPr lang="fr-FR" dirty="0" smtClean="0"/>
+              <a:t>~25000 élèves en 1DUT « production »</a:t>
+            </a:r>
+            <a:endParaRPr lang="fr-FR" dirty="0"/>
           </a:p>
         </p:txBody>
       </p:sp>
@@ -5194,16 +5228,29 @@
           <a:p>
             <a:pPr algn="ctr"/>
             <a:r>
+              <a:rPr lang="fr-FR" dirty="0" smtClean="0"/>
+              <a:t>STS</a:t>
+            </a:r>
+            <a:endParaRPr lang="fr-FR" dirty="0"/>
+          </a:p>
+          <a:p>
+            <a:pPr algn="ctr"/>
+            <a:r>
               <a:rPr lang="fr-FR" dirty="0"/>
-              <a:t>BTS</a:t>
+              <a:t>125 </a:t>
+            </a:r>
+            <a:r>
+              <a:rPr lang="fr-FR" dirty="0" smtClean="0"/>
+              <a:t>spécialités</a:t>
             </a:r>
           </a:p>
           <a:p>
             <a:pPr algn="ctr"/>
             <a:r>
-              <a:rPr lang="fr-FR" dirty="0"/>
-              <a:t>125 spécialités</a:t>
-            </a:r>
+              <a:rPr lang="fr-FR" dirty="0" smtClean="0"/>
+              <a:t>~130 000  étudiants en 1STS</a:t>
+            </a:r>
+            <a:endParaRPr lang="fr-FR" dirty="0"/>
           </a:p>
         </p:txBody>
       </p:sp>
@@ -5422,6 +5469,62 @@
               <a:rPr lang="fr-FR" sz="1400"/>
               <a:t>Apprentissage</a:t>
             </a:r>
+          </a:p>
+        </p:txBody>
+      </p:sp>
+      <p:sp>
+        <p:nvSpPr>
+          <p:cNvPr id="4" name="Rectangle 3"/>
+          <p:cNvSpPr/>
+          <p:nvPr/>
+        </p:nvSpPr>
+        <p:spPr>
+          <a:xfrm>
+            <a:off x="5094513" y="6539334"/>
+            <a:ext cx="7228115" cy="400110"/>
+          </a:xfrm>
+          <a:prstGeom prst="rect">
+            <a:avLst/>
+          </a:prstGeom>
+        </p:spPr>
+        <p:txBody>
+          <a:bodyPr wrap="square">
+            <a:spAutoFit/>
+          </a:bodyPr>
+          <a:lstStyle/>
+          <a:p>
+            <a:r>
+              <a:rPr lang="fr-FR" sz="1000" dirty="0">
+                <a:hlinkClick r:id="rId2"/>
+              </a:rPr>
+              <a:t>https://</a:t>
+            </a:r>
+            <a:r>
+              <a:rPr lang="fr-FR" sz="1000" dirty="0" smtClean="0">
+                <a:hlinkClick r:id="rId2"/>
+              </a:rPr>
+              <a:t>www.enseignementsup-recherche.gouv.fr/sites/default/files/imported_files/documents/NF_IUT_juin_2018_f_966906.pdf</a:t>
+            </a:r>
+            <a:endParaRPr lang="fr-FR" sz="1000" dirty="0" smtClean="0"/>
+          </a:p>
+          <a:p>
+            <a:r>
+              <a:rPr lang="fr-FR" sz="1000" dirty="0">
+                <a:hlinkClick r:id="rId3"/>
+              </a:rPr>
+              <a:t>https://</a:t>
+            </a:r>
+            <a:r>
+              <a:rPr lang="fr-FR" sz="1000" dirty="0" smtClean="0">
+                <a:hlinkClick r:id="rId3"/>
+              </a:rPr>
+              <a:t>www.enseignementsup-recherche.gouv.fr/sites/default/files/imported_files/documents/NF_2021_02_cpge_num_1374823.pdf</a:t>
+            </a:r>
+            <a:r>
+              <a:rPr lang="fr-FR" sz="1000" dirty="0" smtClean="0"/>
+              <a:t> </a:t>
+            </a:r>
+            <a:endParaRPr lang="fr-FR" sz="1000" dirty="0"/>
           </a:p>
         </p:txBody>
       </p:sp>
@@ -8154,25 +8257,54 @@
           </a:p>
           <a:p>
             <a:r>
+              <a:rPr lang="fr-FR" sz="1800" dirty="0" smtClean="0"/>
+              <a:t>3</a:t>
+            </a:r>
+            <a:r>
+              <a:rPr lang="fr-FR" sz="1800" baseline="30000" dirty="0" smtClean="0"/>
+              <a:t>ème</a:t>
+            </a:r>
+            <a:r>
+              <a:rPr lang="fr-FR" sz="1800" dirty="0" smtClean="0"/>
+              <a:t> </a:t>
+            </a:r>
+            <a:r>
+              <a:rPr lang="fr-FR" sz="1800" dirty="0" smtClean="0"/>
+              <a:t> </a:t>
+            </a:r>
+            <a:r>
               <a:rPr lang="fr-FR" sz="1800" dirty="0"/>
-              <a:t>1</a:t>
-            </a:r>
-            <a:r>
-              <a:rPr lang="fr-FR" sz="1800" baseline="30000" dirty="0"/>
-              <a:t>er</a:t>
+              <a:t>en Maths (</a:t>
+            </a:r>
+            <a:r>
+              <a:rPr lang="fr-FR" sz="1800" dirty="0" smtClean="0"/>
+              <a:t>17), </a:t>
+            </a:r>
+            <a:r>
+              <a:rPr lang="fr-FR" sz="1800" dirty="0" smtClean="0"/>
+              <a:t>2</a:t>
+            </a:r>
+            <a:r>
+              <a:rPr lang="fr-FR" sz="1800" baseline="30000" dirty="0" smtClean="0"/>
+              <a:t>ème</a:t>
+            </a:r>
+            <a:r>
+              <a:rPr lang="fr-FR" sz="1800" dirty="0" smtClean="0"/>
+              <a:t> </a:t>
+            </a:r>
+            <a:r>
+              <a:rPr lang="fr-FR" sz="1800" dirty="0" smtClean="0"/>
+              <a:t>en </a:t>
             </a:r>
             <a:r>
               <a:rPr lang="fr-FR" sz="1800" dirty="0"/>
-              <a:t> en Maths (19), 1</a:t>
-            </a:r>
-            <a:r>
-              <a:rPr lang="fr-FR" sz="1800" baseline="30000" dirty="0"/>
-              <a:t>er</a:t>
-            </a:r>
-            <a:r>
-              <a:rPr lang="fr-FR" sz="1800" dirty="0"/>
-              <a:t> en SI (16)</a:t>
-            </a:r>
+              <a:t>SI (</a:t>
+            </a:r>
+            <a:r>
+              <a:rPr lang="fr-FR" sz="1800" dirty="0" smtClean="0"/>
+              <a:t>16)</a:t>
+            </a:r>
+            <a:endParaRPr lang="fr-FR" sz="1800" dirty="0"/>
           </a:p>
           <a:p>
             <a:r>
@@ -8182,9 +8314,10 @@
           </a:p>
           <a:p>
             <a:r>
-              <a:rPr lang="fr-FR" sz="1800" dirty="0"/>
-              <a:t>Assez bonne classe</a:t>
-            </a:r>
+              <a:rPr lang="fr-FR" sz="1800" dirty="0" smtClean="0"/>
+              <a:t>Très bonne classe</a:t>
+            </a:r>
+            <a:endParaRPr lang="fr-FR" sz="1800" dirty="0"/>
           </a:p>
           <a:p>
             <a:r>

--- a/Orientation/Orientation_PostBac.pptx
+++ b/Orientation/Orientation_PostBac.pptx
@@ -11,10 +11,11 @@
     <p:sldId id="265" r:id="rId5"/>
     <p:sldId id="259" r:id="rId6"/>
     <p:sldId id="261" r:id="rId7"/>
-    <p:sldId id="263" r:id="rId8"/>
-    <p:sldId id="262" r:id="rId9"/>
-    <p:sldId id="264" r:id="rId10"/>
-    <p:sldId id="260" r:id="rId11"/>
+    <p:sldId id="266" r:id="rId8"/>
+    <p:sldId id="263" r:id="rId9"/>
+    <p:sldId id="262" r:id="rId10"/>
+    <p:sldId id="264" r:id="rId11"/>
+    <p:sldId id="260" r:id="rId12"/>
   </p:sldIdLst>
   <p:sldSz cx="12192000" cy="6858000"/>
   <p:notesSz cx="6858000" cy="9144000"/>
@@ -3725,6 +3726,117 @@
           <p:cNvPr id="2" name="Titre 1">
             <a:extLst>
               <a:ext uri="{FF2B5EF4-FFF2-40B4-BE49-F238E27FC236}">
+                <a16:creationId xmlns:a16="http://schemas.microsoft.com/office/drawing/2014/main" id="{6B4A4E52-3045-4DE7-8AC9-6EA9409B68BF}"/>
+              </a:ext>
+            </a:extLst>
+          </p:cNvPr>
+          <p:cNvSpPr>
+            <a:spLocks noGrp="1"/>
+          </p:cNvSpPr>
+          <p:nvPr>
+            <p:ph type="title"/>
+          </p:nvPr>
+        </p:nvSpPr>
+        <p:spPr/>
+        <p:txBody>
+          <a:bodyPr/>
+          <a:lstStyle/>
+          <a:p>
+            <a:r>
+              <a:rPr lang="fr-FR" dirty="0"/>
+              <a:t>Quelques conseils pour </a:t>
+            </a:r>
+            <a:r>
+              <a:rPr lang="fr-FR" dirty="0" err="1"/>
+              <a:t>ParcoursSup</a:t>
+            </a:r>
+            <a:endParaRPr lang="fr-FR" dirty="0"/>
+          </a:p>
+        </p:txBody>
+      </p:sp>
+      <p:sp>
+        <p:nvSpPr>
+          <p:cNvPr id="3" name="Espace réservé du contenu 2">
+            <a:extLst>
+              <a:ext uri="{FF2B5EF4-FFF2-40B4-BE49-F238E27FC236}">
+                <a16:creationId xmlns:a16="http://schemas.microsoft.com/office/drawing/2014/main" id="{B3F029C8-3560-48BE-8295-5E8A135F0296}"/>
+              </a:ext>
+            </a:extLst>
+          </p:cNvPr>
+          <p:cNvSpPr>
+            <a:spLocks noGrp="1"/>
+          </p:cNvSpPr>
+          <p:nvPr>
+            <p:ph idx="1"/>
+          </p:nvPr>
+        </p:nvSpPr>
+        <p:spPr/>
+        <p:txBody>
+          <a:bodyPr/>
+          <a:lstStyle/>
+          <a:p>
+            <a:r>
+              <a:rPr lang="fr-FR" dirty="0"/>
+              <a:t>Diversifier les choix </a:t>
+            </a:r>
+          </a:p>
+          <a:p>
+            <a:pPr lvl="1"/>
+            <a:r>
+              <a:rPr lang="fr-FR" dirty="0"/>
+              <a:t>Diversifier les filières</a:t>
+            </a:r>
+          </a:p>
+          <a:p>
+            <a:pPr lvl="1"/>
+            <a:r>
+              <a:rPr lang="fr-FR" dirty="0"/>
+              <a:t>Diversifier les lycées</a:t>
+            </a:r>
+          </a:p>
+          <a:p>
+            <a:r>
+              <a:rPr lang="fr-FR" dirty="0"/>
+              <a:t>Ne pas s’attacher à un couple Ecole/Lycée</a:t>
+            </a:r>
+          </a:p>
+        </p:txBody>
+      </p:sp>
+    </p:spTree>
+    <p:extLst>
+      <p:ext uri="{BB962C8B-B14F-4D97-AF65-F5344CB8AC3E}">
+        <p14:creationId xmlns:p14="http://schemas.microsoft.com/office/powerpoint/2010/main" val="1595378849"/>
+      </p:ext>
+    </p:extLst>
+  </p:cSld>
+  <p:clrMapOvr>
+    <a:masterClrMapping/>
+  </p:clrMapOvr>
+</p:sld>
+</file>
+
+<file path=ppt/slides/slide11.xml><?xml version="1.0" encoding="utf-8"?>
+<p:sld xmlns:a="http://schemas.openxmlformats.org/drawingml/2006/main" xmlns:r="http://schemas.openxmlformats.org/officeDocument/2006/relationships" xmlns:p="http://schemas.openxmlformats.org/presentationml/2006/main">
+  <p:cSld>
+    <p:spTree>
+      <p:nvGrpSpPr>
+        <p:cNvPr id="1" name=""/>
+        <p:cNvGrpSpPr/>
+        <p:nvPr/>
+      </p:nvGrpSpPr>
+      <p:grpSpPr>
+        <a:xfrm>
+          <a:off x="0" y="0"/>
+          <a:ext cx="0" cy="0"/>
+          <a:chOff x="0" y="0"/>
+          <a:chExt cx="0" cy="0"/>
+        </a:xfrm>
+      </p:grpSpPr>
+      <p:sp>
+        <p:nvSpPr>
+          <p:cNvPr id="2" name="Titre 1">
+            <a:extLst>
+              <a:ext uri="{FF2B5EF4-FFF2-40B4-BE49-F238E27FC236}">
                 <a16:creationId xmlns:a16="http://schemas.microsoft.com/office/drawing/2014/main" id="{AE268130-CCF1-4345-9868-2B48B65B7959}"/>
               </a:ext>
             </a:extLst>
@@ -4738,12 +4850,8 @@
           </a:p>
           <a:p>
             <a:r>
-              <a:rPr lang="fr-FR" dirty="0" smtClean="0"/>
-              <a:t>Ne </a:t>
-            </a:r>
-            <a:r>
               <a:rPr lang="fr-FR" dirty="0"/>
-              <a:t>pas orienter les élèves, mais les aider à s’orienter</a:t>
+              <a:t>Ne pas orienter les élèves, mais les aider à s’orienter</a:t>
             </a:r>
           </a:p>
           <a:p>
@@ -4986,20 +5094,15 @@
             <a:pPr algn="ctr"/>
             <a:r>
               <a:rPr lang="fr-FR" dirty="0"/>
-              <a:t>Baccalauréat Général &amp; </a:t>
-            </a:r>
-            <a:r>
-              <a:rPr lang="fr-FR" dirty="0" smtClean="0"/>
-              <a:t>Technologique</a:t>
+              <a:t>Baccalauréat Général &amp; Technologique</a:t>
             </a:r>
           </a:p>
           <a:p>
             <a:pPr algn="ctr"/>
             <a:r>
-              <a:rPr lang="fr-FR" dirty="0" smtClean="0"/>
+              <a:rPr lang="fr-FR" dirty="0"/>
               <a:t>385 000 en bac G – 142 000 en bac T</a:t>
             </a:r>
-            <a:endParaRPr lang="fr-FR" dirty="0"/>
           </a:p>
         </p:txBody>
       </p:sp>
@@ -5074,20 +5177,15 @@
             <a:pPr algn="ctr"/>
             <a:r>
               <a:rPr lang="fr-FR" dirty="0"/>
-              <a:t>1 voie en bac </a:t>
-            </a:r>
-            <a:r>
-              <a:rPr lang="fr-FR" dirty="0" smtClean="0"/>
-              <a:t>T</a:t>
+              <a:t>1 voie en bac T</a:t>
             </a:r>
           </a:p>
           <a:p>
             <a:pPr algn="ctr"/>
             <a:r>
-              <a:rPr lang="fr-FR" dirty="0" smtClean="0"/>
+              <a:rPr lang="fr-FR" dirty="0"/>
               <a:t>~25000 étudiants en 1CPGE Scientifiques </a:t>
             </a:r>
-            <a:endParaRPr lang="fr-FR" dirty="0"/>
           </a:p>
         </p:txBody>
       </p:sp>
@@ -5155,20 +5253,15 @@
             <a:pPr algn="ctr"/>
             <a:r>
               <a:rPr lang="fr-FR" dirty="0"/>
-              <a:t>24 BUT (?? axées profils SI/STI2D</a:t>
-            </a:r>
-            <a:r>
-              <a:rPr lang="fr-FR" dirty="0" smtClean="0"/>
-              <a:t>)</a:t>
+              <a:t>24 BUT (?? axées profils SI/STI2D)</a:t>
             </a:r>
           </a:p>
           <a:p>
             <a:pPr algn="ctr"/>
             <a:r>
-              <a:rPr lang="fr-FR" dirty="0" smtClean="0"/>
+              <a:rPr lang="fr-FR" dirty="0"/>
               <a:t>~25000 élèves en 1DUT « production »</a:t>
             </a:r>
-            <a:endParaRPr lang="fr-FR" dirty="0"/>
           </a:p>
         </p:txBody>
       </p:sp>
@@ -5228,29 +5321,23 @@
           <a:p>
             <a:pPr algn="ctr"/>
             <a:r>
-              <a:rPr lang="fr-FR" dirty="0" smtClean="0"/>
+              <a:rPr lang="fr-FR" dirty="0"/>
               <a:t>STS</a:t>
             </a:r>
-            <a:endParaRPr lang="fr-FR" dirty="0"/>
           </a:p>
           <a:p>
             <a:pPr algn="ctr"/>
             <a:r>
               <a:rPr lang="fr-FR" dirty="0"/>
-              <a:t>125 </a:t>
-            </a:r>
-            <a:r>
-              <a:rPr lang="fr-FR" dirty="0" smtClean="0"/>
-              <a:t>spécialités</a:t>
+              <a:t>125 spécialités</a:t>
             </a:r>
           </a:p>
           <a:p>
             <a:pPr algn="ctr"/>
             <a:r>
-              <a:rPr lang="fr-FR" dirty="0" smtClean="0"/>
+              <a:rPr lang="fr-FR" dirty="0"/>
               <a:t>~130 000  étudiants en 1STS</a:t>
             </a:r>
-            <a:endParaRPr lang="fr-FR" dirty="0"/>
           </a:p>
         </p:txBody>
       </p:sp>
@@ -5497,34 +5584,21 @@
               <a:rPr lang="fr-FR" sz="1000" dirty="0">
                 <a:hlinkClick r:id="rId2"/>
               </a:rPr>
-              <a:t>https://</a:t>
-            </a:r>
-            <a:r>
-              <a:rPr lang="fr-FR" sz="1000" dirty="0" smtClean="0">
-                <a:hlinkClick r:id="rId2"/>
-              </a:rPr>
-              <a:t>www.enseignementsup-recherche.gouv.fr/sites/default/files/imported_files/documents/NF_IUT_juin_2018_f_966906.pdf</a:t>
-            </a:r>
-            <a:endParaRPr lang="fr-FR" sz="1000" dirty="0" smtClean="0"/>
+              <a:t>https://www.enseignementsup-recherche.gouv.fr/sites/default/files/imported_files/documents/NF_IUT_juin_2018_f_966906.pdf</a:t>
+            </a:r>
+            <a:endParaRPr lang="fr-FR" sz="1000" dirty="0"/>
           </a:p>
           <a:p>
             <a:r>
               <a:rPr lang="fr-FR" sz="1000" dirty="0">
                 <a:hlinkClick r:id="rId3"/>
               </a:rPr>
-              <a:t>https://</a:t>
-            </a:r>
-            <a:r>
-              <a:rPr lang="fr-FR" sz="1000" dirty="0" smtClean="0">
-                <a:hlinkClick r:id="rId3"/>
-              </a:rPr>
-              <a:t>www.enseignementsup-recherche.gouv.fr/sites/default/files/imported_files/documents/NF_2021_02_cpge_num_1374823.pdf</a:t>
-            </a:r>
-            <a:r>
-              <a:rPr lang="fr-FR" sz="1000" dirty="0" smtClean="0"/>
+              <a:t>https://www.enseignementsup-recherche.gouv.fr/sites/default/files/imported_files/documents/NF_2021_02_cpge_num_1374823.pdf</a:t>
+            </a:r>
+            <a:r>
+              <a:rPr lang="fr-FR" sz="1000" dirty="0"/>
               <a:t> </a:t>
             </a:r>
-            <a:endParaRPr lang="fr-FR" sz="1000" dirty="0"/>
           </a:p>
         </p:txBody>
       </p:sp>
@@ -7989,10 +8063,367 @@
       </p:grpSpPr>
       <p:sp>
         <p:nvSpPr>
-          <p:cNvPr id="2" name="Titre 1">
-            <a:extLst>
-              <a:ext uri="{FF2B5EF4-FFF2-40B4-BE49-F238E27FC236}">
-                <a16:creationId xmlns:a16="http://schemas.microsoft.com/office/drawing/2014/main" id="{4496AD7F-8F1C-441A-BD99-38C3EE0093A7}"/>
+          <p:cNvPr id="27" name="Rectangle 26">
+            <a:extLst>
+              <a:ext uri="{FF2B5EF4-FFF2-40B4-BE49-F238E27FC236}">
+                <a16:creationId xmlns:a16="http://schemas.microsoft.com/office/drawing/2014/main" id="{E1B17753-F641-414B-BBEF-79E4C259A547}"/>
+              </a:ext>
+            </a:extLst>
+          </p:cNvPr>
+          <p:cNvSpPr/>
+          <p:nvPr/>
+        </p:nvSpPr>
+        <p:spPr>
+          <a:xfrm>
+            <a:off x="5017266" y="782320"/>
+            <a:ext cx="2109252" cy="599440"/>
+          </a:xfrm>
+          <a:prstGeom prst="rect">
+            <a:avLst/>
+          </a:prstGeom>
+          <a:solidFill>
+            <a:schemeClr val="bg1"/>
+          </a:solidFill>
+          <a:ln>
+            <a:noFill/>
+          </a:ln>
+        </p:spPr>
+        <p:style>
+          <a:lnRef idx="2">
+            <a:schemeClr val="accent1">
+              <a:shade val="50000"/>
+            </a:schemeClr>
+          </a:lnRef>
+          <a:fillRef idx="1">
+            <a:schemeClr val="accent1"/>
+          </a:fillRef>
+          <a:effectRef idx="0">
+            <a:schemeClr val="accent1"/>
+          </a:effectRef>
+          <a:fontRef idx="minor">
+            <a:schemeClr val="lt1"/>
+          </a:fontRef>
+        </p:style>
+        <p:txBody>
+          <a:bodyPr rtlCol="0" anchor="ctr"/>
+          <a:lstStyle/>
+          <a:p>
+            <a:pPr algn="ctr"/>
+            <a:endParaRPr lang="fr-FR"/>
+          </a:p>
+        </p:txBody>
+      </p:sp>
+      <p:sp>
+        <p:nvSpPr>
+          <p:cNvPr id="3" name="Espace réservé du contenu 2">
+            <a:extLst>
+              <a:ext uri="{FF2B5EF4-FFF2-40B4-BE49-F238E27FC236}">
+                <a16:creationId xmlns:a16="http://schemas.microsoft.com/office/drawing/2014/main" id="{217C059E-3874-4FB6-BDA7-D1DD8591F31A}"/>
+              </a:ext>
+            </a:extLst>
+          </p:cNvPr>
+          <p:cNvSpPr>
+            <a:spLocks noGrp="1"/>
+          </p:cNvSpPr>
+          <p:nvPr>
+            <p:ph idx="1"/>
+          </p:nvPr>
+        </p:nvSpPr>
+        <p:spPr>
+          <a:xfrm>
+            <a:off x="232229" y="1248228"/>
+            <a:ext cx="4407504" cy="5110161"/>
+          </a:xfrm>
+        </p:spPr>
+        <p:txBody>
+          <a:bodyPr>
+            <a:normAutofit fontScale="92500" lnSpcReduction="10000"/>
+          </a:bodyPr>
+          <a:lstStyle/>
+          <a:p>
+            <a:pPr marL="342900" indent="-342900">
+              <a:buAutoNum type="arabicPeriod"/>
+            </a:pPr>
+            <a:r>
+              <a:rPr lang="fr-FR" sz="1800" dirty="0"/>
+              <a:t>En tant qu'enseignant, indiquer par des mots la représentation que vous vous faites des études en classe préparatoire (CPGE) ?</a:t>
+            </a:r>
+          </a:p>
+          <a:p>
+            <a:pPr marL="342900" indent="-342900">
+              <a:buAutoNum type="arabicPeriod"/>
+            </a:pPr>
+            <a:r>
+              <a:rPr lang="fr-FR" sz="1800" dirty="0"/>
+              <a:t>En tant qu'enseignant, indiquer par des mots la représentation que vous vous faites du profil d'élève admis en classe préparatoire (CPGE) ?</a:t>
+            </a:r>
+          </a:p>
+          <a:p>
+            <a:pPr marL="342900" indent="-342900">
+              <a:buAutoNum type="arabicPeriod"/>
+            </a:pPr>
+            <a:r>
+              <a:rPr lang="fr-FR" sz="1800" dirty="0"/>
+              <a:t>En tant qu'enseignant, indiquer par des mots la représentation que vous vous faites des études en IUT ?</a:t>
+            </a:r>
+          </a:p>
+          <a:p>
+            <a:pPr marL="342900" indent="-342900">
+              <a:buAutoNum type="arabicPeriod"/>
+            </a:pPr>
+            <a:r>
+              <a:rPr lang="fr-FR" sz="1800" dirty="0"/>
+              <a:t>En tant qu'enseignant, indiquer par des mots la représentation que vous vous faites du profil d'élève admis en IUT ?</a:t>
+            </a:r>
+          </a:p>
+          <a:p>
+            <a:pPr marL="342900" indent="-342900">
+              <a:buAutoNum type="arabicPeriod"/>
+            </a:pPr>
+            <a:r>
+              <a:rPr lang="fr-FR" sz="1800" dirty="0"/>
+              <a:t>En tant qu'enseignant, indiquer par des mots la représentation que vous vous faites des études en BTS ?</a:t>
+            </a:r>
+          </a:p>
+          <a:p>
+            <a:pPr marL="342900" indent="-342900">
+              <a:buAutoNum type="arabicPeriod"/>
+            </a:pPr>
+            <a:r>
+              <a:rPr lang="fr-FR" sz="1800" dirty="0"/>
+              <a:t>En tant qu'enseignant, indiquer par des mots la représentation que vous vous faites du profil d'élève admis en BTS ?</a:t>
+            </a:r>
+          </a:p>
+          <a:p>
+            <a:pPr marL="0" indent="0">
+              <a:buNone/>
+            </a:pPr>
+            <a:endParaRPr lang="fr-FR" sz="1800" dirty="0"/>
+          </a:p>
+        </p:txBody>
+      </p:sp>
+      <p:pic>
+        <p:nvPicPr>
+          <p:cNvPr id="13" name="Image 12">
+            <a:extLst>
+              <a:ext uri="{FF2B5EF4-FFF2-40B4-BE49-F238E27FC236}">
+                <a16:creationId xmlns:a16="http://schemas.microsoft.com/office/drawing/2014/main" id="{1A546DD6-A261-4FE0-9949-031A50DCA4F8}"/>
+              </a:ext>
+            </a:extLst>
+          </p:cNvPr>
+          <p:cNvPicPr>
+            <a:picLocks noChangeAspect="1"/>
+          </p:cNvPicPr>
+          <p:nvPr/>
+        </p:nvPicPr>
+        <p:blipFill>
+          <a:blip r:embed="rId2" cstate="print">
+            <a:extLst>
+              <a:ext uri="{28A0092B-C50C-407E-A947-70E740481C1C}">
+                <a14:useLocalDpi xmlns:a14="http://schemas.microsoft.com/office/drawing/2010/main" val="0"/>
+              </a:ext>
+            </a:extLst>
+          </a:blip>
+          <a:stretch>
+            <a:fillRect/>
+          </a:stretch>
+        </p:blipFill>
+        <p:spPr>
+          <a:xfrm>
+            <a:off x="5230347" y="73014"/>
+            <a:ext cx="2501892" cy="1980000"/>
+          </a:xfrm>
+          <a:prstGeom prst="rect">
+            <a:avLst/>
+          </a:prstGeom>
+        </p:spPr>
+      </p:pic>
+      <p:pic>
+        <p:nvPicPr>
+          <p:cNvPr id="15" name="Image 14">
+            <a:extLst>
+              <a:ext uri="{FF2B5EF4-FFF2-40B4-BE49-F238E27FC236}">
+                <a16:creationId xmlns:a16="http://schemas.microsoft.com/office/drawing/2014/main" id="{63FECBBB-1A2C-4018-82AB-034BA8A0838A}"/>
+              </a:ext>
+            </a:extLst>
+          </p:cNvPr>
+          <p:cNvPicPr>
+            <a:picLocks noChangeAspect="1"/>
+          </p:cNvPicPr>
+          <p:nvPr/>
+        </p:nvPicPr>
+        <p:blipFill>
+          <a:blip r:embed="rId3">
+            <a:extLst>
+              <a:ext uri="{28A0092B-C50C-407E-A947-70E740481C1C}">
+                <a14:useLocalDpi xmlns:a14="http://schemas.microsoft.com/office/drawing/2010/main" val="0"/>
+              </a:ext>
+            </a:extLst>
+          </a:blip>
+          <a:stretch>
+            <a:fillRect/>
+          </a:stretch>
+        </p:blipFill>
+        <p:spPr>
+          <a:xfrm>
+            <a:off x="8484216" y="92040"/>
+            <a:ext cx="2814172" cy="1980000"/>
+          </a:xfrm>
+          <a:prstGeom prst="rect">
+            <a:avLst/>
+          </a:prstGeom>
+        </p:spPr>
+      </p:pic>
+      <p:pic>
+        <p:nvPicPr>
+          <p:cNvPr id="17" name="Image 16">
+            <a:extLst>
+              <a:ext uri="{FF2B5EF4-FFF2-40B4-BE49-F238E27FC236}">
+                <a16:creationId xmlns:a16="http://schemas.microsoft.com/office/drawing/2014/main" id="{FC7639B0-3085-4ABE-827A-AF366D047ECC}"/>
+              </a:ext>
+            </a:extLst>
+          </p:cNvPr>
+          <p:cNvPicPr>
+            <a:picLocks noChangeAspect="1"/>
+          </p:cNvPicPr>
+          <p:nvPr/>
+        </p:nvPicPr>
+        <p:blipFill>
+          <a:blip r:embed="rId4" cstate="print">
+            <a:extLst>
+              <a:ext uri="{28A0092B-C50C-407E-A947-70E740481C1C}">
+                <a14:useLocalDpi xmlns:a14="http://schemas.microsoft.com/office/drawing/2010/main" val="0"/>
+              </a:ext>
+            </a:extLst>
+          </a:blip>
+          <a:stretch>
+            <a:fillRect/>
+          </a:stretch>
+        </p:blipFill>
+        <p:spPr>
+          <a:xfrm>
+            <a:off x="5345834" y="2164079"/>
+            <a:ext cx="2359317" cy="1980000"/>
+          </a:xfrm>
+          <a:prstGeom prst="rect">
+            <a:avLst/>
+          </a:prstGeom>
+        </p:spPr>
+      </p:pic>
+      <p:pic>
+        <p:nvPicPr>
+          <p:cNvPr id="19" name="Image 18">
+            <a:extLst>
+              <a:ext uri="{FF2B5EF4-FFF2-40B4-BE49-F238E27FC236}">
+                <a16:creationId xmlns:a16="http://schemas.microsoft.com/office/drawing/2014/main" id="{669EE7CC-7B62-4670-9BE3-900BCC0B746D}"/>
+              </a:ext>
+            </a:extLst>
+          </p:cNvPr>
+          <p:cNvPicPr>
+            <a:picLocks noChangeAspect="1"/>
+          </p:cNvPicPr>
+          <p:nvPr/>
+        </p:nvPicPr>
+        <p:blipFill>
+          <a:blip r:embed="rId5">
+            <a:extLst>
+              <a:ext uri="{28A0092B-C50C-407E-A947-70E740481C1C}">
+                <a14:useLocalDpi xmlns:a14="http://schemas.microsoft.com/office/drawing/2010/main" val="0"/>
+              </a:ext>
+            </a:extLst>
+          </a:blip>
+          <a:stretch>
+            <a:fillRect/>
+          </a:stretch>
+        </p:blipFill>
+        <p:spPr>
+          <a:xfrm>
+            <a:off x="8484216" y="2164079"/>
+            <a:ext cx="2960100" cy="1980000"/>
+          </a:xfrm>
+          <a:prstGeom prst="rect">
+            <a:avLst/>
+          </a:prstGeom>
+        </p:spPr>
+      </p:pic>
+      <p:pic>
+        <p:nvPicPr>
+          <p:cNvPr id="23" name="Image 22">
+            <a:extLst>
+              <a:ext uri="{FF2B5EF4-FFF2-40B4-BE49-F238E27FC236}">
+                <a16:creationId xmlns:a16="http://schemas.microsoft.com/office/drawing/2014/main" id="{77AF48AC-AEC3-4CE7-A2F9-2A81F701D656}"/>
+              </a:ext>
+            </a:extLst>
+          </p:cNvPr>
+          <p:cNvPicPr>
+            <a:picLocks noChangeAspect="1"/>
+          </p:cNvPicPr>
+          <p:nvPr/>
+        </p:nvPicPr>
+        <p:blipFill>
+          <a:blip r:embed="rId6" cstate="print">
+            <a:extLst>
+              <a:ext uri="{28A0092B-C50C-407E-A947-70E740481C1C}">
+                <a14:useLocalDpi xmlns:a14="http://schemas.microsoft.com/office/drawing/2010/main" val="0"/>
+              </a:ext>
+            </a:extLst>
+          </a:blip>
+          <a:stretch>
+            <a:fillRect/>
+          </a:stretch>
+        </p:blipFill>
+        <p:spPr>
+          <a:xfrm>
+            <a:off x="5368685" y="4255144"/>
+            <a:ext cx="2336466" cy="1980000"/>
+          </a:xfrm>
+          <a:prstGeom prst="rect">
+            <a:avLst/>
+          </a:prstGeom>
+        </p:spPr>
+      </p:pic>
+      <p:pic>
+        <p:nvPicPr>
+          <p:cNvPr id="25" name="Image 24">
+            <a:extLst>
+              <a:ext uri="{FF2B5EF4-FFF2-40B4-BE49-F238E27FC236}">
+                <a16:creationId xmlns:a16="http://schemas.microsoft.com/office/drawing/2014/main" id="{3FC59805-2274-45CC-9C91-A0A4D5E9B121}"/>
+              </a:ext>
+            </a:extLst>
+          </p:cNvPr>
+          <p:cNvPicPr>
+            <a:picLocks noChangeAspect="1"/>
+          </p:cNvPicPr>
+          <p:nvPr/>
+        </p:nvPicPr>
+        <p:blipFill>
+          <a:blip r:embed="rId7" cstate="print">
+            <a:extLst>
+              <a:ext uri="{28A0092B-C50C-407E-A947-70E740481C1C}">
+                <a14:useLocalDpi xmlns:a14="http://schemas.microsoft.com/office/drawing/2010/main" val="0"/>
+              </a:ext>
+            </a:extLst>
+          </a:blip>
+          <a:stretch>
+            <a:fillRect/>
+          </a:stretch>
+        </p:blipFill>
+        <p:spPr>
+          <a:xfrm>
+            <a:off x="8712548" y="4236118"/>
+            <a:ext cx="2920602" cy="1980000"/>
+          </a:xfrm>
+          <a:prstGeom prst="rect">
+            <a:avLst/>
+          </a:prstGeom>
+        </p:spPr>
+      </p:pic>
+      <p:sp>
+        <p:nvSpPr>
+          <p:cNvPr id="26" name="Titre 1">
+            <a:extLst>
+              <a:ext uri="{FF2B5EF4-FFF2-40B4-BE49-F238E27FC236}">
+                <a16:creationId xmlns:a16="http://schemas.microsoft.com/office/drawing/2014/main" id="{71BE3FEF-E3F5-4EF1-B36B-0CF9B30FD8D1}"/>
               </a:ext>
             </a:extLst>
           </p:cNvPr>
@@ -8003,124 +8434,19 @@
             <p:ph type="title"/>
           </p:nvPr>
         </p:nvSpPr>
-        <p:spPr/>
+        <p:spPr>
+          <a:xfrm>
+            <a:off x="396258" y="1"/>
+            <a:ext cx="5100649" cy="1021976"/>
+          </a:xfrm>
+        </p:spPr>
         <p:txBody>
           <a:bodyPr/>
           <a:lstStyle/>
           <a:p>
             <a:r>
               <a:rPr lang="fr-FR" dirty="0"/>
-              <a:t>Reconstruction </a:t>
-            </a:r>
-            <a:r>
-              <a:rPr lang="fr-FR" dirty="0">
-                <a:sym typeface="Wingdings" panose="05000000000000000000" pitchFamily="2" charset="2"/>
-              </a:rPr>
-              <a:t></a:t>
-            </a:r>
-            <a:endParaRPr lang="fr-FR" dirty="0"/>
-          </a:p>
-        </p:txBody>
-      </p:sp>
-      <p:sp>
-        <p:nvSpPr>
-          <p:cNvPr id="3" name="Espace réservé du contenu 2">
-            <a:extLst>
-              <a:ext uri="{FF2B5EF4-FFF2-40B4-BE49-F238E27FC236}">
-                <a16:creationId xmlns:a16="http://schemas.microsoft.com/office/drawing/2014/main" id="{BE9BBB59-D48F-4949-916C-AD29A03AA1FF}"/>
-              </a:ext>
-            </a:extLst>
-          </p:cNvPr>
-          <p:cNvSpPr>
-            <a:spLocks noGrp="1"/>
-          </p:cNvSpPr>
-          <p:nvPr>
-            <p:ph idx="1"/>
-          </p:nvPr>
-        </p:nvSpPr>
-        <p:spPr/>
-        <p:txBody>
-          <a:bodyPr>
-            <a:normAutofit lnSpcReduction="10000"/>
-          </a:bodyPr>
-          <a:lstStyle/>
-          <a:p>
-            <a:r>
-              <a:rPr lang="fr-FR" dirty="0"/>
-              <a:t>Parcours sécurisé</a:t>
-            </a:r>
-          </a:p>
-          <a:p>
-            <a:pPr lvl="1"/>
-            <a:r>
-              <a:rPr lang="fr-FR" dirty="0"/>
-              <a:t>Les prépas ne remplissent pas</a:t>
-            </a:r>
-          </a:p>
-          <a:p>
-            <a:pPr lvl="1"/>
-            <a:r>
-              <a:rPr lang="fr-FR" dirty="0"/>
-              <a:t>Les écoles d’ingénieurs ne remplissent pas</a:t>
-            </a:r>
-          </a:p>
-          <a:p>
-            <a:pPr lvl="1"/>
-            <a:r>
-              <a:rPr lang="fr-FR" dirty="0"/>
-              <a:t>Double inscription à l’université</a:t>
-            </a:r>
-          </a:p>
-          <a:p>
-            <a:pPr lvl="1"/>
-            <a:r>
-              <a:rPr lang="fr-FR" dirty="0"/>
-              <a:t>Tous les élèves ont une école</a:t>
-            </a:r>
-          </a:p>
-          <a:p>
-            <a:r>
-              <a:rPr lang="fr-FR" dirty="0"/>
-              <a:t>Encadrement privilégié</a:t>
-            </a:r>
-          </a:p>
-          <a:p>
-            <a:pPr lvl="1"/>
-            <a:r>
-              <a:rPr lang="fr-FR" dirty="0"/>
-              <a:t>Une classe – Un prof</a:t>
-            </a:r>
-          </a:p>
-          <a:p>
-            <a:pPr lvl="1"/>
-            <a:r>
-              <a:rPr lang="fr-FR" dirty="0"/>
-              <a:t>Colles</a:t>
-            </a:r>
-          </a:p>
-          <a:p>
-            <a:pPr lvl="1"/>
-            <a:r>
-              <a:rPr lang="fr-FR" dirty="0"/>
-              <a:t>Evaluations</a:t>
-            </a:r>
-          </a:p>
-          <a:p>
-            <a:r>
-              <a:rPr lang="fr-FR" dirty="0"/>
-              <a:t>Formation scientifique et scolaire</a:t>
-            </a:r>
-          </a:p>
-          <a:p>
-            <a:r>
-              <a:rPr lang="fr-FR" dirty="0"/>
-              <a:t>Notation</a:t>
-            </a:r>
-          </a:p>
-          <a:p>
-            <a:r>
-              <a:rPr lang="fr-FR" dirty="0"/>
-              <a:t>Environnement étudiant</a:t>
+              <a:t>Résultats Bruts</a:t>
             </a:r>
           </a:p>
         </p:txBody>
@@ -8128,7 +8454,7 @@
     </p:spTree>
     <p:extLst>
       <p:ext uri="{BB962C8B-B14F-4D97-AF65-F5344CB8AC3E}">
-        <p14:creationId xmlns:p14="http://schemas.microsoft.com/office/powerpoint/2010/main" val="1874675755"/>
+        <p14:creationId xmlns:p14="http://schemas.microsoft.com/office/powerpoint/2010/main" val="4095348765"/>
       </p:ext>
     </p:extLst>
   </p:cSld>
@@ -8160,7 +8486,7 @@
           <p:cNvPr id="2" name="Titre 1">
             <a:extLst>
               <a:ext uri="{FF2B5EF4-FFF2-40B4-BE49-F238E27FC236}">
-                <a16:creationId xmlns:a16="http://schemas.microsoft.com/office/drawing/2014/main" id="{C62DF86F-5C2C-4F12-9E42-B8156F770A72}"/>
+                <a16:creationId xmlns:a16="http://schemas.microsoft.com/office/drawing/2014/main" id="{4496AD7F-8F1C-441A-BD99-38C3EE0093A7}"/>
               </a:ext>
             </a:extLst>
           </p:cNvPr>
@@ -8178,8 +8504,15 @@
           <a:p>
             <a:r>
               <a:rPr lang="fr-FR" dirty="0"/>
-              <a:t>Profils d’élèves</a:t>
-            </a:r>
+              <a:t>Reconstruction </a:t>
+            </a:r>
+            <a:r>
+              <a:rPr lang="fr-FR" dirty="0">
+                <a:sym typeface="Wingdings" panose="05000000000000000000" pitchFamily="2" charset="2"/>
+              </a:rPr>
+              <a:t></a:t>
+            </a:r>
+            <a:endParaRPr lang="fr-FR" dirty="0"/>
           </a:p>
         </p:txBody>
       </p:sp>
@@ -8188,7 +8521,7 @@
           <p:cNvPr id="3" name="Espace réservé du contenu 2">
             <a:extLst>
               <a:ext uri="{FF2B5EF4-FFF2-40B4-BE49-F238E27FC236}">
-                <a16:creationId xmlns:a16="http://schemas.microsoft.com/office/drawing/2014/main" id="{B3378970-7616-40CC-81B0-1EA47F75E37C}"/>
+                <a16:creationId xmlns:a16="http://schemas.microsoft.com/office/drawing/2014/main" id="{BE9BBB59-D48F-4949-916C-AD29A03AA1FF}"/>
               </a:ext>
             </a:extLst>
           </p:cNvPr>
@@ -8199,147 +8532,97 @@
             <p:ph idx="1"/>
           </p:nvPr>
         </p:nvSpPr>
-        <p:spPr>
-          <a:xfrm>
-            <a:off x="396258" y="1258388"/>
-            <a:ext cx="5792651" cy="5110161"/>
-          </a:xfrm>
-        </p:spPr>
+        <p:spPr/>
         <p:txBody>
           <a:bodyPr>
-            <a:normAutofit/>
+            <a:normAutofit lnSpcReduction="10000"/>
           </a:bodyPr>
           <a:lstStyle/>
           <a:p>
-            <a:pPr marL="0" indent="0">
-              <a:buNone/>
-            </a:pPr>
-            <a:r>
-              <a:rPr lang="fr-FR" sz="1800" dirty="0"/>
-              <a:t>La Martinière Monplaisir – MPSI </a:t>
-            </a:r>
-          </a:p>
-          <a:p>
-            <a:r>
-              <a:rPr lang="fr-FR" sz="1800" dirty="0"/>
-              <a:t>Classement </a:t>
-            </a:r>
-            <a:r>
-              <a:rPr lang="fr-FR" sz="1800" dirty="0" err="1"/>
-              <a:t>ParcoursSup</a:t>
-            </a:r>
-            <a:r>
-              <a:rPr lang="fr-FR" sz="1800" dirty="0"/>
-              <a:t> ~600</a:t>
-            </a:r>
-            <a:r>
-              <a:rPr lang="fr-FR" sz="1800" baseline="30000" dirty="0"/>
-              <a:t>ème</a:t>
-            </a:r>
-            <a:r>
-              <a:rPr lang="fr-FR" sz="1800" dirty="0"/>
-              <a:t> /4000</a:t>
-            </a:r>
-          </a:p>
-          <a:p>
-            <a:r>
-              <a:rPr lang="fr-FR" sz="1800" dirty="0"/>
-              <a:t>Maths, Maths Experte, SI, (Ph-</a:t>
-            </a:r>
-            <a:r>
-              <a:rPr lang="fr-FR" sz="1800" dirty="0" err="1"/>
-              <a:t>Ch</a:t>
-            </a:r>
-            <a:r>
-              <a:rPr lang="fr-FR" sz="1800" dirty="0"/>
-              <a:t>)</a:t>
-            </a:r>
-          </a:p>
-          <a:p>
-            <a:r>
-              <a:rPr lang="fr-FR" sz="1800" dirty="0" smtClean="0"/>
-              <a:t>3</a:t>
-            </a:r>
-            <a:r>
-              <a:rPr lang="fr-FR" sz="1800" baseline="30000" dirty="0" smtClean="0"/>
-              <a:t>ème</a:t>
-            </a:r>
-            <a:r>
-              <a:rPr lang="fr-FR" sz="1800" dirty="0" smtClean="0"/>
-              <a:t> </a:t>
-            </a:r>
-            <a:r>
-              <a:rPr lang="fr-FR" sz="1800" dirty="0" smtClean="0"/>
-              <a:t> </a:t>
-            </a:r>
-            <a:r>
-              <a:rPr lang="fr-FR" sz="1800" dirty="0"/>
-              <a:t>en Maths (</a:t>
-            </a:r>
-            <a:r>
-              <a:rPr lang="fr-FR" sz="1800" dirty="0" smtClean="0"/>
-              <a:t>17), </a:t>
-            </a:r>
-            <a:r>
-              <a:rPr lang="fr-FR" sz="1800" dirty="0" smtClean="0"/>
-              <a:t>2</a:t>
-            </a:r>
-            <a:r>
-              <a:rPr lang="fr-FR" sz="1800" baseline="30000" dirty="0" smtClean="0"/>
-              <a:t>ème</a:t>
-            </a:r>
-            <a:r>
-              <a:rPr lang="fr-FR" sz="1800" dirty="0" smtClean="0"/>
-              <a:t> </a:t>
-            </a:r>
-            <a:r>
-              <a:rPr lang="fr-FR" sz="1800" dirty="0" smtClean="0"/>
-              <a:t>en </a:t>
-            </a:r>
-            <a:r>
-              <a:rPr lang="fr-FR" sz="1800" dirty="0"/>
-              <a:t>SI (</a:t>
-            </a:r>
-            <a:r>
-              <a:rPr lang="fr-FR" sz="1800" dirty="0" smtClean="0"/>
-              <a:t>16)</a:t>
-            </a:r>
-            <a:endParaRPr lang="fr-FR" sz="1800" dirty="0"/>
-          </a:p>
-          <a:p>
-            <a:r>
-              <a:rPr lang="fr-FR" sz="1800" dirty="0"/>
-              <a:t>Français (16 &amp; 16)</a:t>
-            </a:r>
-          </a:p>
-          <a:p>
-            <a:r>
-              <a:rPr lang="fr-FR" sz="1800" dirty="0" smtClean="0"/>
-              <a:t>Très bonne classe</a:t>
-            </a:r>
-            <a:endParaRPr lang="fr-FR" sz="1800" dirty="0"/>
-          </a:p>
-          <a:p>
-            <a:r>
-              <a:rPr lang="fr-FR" sz="1800" dirty="0"/>
-              <a:t>1 place proposée en MPSI</a:t>
-            </a:r>
-          </a:p>
-          <a:p>
-            <a:r>
-              <a:rPr lang="fr-FR" sz="1800" dirty="0"/>
-              <a:t>N’est pas venu chez nous…</a:t>
-            </a:r>
-          </a:p>
-          <a:p>
-            <a:endParaRPr lang="fr-FR" sz="1800" dirty="0"/>
+            <a:r>
+              <a:rPr lang="fr-FR" dirty="0"/>
+              <a:t>Parcours sécurisé</a:t>
+            </a:r>
+          </a:p>
+          <a:p>
+            <a:pPr lvl="1"/>
+            <a:r>
+              <a:rPr lang="fr-FR" dirty="0"/>
+              <a:t>Les prépas ne remplissent pas</a:t>
+            </a:r>
+          </a:p>
+          <a:p>
+            <a:pPr lvl="1"/>
+            <a:r>
+              <a:rPr lang="fr-FR" dirty="0"/>
+              <a:t>Les écoles d’ingénieurs ne remplissent pas</a:t>
+            </a:r>
+          </a:p>
+          <a:p>
+            <a:pPr lvl="1"/>
+            <a:r>
+              <a:rPr lang="fr-FR" dirty="0"/>
+              <a:t>Double inscription à l’université</a:t>
+            </a:r>
+          </a:p>
+          <a:p>
+            <a:pPr lvl="1"/>
+            <a:r>
+              <a:rPr lang="fr-FR" dirty="0"/>
+              <a:t>Tous les élèves ont une école</a:t>
+            </a:r>
+          </a:p>
+          <a:p>
+            <a:r>
+              <a:rPr lang="fr-FR" dirty="0"/>
+              <a:t>Encadrement privilégié</a:t>
+            </a:r>
+          </a:p>
+          <a:p>
+            <a:pPr lvl="1"/>
+            <a:r>
+              <a:rPr lang="fr-FR" dirty="0"/>
+              <a:t>Une classe – Un prof</a:t>
+            </a:r>
+          </a:p>
+          <a:p>
+            <a:pPr lvl="1"/>
+            <a:r>
+              <a:rPr lang="fr-FR" dirty="0"/>
+              <a:t>Colles</a:t>
+            </a:r>
+          </a:p>
+          <a:p>
+            <a:pPr lvl="1"/>
+            <a:r>
+              <a:rPr lang="fr-FR" dirty="0"/>
+              <a:t>Evaluations</a:t>
+            </a:r>
+          </a:p>
+          <a:p>
+            <a:r>
+              <a:rPr lang="fr-FR" dirty="0"/>
+              <a:t>Formation scientifique et scolaire</a:t>
+            </a:r>
+          </a:p>
+          <a:p>
+            <a:r>
+              <a:rPr lang="fr-FR" dirty="0"/>
+              <a:t>Notation</a:t>
+            </a:r>
+          </a:p>
+          <a:p>
+            <a:r>
+              <a:rPr lang="fr-FR" dirty="0"/>
+              <a:t>Environnement étudiant</a:t>
+            </a:r>
           </a:p>
         </p:txBody>
       </p:sp>
     </p:spTree>
     <p:extLst>
       <p:ext uri="{BB962C8B-B14F-4D97-AF65-F5344CB8AC3E}">
-        <p14:creationId xmlns:p14="http://schemas.microsoft.com/office/powerpoint/2010/main" val="2767239399"/>
+        <p14:creationId xmlns:p14="http://schemas.microsoft.com/office/powerpoint/2010/main" val="1874675755"/>
       </p:ext>
     </p:extLst>
   </p:cSld>
@@ -8371,7 +8654,7 @@
           <p:cNvPr id="2" name="Titre 1">
             <a:extLst>
               <a:ext uri="{FF2B5EF4-FFF2-40B4-BE49-F238E27FC236}">
-                <a16:creationId xmlns:a16="http://schemas.microsoft.com/office/drawing/2014/main" id="{6B4A4E52-3045-4DE7-8AC9-6EA9409B68BF}"/>
+                <a16:creationId xmlns:a16="http://schemas.microsoft.com/office/drawing/2014/main" id="{C62DF86F-5C2C-4F12-9E42-B8156F770A72}"/>
               </a:ext>
             </a:extLst>
           </p:cNvPr>
@@ -8389,13 +8672,8 @@
           <a:p>
             <a:r>
               <a:rPr lang="fr-FR" dirty="0"/>
-              <a:t>Quelques conseils pour </a:t>
-            </a:r>
-            <a:r>
-              <a:rPr lang="fr-FR" dirty="0" err="1"/>
-              <a:t>ParcoursSup</a:t>
-            </a:r>
-            <a:endParaRPr lang="fr-FR" dirty="0"/>
+              <a:t>Profils d’élèves</a:t>
+            </a:r>
           </a:p>
         </p:txBody>
       </p:sp>
@@ -8404,7 +8682,7 @@
           <p:cNvPr id="3" name="Espace réservé du contenu 2">
             <a:extLst>
               <a:ext uri="{FF2B5EF4-FFF2-40B4-BE49-F238E27FC236}">
-                <a16:creationId xmlns:a16="http://schemas.microsoft.com/office/drawing/2014/main" id="{B3F029C8-3560-48BE-8295-5E8A135F0296}"/>
+                <a16:creationId xmlns:a16="http://schemas.microsoft.com/office/drawing/2014/main" id="{B3378970-7616-40CC-81B0-1EA47F75E37C}"/>
               </a:ext>
             </a:extLst>
           </p:cNvPr>
@@ -8415,42 +8693,117 @@
             <p:ph idx="1"/>
           </p:nvPr>
         </p:nvSpPr>
-        <p:spPr/>
-        <p:txBody>
-          <a:bodyPr/>
-          <a:lstStyle/>
-          <a:p>
-            <a:r>
-              <a:rPr lang="fr-FR" dirty="0"/>
-              <a:t>Diversifier les choix </a:t>
-            </a:r>
-          </a:p>
-          <a:p>
-            <a:pPr lvl="1"/>
-            <a:r>
-              <a:rPr lang="fr-FR" dirty="0"/>
-              <a:t>Diversifier les filières</a:t>
-            </a:r>
-          </a:p>
-          <a:p>
-            <a:pPr lvl="1"/>
-            <a:r>
-              <a:rPr lang="fr-FR" dirty="0"/>
-              <a:t>Diversifier les lycées</a:t>
-            </a:r>
-          </a:p>
-          <a:p>
-            <a:r>
-              <a:rPr lang="fr-FR" dirty="0"/>
-              <a:t>Ne pas s’attacher à un couple Ecole/Lycée</a:t>
-            </a:r>
+        <p:spPr>
+          <a:xfrm>
+            <a:off x="396258" y="1258388"/>
+            <a:ext cx="5792651" cy="5110161"/>
+          </a:xfrm>
+        </p:spPr>
+        <p:txBody>
+          <a:bodyPr>
+            <a:normAutofit/>
+          </a:bodyPr>
+          <a:lstStyle/>
+          <a:p>
+            <a:pPr marL="0" indent="0">
+              <a:buNone/>
+            </a:pPr>
+            <a:r>
+              <a:rPr lang="fr-FR" sz="1800" dirty="0"/>
+              <a:t>La Martinière Monplaisir – MPSI </a:t>
+            </a:r>
+          </a:p>
+          <a:p>
+            <a:r>
+              <a:rPr lang="fr-FR" sz="1800" dirty="0"/>
+              <a:t>Classement </a:t>
+            </a:r>
+            <a:r>
+              <a:rPr lang="fr-FR" sz="1800" dirty="0" err="1"/>
+              <a:t>ParcoursSup</a:t>
+            </a:r>
+            <a:r>
+              <a:rPr lang="fr-FR" sz="1800" dirty="0"/>
+              <a:t> ~600</a:t>
+            </a:r>
+            <a:r>
+              <a:rPr lang="fr-FR" sz="1800" baseline="30000" dirty="0"/>
+              <a:t>ème</a:t>
+            </a:r>
+            <a:r>
+              <a:rPr lang="fr-FR" sz="1800" dirty="0"/>
+              <a:t> /4000</a:t>
+            </a:r>
+          </a:p>
+          <a:p>
+            <a:r>
+              <a:rPr lang="fr-FR" sz="1800" dirty="0"/>
+              <a:t>Maths, Maths Experte, SI, (Ph-</a:t>
+            </a:r>
+            <a:r>
+              <a:rPr lang="fr-FR" sz="1800" dirty="0" err="1"/>
+              <a:t>Ch</a:t>
+            </a:r>
+            <a:r>
+              <a:rPr lang="fr-FR" sz="1800" dirty="0"/>
+              <a:t>)</a:t>
+            </a:r>
+          </a:p>
+          <a:p>
+            <a:r>
+              <a:rPr lang="fr-FR" sz="1800" dirty="0"/>
+              <a:t>3</a:t>
+            </a:r>
+            <a:r>
+              <a:rPr lang="fr-FR" sz="1800" baseline="30000" dirty="0"/>
+              <a:t>ème</a:t>
+            </a:r>
+            <a:r>
+              <a:rPr lang="fr-FR" sz="1800" dirty="0"/>
+              <a:t>  en Maths (17), 2</a:t>
+            </a:r>
+            <a:r>
+              <a:rPr lang="fr-FR" sz="1800" baseline="30000" dirty="0"/>
+              <a:t>ème</a:t>
+            </a:r>
+            <a:r>
+              <a:rPr lang="fr-FR" sz="1800" dirty="0"/>
+              <a:t> en SI (16)</a:t>
+            </a:r>
+          </a:p>
+          <a:p>
+            <a:r>
+              <a:rPr lang="fr-FR" sz="1800" dirty="0"/>
+              <a:t>Français (16 &amp; 16)</a:t>
+            </a:r>
+          </a:p>
+          <a:p>
+            <a:r>
+              <a:rPr lang="fr-FR" sz="1800" dirty="0"/>
+              <a:t>Très bonne classe</a:t>
+            </a:r>
+          </a:p>
+          <a:p>
+            <a:r>
+              <a:rPr lang="fr-FR" sz="1800" dirty="0"/>
+              <a:t>1 place proposée en MPSI</a:t>
+            </a:r>
+          </a:p>
+          <a:p>
+            <a:r>
+              <a:rPr lang="fr-FR" sz="1800" dirty="0"/>
+              <a:t>N’est pas venu chez nous…</a:t>
+            </a:r>
+          </a:p>
+          <a:p>
+            <a:endParaRPr lang="fr-FR" sz="1800" dirty="0"/>
           </a:p>
         </p:txBody>
       </p:sp>
     </p:spTree>
     <p:extLst>
       <p:ext uri="{BB962C8B-B14F-4D97-AF65-F5344CB8AC3E}">
-        <p14:creationId xmlns:p14="http://schemas.microsoft.com/office/powerpoint/2010/main" val="1595378849"/>
+        <p14:creationId xmlns:p14="http://schemas.microsoft.com/office/powerpoint/2010/main" val="2767239399"/>
       </p:ext>
     </p:extLst>
   </p:cSld>
